--- a/project presentation final.pptx
+++ b/project presentation final.pptx
@@ -5,34 +5,26 @@
     <p:sldMasterId id="2147483648" r:id="rId1"/>
   </p:sldMasterIdLst>
   <p:notesMasterIdLst>
-    <p:notesMasterId r:id="rId27"/>
+    <p:notesMasterId r:id="rId19"/>
   </p:notesMasterIdLst>
   <p:sldIdLst>
     <p:sldId id="256" r:id="rId2"/>
     <p:sldId id="270" r:id="rId3"/>
     <p:sldId id="257" r:id="rId4"/>
-    <p:sldId id="281" r:id="rId5"/>
-    <p:sldId id="260" r:id="rId6"/>
-    <p:sldId id="271" r:id="rId7"/>
-    <p:sldId id="272" r:id="rId8"/>
-    <p:sldId id="279" r:id="rId9"/>
-    <p:sldId id="273" r:id="rId10"/>
-    <p:sldId id="278" r:id="rId11"/>
-    <p:sldId id="277" r:id="rId12"/>
-    <p:sldId id="276" r:id="rId13"/>
-    <p:sldId id="282" r:id="rId14"/>
-    <p:sldId id="283" r:id="rId15"/>
-    <p:sldId id="284" r:id="rId16"/>
-    <p:sldId id="289" r:id="rId17"/>
-    <p:sldId id="285" r:id="rId18"/>
-    <p:sldId id="290" r:id="rId19"/>
-    <p:sldId id="291" r:id="rId20"/>
-    <p:sldId id="286" r:id="rId21"/>
-    <p:sldId id="287" r:id="rId22"/>
-    <p:sldId id="288" r:id="rId23"/>
-    <p:sldId id="292" r:id="rId24"/>
-    <p:sldId id="267" r:id="rId25"/>
-    <p:sldId id="263" r:id="rId26"/>
+    <p:sldId id="260" r:id="rId5"/>
+    <p:sldId id="272" r:id="rId6"/>
+    <p:sldId id="279" r:id="rId7"/>
+    <p:sldId id="273" r:id="rId8"/>
+    <p:sldId id="277" r:id="rId9"/>
+    <p:sldId id="276" r:id="rId10"/>
+    <p:sldId id="282" r:id="rId11"/>
+    <p:sldId id="284" r:id="rId12"/>
+    <p:sldId id="289" r:id="rId13"/>
+    <p:sldId id="290" r:id="rId14"/>
+    <p:sldId id="286" r:id="rId15"/>
+    <p:sldId id="288" r:id="rId16"/>
+    <p:sldId id="267" r:id="rId17"/>
+    <p:sldId id="263" r:id="rId18"/>
   </p:sldIdLst>
   <p:sldSz cx="9144000" cy="6858000" type="screen4x3"/>
   <p:notesSz cx="6858000" cy="9144000"/>
@@ -620,29 +612,7 @@
           <a:bodyPr/>
           <a:lstStyle/>
           <a:p>
-            <a:pPr marL="171450" indent="-171450">
-              <a:buFontTx/>
-              <a:buChar char="-"/>
-            </a:pPr>
-            <a:r>
-              <a:rPr lang="en-IE" dirty="0" smtClean="0"/>
-              <a:t>Main problem with Java’s</a:t>
-            </a:r>
-            <a:r>
-              <a:rPr lang="en-IE" baseline="0" dirty="0" smtClean="0"/>
-              <a:t> concurrency</a:t>
-            </a:r>
-            <a:r>
-              <a:rPr lang="en-IE" dirty="0" smtClean="0"/>
-              <a:t> is that when running multiple threads</a:t>
-            </a:r>
-            <a:r>
-              <a:rPr lang="en-IE" baseline="0" dirty="0" smtClean="0"/>
-              <a:t> the programmer has to decide what locks to put when on what data</a:t>
-            </a:r>
-          </a:p>
-          <a:p>
-            <a:pPr marL="171450" marR="0" indent="-171450" algn="l" defTabSz="914400" rtl="0" eaLnBrk="1" fontAlgn="auto" latinLnBrk="0" hangingPunct="1">
+            <a:pPr marL="0" marR="0" indent="0" algn="l" defTabSz="914400" rtl="0" eaLnBrk="1" fontAlgn="auto" latinLnBrk="0" hangingPunct="1">
               <a:lnSpc>
                 <a:spcPct val="100000"/>
               </a:lnSpc>
@@ -655,14 +625,10 @@
               <a:buClrTx/>
               <a:buSzTx/>
               <a:buFontTx/>
-              <a:buChar char="-"/>
+              <a:buNone/>
               <a:tabLst/>
               <a:defRPr/>
             </a:pPr>
-            <a:r>
-              <a:rPr lang="en-IE" baseline="0" dirty="0" smtClean="0"/>
-              <a:t>It leads to race conditions - a</a:t>
-            </a:r>
             <a:r>
               <a:rPr lang="en-IE" sz="1200" kern="1200" dirty="0" smtClean="0">
                 <a:solidFill>
@@ -673,19 +639,93 @@
                 <a:ea typeface="+mn-ea"/>
                 <a:cs typeface="+mn-cs"/>
               </a:rPr>
-              <a:t> situation where two different threads access the same data and update the value of that data without locking</a:t>
-            </a:r>
-            <a:endParaRPr lang="en-IE" baseline="0" dirty="0" smtClean="0"/>
-          </a:p>
-          <a:p>
-            <a:pPr marL="171450" indent="-171450">
+              <a:t>- Actors send messages to each other by using the “!” method</a:t>
+            </a:r>
+          </a:p>
+          <a:p>
+            <a:pPr marL="0" marR="0" indent="0" algn="l" defTabSz="914400" rtl="0" eaLnBrk="1" fontAlgn="auto" latinLnBrk="0" hangingPunct="1">
+              <a:lnSpc>
+                <a:spcPct val="100000"/>
+              </a:lnSpc>
+              <a:spcBef>
+                <a:spcPts val="0"/>
+              </a:spcBef>
+              <a:spcAft>
+                <a:spcPts val="0"/>
+              </a:spcAft>
+              <a:buClrTx/>
+              <a:buSzTx/>
               <a:buFontTx/>
-              <a:buChar char="-"/>
+              <a:buNone/>
+              <a:tabLst/>
+              <a:defRPr/>
             </a:pPr>
             <a:r>
-              <a:rPr lang="en-IE" baseline="0" dirty="0" smtClean="0"/>
-              <a:t>It leads to deadlocks – when one threads is waiting for the other to give access to the data, they can be waiting forever…</a:t>
-            </a:r>
+              <a:rPr lang="en-IE" sz="1200" kern="1200" dirty="0" smtClean="0">
+                <a:solidFill>
+                  <a:schemeClr val="tx1"/>
+                </a:solidFill>
+                <a:effectLst/>
+                <a:latin typeface="+mn-lt"/>
+                <a:ea typeface="+mn-ea"/>
+                <a:cs typeface="+mn-cs"/>
+              </a:rPr>
+              <a:t>- The actor then prints out whatever message it receives, he does so by calling “receive”</a:t>
+            </a:r>
+          </a:p>
+          <a:p>
+            <a:pPr marL="0" marR="0" indent="0" algn="l" defTabSz="914400" rtl="0" eaLnBrk="1" fontAlgn="auto" latinLnBrk="0" hangingPunct="1">
+              <a:lnSpc>
+                <a:spcPct val="100000"/>
+              </a:lnSpc>
+              <a:spcBef>
+                <a:spcPts val="0"/>
+              </a:spcBef>
+              <a:spcAft>
+                <a:spcPts val="0"/>
+              </a:spcAft>
+              <a:buClrTx/>
+              <a:buSzTx/>
+              <a:buFontTx/>
+              <a:buNone/>
+              <a:tabLst/>
+              <a:defRPr/>
+            </a:pPr>
+            <a:r>
+              <a:rPr lang="en-IE" sz="1200" kern="1200" dirty="0" smtClean="0">
+                <a:solidFill>
+                  <a:schemeClr val="tx1"/>
+                </a:solidFill>
+                <a:effectLst/>
+                <a:latin typeface="+mn-lt"/>
+                <a:ea typeface="+mn-ea"/>
+                <a:cs typeface="+mn-cs"/>
+              </a:rPr>
+              <a:t>- Note of “case” keyword, receive could have a few “case” statements</a:t>
+            </a:r>
+          </a:p>
+          <a:p>
+            <a:pPr marL="0" marR="0" indent="0" algn="l" defTabSz="914400" rtl="0" eaLnBrk="1" fontAlgn="auto" latinLnBrk="0" hangingPunct="1">
+              <a:lnSpc>
+                <a:spcPct val="100000"/>
+              </a:lnSpc>
+              <a:spcBef>
+                <a:spcPts val="0"/>
+              </a:spcBef>
+              <a:spcAft>
+                <a:spcPts val="0"/>
+              </a:spcAft>
+              <a:buClrTx/>
+              <a:buSzTx/>
+              <a:buFontTx/>
+              <a:buNone/>
+              <a:tabLst/>
+              <a:defRPr/>
+            </a:pPr>
+            <a:endParaRPr lang="pl-PL" dirty="0" smtClean="0"/>
+          </a:p>
+          <a:p>
+            <a:endParaRPr lang="pl-PL" dirty="0"/>
           </a:p>
         </p:txBody>
       </p:sp>
@@ -706,7 +746,7 @@
           <a:p>
             <a:fld id="{9CCF4A4B-2EF2-4B29-8BD9-956A2A33DB7C}" type="slidenum">
               <a:rPr lang="pl-PL" smtClean="0"/>
-              <a:t>13</a:t>
+              <a:t>12</a:t>
             </a:fld>
             <a:endParaRPr lang="pl-PL"/>
           </a:p>
@@ -715,7 +755,7 @@
     </p:spTree>
     <p:extLst>
       <p:ext uri="{BB962C8B-B14F-4D97-AF65-F5344CB8AC3E}">
-        <p14:creationId xmlns:p14="http://schemas.microsoft.com/office/powerpoint/2010/main" val="2762162689"/>
+        <p14:creationId xmlns:p14="http://schemas.microsoft.com/office/powerpoint/2010/main" val="734817408"/>
       </p:ext>
     </p:extLst>
   </p:cSld>
@@ -770,45 +810,19 @@
           <a:lstStyle/>
           <a:p>
             <a:r>
-              <a:rPr lang="en-US" dirty="0" smtClean="0"/>
-              <a:t>In </a:t>
-            </a:r>
-            <a:r>
-              <a:rPr lang="en-US" dirty="0" smtClean="0">
-                <a:hlinkClick r:id="rId3" tooltip="Computer programming"/>
-              </a:rPr>
-              <a:t>computer programming</a:t>
-            </a:r>
-            <a:r>
-              <a:rPr lang="en-US" dirty="0" smtClean="0"/>
-              <a:t>, </a:t>
-            </a:r>
-            <a:r>
-              <a:rPr lang="en-US" b="1" dirty="0" smtClean="0"/>
-              <a:t>asynchronous</a:t>
-            </a:r>
-            <a:r>
-              <a:rPr lang="en-US" dirty="0" smtClean="0"/>
-              <a:t> events are those occurring independently of the main program flow. </a:t>
-            </a:r>
-            <a:r>
-              <a:rPr lang="en-US" b="1" dirty="0" smtClean="0"/>
-              <a:t>Asynchronous</a:t>
-            </a:r>
-            <a:r>
-              <a:rPr lang="en-US" dirty="0" smtClean="0"/>
-              <a:t> actions are actions executed in a </a:t>
-            </a:r>
-            <a:r>
-              <a:rPr lang="en-US" dirty="0" smtClean="0">
-                <a:hlinkClick r:id="rId4" tooltip="Non-blocking algorithm"/>
-              </a:rPr>
-              <a:t>non-blocking</a:t>
-            </a:r>
-            <a:r>
-              <a:rPr lang="en-US" dirty="0" smtClean="0"/>
-              <a:t> scheme, allowing the main program flow to continue processing.</a:t>
-            </a:r>
+              <a:rPr lang="en-IE" dirty="0" smtClean="0"/>
+              <a:t>Spray-can, (Yes, it is its name…), Spray-</a:t>
+            </a:r>
+            <a:r>
+              <a:rPr lang="en-IE" dirty="0" err="1" smtClean="0"/>
+              <a:t>HTTPx</a:t>
+            </a:r>
+            <a:endParaRPr lang="en-IE" dirty="0" smtClean="0"/>
+          </a:p>
+          <a:p>
+            <a:endParaRPr lang="pl-PL" dirty="0" smtClean="0"/>
+          </a:p>
+          <a:p>
             <a:endParaRPr lang="pl-PL" dirty="0"/>
           </a:p>
         </p:txBody>
@@ -830,7 +844,7 @@
           <a:p>
             <a:fld id="{9CCF4A4B-2EF2-4B29-8BD9-956A2A33DB7C}" type="slidenum">
               <a:rPr lang="pl-PL" smtClean="0"/>
-              <a:t>14</a:t>
+              <a:t>13</a:t>
             </a:fld>
             <a:endParaRPr lang="pl-PL"/>
           </a:p>
@@ -839,7 +853,7 @@
     </p:spTree>
     <p:extLst>
       <p:ext uri="{BB962C8B-B14F-4D97-AF65-F5344CB8AC3E}">
-        <p14:creationId xmlns:p14="http://schemas.microsoft.com/office/powerpoint/2010/main" val="3929811786"/>
+        <p14:creationId xmlns:p14="http://schemas.microsoft.com/office/powerpoint/2010/main" val="1356649065"/>
       </p:ext>
     </p:extLst>
   </p:cSld>
@@ -898,532 +912,6 @@
               <a:buChar char="-"/>
             </a:pPr>
             <a:r>
-              <a:rPr lang="en-IE" sz="1200" kern="1200" dirty="0" smtClean="0">
-                <a:solidFill>
-                  <a:schemeClr val="tx1"/>
-                </a:solidFill>
-                <a:effectLst/>
-                <a:latin typeface="+mn-lt"/>
-                <a:ea typeface="+mn-ea"/>
-                <a:cs typeface="+mn-cs"/>
-              </a:rPr>
-              <a:t>the actor waits for a message to arrive to its mailbox</a:t>
-            </a:r>
-          </a:p>
-        </p:txBody>
-      </p:sp>
-      <p:sp>
-        <p:nvSpPr>
-          <p:cNvPr id="4" name="Symbol zastępczy numeru slajdu 3"/>
-          <p:cNvSpPr>
-            <a:spLocks noGrp="1"/>
-          </p:cNvSpPr>
-          <p:nvPr>
-            <p:ph type="sldNum" sz="quarter" idx="10"/>
-          </p:nvPr>
-        </p:nvSpPr>
-        <p:spPr/>
-        <p:txBody>
-          <a:bodyPr/>
-          <a:lstStyle/>
-          <a:p>
-            <a:fld id="{9CCF4A4B-2EF2-4B29-8BD9-956A2A33DB7C}" type="slidenum">
-              <a:rPr lang="pl-PL" smtClean="0"/>
-              <a:t>15</a:t>
-            </a:fld>
-            <a:endParaRPr lang="pl-PL"/>
-          </a:p>
-        </p:txBody>
-      </p:sp>
-    </p:spTree>
-    <p:extLst>
-      <p:ext uri="{BB962C8B-B14F-4D97-AF65-F5344CB8AC3E}">
-        <p14:creationId xmlns:p14="http://schemas.microsoft.com/office/powerpoint/2010/main" val="433698943"/>
-      </p:ext>
-    </p:extLst>
-  </p:cSld>
-  <p:clrMapOvr>
-    <a:masterClrMapping/>
-  </p:clrMapOvr>
-</p:notes>
-</file>
-
-<file path=ppt/notesSlides/notesSlide13.xml><?xml version="1.0" encoding="utf-8"?>
-<p:notes xmlns:a="http://schemas.openxmlformats.org/drawingml/2006/main" xmlns:r="http://schemas.openxmlformats.org/officeDocument/2006/relationships" xmlns:p="http://schemas.openxmlformats.org/presentationml/2006/main">
-  <p:cSld>
-    <p:spTree>
-      <p:nvGrpSpPr>
-        <p:cNvPr id="1" name=""/>
-        <p:cNvGrpSpPr/>
-        <p:nvPr/>
-      </p:nvGrpSpPr>
-      <p:grpSpPr>
-        <a:xfrm>
-          <a:off x="0" y="0"/>
-          <a:ext cx="0" cy="0"/>
-          <a:chOff x="0" y="0"/>
-          <a:chExt cx="0" cy="0"/>
-        </a:xfrm>
-      </p:grpSpPr>
-      <p:sp>
-        <p:nvSpPr>
-          <p:cNvPr id="2" name="Symbol zastępczy obrazu slajdu 1"/>
-          <p:cNvSpPr>
-            <a:spLocks noGrp="1" noRot="1" noChangeAspect="1"/>
-          </p:cNvSpPr>
-          <p:nvPr>
-            <p:ph type="sldImg"/>
-          </p:nvPr>
-        </p:nvSpPr>
-        <p:spPr/>
-      </p:sp>
-      <p:sp>
-        <p:nvSpPr>
-          <p:cNvPr id="3" name="Symbol zastępczy notatek 2"/>
-          <p:cNvSpPr>
-            <a:spLocks noGrp="1"/>
-          </p:cNvSpPr>
-          <p:nvPr>
-            <p:ph type="body" idx="1"/>
-          </p:nvPr>
-        </p:nvSpPr>
-        <p:spPr/>
-        <p:txBody>
-          <a:bodyPr/>
-          <a:lstStyle/>
-          <a:p>
-            <a:pPr marL="0" marR="0" indent="0" algn="l" defTabSz="914400" rtl="0" eaLnBrk="1" fontAlgn="auto" latinLnBrk="0" hangingPunct="1">
-              <a:lnSpc>
-                <a:spcPct val="100000"/>
-              </a:lnSpc>
-              <a:spcBef>
-                <a:spcPts val="0"/>
-              </a:spcBef>
-              <a:spcAft>
-                <a:spcPts val="0"/>
-              </a:spcAft>
-              <a:buClrTx/>
-              <a:buSzTx/>
-              <a:buFontTx/>
-              <a:buNone/>
-              <a:tabLst/>
-              <a:defRPr/>
-            </a:pPr>
-            <a:r>
-              <a:rPr lang="en-IE" sz="1200" kern="1200" dirty="0" smtClean="0">
-                <a:solidFill>
-                  <a:schemeClr val="tx1"/>
-                </a:solidFill>
-                <a:effectLst/>
-                <a:latin typeface="+mn-lt"/>
-                <a:ea typeface="+mn-ea"/>
-                <a:cs typeface="+mn-cs"/>
-              </a:rPr>
-              <a:t>- Actors send messages to each other by using the “!” method</a:t>
-            </a:r>
-          </a:p>
-          <a:p>
-            <a:pPr marL="0" marR="0" indent="0" algn="l" defTabSz="914400" rtl="0" eaLnBrk="1" fontAlgn="auto" latinLnBrk="0" hangingPunct="1">
-              <a:lnSpc>
-                <a:spcPct val="100000"/>
-              </a:lnSpc>
-              <a:spcBef>
-                <a:spcPts val="0"/>
-              </a:spcBef>
-              <a:spcAft>
-                <a:spcPts val="0"/>
-              </a:spcAft>
-              <a:buClrTx/>
-              <a:buSzTx/>
-              <a:buFontTx/>
-              <a:buNone/>
-              <a:tabLst/>
-              <a:defRPr/>
-            </a:pPr>
-            <a:r>
-              <a:rPr lang="en-IE" sz="1200" kern="1200" dirty="0" smtClean="0">
-                <a:solidFill>
-                  <a:schemeClr val="tx1"/>
-                </a:solidFill>
-                <a:effectLst/>
-                <a:latin typeface="+mn-lt"/>
-                <a:ea typeface="+mn-ea"/>
-                <a:cs typeface="+mn-cs"/>
-              </a:rPr>
-              <a:t>- The actor then prints out whatever message it receives, he does so by calling “receive”</a:t>
-            </a:r>
-          </a:p>
-          <a:p>
-            <a:pPr marL="0" marR="0" indent="0" algn="l" defTabSz="914400" rtl="0" eaLnBrk="1" fontAlgn="auto" latinLnBrk="0" hangingPunct="1">
-              <a:lnSpc>
-                <a:spcPct val="100000"/>
-              </a:lnSpc>
-              <a:spcBef>
-                <a:spcPts val="0"/>
-              </a:spcBef>
-              <a:spcAft>
-                <a:spcPts val="0"/>
-              </a:spcAft>
-              <a:buClrTx/>
-              <a:buSzTx/>
-              <a:buFontTx/>
-              <a:buNone/>
-              <a:tabLst/>
-              <a:defRPr/>
-            </a:pPr>
-            <a:r>
-              <a:rPr lang="en-IE" sz="1200" kern="1200" dirty="0" smtClean="0">
-                <a:solidFill>
-                  <a:schemeClr val="tx1"/>
-                </a:solidFill>
-                <a:effectLst/>
-                <a:latin typeface="+mn-lt"/>
-                <a:ea typeface="+mn-ea"/>
-                <a:cs typeface="+mn-cs"/>
-              </a:rPr>
-              <a:t>- Note of “case” keyword, receive could have a few “case” statements</a:t>
-            </a:r>
-          </a:p>
-          <a:p>
-            <a:pPr marL="0" marR="0" indent="0" algn="l" defTabSz="914400" rtl="0" eaLnBrk="1" fontAlgn="auto" latinLnBrk="0" hangingPunct="1">
-              <a:lnSpc>
-                <a:spcPct val="100000"/>
-              </a:lnSpc>
-              <a:spcBef>
-                <a:spcPts val="0"/>
-              </a:spcBef>
-              <a:spcAft>
-                <a:spcPts val="0"/>
-              </a:spcAft>
-              <a:buClrTx/>
-              <a:buSzTx/>
-              <a:buFontTx/>
-              <a:buNone/>
-              <a:tabLst/>
-              <a:defRPr/>
-            </a:pPr>
-            <a:endParaRPr lang="pl-PL" dirty="0" smtClean="0"/>
-          </a:p>
-          <a:p>
-            <a:endParaRPr lang="pl-PL" dirty="0"/>
-          </a:p>
-        </p:txBody>
-      </p:sp>
-      <p:sp>
-        <p:nvSpPr>
-          <p:cNvPr id="4" name="Symbol zastępczy numeru slajdu 3"/>
-          <p:cNvSpPr>
-            <a:spLocks noGrp="1"/>
-          </p:cNvSpPr>
-          <p:nvPr>
-            <p:ph type="sldNum" sz="quarter" idx="10"/>
-          </p:nvPr>
-        </p:nvSpPr>
-        <p:spPr/>
-        <p:txBody>
-          <a:bodyPr/>
-          <a:lstStyle/>
-          <a:p>
-            <a:fld id="{9CCF4A4B-2EF2-4B29-8BD9-956A2A33DB7C}" type="slidenum">
-              <a:rPr lang="pl-PL" smtClean="0"/>
-              <a:t>16</a:t>
-            </a:fld>
-            <a:endParaRPr lang="pl-PL"/>
-          </a:p>
-        </p:txBody>
-      </p:sp>
-    </p:spTree>
-    <p:extLst>
-      <p:ext uri="{BB962C8B-B14F-4D97-AF65-F5344CB8AC3E}">
-        <p14:creationId xmlns:p14="http://schemas.microsoft.com/office/powerpoint/2010/main" val="734817408"/>
-      </p:ext>
-    </p:extLst>
-  </p:cSld>
-  <p:clrMapOvr>
-    <a:masterClrMapping/>
-  </p:clrMapOvr>
-</p:notes>
-</file>
-
-<file path=ppt/notesSlides/notesSlide14.xml><?xml version="1.0" encoding="utf-8"?>
-<p:notes xmlns:a="http://schemas.openxmlformats.org/drawingml/2006/main" xmlns:r="http://schemas.openxmlformats.org/officeDocument/2006/relationships" xmlns:p="http://schemas.openxmlformats.org/presentationml/2006/main">
-  <p:cSld>
-    <p:spTree>
-      <p:nvGrpSpPr>
-        <p:cNvPr id="1" name=""/>
-        <p:cNvGrpSpPr/>
-        <p:nvPr/>
-      </p:nvGrpSpPr>
-      <p:grpSpPr>
-        <a:xfrm>
-          <a:off x="0" y="0"/>
-          <a:ext cx="0" cy="0"/>
-          <a:chOff x="0" y="0"/>
-          <a:chExt cx="0" cy="0"/>
-        </a:xfrm>
-      </p:grpSpPr>
-      <p:sp>
-        <p:nvSpPr>
-          <p:cNvPr id="2" name="Symbol zastępczy obrazu slajdu 1"/>
-          <p:cNvSpPr>
-            <a:spLocks noGrp="1" noRot="1" noChangeAspect="1"/>
-          </p:cNvSpPr>
-          <p:nvPr>
-            <p:ph type="sldImg"/>
-          </p:nvPr>
-        </p:nvSpPr>
-        <p:spPr/>
-      </p:sp>
-      <p:sp>
-        <p:nvSpPr>
-          <p:cNvPr id="3" name="Symbol zastępczy notatek 2"/>
-          <p:cNvSpPr>
-            <a:spLocks noGrp="1"/>
-          </p:cNvSpPr>
-          <p:nvPr>
-            <p:ph type="body" idx="1"/>
-          </p:nvPr>
-        </p:nvSpPr>
-        <p:spPr/>
-        <p:txBody>
-          <a:bodyPr/>
-          <a:lstStyle/>
-          <a:p>
-            <a:pPr marL="171450" indent="-171450">
-              <a:buFontTx/>
-              <a:buChar char="-"/>
-            </a:pPr>
-            <a:r>
-              <a:rPr lang="en-IE" dirty="0" smtClean="0"/>
-              <a:t>From Slick website: “</a:t>
-            </a:r>
-            <a:r>
-              <a:rPr lang="en-US" dirty="0" smtClean="0"/>
-              <a:t>You can write your database queries in Scala instead of SQL, thus profiting from the static checking, compile-time safety and compositionality of Scala. </a:t>
-            </a:r>
-            <a:r>
-              <a:rPr lang="en-IE" dirty="0" smtClean="0"/>
-              <a:t>”</a:t>
-            </a:r>
-          </a:p>
-          <a:p>
-            <a:pPr marL="171450" indent="-171450">
-              <a:buFontTx/>
-              <a:buChar char="-"/>
-            </a:pPr>
-            <a:r>
-              <a:rPr lang="en-IE" dirty="0" smtClean="0"/>
-              <a:t>But what it meant</a:t>
-            </a:r>
-            <a:r>
-              <a:rPr lang="en-IE" baseline="0" dirty="0" smtClean="0"/>
-              <a:t> while developing the application was more code-learning ;)</a:t>
-            </a:r>
-          </a:p>
-          <a:p>
-            <a:pPr marL="171450" indent="-171450">
-              <a:buFontTx/>
-              <a:buChar char="-"/>
-            </a:pPr>
-            <a:r>
-              <a:rPr lang="en-IE" baseline="0" dirty="0" smtClean="0"/>
-              <a:t>Queries are like Collections in Scala which are like </a:t>
-            </a:r>
-            <a:r>
-              <a:rPr lang="en-IE" baseline="0" dirty="0" err="1" smtClean="0"/>
-              <a:t>ResultSets</a:t>
-            </a:r>
-            <a:r>
-              <a:rPr lang="en-IE" baseline="0" dirty="0" smtClean="0"/>
-              <a:t> in Java?</a:t>
-            </a:r>
-            <a:endParaRPr lang="pl-PL" dirty="0"/>
-          </a:p>
-        </p:txBody>
-      </p:sp>
-      <p:sp>
-        <p:nvSpPr>
-          <p:cNvPr id="4" name="Symbol zastępczy numeru slajdu 3"/>
-          <p:cNvSpPr>
-            <a:spLocks noGrp="1"/>
-          </p:cNvSpPr>
-          <p:nvPr>
-            <p:ph type="sldNum" sz="quarter" idx="10"/>
-          </p:nvPr>
-        </p:nvSpPr>
-        <p:spPr/>
-        <p:txBody>
-          <a:bodyPr/>
-          <a:lstStyle/>
-          <a:p>
-            <a:fld id="{9CCF4A4B-2EF2-4B29-8BD9-956A2A33DB7C}" type="slidenum">
-              <a:rPr lang="pl-PL" smtClean="0"/>
-              <a:t>17</a:t>
-            </a:fld>
-            <a:endParaRPr lang="pl-PL"/>
-          </a:p>
-        </p:txBody>
-      </p:sp>
-    </p:spTree>
-    <p:extLst>
-      <p:ext uri="{BB962C8B-B14F-4D97-AF65-F5344CB8AC3E}">
-        <p14:creationId xmlns:p14="http://schemas.microsoft.com/office/powerpoint/2010/main" val="2595081793"/>
-      </p:ext>
-    </p:extLst>
-  </p:cSld>
-  <p:clrMapOvr>
-    <a:masterClrMapping/>
-  </p:clrMapOvr>
-</p:notes>
-</file>
-
-<file path=ppt/notesSlides/notesSlide15.xml><?xml version="1.0" encoding="utf-8"?>
-<p:notes xmlns:a="http://schemas.openxmlformats.org/drawingml/2006/main" xmlns:r="http://schemas.openxmlformats.org/officeDocument/2006/relationships" xmlns:p="http://schemas.openxmlformats.org/presentationml/2006/main">
-  <p:cSld>
-    <p:spTree>
-      <p:nvGrpSpPr>
-        <p:cNvPr id="1" name=""/>
-        <p:cNvGrpSpPr/>
-        <p:nvPr/>
-      </p:nvGrpSpPr>
-      <p:grpSpPr>
-        <a:xfrm>
-          <a:off x="0" y="0"/>
-          <a:ext cx="0" cy="0"/>
-          <a:chOff x="0" y="0"/>
-          <a:chExt cx="0" cy="0"/>
-        </a:xfrm>
-      </p:grpSpPr>
-      <p:sp>
-        <p:nvSpPr>
-          <p:cNvPr id="2" name="Symbol zastępczy obrazu slajdu 1"/>
-          <p:cNvSpPr>
-            <a:spLocks noGrp="1" noRot="1" noChangeAspect="1"/>
-          </p:cNvSpPr>
-          <p:nvPr>
-            <p:ph type="sldImg"/>
-          </p:nvPr>
-        </p:nvSpPr>
-        <p:spPr/>
-      </p:sp>
-      <p:sp>
-        <p:nvSpPr>
-          <p:cNvPr id="3" name="Symbol zastępczy notatek 2"/>
-          <p:cNvSpPr>
-            <a:spLocks noGrp="1"/>
-          </p:cNvSpPr>
-          <p:nvPr>
-            <p:ph type="body" idx="1"/>
-          </p:nvPr>
-        </p:nvSpPr>
-        <p:spPr/>
-        <p:txBody>
-          <a:bodyPr/>
-          <a:lstStyle/>
-          <a:p>
-            <a:r>
-              <a:rPr lang="en-IE" dirty="0" smtClean="0"/>
-              <a:t>Spray-can, (Yes, it is its name…), Spray-</a:t>
-            </a:r>
-            <a:r>
-              <a:rPr lang="en-IE" dirty="0" err="1" smtClean="0"/>
-              <a:t>HTTPx</a:t>
-            </a:r>
-            <a:endParaRPr lang="en-IE" dirty="0" smtClean="0"/>
-          </a:p>
-          <a:p>
-            <a:endParaRPr lang="pl-PL" dirty="0" smtClean="0"/>
-          </a:p>
-          <a:p>
-            <a:endParaRPr lang="pl-PL" dirty="0"/>
-          </a:p>
-        </p:txBody>
-      </p:sp>
-      <p:sp>
-        <p:nvSpPr>
-          <p:cNvPr id="4" name="Symbol zastępczy numeru slajdu 3"/>
-          <p:cNvSpPr>
-            <a:spLocks noGrp="1"/>
-          </p:cNvSpPr>
-          <p:nvPr>
-            <p:ph type="sldNum" sz="quarter" idx="10"/>
-          </p:nvPr>
-        </p:nvSpPr>
-        <p:spPr/>
-        <p:txBody>
-          <a:bodyPr/>
-          <a:lstStyle/>
-          <a:p>
-            <a:fld id="{9CCF4A4B-2EF2-4B29-8BD9-956A2A33DB7C}" type="slidenum">
-              <a:rPr lang="pl-PL" smtClean="0"/>
-              <a:t>18</a:t>
-            </a:fld>
-            <a:endParaRPr lang="pl-PL"/>
-          </a:p>
-        </p:txBody>
-      </p:sp>
-    </p:spTree>
-    <p:extLst>
-      <p:ext uri="{BB962C8B-B14F-4D97-AF65-F5344CB8AC3E}">
-        <p14:creationId xmlns:p14="http://schemas.microsoft.com/office/powerpoint/2010/main" val="1356649065"/>
-      </p:ext>
-    </p:extLst>
-  </p:cSld>
-  <p:clrMapOvr>
-    <a:masterClrMapping/>
-  </p:clrMapOvr>
-</p:notes>
-</file>
-
-<file path=ppt/notesSlides/notesSlide16.xml><?xml version="1.0" encoding="utf-8"?>
-<p:notes xmlns:a="http://schemas.openxmlformats.org/drawingml/2006/main" xmlns:r="http://schemas.openxmlformats.org/officeDocument/2006/relationships" xmlns:p="http://schemas.openxmlformats.org/presentationml/2006/main">
-  <p:cSld>
-    <p:spTree>
-      <p:nvGrpSpPr>
-        <p:cNvPr id="1" name=""/>
-        <p:cNvGrpSpPr/>
-        <p:nvPr/>
-      </p:nvGrpSpPr>
-      <p:grpSpPr>
-        <a:xfrm>
-          <a:off x="0" y="0"/>
-          <a:ext cx="0" cy="0"/>
-          <a:chOff x="0" y="0"/>
-          <a:chExt cx="0" cy="0"/>
-        </a:xfrm>
-      </p:grpSpPr>
-      <p:sp>
-        <p:nvSpPr>
-          <p:cNvPr id="2" name="Symbol zastępczy obrazu slajdu 1"/>
-          <p:cNvSpPr>
-            <a:spLocks noGrp="1" noRot="1" noChangeAspect="1"/>
-          </p:cNvSpPr>
-          <p:nvPr>
-            <p:ph type="sldImg"/>
-          </p:nvPr>
-        </p:nvSpPr>
-        <p:spPr/>
-      </p:sp>
-      <p:sp>
-        <p:nvSpPr>
-          <p:cNvPr id="3" name="Symbol zastępczy notatek 2"/>
-          <p:cNvSpPr>
-            <a:spLocks noGrp="1"/>
-          </p:cNvSpPr>
-          <p:nvPr>
-            <p:ph type="body" idx="1"/>
-          </p:nvPr>
-        </p:nvSpPr>
-        <p:spPr/>
-        <p:txBody>
-          <a:bodyPr/>
-          <a:lstStyle/>
-          <a:p>
-            <a:pPr marL="171450" indent="-171450">
-              <a:buFontTx/>
-              <a:buChar char="-"/>
-            </a:pPr>
-            <a:r>
               <a:rPr lang="en-US" dirty="0" smtClean="0">
                 <a:hlinkClick r:id="rId3" tooltip="Command-line"/>
               </a:rPr>
@@ -1533,10 +1021,6 @@
             </a:r>
           </a:p>
           <a:p>
-            <a:pPr marL="171450" indent="-171450">
-              <a:buFontTx/>
-              <a:buChar char="-"/>
-            </a:pPr>
             <a:endParaRPr lang="pl-PL" dirty="0"/>
           </a:p>
         </p:txBody>
@@ -1558,7 +1042,7 @@
           <a:p>
             <a:fld id="{9CCF4A4B-2EF2-4B29-8BD9-956A2A33DB7C}" type="slidenum">
               <a:rPr lang="pl-PL" smtClean="0"/>
-              <a:t>21</a:t>
+              <a:t>14</a:t>
             </a:fld>
             <a:endParaRPr lang="pl-PL"/>
           </a:p>
@@ -1567,7 +1051,7 @@
     </p:spTree>
     <p:extLst>
       <p:ext uri="{BB962C8B-B14F-4D97-AF65-F5344CB8AC3E}">
-        <p14:creationId xmlns:p14="http://schemas.microsoft.com/office/powerpoint/2010/main" val="3959986836"/>
+        <p14:creationId xmlns:p14="http://schemas.microsoft.com/office/powerpoint/2010/main" val="3582934340"/>
       </p:ext>
     </p:extLst>
   </p:cSld>
@@ -1646,7 +1130,7 @@
           <a:p>
             <a:fld id="{9CCF4A4B-2EF2-4B29-8BD9-956A2A33DB7C}" type="slidenum">
               <a:rPr lang="pl-PL" smtClean="0"/>
-              <a:t>5</a:t>
+              <a:t>4</a:t>
             </a:fld>
             <a:endParaRPr lang="pl-PL"/>
           </a:p>
@@ -1709,14 +1193,151 @@
           <a:bodyPr/>
           <a:lstStyle/>
           <a:p>
+            <a:pPr marL="171450" indent="-171450">
+              <a:buFontTx/>
+              <a:buChar char="-"/>
+            </a:pPr>
             <a:r>
               <a:rPr lang="en-IE" dirty="0" smtClean="0"/>
-              <a:t>Scala is a language</a:t>
+              <a:t>Java’s println method</a:t>
+            </a:r>
+          </a:p>
+          <a:p>
+            <a:pPr marL="171450" indent="-171450">
+              <a:buFontTx/>
+              <a:buChar char="-"/>
+            </a:pPr>
+            <a:r>
+              <a:rPr lang="en-IE" dirty="0" smtClean="0"/>
+              <a:t>Int same as int in Java, but capital letter</a:t>
+            </a:r>
+          </a:p>
+          <a:p>
+            <a:pPr marL="171450" indent="-171450">
+              <a:buFontTx/>
+              <a:buChar char="-"/>
+            </a:pPr>
+            <a:r>
+              <a:rPr lang="en-IE" dirty="0" smtClean="0"/>
+              <a:t>The difference is how you define variables in Scala x: Int</a:t>
             </a:r>
             <a:r>
               <a:rPr lang="en-IE" baseline="0" dirty="0" smtClean="0"/>
-              <a:t> on JVM</a:t>
-            </a:r>
+              <a:t> instead of int x</a:t>
+            </a:r>
+          </a:p>
+          <a:p>
+            <a:pPr marL="171450" indent="-171450">
+              <a:buFontTx/>
+              <a:buChar char="-"/>
+            </a:pPr>
+            <a:r>
+              <a:rPr lang="en-IE" baseline="0" dirty="0" smtClean="0"/>
+              <a:t>def main starts a method definition – Scala’s syntax is more regular – all definitions start with a keyword</a:t>
+            </a:r>
+            <a:endParaRPr lang="en-IE" dirty="0" smtClean="0"/>
+          </a:p>
+          <a:p>
+            <a:pPr marL="171450" indent="-171450">
+              <a:buFontTx/>
+              <a:buChar char="-"/>
+            </a:pPr>
+            <a:r>
+              <a:rPr lang="en-IE" dirty="0" smtClean="0"/>
+              <a:t>return type is Unit and not void like in Scala</a:t>
+            </a:r>
+            <a:r>
+              <a:rPr lang="en-IE" baseline="0" dirty="0" smtClean="0"/>
+              <a:t> and is written after the function definition</a:t>
+            </a:r>
+          </a:p>
+          <a:p>
+            <a:pPr marL="171450" marR="0" indent="-171450" algn="l" defTabSz="914400" rtl="0" eaLnBrk="1" fontAlgn="auto" latinLnBrk="0" hangingPunct="1">
+              <a:lnSpc>
+                <a:spcPct val="100000"/>
+              </a:lnSpc>
+              <a:spcBef>
+                <a:spcPts val="0"/>
+              </a:spcBef>
+              <a:spcAft>
+                <a:spcPts val="0"/>
+              </a:spcAft>
+              <a:buClrTx/>
+              <a:buSzTx/>
+              <a:buFontTx/>
+              <a:buChar char="-"/>
+              <a:tabLst/>
+              <a:defRPr/>
+            </a:pPr>
+            <a:r>
+              <a:rPr lang="en-IE" dirty="0" smtClean="0"/>
+              <a:t>Scala has class and object definitions</a:t>
+            </a:r>
+          </a:p>
+          <a:p>
+            <a:pPr marL="171450" marR="0" indent="-171450" algn="l" defTabSz="914400" rtl="0" eaLnBrk="1" fontAlgn="auto" latinLnBrk="0" hangingPunct="1">
+              <a:lnSpc>
+                <a:spcPct val="100000"/>
+              </a:lnSpc>
+              <a:spcBef>
+                <a:spcPts val="0"/>
+              </a:spcBef>
+              <a:spcAft>
+                <a:spcPts val="0"/>
+              </a:spcAft>
+              <a:buClrTx/>
+              <a:buSzTx/>
+              <a:buFontTx/>
+              <a:buChar char="-"/>
+              <a:tabLst/>
+              <a:defRPr/>
+            </a:pPr>
+            <a:r>
+              <a:rPr lang="en-IE" dirty="0" smtClean="0"/>
+              <a:t>An </a:t>
+            </a:r>
+            <a:r>
+              <a:rPr lang="en-IE" b="1" dirty="0" smtClean="0">
+                <a:solidFill>
+                  <a:srgbClr val="FF0000"/>
+                </a:solidFill>
+              </a:rPr>
+              <a:t>object</a:t>
+            </a:r>
+            <a:r>
+              <a:rPr lang="en-IE" dirty="0" smtClean="0"/>
+              <a:t> defines a class with a single instance – this is sometimes called a singleton</a:t>
+            </a:r>
+            <a:r>
+              <a:rPr lang="en-IE" baseline="0" dirty="0" smtClean="0"/>
+              <a:t> object</a:t>
+            </a:r>
+          </a:p>
+          <a:p>
+            <a:pPr marL="171450" marR="0" indent="-171450" algn="l" defTabSz="914400" rtl="0" eaLnBrk="1" fontAlgn="auto" latinLnBrk="0" hangingPunct="1">
+              <a:lnSpc>
+                <a:spcPct val="100000"/>
+              </a:lnSpc>
+              <a:spcBef>
+                <a:spcPts val="0"/>
+              </a:spcBef>
+              <a:spcAft>
+                <a:spcPts val="0"/>
+              </a:spcAft>
+              <a:buClrTx/>
+              <a:buSzTx/>
+              <a:buFontTx/>
+              <a:buChar char="-"/>
+              <a:tabLst/>
+              <a:defRPr/>
+            </a:pPr>
+            <a:endParaRPr lang="en-IE" dirty="0" smtClean="0"/>
+          </a:p>
+          <a:p>
+            <a:pPr marL="171450" indent="-171450">
+              <a:buFontTx/>
+              <a:buChar char="-"/>
+            </a:pPr>
             <a:endParaRPr lang="pl-PL" dirty="0"/>
           </a:p>
         </p:txBody>
@@ -1738,7 +1359,7 @@
           <a:p>
             <a:fld id="{9CCF4A4B-2EF2-4B29-8BD9-956A2A33DB7C}" type="slidenum">
               <a:rPr lang="pl-PL" smtClean="0"/>
-              <a:t>6</a:t>
+              <a:t>5</a:t>
             </a:fld>
             <a:endParaRPr lang="pl-PL"/>
           </a:p>
@@ -1747,7 +1368,7 @@
     </p:spTree>
     <p:extLst>
       <p:ext uri="{BB962C8B-B14F-4D97-AF65-F5344CB8AC3E}">
-        <p14:creationId xmlns:p14="http://schemas.microsoft.com/office/powerpoint/2010/main" val="1849962748"/>
+        <p14:creationId xmlns:p14="http://schemas.microsoft.com/office/powerpoint/2010/main" val="1510060129"/>
       </p:ext>
     </p:extLst>
   </p:cSld>
@@ -1807,145 +1428,12 @@
             </a:pPr>
             <a:r>
               <a:rPr lang="en-IE" dirty="0" smtClean="0"/>
-              <a:t>Java’s println method</a:t>
-            </a:r>
-          </a:p>
-          <a:p>
-            <a:pPr marL="171450" indent="-171450">
-              <a:buFontTx/>
-              <a:buChar char="-"/>
-            </a:pPr>
-            <a:r>
-              <a:rPr lang="en-IE" dirty="0" smtClean="0"/>
-              <a:t>Int same as int in Java, but capital letter</a:t>
-            </a:r>
-          </a:p>
-          <a:p>
-            <a:pPr marL="171450" indent="-171450">
-              <a:buFontTx/>
-              <a:buChar char="-"/>
-            </a:pPr>
-            <a:r>
-              <a:rPr lang="en-IE" dirty="0" smtClean="0"/>
-              <a:t>The difference is how you define variables in Scala x: Int</a:t>
+              <a:t>Java</a:t>
             </a:r>
             <a:r>
               <a:rPr lang="en-IE" baseline="0" dirty="0" smtClean="0"/>
-              <a:t> instead of int x</a:t>
-            </a:r>
-          </a:p>
-          <a:p>
-            <a:pPr marL="171450" indent="-171450">
-              <a:buFontTx/>
-              <a:buChar char="-"/>
-            </a:pPr>
-            <a:r>
-              <a:rPr lang="en-IE" baseline="0" dirty="0" smtClean="0"/>
-              <a:t>def main starts a method definition – Scala’s syntax is more regular – all definitions start with a keyword</a:t>
-            </a:r>
-            <a:endParaRPr lang="en-IE" dirty="0" smtClean="0"/>
-          </a:p>
-          <a:p>
-            <a:pPr marL="171450" indent="-171450">
-              <a:buFontTx/>
-              <a:buChar char="-"/>
-            </a:pPr>
-            <a:r>
-              <a:rPr lang="en-IE" dirty="0" smtClean="0"/>
-              <a:t>return type is Unit and not void like in Scala</a:t>
-            </a:r>
-            <a:r>
-              <a:rPr lang="en-IE" baseline="0" dirty="0" smtClean="0"/>
-              <a:t> and is written after the function definition</a:t>
-            </a:r>
-          </a:p>
-          <a:p>
-            <a:pPr marL="171450" marR="0" indent="-171450" algn="l" defTabSz="914400" rtl="0" eaLnBrk="1" fontAlgn="auto" latinLnBrk="0" hangingPunct="1">
-              <a:lnSpc>
-                <a:spcPct val="100000"/>
-              </a:lnSpc>
-              <a:spcBef>
-                <a:spcPts val="0"/>
-              </a:spcBef>
-              <a:spcAft>
-                <a:spcPts val="0"/>
-              </a:spcAft>
-              <a:buClrTx/>
-              <a:buSzTx/>
-              <a:buFontTx/>
-              <a:buChar char="-"/>
-              <a:tabLst/>
-              <a:defRPr/>
-            </a:pPr>
-            <a:r>
-              <a:rPr lang="en-IE" dirty="0" smtClean="0"/>
-              <a:t>Scala has class and object definitions</a:t>
-            </a:r>
-          </a:p>
-          <a:p>
-            <a:pPr marL="171450" marR="0" indent="-171450" algn="l" defTabSz="914400" rtl="0" eaLnBrk="1" fontAlgn="auto" latinLnBrk="0" hangingPunct="1">
-              <a:lnSpc>
-                <a:spcPct val="100000"/>
-              </a:lnSpc>
-              <a:spcBef>
-                <a:spcPts val="0"/>
-              </a:spcBef>
-              <a:spcAft>
-                <a:spcPts val="0"/>
-              </a:spcAft>
-              <a:buClrTx/>
-              <a:buSzTx/>
-              <a:buFontTx/>
-              <a:buChar char="-"/>
-              <a:tabLst/>
-              <a:defRPr/>
-            </a:pPr>
-            <a:r>
-              <a:rPr lang="en-IE" dirty="0" smtClean="0"/>
-              <a:t>An </a:t>
-            </a:r>
-            <a:r>
-              <a:rPr lang="en-IE" b="1" dirty="0" smtClean="0">
-                <a:solidFill>
-                  <a:srgbClr val="FF0000"/>
-                </a:solidFill>
-              </a:rPr>
-              <a:t>object</a:t>
-            </a:r>
-            <a:r>
-              <a:rPr lang="en-IE" dirty="0" smtClean="0"/>
-              <a:t> defines a class with a single instance – this is sometimes called a singleton</a:t>
-            </a:r>
-            <a:r>
-              <a:rPr lang="en-IE" baseline="0" dirty="0" smtClean="0"/>
-              <a:t> object</a:t>
-            </a:r>
-          </a:p>
-          <a:p>
-            <a:pPr marL="171450" marR="0" indent="-171450" algn="l" defTabSz="914400" rtl="0" eaLnBrk="1" fontAlgn="auto" latinLnBrk="0" hangingPunct="1">
-              <a:lnSpc>
-                <a:spcPct val="100000"/>
-              </a:lnSpc>
-              <a:spcBef>
-                <a:spcPts val="0"/>
-              </a:spcBef>
-              <a:spcAft>
-                <a:spcPts val="0"/>
-              </a:spcAft>
-              <a:buClrTx/>
-              <a:buSzTx/>
-              <a:buFontTx/>
-              <a:buChar char="-"/>
-              <a:tabLst/>
-              <a:defRPr/>
-            </a:pPr>
-            <a:endParaRPr lang="en-IE" dirty="0" smtClean="0"/>
-          </a:p>
-          <a:p>
-            <a:pPr marL="171450" indent="-171450">
-              <a:buFontTx/>
-              <a:buChar char="-"/>
-            </a:pPr>
+              <a:t> is not a pure object-oriented language as it has primitive data types</a:t>
+            </a:r>
             <a:endParaRPr lang="pl-PL" dirty="0"/>
           </a:p>
         </p:txBody>
@@ -1967,7 +1455,7 @@
           <a:p>
             <a:fld id="{9CCF4A4B-2EF2-4B29-8BD9-956A2A33DB7C}" type="slidenum">
               <a:rPr lang="pl-PL" smtClean="0"/>
-              <a:t>7</a:t>
+              <a:t>6</a:t>
             </a:fld>
             <a:endParaRPr lang="pl-PL"/>
           </a:p>
@@ -1976,7 +1464,7 @@
     </p:spTree>
     <p:extLst>
       <p:ext uri="{BB962C8B-B14F-4D97-AF65-F5344CB8AC3E}">
-        <p14:creationId xmlns:p14="http://schemas.microsoft.com/office/powerpoint/2010/main" val="1510060129"/>
+        <p14:creationId xmlns:p14="http://schemas.microsoft.com/office/powerpoint/2010/main" val="3529633736"/>
       </p:ext>
     </p:extLst>
   </p:cSld>
@@ -2030,17 +1518,97 @@
           <a:bodyPr/>
           <a:lstStyle/>
           <a:p>
-            <a:pPr marL="171450" indent="-171450">
-              <a:buFontTx/>
-              <a:buChar char="-"/>
-            </a:pPr>
-            <a:r>
-              <a:rPr lang="en-IE" dirty="0" smtClean="0"/>
-              <a:t>Java</a:t>
-            </a:r>
-            <a:r>
-              <a:rPr lang="en-IE" baseline="0" dirty="0" smtClean="0"/>
-              <a:t> is not a pure object-oriented language as it has primitive data types</a:t>
+            <a:r>
+              <a:rPr lang="en-US" sz="1200" kern="1200" dirty="0" smtClean="0">
+                <a:solidFill>
+                  <a:schemeClr val="tx1"/>
+                </a:solidFill>
+                <a:latin typeface="+mn-lt"/>
+                <a:ea typeface="+mn-ea"/>
+                <a:cs typeface="+mn-cs"/>
+              </a:rPr>
+              <a:t>-</a:t>
+            </a:r>
+            <a:r>
+              <a:rPr lang="en-US" sz="1200" kern="1200" baseline="0" dirty="0" smtClean="0">
+                <a:solidFill>
+                  <a:schemeClr val="tx1"/>
+                </a:solidFill>
+                <a:latin typeface="+mn-lt"/>
+                <a:ea typeface="+mn-ea"/>
+                <a:cs typeface="+mn-cs"/>
+              </a:rPr>
+              <a:t> </a:t>
+            </a:r>
+            <a:r>
+              <a:rPr lang="en-US" sz="1200" kern="1200" dirty="0" smtClean="0">
+                <a:solidFill>
+                  <a:schemeClr val="tx1"/>
+                </a:solidFill>
+                <a:latin typeface="+mn-lt"/>
+                <a:ea typeface="+mn-ea"/>
+                <a:cs typeface="+mn-cs"/>
+              </a:rPr>
+              <a:t>because u invoke a + method on object which value is 1 and u pass a parameter 2</a:t>
+            </a:r>
+          </a:p>
+          <a:p>
+            <a:r>
+              <a:rPr lang="en-US" sz="1200" kern="1200" dirty="0" smtClean="0">
+                <a:solidFill>
+                  <a:schemeClr val="tx1"/>
+                </a:solidFill>
+                <a:latin typeface="+mn-lt"/>
+                <a:ea typeface="+mn-ea"/>
+                <a:cs typeface="+mn-cs"/>
+              </a:rPr>
+              <a:t> -</a:t>
+            </a:r>
+            <a:r>
+              <a:rPr lang="en-US" sz="1200" kern="1200" baseline="0" dirty="0" smtClean="0">
+                <a:solidFill>
+                  <a:schemeClr val="tx1"/>
+                </a:solidFill>
+                <a:latin typeface="+mn-lt"/>
+                <a:ea typeface="+mn-ea"/>
+                <a:cs typeface="+mn-cs"/>
+              </a:rPr>
+              <a:t> </a:t>
+            </a:r>
+            <a:r>
+              <a:rPr lang="en-US" sz="1200" kern="1200" dirty="0" smtClean="0">
+                <a:solidFill>
+                  <a:schemeClr val="tx1"/>
+                </a:solidFill>
+                <a:latin typeface="+mn-lt"/>
+                <a:ea typeface="+mn-ea"/>
+                <a:cs typeface="+mn-cs"/>
+              </a:rPr>
+              <a:t>remember - everything is an object in </a:t>
+            </a:r>
+            <a:r>
+              <a:rPr lang="en-US" sz="1200" u="sng" kern="1200" dirty="0" smtClean="0">
+                <a:solidFill>
+                  <a:schemeClr val="tx1"/>
+                </a:solidFill>
+                <a:latin typeface="+mn-lt"/>
+                <a:ea typeface="+mn-ea"/>
+                <a:cs typeface="+mn-cs"/>
+              </a:rPr>
+              <a:t>Scala</a:t>
+            </a:r>
+          </a:p>
+          <a:p>
+            <a:r>
+              <a:rPr lang="pl-PL" sz="1200" kern="1200" dirty="0" smtClean="0">
+                <a:solidFill>
+                  <a:schemeClr val="tx1"/>
+                </a:solidFill>
+                <a:latin typeface="+mn-lt"/>
+                <a:ea typeface="+mn-ea"/>
+                <a:cs typeface="+mn-cs"/>
+              </a:rPr>
+              <a:t> </a:t>
             </a:r>
             <a:endParaRPr lang="pl-PL" dirty="0"/>
           </a:p>
@@ -2063,7 +1631,7 @@
           <a:p>
             <a:fld id="{9CCF4A4B-2EF2-4B29-8BD9-956A2A33DB7C}" type="slidenum">
               <a:rPr lang="pl-PL" smtClean="0"/>
-              <a:t>8</a:t>
+              <a:t>7</a:t>
             </a:fld>
             <a:endParaRPr lang="pl-PL"/>
           </a:p>
@@ -2072,7 +1640,7 @@
     </p:spTree>
     <p:extLst>
       <p:ext uri="{BB962C8B-B14F-4D97-AF65-F5344CB8AC3E}">
-        <p14:creationId xmlns:p14="http://schemas.microsoft.com/office/powerpoint/2010/main" val="3529633736"/>
+        <p14:creationId xmlns:p14="http://schemas.microsoft.com/office/powerpoint/2010/main" val="1730298930"/>
       </p:ext>
     </p:extLst>
   </p:cSld>
@@ -2127,98 +1695,26 @@
           <a:lstStyle/>
           <a:p>
             <a:r>
-              <a:rPr lang="en-US" sz="1200" kern="1200" dirty="0" smtClean="0">
+              <a:rPr lang="en-IE" b="1" u="sng" dirty="0" smtClean="0">
                 <a:solidFill>
-                  <a:schemeClr val="tx1"/>
+                  <a:srgbClr val="FF0000"/>
                 </a:solidFill>
-                <a:latin typeface="+mn-lt"/>
-                <a:ea typeface="+mn-ea"/>
-                <a:cs typeface="+mn-cs"/>
               </a:rPr>
-              <a:t>-</a:t>
-            </a:r>
-            <a:r>
-              <a:rPr lang="en-US" sz="1200" kern="1200" baseline="0" dirty="0" smtClean="0">
+              <a:t>- CORRECT THIS</a:t>
+            </a:r>
+            <a:r>
+              <a:rPr lang="en-IE" b="1" u="sng" baseline="0" dirty="0" smtClean="0">
                 <a:solidFill>
-                  <a:schemeClr val="tx1"/>
+                  <a:srgbClr val="FF0000"/>
                 </a:solidFill>
-                <a:latin typeface="+mn-lt"/>
-                <a:ea typeface="+mn-ea"/>
-                <a:cs typeface="+mn-cs"/>
               </a:rPr>
-              <a:t> </a:t>
-            </a:r>
-            <a:r>
-              <a:rPr lang="en-US" sz="1200" kern="1200" dirty="0" smtClean="0">
-                <a:solidFill>
-                  <a:schemeClr val="tx1"/>
-                </a:solidFill>
-                <a:latin typeface="+mn-lt"/>
-                <a:ea typeface="+mn-ea"/>
-                <a:cs typeface="+mn-cs"/>
-              </a:rPr>
-              <a:t>because u invoke a + method on object which value is 1 and u pass a parameter 2</a:t>
-            </a:r>
-          </a:p>
-          <a:p>
-            <a:r>
-              <a:rPr lang="en-US" sz="1200" kern="1200" dirty="0" smtClean="0">
-                <a:solidFill>
-                  <a:schemeClr val="tx1"/>
-                </a:solidFill>
-                <a:latin typeface="+mn-lt"/>
-                <a:ea typeface="+mn-ea"/>
-                <a:cs typeface="+mn-cs"/>
-              </a:rPr>
-              <a:t> -</a:t>
-            </a:r>
-            <a:r>
-              <a:rPr lang="en-US" sz="1200" kern="1200" baseline="0" dirty="0" smtClean="0">
-                <a:solidFill>
-                  <a:schemeClr val="tx1"/>
-                </a:solidFill>
-                <a:latin typeface="+mn-lt"/>
-                <a:ea typeface="+mn-ea"/>
-                <a:cs typeface="+mn-cs"/>
-              </a:rPr>
-              <a:t> </a:t>
-            </a:r>
-            <a:r>
-              <a:rPr lang="en-US" sz="1200" kern="1200" dirty="0" smtClean="0">
-                <a:solidFill>
-                  <a:schemeClr val="tx1"/>
-                </a:solidFill>
-                <a:latin typeface="+mn-lt"/>
-                <a:ea typeface="+mn-ea"/>
-                <a:cs typeface="+mn-cs"/>
-              </a:rPr>
-              <a:t>remember - everything is an object in </a:t>
-            </a:r>
-            <a:r>
-              <a:rPr lang="en-US" sz="1200" u="sng" kern="1200" dirty="0" smtClean="0">
-                <a:solidFill>
-                  <a:schemeClr val="tx1"/>
-                </a:solidFill>
-                <a:latin typeface="+mn-lt"/>
-                <a:ea typeface="+mn-ea"/>
-                <a:cs typeface="+mn-cs"/>
-              </a:rPr>
-              <a:t>Scala</a:t>
-            </a:r>
-          </a:p>
-          <a:p>
-            <a:r>
-              <a:rPr lang="pl-PL" sz="1200" kern="1200" dirty="0" smtClean="0">
-                <a:solidFill>
-                  <a:schemeClr val="tx1"/>
-                </a:solidFill>
-                <a:latin typeface="+mn-lt"/>
-                <a:ea typeface="+mn-ea"/>
-                <a:cs typeface="+mn-cs"/>
-              </a:rPr>
-              <a:t> </a:t>
-            </a:r>
-            <a:endParaRPr lang="pl-PL" dirty="0"/>
+              <a:t> EXAMPLE!!!</a:t>
+            </a:r>
+            <a:endParaRPr lang="pl-PL" b="1" u="sng" dirty="0">
+              <a:solidFill>
+                <a:srgbClr val="FF0000"/>
+              </a:solidFill>
+            </a:endParaRPr>
           </a:p>
         </p:txBody>
       </p:sp>
@@ -2239,7 +1735,7 @@
           <a:p>
             <a:fld id="{9CCF4A4B-2EF2-4B29-8BD9-956A2A33DB7C}" type="slidenum">
               <a:rPr lang="pl-PL" smtClean="0"/>
-              <a:t>9</a:t>
+              <a:t>8</a:t>
             </a:fld>
             <a:endParaRPr lang="pl-PL"/>
           </a:p>
@@ -2248,7 +1744,7 @@
     </p:spTree>
     <p:extLst>
       <p:ext uri="{BB962C8B-B14F-4D97-AF65-F5344CB8AC3E}">
-        <p14:creationId xmlns:p14="http://schemas.microsoft.com/office/powerpoint/2010/main" val="1730298930"/>
+        <p14:creationId xmlns:p14="http://schemas.microsoft.com/office/powerpoint/2010/main" val="1947215073"/>
       </p:ext>
     </p:extLst>
   </p:cSld>
@@ -2304,12 +1800,72 @@
           <a:p>
             <a:r>
               <a:rPr lang="en-IE" dirty="0" smtClean="0"/>
-              <a:t>Scala</a:t>
+              <a:t>SOAP</a:t>
             </a:r>
             <a:r>
               <a:rPr lang="en-IE" baseline="0" dirty="0" smtClean="0"/>
-              <a:t> has a support for higher order functions</a:t>
-            </a:r>
+              <a:t> is a protocol </a:t>
+            </a:r>
+            <a:r>
+              <a:rPr lang="en-US" dirty="0" smtClean="0"/>
+              <a:t>specification for exchanging structured information in the implementation of </a:t>
+            </a:r>
+            <a:r>
+              <a:rPr lang="en-US" dirty="0" smtClean="0">
+                <a:hlinkClick r:id="rId3" tooltip="Web Service"/>
+              </a:rPr>
+              <a:t>Web Services</a:t>
+            </a:r>
+            <a:r>
+              <a:rPr lang="en-US" dirty="0" smtClean="0"/>
+              <a:t> </a:t>
+            </a:r>
+            <a:endParaRPr lang="en-IE" baseline="0" dirty="0" smtClean="0"/>
+          </a:p>
+          <a:p>
+            <a:r>
+              <a:rPr lang="en-IE" baseline="0" dirty="0" smtClean="0"/>
+              <a:t>and REST is an architectural style</a:t>
+            </a:r>
+          </a:p>
+          <a:p>
+            <a:endParaRPr lang="en-IE" baseline="0" dirty="0" smtClean="0"/>
+          </a:p>
+          <a:p>
+            <a:r>
+              <a:rPr lang="en-IE" b="1" baseline="0" dirty="0" smtClean="0"/>
+              <a:t>The idea for the project was to create a </a:t>
+            </a:r>
+            <a:r>
+              <a:rPr lang="en-IE" b="1" baseline="0" dirty="0" err="1" smtClean="0"/>
+              <a:t>RESTful</a:t>
+            </a:r>
+            <a:r>
+              <a:rPr lang="en-IE" b="1" baseline="0" dirty="0" smtClean="0"/>
+              <a:t> web service that would be hosted on a server (locally or on </a:t>
+            </a:r>
+            <a:r>
+              <a:rPr lang="en-IE" b="1" baseline="0" dirty="0" err="1" smtClean="0"/>
+              <a:t>Heroku</a:t>
+            </a:r>
+            <a:r>
+              <a:rPr lang="en-IE" b="1" baseline="0" dirty="0" smtClean="0"/>
+              <a:t>).</a:t>
+            </a:r>
+          </a:p>
+          <a:p>
+            <a:r>
+              <a:rPr lang="en-IE" b="1" baseline="0" dirty="0" smtClean="0"/>
+              <a:t>The service provides basic CRUD operations and a withdraw() and deposit() functions.</a:t>
+            </a:r>
+          </a:p>
+          <a:p>
+            <a:r>
+              <a:rPr lang="en-IE" b="1" baseline="0" dirty="0" smtClean="0"/>
+              <a:t>We can send a HTTP request in a JSON format and get a response back also in a JSON format.</a:t>
+            </a:r>
+          </a:p>
+          <a:p>
             <a:endParaRPr lang="pl-PL" dirty="0"/>
           </a:p>
         </p:txBody>
@@ -2331,7 +1887,7 @@
           <a:p>
             <a:fld id="{9CCF4A4B-2EF2-4B29-8BD9-956A2A33DB7C}" type="slidenum">
               <a:rPr lang="pl-PL" smtClean="0"/>
-              <a:t>10</a:t>
+              <a:t>9</a:t>
             </a:fld>
             <a:endParaRPr lang="pl-PL"/>
           </a:p>
@@ -2340,7 +1896,7 @@
     </p:spTree>
     <p:extLst>
       <p:ext uri="{BB962C8B-B14F-4D97-AF65-F5344CB8AC3E}">
-        <p14:creationId xmlns:p14="http://schemas.microsoft.com/office/powerpoint/2010/main" val="2597849720"/>
+        <p14:creationId xmlns:p14="http://schemas.microsoft.com/office/powerpoint/2010/main" val="3261138746"/>
       </p:ext>
     </p:extLst>
   </p:cSld>
@@ -2394,27 +1950,72 @@
           <a:bodyPr/>
           <a:lstStyle/>
           <a:p>
-            <a:r>
-              <a:rPr lang="en-IE" b="1" u="sng" dirty="0" smtClean="0">
+            <a:pPr marL="171450" indent="-171450">
+              <a:buFontTx/>
+              <a:buChar char="-"/>
+            </a:pPr>
+            <a:r>
+              <a:rPr lang="en-IE" dirty="0" smtClean="0"/>
+              <a:t>Main problem with Java’s</a:t>
+            </a:r>
+            <a:r>
+              <a:rPr lang="en-IE" baseline="0" dirty="0" smtClean="0"/>
+              <a:t> concurrency</a:t>
+            </a:r>
+            <a:r>
+              <a:rPr lang="en-IE" dirty="0" smtClean="0"/>
+              <a:t> is that when running multiple threads</a:t>
+            </a:r>
+            <a:r>
+              <a:rPr lang="en-IE" baseline="0" dirty="0" smtClean="0"/>
+              <a:t> the programmer has to decide what locks to put when on what data</a:t>
+            </a:r>
+          </a:p>
+          <a:p>
+            <a:pPr marL="171450" marR="0" indent="-171450" algn="l" defTabSz="914400" rtl="0" eaLnBrk="1" fontAlgn="auto" latinLnBrk="0" hangingPunct="1">
+              <a:lnSpc>
+                <a:spcPct val="100000"/>
+              </a:lnSpc>
+              <a:spcBef>
+                <a:spcPts val="0"/>
+              </a:spcBef>
+              <a:spcAft>
+                <a:spcPts val="0"/>
+              </a:spcAft>
+              <a:buClrTx/>
+              <a:buSzTx/>
+              <a:buFontTx/>
+              <a:buChar char="-"/>
+              <a:tabLst/>
+              <a:defRPr/>
+            </a:pPr>
+            <a:r>
+              <a:rPr lang="en-IE" baseline="0" dirty="0" smtClean="0"/>
+              <a:t>It leads to race conditions - a</a:t>
+            </a:r>
+            <a:r>
+              <a:rPr lang="en-IE" sz="1200" kern="1200" dirty="0" smtClean="0">
                 <a:solidFill>
-                  <a:srgbClr val="FF0000"/>
+                  <a:schemeClr val="tx1"/>
                 </a:solidFill>
+                <a:effectLst/>
+                <a:latin typeface="+mn-lt"/>
+                <a:ea typeface="+mn-ea"/>
+                <a:cs typeface="+mn-cs"/>
               </a:rPr>
-              <a:t>- CORRECT THIS</a:t>
-            </a:r>
-            <a:r>
-              <a:rPr lang="en-IE" b="1" u="sng" baseline="0" dirty="0" smtClean="0">
-                <a:solidFill>
-                  <a:srgbClr val="FF0000"/>
-                </a:solidFill>
-              </a:rPr>
-              <a:t> EXAMPLE!!!</a:t>
-            </a:r>
-            <a:endParaRPr lang="pl-PL" b="1" u="sng" dirty="0">
-              <a:solidFill>
-                <a:srgbClr val="FF0000"/>
-              </a:solidFill>
-            </a:endParaRPr>
+              <a:t> situation where two different threads access the same data and update the value of that data without locking</a:t>
+            </a:r>
+            <a:endParaRPr lang="en-IE" baseline="0" dirty="0" smtClean="0"/>
+          </a:p>
+          <a:p>
+            <a:pPr marL="171450" indent="-171450">
+              <a:buFontTx/>
+              <a:buChar char="-"/>
+            </a:pPr>
+            <a:r>
+              <a:rPr lang="en-IE" baseline="0" dirty="0" smtClean="0"/>
+              <a:t>It leads to deadlocks – when one threads is waiting for the other to give access to the data, they can be waiting forever…</a:t>
+            </a:r>
           </a:p>
         </p:txBody>
       </p:sp>
@@ -2435,7 +2036,7 @@
           <a:p>
             <a:fld id="{9CCF4A4B-2EF2-4B29-8BD9-956A2A33DB7C}" type="slidenum">
               <a:rPr lang="pl-PL" smtClean="0"/>
-              <a:t>11</a:t>
+              <a:t>10</a:t>
             </a:fld>
             <a:endParaRPr lang="pl-PL"/>
           </a:p>
@@ -2444,7 +2045,7 @@
     </p:spTree>
     <p:extLst>
       <p:ext uri="{BB962C8B-B14F-4D97-AF65-F5344CB8AC3E}">
-        <p14:creationId xmlns:p14="http://schemas.microsoft.com/office/powerpoint/2010/main" val="1947215073"/>
+        <p14:creationId xmlns:p14="http://schemas.microsoft.com/office/powerpoint/2010/main" val="2762162689"/>
       </p:ext>
     </p:extLst>
   </p:cSld>
@@ -2498,75 +2099,162 @@
           <a:bodyPr/>
           <a:lstStyle/>
           <a:p>
+            <a:pPr marL="171450" indent="-171450">
+              <a:buFontTx/>
+              <a:buChar char="-"/>
+            </a:pPr>
+            <a:r>
+              <a:rPr lang="en-IE" sz="1200" kern="1200" dirty="0" smtClean="0">
+                <a:solidFill>
+                  <a:schemeClr val="tx1"/>
+                </a:solidFill>
+                <a:effectLst/>
+                <a:latin typeface="+mn-lt"/>
+                <a:ea typeface="+mn-ea"/>
+                <a:cs typeface="+mn-cs"/>
+              </a:rPr>
+              <a:t>the actor waits for a message to arrive to its </a:t>
+            </a:r>
+            <a:r>
+              <a:rPr lang="en-IE" sz="1200" kern="1200" dirty="0" smtClean="0">
+                <a:solidFill>
+                  <a:schemeClr val="tx1"/>
+                </a:solidFill>
+                <a:effectLst/>
+                <a:latin typeface="+mn-lt"/>
+                <a:ea typeface="+mn-ea"/>
+                <a:cs typeface="+mn-cs"/>
+              </a:rPr>
+              <a:t>mailbox</a:t>
+            </a:r>
+          </a:p>
+          <a:p>
+            <a:pPr marL="171450" indent="-171450">
+              <a:buFontTx/>
+              <a:buChar char="-"/>
+            </a:pPr>
+            <a:endParaRPr lang="en-IE" sz="1200" kern="1200" dirty="0" smtClean="0">
+              <a:solidFill>
+                <a:schemeClr val="tx1"/>
+              </a:solidFill>
+              <a:effectLst/>
+              <a:latin typeface="+mn-lt"/>
+              <a:ea typeface="+mn-ea"/>
+              <a:cs typeface="+mn-cs"/>
+            </a:endParaRPr>
+          </a:p>
+          <a:p>
+            <a:pPr marL="171450" indent="-171450">
+              <a:buFontTx/>
+              <a:buChar char="-"/>
+            </a:pPr>
+            <a:endParaRPr lang="en-IE" sz="1200" kern="1200" dirty="0" smtClean="0">
+              <a:solidFill>
+                <a:schemeClr val="tx1"/>
+              </a:solidFill>
+              <a:effectLst/>
+              <a:latin typeface="+mn-lt"/>
+              <a:ea typeface="+mn-ea"/>
+              <a:cs typeface="+mn-cs"/>
+            </a:endParaRPr>
+          </a:p>
+          <a:p>
             <a:r>
               <a:rPr lang="en-IE" dirty="0" smtClean="0"/>
-              <a:t>SOAP</a:t>
-            </a:r>
-            <a:r>
-              <a:rPr lang="en-IE" baseline="0" dirty="0" smtClean="0"/>
-              <a:t> is a protocol </a:t>
-            </a:r>
+              <a:t>- concurrency is message-based and asynchronous</a:t>
+            </a:r>
+          </a:p>
+          <a:p>
+            <a:pPr marL="171450" indent="-171450">
+              <a:buFontTx/>
+              <a:buChar char="-"/>
+            </a:pPr>
+            <a:r>
+              <a:rPr lang="en-IE" dirty="0" smtClean="0"/>
+              <a:t>no mutable data is shared</a:t>
+            </a:r>
+          </a:p>
+          <a:p>
+            <a:pPr marL="171450" marR="0" indent="-171450" algn="l" defTabSz="914400" rtl="0" eaLnBrk="1" fontAlgn="auto" latinLnBrk="0" hangingPunct="1">
+              <a:lnSpc>
+                <a:spcPct val="100000"/>
+              </a:lnSpc>
+              <a:spcBef>
+                <a:spcPts val="0"/>
+              </a:spcBef>
+              <a:spcAft>
+                <a:spcPts val="0"/>
+              </a:spcAft>
+              <a:buClrTx/>
+              <a:buSzTx/>
+              <a:buFontTx/>
+              <a:buChar char="-"/>
+              <a:tabLst/>
+              <a:defRPr/>
+            </a:pPr>
             <a:r>
               <a:rPr lang="en-US" dirty="0" smtClean="0"/>
-              <a:t>specification for exchanging structured information in the implementation of </a:t>
+              <a:t>In </a:t>
             </a:r>
             <a:r>
               <a:rPr lang="en-US" dirty="0" smtClean="0">
-                <a:hlinkClick r:id="rId3" tooltip="Web Service"/>
+                <a:hlinkClick r:id="rId3" tooltip="Computer programming"/>
               </a:rPr>
-              <a:t>Web Services</a:t>
+              <a:t>computer programming</a:t>
             </a:r>
             <a:r>
               <a:rPr lang="en-US" dirty="0" smtClean="0"/>
-              <a:t> </a:t>
-            </a:r>
-            <a:endParaRPr lang="en-IE" baseline="0" dirty="0" smtClean="0"/>
-          </a:p>
-          <a:p>
-            <a:r>
-              <a:rPr lang="en-IE" baseline="0" dirty="0" smtClean="0"/>
-              <a:t>and REST is an architectural style</a:t>
-            </a:r>
-          </a:p>
-          <a:p>
-            <a:endParaRPr lang="en-IE" baseline="0" dirty="0" smtClean="0"/>
-          </a:p>
-          <a:p>
-            <a:r>
-              <a:rPr lang="en-IE" b="1" baseline="0" dirty="0" smtClean="0"/>
-              <a:t>The idea for the project was to create a </a:t>
-            </a:r>
-            <a:r>
-              <a:rPr lang="en-IE" b="1" baseline="0" dirty="0" err="1" smtClean="0"/>
-              <a:t>RESTful</a:t>
-            </a:r>
-            <a:r>
-              <a:rPr lang="en-IE" b="1" baseline="0" dirty="0" smtClean="0"/>
-              <a:t> web service that would be hosted on a server (locally or on </a:t>
-            </a:r>
-            <a:r>
-              <a:rPr lang="en-IE" b="1" baseline="0" dirty="0" err="1" smtClean="0"/>
-              <a:t>Heroku</a:t>
-            </a:r>
-            <a:r>
-              <a:rPr lang="en-IE" b="1" baseline="0" dirty="0" smtClean="0"/>
-              <a:t>).</a:t>
-            </a:r>
-          </a:p>
-          <a:p>
-            <a:r>
-              <a:rPr lang="en-IE" b="1" baseline="0" dirty="0" smtClean="0"/>
-              <a:t>The service provides basic CRUD operations and a withdraw() and deposit() functions.</a:t>
-            </a:r>
-          </a:p>
-          <a:p>
-            <a:r>
-              <a:rPr lang="en-IE" b="1" baseline="0" dirty="0" smtClean="0"/>
-              <a:t>We can send a HTTP request in a JSON format and get a response back also in a JSON format.</a:t>
-            </a:r>
-          </a:p>
-          <a:p>
-            <a:endParaRPr lang="pl-PL" dirty="0"/>
+              <a:t>, </a:t>
+            </a:r>
+            <a:r>
+              <a:rPr lang="en-US" b="1" dirty="0" smtClean="0"/>
+              <a:t>asynchronous</a:t>
+            </a:r>
+            <a:r>
+              <a:rPr lang="en-US" dirty="0" smtClean="0"/>
+              <a:t> events are those occurring independently of the main program flow. </a:t>
+            </a:r>
+            <a:r>
+              <a:rPr lang="en-US" b="1" dirty="0" smtClean="0"/>
+              <a:t>Asynchronous</a:t>
+            </a:r>
+            <a:r>
+              <a:rPr lang="en-US" dirty="0" smtClean="0"/>
+              <a:t> actions are actions executed in a </a:t>
+            </a:r>
+            <a:r>
+              <a:rPr lang="en-US" dirty="0" smtClean="0">
+                <a:hlinkClick r:id="rId4" tooltip="Non-blocking algorithm"/>
+              </a:rPr>
+              <a:t>non-blocking</a:t>
+            </a:r>
+            <a:r>
+              <a:rPr lang="en-US" dirty="0" smtClean="0"/>
+              <a:t> scheme, allowing the main program flow to continue processing.</a:t>
+            </a:r>
+            <a:endParaRPr lang="pl-PL" dirty="0" smtClean="0"/>
+          </a:p>
+          <a:p>
+            <a:pPr marL="171450" indent="-171450">
+              <a:buFontTx/>
+              <a:buChar char="-"/>
+            </a:pPr>
+            <a:endParaRPr lang="en-IE" dirty="0" smtClean="0"/>
+          </a:p>
+          <a:p>
+            <a:pPr marL="171450" indent="-171450">
+              <a:buFontTx/>
+              <a:buChar char="-"/>
+            </a:pPr>
+            <a:endParaRPr lang="en-IE" sz="1200" kern="1200" dirty="0" smtClean="0">
+              <a:solidFill>
+                <a:schemeClr val="tx1"/>
+              </a:solidFill>
+              <a:effectLst/>
+              <a:latin typeface="+mn-lt"/>
+              <a:ea typeface="+mn-ea"/>
+              <a:cs typeface="+mn-cs"/>
+            </a:endParaRPr>
           </a:p>
         </p:txBody>
       </p:sp>
@@ -2587,7 +2275,7 @@
           <a:p>
             <a:fld id="{9CCF4A4B-2EF2-4B29-8BD9-956A2A33DB7C}" type="slidenum">
               <a:rPr lang="pl-PL" smtClean="0"/>
-              <a:t>12</a:t>
+              <a:t>11</a:t>
             </a:fld>
             <a:endParaRPr lang="pl-PL"/>
           </a:p>
@@ -2596,7 +2284,7 @@
     </p:spTree>
     <p:extLst>
       <p:ext uri="{BB962C8B-B14F-4D97-AF65-F5344CB8AC3E}">
-        <p14:creationId xmlns:p14="http://schemas.microsoft.com/office/powerpoint/2010/main" val="3261138746"/>
+        <p14:creationId xmlns:p14="http://schemas.microsoft.com/office/powerpoint/2010/main" val="433698943"/>
       </p:ext>
     </p:extLst>
   </p:cSld>
@@ -5751,11 +5439,6 @@
           <a:bodyPr/>
           <a:lstStyle/>
           <a:p>
-            <a:pPr algn="l"/>
-            <a:r>
-              <a:rPr lang="en-IE" dirty="0" smtClean="0"/>
-              <a:t>And:</a:t>
-            </a:r>
             <a:endParaRPr lang="pl-PL" dirty="0"/>
           </a:p>
         </p:txBody>
@@ -5777,58 +5460,53 @@
           </a:bodyPr>
           <a:lstStyle/>
           <a:p>
+            <a:endParaRPr lang="en-IE" dirty="0" smtClean="0"/>
+          </a:p>
+          <a:p>
             <a:r>
               <a:rPr lang="en-IE" dirty="0" smtClean="0"/>
-              <a:t>Scala is a functional language</a:t>
-            </a:r>
-          </a:p>
-          <a:p>
-            <a:pPr marL="0" indent="0">
-              <a:buNone/>
-            </a:pPr>
+              <a:t>toolkit </a:t>
+            </a:r>
             <a:r>
               <a:rPr lang="en-IE" dirty="0" smtClean="0"/>
-              <a:t>		every function is a value</a:t>
-            </a:r>
-          </a:p>
-          <a:p>
-            <a:pPr marL="0" indent="0">
-              <a:buNone/>
-            </a:pPr>
+              <a:t>that allows to create concurrent applications</a:t>
+            </a:r>
+          </a:p>
+          <a:p>
             <a:r>
               <a:rPr lang="en-IE" dirty="0" smtClean="0"/>
-              <a:t>		so we can pass a function as a 			parameter  into another function</a:t>
-            </a:r>
-          </a:p>
-          <a:p>
-            <a:pPr marL="0" indent="0">
-              <a:buNone/>
-            </a:pPr>
+              <a:t>no </a:t>
+            </a:r>
             <a:r>
               <a:rPr lang="en-IE" dirty="0" smtClean="0"/>
-              <a:t>		or return them as a result</a:t>
-            </a:r>
-          </a:p>
-          <a:p>
-            <a:pPr marL="0" indent="0">
-              <a:buNone/>
-            </a:pPr>
-            <a:endParaRPr lang="en-IE" dirty="0"/>
-          </a:p>
-          <a:p>
-            <a:pPr marL="0" indent="0">
-              <a:buNone/>
-            </a:pPr>
+              <a:t>race conditions or deadlocks</a:t>
+            </a:r>
+          </a:p>
+          <a:p>
+            <a:r>
+              <a:rPr lang="en-IE" dirty="0"/>
+              <a:t>t</a:t>
+            </a:r>
             <a:r>
               <a:rPr lang="en-IE" dirty="0" smtClean="0"/>
-              <a:t>Example3 &amp; Example4</a:t>
+              <a:t>hread safety</a:t>
+            </a:r>
+          </a:p>
+          <a:p>
+            <a:r>
+              <a:rPr lang="en-IE" dirty="0" err="1" smtClean="0"/>
+              <a:t>Akka</a:t>
+            </a:r>
+            <a:r>
+              <a:rPr lang="en-IE" dirty="0" smtClean="0"/>
+              <a:t> uses Actors</a:t>
             </a:r>
           </a:p>
         </p:txBody>
       </p:sp>
       <p:pic>
         <p:nvPicPr>
-          <p:cNvPr id="4" name="Picture 2"/>
+          <p:cNvPr id="6146" name="Picture 2"/>
           <p:cNvPicPr>
             <a:picLocks noChangeAspect="1" noChangeArrowheads="1"/>
           </p:cNvPicPr>
@@ -5849,8 +5527,8 @@
         </p:blipFill>
         <p:spPr bwMode="auto">
           <a:xfrm>
-            <a:off x="6119351" y="328732"/>
-            <a:ext cx="976313" cy="1171576"/>
+            <a:off x="1259632" y="548680"/>
+            <a:ext cx="1705224" cy="1329269"/>
           </a:xfrm>
           <a:prstGeom prst="rect">
             <a:avLst/>
@@ -5880,78 +5558,16 @@
           </a:extLst>
         </p:spPr>
       </p:pic>
-    </p:spTree>
-    <p:extLst>
-      <p:ext uri="{BB962C8B-B14F-4D97-AF65-F5344CB8AC3E}">
-        <p14:creationId xmlns:p14="http://schemas.microsoft.com/office/powerpoint/2010/main" val="3343358696"/>
-      </p:ext>
-    </p:extLst>
-  </p:cSld>
-  <p:clrMapOvr>
-    <a:masterClrMapping/>
-  </p:clrMapOvr>
-  <p:timing>
-    <p:tnLst>
-      <p:par>
-        <p:cTn id="1" dur="indefinite" restart="never" nodeType="tmRoot"/>
-      </p:par>
-    </p:tnLst>
-  </p:timing>
-</p:sld>
-</file>
-
-<file path=ppt/slides/slide11.xml><?xml version="1.0" encoding="utf-8"?>
-<p:sld xmlns:a="http://schemas.openxmlformats.org/drawingml/2006/main" xmlns:r="http://schemas.openxmlformats.org/officeDocument/2006/relationships" xmlns:p="http://schemas.openxmlformats.org/presentationml/2006/main">
-  <p:cSld>
-    <p:spTree>
-      <p:nvGrpSpPr>
-        <p:cNvPr id="1" name=""/>
-        <p:cNvGrpSpPr/>
-        <p:nvPr/>
-      </p:nvGrpSpPr>
-      <p:grpSpPr>
-        <a:xfrm>
-          <a:off x="0" y="0"/>
-          <a:ext cx="0" cy="0"/>
-          <a:chOff x="0" y="0"/>
-          <a:chExt cx="0" cy="0"/>
-        </a:xfrm>
-      </p:grpSpPr>
-      <p:sp>
-        <p:nvSpPr>
-          <p:cNvPr id="2" name="Tytuł 1"/>
-          <p:cNvSpPr>
-            <a:spLocks noGrp="1"/>
-          </p:cNvSpPr>
-          <p:nvPr>
-            <p:ph type="title"/>
-          </p:nvPr>
-        </p:nvSpPr>
-        <p:spPr/>
-        <p:txBody>
-          <a:bodyPr/>
-          <a:lstStyle/>
-          <a:p>
-            <a:r>
-              <a:rPr lang="en-IE" dirty="0"/>
-              <a:t>Example3.scala</a:t>
-            </a:r>
-            <a:endParaRPr lang="pl-PL" dirty="0"/>
-          </a:p>
-        </p:txBody>
-      </p:sp>
       <p:pic>
         <p:nvPicPr>
-          <p:cNvPr id="3074" name="Picture 2"/>
+          <p:cNvPr id="5" name="Picture 3"/>
           <p:cNvPicPr>
-            <a:picLocks noGrp="1" noChangeAspect="1" noChangeArrowheads="1"/>
+            <a:picLocks noChangeAspect="1" noChangeArrowheads="1"/>
           </p:cNvPicPr>
-          <p:nvPr>
-            <p:ph idx="1"/>
-          </p:nvPr>
+          <p:nvPr/>
         </p:nvPicPr>
         <p:blipFill>
-          <a:blip r:embed="rId3">
+          <a:blip r:embed="rId4">
             <a:extLst>
               <a:ext uri="{28A0092B-C50C-407E-A947-70E740481C1C}">
                 <a14:useLocalDpi xmlns:a14="http://schemas.microsoft.com/office/drawing/2010/main" val="0"/>
@@ -5965,333 +5581,8 @@
         </p:blipFill>
         <p:spPr bwMode="auto">
           <a:xfrm>
-            <a:off x="1115616" y="1340768"/>
-            <a:ext cx="6552728" cy="4621085"/>
-          </a:xfrm>
-          <a:prstGeom prst="rect">
-            <a:avLst/>
-          </a:prstGeom>
-          <a:noFill/>
-          <a:ln>
-            <a:noFill/>
-          </a:ln>
-          <a:extLst>
-            <a:ext uri="{909E8E84-426E-40DD-AFC4-6F175D3DCCD1}">
-              <a14:hiddenFill xmlns:a14="http://schemas.microsoft.com/office/drawing/2010/main">
-                <a:solidFill>
-                  <a:schemeClr val="accent1"/>
-                </a:solidFill>
-              </a14:hiddenFill>
-            </a:ext>
-            <a:ext uri="{91240B29-F687-4F45-9708-019B960494DF}">
-              <a14:hiddenLine xmlns:a14="http://schemas.microsoft.com/office/drawing/2010/main" w="9525">
-                <a:solidFill>
-                  <a:schemeClr val="tx1"/>
-                </a:solidFill>
-                <a:miter lim="800000"/>
-                <a:headEnd/>
-                <a:tailEnd/>
-              </a14:hiddenLine>
-            </a:ext>
-          </a:extLst>
-        </p:spPr>
-      </p:pic>
-    </p:spTree>
-    <p:extLst>
-      <p:ext uri="{BB962C8B-B14F-4D97-AF65-F5344CB8AC3E}">
-        <p14:creationId xmlns:p14="http://schemas.microsoft.com/office/powerpoint/2010/main" val="2578522333"/>
-      </p:ext>
-    </p:extLst>
-  </p:cSld>
-  <p:clrMapOvr>
-    <a:masterClrMapping/>
-  </p:clrMapOvr>
-  <p:timing>
-    <p:tnLst>
-      <p:par>
-        <p:cTn id="1" dur="indefinite" restart="never" nodeType="tmRoot"/>
-      </p:par>
-    </p:tnLst>
-  </p:timing>
-</p:sld>
-</file>
-
-<file path=ppt/slides/slide12.xml><?xml version="1.0" encoding="utf-8"?>
-<p:sld xmlns:a="http://schemas.openxmlformats.org/drawingml/2006/main" xmlns:r="http://schemas.openxmlformats.org/officeDocument/2006/relationships" xmlns:p="http://schemas.openxmlformats.org/presentationml/2006/main">
-  <p:cSld>
-    <p:spTree>
-      <p:nvGrpSpPr>
-        <p:cNvPr id="1" name=""/>
-        <p:cNvGrpSpPr/>
-        <p:nvPr/>
-      </p:nvGrpSpPr>
-      <p:grpSpPr>
-        <a:xfrm>
-          <a:off x="0" y="0"/>
-          <a:ext cx="0" cy="0"/>
-          <a:chOff x="0" y="0"/>
-          <a:chExt cx="0" cy="0"/>
-        </a:xfrm>
-      </p:grpSpPr>
-      <p:sp>
-        <p:nvSpPr>
-          <p:cNvPr id="2" name="Tytuł 1"/>
-          <p:cNvSpPr>
-            <a:spLocks noGrp="1"/>
-          </p:cNvSpPr>
-          <p:nvPr>
-            <p:ph type="title"/>
-          </p:nvPr>
-        </p:nvSpPr>
-        <p:spPr>
-          <a:xfrm>
-            <a:off x="467544" y="332656"/>
-            <a:ext cx="8229600" cy="1143000"/>
-          </a:xfrm>
-        </p:spPr>
-        <p:txBody>
-          <a:bodyPr/>
-          <a:lstStyle/>
-          <a:p>
-            <a:r>
-              <a:rPr lang="en-IE" dirty="0" err="1" smtClean="0"/>
-              <a:t>RESTful</a:t>
-            </a:r>
-            <a:r>
-              <a:rPr lang="en-IE" dirty="0" smtClean="0"/>
-              <a:t> web service</a:t>
-            </a:r>
-            <a:endParaRPr lang="pl-PL" dirty="0"/>
-          </a:p>
-        </p:txBody>
-      </p:sp>
-      <p:sp>
-        <p:nvSpPr>
-          <p:cNvPr id="4" name="Symbol zastępczy zawartości 3"/>
-          <p:cNvSpPr>
-            <a:spLocks noGrp="1"/>
-          </p:cNvSpPr>
-          <p:nvPr>
-            <p:ph idx="1"/>
-          </p:nvPr>
-        </p:nvSpPr>
-        <p:spPr/>
-        <p:txBody>
-          <a:bodyPr/>
-          <a:lstStyle/>
-          <a:p>
-            <a:pPr marL="0" indent="0">
-              <a:buNone/>
-            </a:pPr>
-            <a:endParaRPr lang="pl-PL" dirty="0"/>
-          </a:p>
-        </p:txBody>
-      </p:sp>
-      <p:pic>
-        <p:nvPicPr>
-          <p:cNvPr id="4100" name="Picture 4"/>
-          <p:cNvPicPr>
-            <a:picLocks noChangeAspect="1" noChangeArrowheads="1"/>
-          </p:cNvPicPr>
-          <p:nvPr/>
-        </p:nvPicPr>
-        <p:blipFill>
-          <a:blip r:embed="rId3">
-            <a:extLst>
-              <a:ext uri="{28A0092B-C50C-407E-A947-70E740481C1C}">
-                <a14:useLocalDpi xmlns:a14="http://schemas.microsoft.com/office/drawing/2010/main" val="0"/>
-              </a:ext>
-            </a:extLst>
-          </a:blip>
-          <a:srcRect/>
-          <a:stretch>
-            <a:fillRect/>
-          </a:stretch>
-        </p:blipFill>
-        <p:spPr bwMode="auto">
-          <a:xfrm>
-            <a:off x="1259632" y="1556792"/>
-            <a:ext cx="6944298" cy="4176464"/>
-          </a:xfrm>
-          <a:prstGeom prst="rect">
-            <a:avLst/>
-          </a:prstGeom>
-          <a:noFill/>
-          <a:ln>
-            <a:noFill/>
-          </a:ln>
-          <a:extLst>
-            <a:ext uri="{909E8E84-426E-40DD-AFC4-6F175D3DCCD1}">
-              <a14:hiddenFill xmlns:a14="http://schemas.microsoft.com/office/drawing/2010/main">
-                <a:solidFill>
-                  <a:schemeClr val="accent1"/>
-                </a:solidFill>
-              </a14:hiddenFill>
-            </a:ext>
-            <a:ext uri="{91240B29-F687-4F45-9708-019B960494DF}">
-              <a14:hiddenLine xmlns:a14="http://schemas.microsoft.com/office/drawing/2010/main" w="9525">
-                <a:solidFill>
-                  <a:schemeClr val="tx1"/>
-                </a:solidFill>
-                <a:miter lim="800000"/>
-                <a:headEnd/>
-                <a:tailEnd/>
-              </a14:hiddenLine>
-            </a:ext>
-          </a:extLst>
-        </p:spPr>
-      </p:pic>
-    </p:spTree>
-    <p:extLst>
-      <p:ext uri="{BB962C8B-B14F-4D97-AF65-F5344CB8AC3E}">
-        <p14:creationId xmlns:p14="http://schemas.microsoft.com/office/powerpoint/2010/main" val="444865185"/>
-      </p:ext>
-    </p:extLst>
-  </p:cSld>
-  <p:clrMapOvr>
-    <a:masterClrMapping/>
-  </p:clrMapOvr>
-  <p:timing>
-    <p:tnLst>
-      <p:par>
-        <p:cTn id="1" dur="indefinite" restart="never" nodeType="tmRoot"/>
-      </p:par>
-    </p:tnLst>
-  </p:timing>
-</p:sld>
-</file>
-
-<file path=ppt/slides/slide13.xml><?xml version="1.0" encoding="utf-8"?>
-<p:sld xmlns:a="http://schemas.openxmlformats.org/drawingml/2006/main" xmlns:r="http://schemas.openxmlformats.org/officeDocument/2006/relationships" xmlns:p="http://schemas.openxmlformats.org/presentationml/2006/main">
-  <p:cSld>
-    <p:spTree>
-      <p:nvGrpSpPr>
-        <p:cNvPr id="1" name=""/>
-        <p:cNvGrpSpPr/>
-        <p:nvPr/>
-      </p:nvGrpSpPr>
-      <p:grpSpPr>
-        <a:xfrm>
-          <a:off x="0" y="0"/>
-          <a:ext cx="0" cy="0"/>
-          <a:chOff x="0" y="0"/>
-          <a:chExt cx="0" cy="0"/>
-        </a:xfrm>
-      </p:grpSpPr>
-      <p:sp>
-        <p:nvSpPr>
-          <p:cNvPr id="2" name="Tytuł 1"/>
-          <p:cNvSpPr>
-            <a:spLocks noGrp="1"/>
-          </p:cNvSpPr>
-          <p:nvPr>
-            <p:ph type="title"/>
-          </p:nvPr>
-        </p:nvSpPr>
-        <p:spPr/>
-        <p:txBody>
-          <a:bodyPr/>
-          <a:lstStyle/>
-          <a:p>
-            <a:endParaRPr lang="pl-PL" dirty="0"/>
-          </a:p>
-        </p:txBody>
-      </p:sp>
-      <p:sp>
-        <p:nvSpPr>
-          <p:cNvPr id="3" name="Symbol zastępczy zawartości 2"/>
-          <p:cNvSpPr>
-            <a:spLocks noGrp="1"/>
-          </p:cNvSpPr>
-          <p:nvPr>
-            <p:ph idx="1"/>
-          </p:nvPr>
-        </p:nvSpPr>
-        <p:spPr/>
-        <p:txBody>
-          <a:bodyPr>
-            <a:normAutofit fontScale="92500" lnSpcReduction="10000"/>
-          </a:bodyPr>
-          <a:lstStyle/>
-          <a:p>
-            <a:endParaRPr lang="en-IE" dirty="0" smtClean="0"/>
-          </a:p>
-          <a:p>
-            <a:endParaRPr lang="en-IE" dirty="0"/>
-          </a:p>
-          <a:p>
-            <a:endParaRPr lang="en-IE" dirty="0" smtClean="0"/>
-          </a:p>
-          <a:p>
-            <a:r>
-              <a:rPr lang="en-IE" dirty="0"/>
-              <a:t>t</a:t>
-            </a:r>
-            <a:r>
-              <a:rPr lang="en-IE" dirty="0" smtClean="0"/>
-              <a:t>oolkit that allows to create concurrent applications</a:t>
-            </a:r>
-          </a:p>
-          <a:p>
-            <a:endParaRPr lang="en-IE" dirty="0"/>
-          </a:p>
-          <a:p>
-            <a:r>
-              <a:rPr lang="en-IE" dirty="0"/>
-              <a:t>n</a:t>
-            </a:r>
-            <a:r>
-              <a:rPr lang="en-IE" dirty="0" smtClean="0"/>
-              <a:t>o race conditions or deadlocks</a:t>
-            </a:r>
-          </a:p>
-          <a:p>
-            <a:r>
-              <a:rPr lang="en-IE" dirty="0"/>
-              <a:t>t</a:t>
-            </a:r>
-            <a:r>
-              <a:rPr lang="en-IE" dirty="0" smtClean="0"/>
-              <a:t>hread safety</a:t>
-            </a:r>
-          </a:p>
-          <a:p>
-            <a:r>
-              <a:rPr lang="en-IE" dirty="0" err="1" smtClean="0"/>
-              <a:t>Akka</a:t>
-            </a:r>
-            <a:r>
-              <a:rPr lang="en-IE" dirty="0" smtClean="0"/>
-              <a:t> uses Actors</a:t>
-            </a:r>
-          </a:p>
-        </p:txBody>
-      </p:sp>
-      <p:pic>
-        <p:nvPicPr>
-          <p:cNvPr id="6146" name="Picture 2"/>
-          <p:cNvPicPr>
-            <a:picLocks noChangeAspect="1" noChangeArrowheads="1"/>
-          </p:cNvPicPr>
-          <p:nvPr/>
-        </p:nvPicPr>
-        <p:blipFill>
-          <a:blip r:embed="rId3">
-            <a:extLst>
-              <a:ext uri="{28A0092B-C50C-407E-A947-70E740481C1C}">
-                <a14:useLocalDpi xmlns:a14="http://schemas.microsoft.com/office/drawing/2010/main" val="0"/>
-              </a:ext>
-            </a:extLst>
-          </a:blip>
-          <a:srcRect/>
-          <a:stretch>
-            <a:fillRect/>
-          </a:stretch>
-        </p:blipFill>
-        <p:spPr bwMode="auto">
-          <a:xfrm>
-            <a:off x="3563888" y="587563"/>
-            <a:ext cx="2243012" cy="1748490"/>
+            <a:off x="4213525" y="4221088"/>
+            <a:ext cx="860963" cy="1523242"/>
           </a:xfrm>
           <a:prstGeom prst="rect">
             <a:avLst/>
@@ -6341,7 +5632,7 @@
 </p:sld>
 </file>
 
-<file path=ppt/slides/slide14.xml><?xml version="1.0" encoding="utf-8"?>
+<file path=ppt/slides/slide11.xml><?xml version="1.0" encoding="utf-8"?>
 <p:sld xmlns:a="http://schemas.openxmlformats.org/drawingml/2006/main" xmlns:r="http://schemas.openxmlformats.org/officeDocument/2006/relationships" xmlns:p="http://schemas.openxmlformats.org/presentationml/2006/main">
   <p:cSld>
     <p:spTree>
@@ -6377,172 +5668,6 @@
             <a:r>
               <a:rPr lang="en-IE" dirty="0" smtClean="0"/>
               <a:t>Actor paradigm</a:t>
-            </a:r>
-            <a:endParaRPr lang="pl-PL" dirty="0"/>
-          </a:p>
-        </p:txBody>
-      </p:sp>
-      <p:sp>
-        <p:nvSpPr>
-          <p:cNvPr id="3" name="Symbol zastępczy zawartości 2"/>
-          <p:cNvSpPr>
-            <a:spLocks noGrp="1"/>
-          </p:cNvSpPr>
-          <p:nvPr>
-            <p:ph idx="1"/>
-          </p:nvPr>
-        </p:nvSpPr>
-        <p:spPr/>
-        <p:txBody>
-          <a:bodyPr/>
-          <a:lstStyle/>
-          <a:p>
-            <a:r>
-              <a:rPr lang="en-IE" dirty="0" smtClean="0"/>
-              <a:t>concurrency is message-based</a:t>
-            </a:r>
-          </a:p>
-          <a:p>
-            <a:pPr marL="0" indent="0">
-              <a:buNone/>
-            </a:pPr>
-            <a:r>
-              <a:rPr lang="en-IE" dirty="0"/>
-              <a:t> </a:t>
-            </a:r>
-            <a:r>
-              <a:rPr lang="en-IE" dirty="0" smtClean="0"/>
-              <a:t>   and asynchronous</a:t>
-            </a:r>
-          </a:p>
-          <a:p>
-            <a:r>
-              <a:rPr lang="en-IE" dirty="0"/>
-              <a:t>n</a:t>
-            </a:r>
-            <a:r>
-              <a:rPr lang="en-IE" dirty="0" smtClean="0"/>
-              <a:t>o mutable data is shared</a:t>
-            </a:r>
-          </a:p>
-          <a:p>
-            <a:endParaRPr lang="en-IE" dirty="0" smtClean="0"/>
-          </a:p>
-          <a:p>
-            <a:endParaRPr lang="pl-PL" dirty="0"/>
-          </a:p>
-        </p:txBody>
-      </p:sp>
-      <p:pic>
-        <p:nvPicPr>
-          <p:cNvPr id="4" name="Picture 3"/>
-          <p:cNvPicPr>
-            <a:picLocks noChangeAspect="1" noChangeArrowheads="1"/>
-          </p:cNvPicPr>
-          <p:nvPr/>
-        </p:nvPicPr>
-        <p:blipFill>
-          <a:blip r:embed="rId3">
-            <a:extLst>
-              <a:ext uri="{28A0092B-C50C-407E-A947-70E740481C1C}">
-                <a14:useLocalDpi xmlns:a14="http://schemas.microsoft.com/office/drawing/2010/main" val="0"/>
-              </a:ext>
-            </a:extLst>
-          </a:blip>
-          <a:srcRect/>
-          <a:stretch>
-            <a:fillRect/>
-          </a:stretch>
-        </p:blipFill>
-        <p:spPr bwMode="auto">
-          <a:xfrm>
-            <a:off x="6801903" y="268680"/>
-            <a:ext cx="1282399" cy="2268860"/>
-          </a:xfrm>
-          <a:prstGeom prst="rect">
-            <a:avLst/>
-          </a:prstGeom>
-          <a:noFill/>
-          <a:ln>
-            <a:noFill/>
-          </a:ln>
-          <a:extLst>
-            <a:ext uri="{909E8E84-426E-40DD-AFC4-6F175D3DCCD1}">
-              <a14:hiddenFill xmlns:a14="http://schemas.microsoft.com/office/drawing/2010/main">
-                <a:solidFill>
-                  <a:schemeClr val="accent1"/>
-                </a:solidFill>
-              </a14:hiddenFill>
-            </a:ext>
-            <a:ext uri="{91240B29-F687-4F45-9708-019B960494DF}">
-              <a14:hiddenLine xmlns:a14="http://schemas.microsoft.com/office/drawing/2010/main" w="9525">
-                <a:solidFill>
-                  <a:schemeClr val="tx1"/>
-                </a:solidFill>
-                <a:miter lim="800000"/>
-                <a:headEnd/>
-                <a:tailEnd/>
-              </a14:hiddenLine>
-            </a:ext>
-          </a:extLst>
-        </p:spPr>
-      </p:pic>
-    </p:spTree>
-    <p:extLst>
-      <p:ext uri="{BB962C8B-B14F-4D97-AF65-F5344CB8AC3E}">
-        <p14:creationId xmlns:p14="http://schemas.microsoft.com/office/powerpoint/2010/main" val="1739588554"/>
-      </p:ext>
-    </p:extLst>
-  </p:cSld>
-  <p:clrMapOvr>
-    <a:masterClrMapping/>
-  </p:clrMapOvr>
-  <p:timing>
-    <p:tnLst>
-      <p:par>
-        <p:cTn id="1" dur="indefinite" restart="never" nodeType="tmRoot"/>
-      </p:par>
-    </p:tnLst>
-  </p:timing>
-</p:sld>
-</file>
-
-<file path=ppt/slides/slide15.xml><?xml version="1.0" encoding="utf-8"?>
-<p:sld xmlns:a="http://schemas.openxmlformats.org/drawingml/2006/main" xmlns:r="http://schemas.openxmlformats.org/officeDocument/2006/relationships" xmlns:p="http://schemas.openxmlformats.org/presentationml/2006/main">
-  <p:cSld>
-    <p:spTree>
-      <p:nvGrpSpPr>
-        <p:cNvPr id="1" name=""/>
-        <p:cNvGrpSpPr/>
-        <p:nvPr/>
-      </p:nvGrpSpPr>
-      <p:grpSpPr>
-        <a:xfrm>
-          <a:off x="0" y="0"/>
-          <a:ext cx="0" cy="0"/>
-          <a:chOff x="0" y="0"/>
-          <a:chExt cx="0" cy="0"/>
-        </a:xfrm>
-      </p:grpSpPr>
-      <p:sp>
-        <p:nvSpPr>
-          <p:cNvPr id="2" name="Tytuł 1"/>
-          <p:cNvSpPr>
-            <a:spLocks noGrp="1"/>
-          </p:cNvSpPr>
-          <p:nvPr>
-            <p:ph type="title"/>
-          </p:nvPr>
-        </p:nvSpPr>
-        <p:spPr/>
-        <p:txBody>
-          <a:bodyPr/>
-          <a:lstStyle/>
-          <a:p>
-            <a:pPr algn="l"/>
-            <a:r>
-              <a:rPr lang="en-IE" dirty="0" smtClean="0"/>
-              <a:t>Message-based?</a:t>
             </a:r>
             <a:endParaRPr lang="pl-PL" dirty="0"/>
           </a:p>
@@ -6671,7 +5796,7 @@
 </p:sld>
 </file>
 
-<file path=ppt/slides/slide16.xml><?xml version="1.0" encoding="utf-8"?>
+<file path=ppt/slides/slide12.xml><?xml version="1.0" encoding="utf-8"?>
 <p:sld xmlns:a="http://schemas.openxmlformats.org/drawingml/2006/main" xmlns:r="http://schemas.openxmlformats.org/officeDocument/2006/relationships" xmlns:p="http://schemas.openxmlformats.org/presentationml/2006/main">
   <p:cSld>
     <p:spTree>
@@ -6780,7 +5905,7 @@
 </p:sld>
 </file>
 
-<file path=ppt/slides/slide17.xml><?xml version="1.0" encoding="utf-8"?>
+<file path=ppt/slides/slide13.xml><?xml version="1.0" encoding="utf-8"?>
 <p:sld xmlns:a="http://schemas.openxmlformats.org/drawingml/2006/main" xmlns:r="http://schemas.openxmlformats.org/officeDocument/2006/relationships" xmlns:p="http://schemas.openxmlformats.org/presentationml/2006/main">
   <p:cSld>
     <p:spTree>
@@ -6826,36 +5951,88 @@
             <p:ph idx="1"/>
           </p:nvPr>
         </p:nvSpPr>
-        <p:spPr>
-          <a:xfrm>
-            <a:off x="457200" y="1600200"/>
-            <a:ext cx="8229600" cy="4525963"/>
-          </a:xfrm>
-        </p:spPr>
-        <p:txBody>
-          <a:bodyPr/>
-          <a:lstStyle/>
+        <p:spPr/>
+        <p:txBody>
+          <a:bodyPr>
+            <a:normAutofit fontScale="77500" lnSpcReduction="20000"/>
+          </a:bodyPr>
+          <a:lstStyle/>
+          <a:p>
+            <a:endParaRPr lang="en-IE" dirty="0" smtClean="0"/>
+          </a:p>
+          <a:p>
+            <a:r>
+              <a:rPr lang="en-IE" dirty="0"/>
+              <a:t>t</a:t>
+            </a:r>
+            <a:r>
+              <a:rPr lang="en-IE" dirty="0" smtClean="0"/>
+              <a:t>oolkit that is implemented using </a:t>
+            </a:r>
+            <a:r>
+              <a:rPr lang="en-IE" dirty="0" err="1" smtClean="0"/>
+              <a:t>Akka</a:t>
+            </a:r>
+            <a:endParaRPr lang="en-IE" dirty="0" smtClean="0"/>
+          </a:p>
+          <a:p>
+            <a:r>
+              <a:rPr lang="en-IE" dirty="0"/>
+              <a:t>f</a:t>
+            </a:r>
+            <a:r>
+              <a:rPr lang="en-IE" dirty="0" smtClean="0"/>
+              <a:t>eatures a HTTP server</a:t>
+            </a:r>
+          </a:p>
+          <a:p>
+            <a:r>
+              <a:rPr lang="en-IE" dirty="0"/>
+              <a:t>a</a:t>
+            </a:r>
+            <a:r>
+              <a:rPr lang="en-IE" dirty="0" smtClean="0"/>
+              <a:t>nd related facilities such as DSL for creating </a:t>
+            </a:r>
+            <a:r>
+              <a:rPr lang="en-IE" dirty="0" err="1" smtClean="0"/>
+              <a:t>RESTful</a:t>
+            </a:r>
+            <a:r>
+              <a:rPr lang="en-IE" dirty="0" smtClean="0"/>
+              <a:t> </a:t>
+            </a:r>
+            <a:r>
+              <a:rPr lang="en-IE" dirty="0" smtClean="0"/>
+              <a:t>APIs</a:t>
+            </a:r>
+          </a:p>
+          <a:p>
+            <a:endParaRPr lang="en-IE" dirty="0"/>
+          </a:p>
+          <a:p>
+            <a:endParaRPr lang="en-IE" dirty="0" smtClean="0"/>
+          </a:p>
           <a:p>
             <a:pPr marL="0" indent="0">
               <a:buNone/>
             </a:pPr>
-            <a:endParaRPr lang="en-US" dirty="0" smtClean="0"/>
+            <a:r>
+              <a:rPr lang="en-US" dirty="0" smtClean="0"/>
+              <a:t>			</a:t>
+            </a:r>
           </a:p>
           <a:p>
             <a:pPr marL="0" indent="0">
               <a:buNone/>
             </a:pPr>
             <a:r>
+              <a:rPr lang="en-US" dirty="0"/>
+              <a:t>	</a:t>
+            </a:r>
+            <a:r>
               <a:rPr lang="en-US" dirty="0" smtClean="0"/>
-              <a:t>is a Functional </a:t>
-            </a:r>
-            <a:r>
-              <a:rPr lang="en-US" dirty="0"/>
-              <a:t>Relational Mapping for </a:t>
-            </a:r>
-            <a:r>
-              <a:rPr lang="en-US" dirty="0" smtClean="0"/>
-              <a:t>Scala</a:t>
+              <a:t>		</a:t>
             </a:r>
           </a:p>
           <a:p>
@@ -6863,178 +6040,42 @@
               <a:buNone/>
             </a:pPr>
             <a:r>
+              <a:rPr lang="en-US" dirty="0"/>
+              <a:t>	</a:t>
+            </a:r>
+            <a:r>
               <a:rPr lang="en-US" dirty="0" smtClean="0"/>
-              <a:t>that provides a way of working with Scala’s relational databases</a:t>
-            </a:r>
-            <a:endParaRPr lang="en-US" dirty="0"/>
-          </a:p>
-          <a:p>
-            <a:endParaRPr lang="pl-PL" dirty="0"/>
-          </a:p>
-        </p:txBody>
-      </p:sp>
-      <p:pic>
-        <p:nvPicPr>
-          <p:cNvPr id="8194" name="Picture 2"/>
-          <p:cNvPicPr>
-            <a:picLocks noChangeAspect="1" noChangeArrowheads="1"/>
-          </p:cNvPicPr>
-          <p:nvPr/>
-        </p:nvPicPr>
-        <p:blipFill>
-          <a:blip r:embed="rId3">
-            <a:extLst>
-              <a:ext uri="{28A0092B-C50C-407E-A947-70E740481C1C}">
-                <a14:useLocalDpi xmlns:a14="http://schemas.microsoft.com/office/drawing/2010/main" val="0"/>
-              </a:ext>
-            </a:extLst>
-          </a:blip>
-          <a:srcRect/>
-          <a:stretch>
-            <a:fillRect/>
-          </a:stretch>
-        </p:blipFill>
-        <p:spPr bwMode="auto">
-          <a:xfrm>
-            <a:off x="2627784" y="759008"/>
-            <a:ext cx="3480058" cy="1296144"/>
-          </a:xfrm>
-          <a:prstGeom prst="rect">
-            <a:avLst/>
-          </a:prstGeom>
-          <a:noFill/>
-          <a:ln>
-            <a:noFill/>
-          </a:ln>
-          <a:extLst>
-            <a:ext uri="{909E8E84-426E-40DD-AFC4-6F175D3DCCD1}">
-              <a14:hiddenFill xmlns:a14="http://schemas.microsoft.com/office/drawing/2010/main">
-                <a:solidFill>
-                  <a:schemeClr val="accent1"/>
-                </a:solidFill>
-              </a14:hiddenFill>
-            </a:ext>
-            <a:ext uri="{91240B29-F687-4F45-9708-019B960494DF}">
-              <a14:hiddenLine xmlns:a14="http://schemas.microsoft.com/office/drawing/2010/main" w="9525">
-                <a:solidFill>
-                  <a:schemeClr val="tx1"/>
-                </a:solidFill>
-                <a:miter lim="800000"/>
-                <a:headEnd/>
-                <a:tailEnd/>
-              </a14:hiddenLine>
-            </a:ext>
-          </a:extLst>
-        </p:spPr>
-      </p:pic>
-    </p:spTree>
-    <p:extLst>
-      <p:ext uri="{BB962C8B-B14F-4D97-AF65-F5344CB8AC3E}">
-        <p14:creationId xmlns:p14="http://schemas.microsoft.com/office/powerpoint/2010/main" val="3651097516"/>
-      </p:ext>
-    </p:extLst>
-  </p:cSld>
-  <p:clrMapOvr>
-    <a:masterClrMapping/>
-  </p:clrMapOvr>
-</p:sld>
-</file>
-
-<file path=ppt/slides/slide18.xml><?xml version="1.0" encoding="utf-8"?>
-<p:sld xmlns:a="http://schemas.openxmlformats.org/drawingml/2006/main" xmlns:r="http://schemas.openxmlformats.org/officeDocument/2006/relationships" xmlns:p="http://schemas.openxmlformats.org/presentationml/2006/main">
-  <p:cSld>
-    <p:spTree>
-      <p:nvGrpSpPr>
-        <p:cNvPr id="1" name=""/>
-        <p:cNvGrpSpPr/>
-        <p:nvPr/>
-      </p:nvGrpSpPr>
-      <p:grpSpPr>
-        <a:xfrm>
-          <a:off x="0" y="0"/>
-          <a:ext cx="0" cy="0"/>
-          <a:chOff x="0" y="0"/>
-          <a:chExt cx="0" cy="0"/>
-        </a:xfrm>
-      </p:grpSpPr>
-      <p:sp>
-        <p:nvSpPr>
-          <p:cNvPr id="2" name="Tytuł 1"/>
-          <p:cNvSpPr>
-            <a:spLocks noGrp="1"/>
-          </p:cNvSpPr>
-          <p:nvPr>
-            <p:ph type="title"/>
-          </p:nvPr>
-        </p:nvSpPr>
-        <p:spPr/>
-        <p:txBody>
-          <a:bodyPr/>
-          <a:lstStyle/>
-          <a:p>
-            <a:endParaRPr lang="pl-PL" dirty="0"/>
-          </a:p>
-        </p:txBody>
-      </p:sp>
-      <p:sp>
-        <p:nvSpPr>
-          <p:cNvPr id="3" name="Symbol zastępczy zawartości 2"/>
-          <p:cNvSpPr>
-            <a:spLocks noGrp="1"/>
-          </p:cNvSpPr>
-          <p:nvPr>
-            <p:ph idx="1"/>
-          </p:nvPr>
-        </p:nvSpPr>
-        <p:spPr/>
-        <p:txBody>
-          <a:bodyPr/>
-          <a:lstStyle/>
-          <a:p>
+              <a:t>		is </a:t>
+            </a:r>
+            <a:r>
+              <a:rPr lang="en-US" dirty="0"/>
+              <a:t>a Functional Relational Mapping for </a:t>
+            </a:r>
+            <a:r>
+              <a:rPr lang="en-US" dirty="0" smtClean="0"/>
+              <a:t>			Scala that </a:t>
+            </a:r>
+            <a:r>
+              <a:rPr lang="en-US" dirty="0"/>
+              <a:t>provides a way of working </a:t>
+            </a:r>
+            <a:r>
+              <a:rPr lang="en-US" dirty="0" smtClean="0"/>
+              <a:t>			with </a:t>
+            </a:r>
+            <a:r>
+              <a:rPr lang="en-US" dirty="0"/>
+              <a:t>Scala’s relational databases</a:t>
+            </a:r>
+          </a:p>
+          <a:p>
+            <a:pPr lvl="4"/>
             <a:endParaRPr lang="en-IE" dirty="0" smtClean="0"/>
           </a:p>
           <a:p>
-            <a:r>
-              <a:rPr lang="en-IE" dirty="0"/>
-              <a:t>t</a:t>
-            </a:r>
-            <a:r>
-              <a:rPr lang="en-IE" dirty="0" smtClean="0"/>
-              <a:t>oolkit that is implemented using </a:t>
-            </a:r>
-            <a:r>
-              <a:rPr lang="en-IE" dirty="0" err="1" smtClean="0"/>
-              <a:t>Akka</a:t>
-            </a:r>
-            <a:endParaRPr lang="en-IE" dirty="0" smtClean="0"/>
-          </a:p>
-          <a:p>
-            <a:r>
-              <a:rPr lang="en-IE" dirty="0"/>
-              <a:t>f</a:t>
-            </a:r>
-            <a:r>
-              <a:rPr lang="en-IE" dirty="0" smtClean="0"/>
-              <a:t>eatures a HTTP server</a:t>
-            </a:r>
-          </a:p>
-          <a:p>
-            <a:r>
-              <a:rPr lang="en-IE" dirty="0"/>
-              <a:t>a</a:t>
-            </a:r>
-            <a:r>
-              <a:rPr lang="en-IE" dirty="0" smtClean="0"/>
-              <a:t>nd related facilities such as DSL for creating </a:t>
-            </a:r>
-            <a:r>
-              <a:rPr lang="en-IE" dirty="0" err="1" smtClean="0"/>
-              <a:t>RESTful</a:t>
-            </a:r>
-            <a:r>
-              <a:rPr lang="en-IE" dirty="0" smtClean="0"/>
-              <a:t> APIs</a:t>
-            </a:r>
+            <a:endParaRPr lang="en-IE" dirty="0"/>
+          </a:p>
+          <a:p>
             <a:endParaRPr lang="pl-PL" dirty="0"/>
           </a:p>
         </p:txBody>
@@ -7062,8 +6103,8 @@
         </p:blipFill>
         <p:spPr bwMode="auto">
           <a:xfrm>
-            <a:off x="1835696" y="479654"/>
-            <a:ext cx="4572000" cy="1362075"/>
+            <a:off x="1060004" y="595907"/>
+            <a:ext cx="3279576" cy="977040"/>
           </a:xfrm>
           <a:prstGeom prst="rect">
             <a:avLst/>
@@ -7116,8 +6157,62 @@
         </p:blipFill>
         <p:spPr bwMode="auto">
           <a:xfrm>
-            <a:off x="5115272" y="4293096"/>
-            <a:ext cx="1905000" cy="1847850"/>
+            <a:off x="7324700" y="423575"/>
+            <a:ext cx="1184920" cy="1149372"/>
+          </a:xfrm>
+          <a:prstGeom prst="rect">
+            <a:avLst/>
+          </a:prstGeom>
+          <a:noFill/>
+          <a:ln>
+            <a:noFill/>
+          </a:ln>
+          <a:extLst>
+            <a:ext uri="{909E8E84-426E-40DD-AFC4-6F175D3DCCD1}">
+              <a14:hiddenFill xmlns:a14="http://schemas.microsoft.com/office/drawing/2010/main">
+                <a:solidFill>
+                  <a:schemeClr val="accent1"/>
+                </a:solidFill>
+              </a14:hiddenFill>
+            </a:ext>
+            <a:ext uri="{91240B29-F687-4F45-9708-019B960494DF}">
+              <a14:hiddenLine xmlns:a14="http://schemas.microsoft.com/office/drawing/2010/main" w="9525">
+                <a:solidFill>
+                  <a:schemeClr val="tx1"/>
+                </a:solidFill>
+                <a:miter lim="800000"/>
+                <a:headEnd/>
+                <a:tailEnd/>
+              </a14:hiddenLine>
+            </a:ext>
+          </a:extLst>
+        </p:spPr>
+      </p:pic>
+      <p:pic>
+        <p:nvPicPr>
+          <p:cNvPr id="6" name="Picture 2"/>
+          <p:cNvPicPr>
+            <a:picLocks noChangeAspect="1" noChangeArrowheads="1"/>
+          </p:cNvPicPr>
+          <p:nvPr/>
+        </p:nvPicPr>
+        <p:blipFill>
+          <a:blip r:embed="rId5">
+            <a:extLst>
+              <a:ext uri="{28A0092B-C50C-407E-A947-70E740481C1C}">
+                <a14:useLocalDpi xmlns:a14="http://schemas.microsoft.com/office/drawing/2010/main" val="0"/>
+              </a:ext>
+            </a:extLst>
+          </a:blip>
+          <a:srcRect/>
+          <a:stretch>
+            <a:fillRect/>
+          </a:stretch>
+        </p:blipFill>
+        <p:spPr bwMode="auto">
+          <a:xfrm>
+            <a:off x="755576" y="4581128"/>
+            <a:ext cx="2160240" cy="804579"/>
           </a:xfrm>
           <a:prstGeom prst="rect">
             <a:avLst/>
@@ -7160,7 +6255,7 @@
 </p:sld>
 </file>
 
-<file path=ppt/slides/slide19.xml><?xml version="1.0" encoding="utf-8"?>
+<file path=ppt/slides/slide14.xml><?xml version="1.0" encoding="utf-8"?>
 <p:sld xmlns:a="http://schemas.openxmlformats.org/drawingml/2006/main" xmlns:r="http://schemas.openxmlformats.org/officeDocument/2006/relationships" xmlns:p="http://schemas.openxmlformats.org/presentationml/2006/main">
   <p:cSld>
     <p:spTree>
@@ -7192,259 +6287,6 @@
           <a:bodyPr/>
           <a:lstStyle/>
           <a:p>
-            <a:endParaRPr lang="pl-PL"/>
-          </a:p>
-        </p:txBody>
-      </p:sp>
-      <p:sp>
-        <p:nvSpPr>
-          <p:cNvPr id="3" name="Symbol zastępczy zawartości 2"/>
-          <p:cNvSpPr>
-            <a:spLocks noGrp="1"/>
-          </p:cNvSpPr>
-          <p:nvPr>
-            <p:ph idx="1"/>
-          </p:nvPr>
-        </p:nvSpPr>
-        <p:spPr/>
-        <p:txBody>
-          <a:bodyPr/>
-          <a:lstStyle/>
-          <a:p>
-            <a:endParaRPr lang="pl-PL" dirty="0"/>
-          </a:p>
-        </p:txBody>
-      </p:sp>
-    </p:spTree>
-    <p:extLst>
-      <p:ext uri="{BB962C8B-B14F-4D97-AF65-F5344CB8AC3E}">
-        <p14:creationId xmlns:p14="http://schemas.microsoft.com/office/powerpoint/2010/main" val="180139280"/>
-      </p:ext>
-    </p:extLst>
-  </p:cSld>
-  <p:clrMapOvr>
-    <a:masterClrMapping/>
-  </p:clrMapOvr>
-</p:sld>
-</file>
-
-<file path=ppt/slides/slide2.xml><?xml version="1.0" encoding="utf-8"?>
-<p:sld xmlns:a="http://schemas.openxmlformats.org/drawingml/2006/main" xmlns:r="http://schemas.openxmlformats.org/officeDocument/2006/relationships" xmlns:p="http://schemas.openxmlformats.org/presentationml/2006/main">
-  <p:cSld>
-    <p:spTree>
-      <p:nvGrpSpPr>
-        <p:cNvPr id="1" name=""/>
-        <p:cNvGrpSpPr/>
-        <p:nvPr/>
-      </p:nvGrpSpPr>
-      <p:grpSpPr>
-        <a:xfrm>
-          <a:off x="0" y="0"/>
-          <a:ext cx="0" cy="0"/>
-          <a:chOff x="0" y="0"/>
-          <a:chExt cx="0" cy="0"/>
-        </a:xfrm>
-      </p:grpSpPr>
-      <p:sp>
-        <p:nvSpPr>
-          <p:cNvPr id="2" name="Tytuł 1"/>
-          <p:cNvSpPr>
-            <a:spLocks noGrp="1"/>
-          </p:cNvSpPr>
-          <p:nvPr>
-            <p:ph type="title"/>
-          </p:nvPr>
-        </p:nvSpPr>
-        <p:spPr/>
-        <p:txBody>
-          <a:bodyPr/>
-          <a:lstStyle/>
-          <a:p>
-            <a:pPr algn="l"/>
-            <a:r>
-              <a:rPr lang="en-IE" dirty="0" smtClean="0"/>
-              <a:t>Project goals </a:t>
-            </a:r>
-            <a:endParaRPr lang="pl-PL" dirty="0"/>
-          </a:p>
-        </p:txBody>
-      </p:sp>
-      <p:sp>
-        <p:nvSpPr>
-          <p:cNvPr id="3" name="Symbol zastępczy zawartości 2"/>
-          <p:cNvSpPr>
-            <a:spLocks noGrp="1"/>
-          </p:cNvSpPr>
-          <p:nvPr>
-            <p:ph idx="1"/>
-          </p:nvPr>
-        </p:nvSpPr>
-        <p:spPr/>
-        <p:txBody>
-          <a:bodyPr/>
-          <a:lstStyle/>
-          <a:p>
-            <a:endParaRPr lang="en-IE" dirty="0" smtClean="0"/>
-          </a:p>
-          <a:p>
-            <a:r>
-              <a:rPr lang="en-IE" dirty="0" smtClean="0"/>
-              <a:t>to get familiar with Scala programming language</a:t>
-            </a:r>
-          </a:p>
-          <a:p>
-            <a:r>
-              <a:rPr lang="en-IE" dirty="0"/>
-              <a:t>t</a:t>
-            </a:r>
-            <a:r>
-              <a:rPr lang="en-IE" dirty="0" smtClean="0"/>
-              <a:t>o get familiar with web service concept and a broad range of technologies</a:t>
-            </a:r>
-          </a:p>
-          <a:p>
-            <a:r>
-              <a:rPr lang="en-IE" dirty="0"/>
-              <a:t>t</a:t>
-            </a:r>
-            <a:r>
-              <a:rPr lang="en-IE" dirty="0" smtClean="0"/>
-              <a:t>o get familiar with Actor paradigm</a:t>
-            </a:r>
-          </a:p>
-          <a:p>
-            <a:endParaRPr lang="en-IE" dirty="0"/>
-          </a:p>
-          <a:p>
-            <a:pPr marL="0" indent="0">
-              <a:buNone/>
-            </a:pPr>
-            <a:r>
-              <a:rPr lang="en-IE" dirty="0"/>
-              <a:t>n</a:t>
-            </a:r>
-            <a:r>
-              <a:rPr lang="en-IE" dirty="0" smtClean="0"/>
-              <a:t>ote the “get </a:t>
-            </a:r>
-            <a:r>
-              <a:rPr lang="en-IE" dirty="0" err="1" smtClean="0"/>
-              <a:t>familar</a:t>
-            </a:r>
-            <a:r>
-              <a:rPr lang="en-IE" dirty="0" smtClean="0"/>
-              <a:t>” as…</a:t>
-            </a:r>
-            <a:endParaRPr lang="pl-PL" dirty="0"/>
-          </a:p>
-        </p:txBody>
-      </p:sp>
-      <p:pic>
-        <p:nvPicPr>
-          <p:cNvPr id="1026" name="Picture 2"/>
-          <p:cNvPicPr>
-            <a:picLocks noChangeAspect="1" noChangeArrowheads="1"/>
-          </p:cNvPicPr>
-          <p:nvPr/>
-        </p:nvPicPr>
-        <p:blipFill>
-          <a:blip r:embed="rId2" cstate="print">
-            <a:extLst>
-              <a:ext uri="{28A0092B-C50C-407E-A947-70E740481C1C}">
-                <a14:useLocalDpi xmlns:a14="http://schemas.microsoft.com/office/drawing/2010/main" val="0"/>
-              </a:ext>
-            </a:extLst>
-          </a:blip>
-          <a:srcRect/>
-          <a:stretch>
-            <a:fillRect/>
-          </a:stretch>
-        </p:blipFill>
-        <p:spPr bwMode="auto">
-          <a:xfrm>
-            <a:off x="5508104" y="438841"/>
-            <a:ext cx="1944216" cy="1458162"/>
-          </a:xfrm>
-          <a:prstGeom prst="rect">
-            <a:avLst/>
-          </a:prstGeom>
-          <a:noFill/>
-          <a:ln>
-            <a:noFill/>
-          </a:ln>
-          <a:extLst>
-            <a:ext uri="{909E8E84-426E-40DD-AFC4-6F175D3DCCD1}">
-              <a14:hiddenFill xmlns:a14="http://schemas.microsoft.com/office/drawing/2010/main">
-                <a:solidFill>
-                  <a:schemeClr val="accent1"/>
-                </a:solidFill>
-              </a14:hiddenFill>
-            </a:ext>
-            <a:ext uri="{91240B29-F687-4F45-9708-019B960494DF}">
-              <a14:hiddenLine xmlns:a14="http://schemas.microsoft.com/office/drawing/2010/main" w="9525">
-                <a:solidFill>
-                  <a:schemeClr val="tx1"/>
-                </a:solidFill>
-                <a:miter lim="800000"/>
-                <a:headEnd/>
-                <a:tailEnd/>
-              </a14:hiddenLine>
-            </a:ext>
-          </a:extLst>
-        </p:spPr>
-      </p:pic>
-    </p:spTree>
-    <p:extLst>
-      <p:ext uri="{BB962C8B-B14F-4D97-AF65-F5344CB8AC3E}">
-        <p14:creationId xmlns:p14="http://schemas.microsoft.com/office/powerpoint/2010/main" val="3544932548"/>
-      </p:ext>
-    </p:extLst>
-  </p:cSld>
-  <p:clrMapOvr>
-    <a:masterClrMapping/>
-  </p:clrMapOvr>
-  <p:timing>
-    <p:tnLst>
-      <p:par>
-        <p:cTn id="1" dur="indefinite" restart="never" nodeType="tmRoot"/>
-      </p:par>
-    </p:tnLst>
-  </p:timing>
-</p:sld>
-</file>
-
-<file path=ppt/slides/slide20.xml><?xml version="1.0" encoding="utf-8"?>
-<p:sld xmlns:a="http://schemas.openxmlformats.org/drawingml/2006/main" xmlns:r="http://schemas.openxmlformats.org/officeDocument/2006/relationships" xmlns:p="http://schemas.openxmlformats.org/presentationml/2006/main">
-  <p:cSld>
-    <p:spTree>
-      <p:nvGrpSpPr>
-        <p:cNvPr id="1" name=""/>
-        <p:cNvGrpSpPr/>
-        <p:nvPr/>
-      </p:nvGrpSpPr>
-      <p:grpSpPr>
-        <a:xfrm>
-          <a:off x="0" y="0"/>
-          <a:ext cx="0" cy="0"/>
-          <a:chOff x="0" y="0"/>
-          <a:chExt cx="0" cy="0"/>
-        </a:xfrm>
-      </p:grpSpPr>
-      <p:sp>
-        <p:nvSpPr>
-          <p:cNvPr id="2" name="Tytuł 1"/>
-          <p:cNvSpPr>
-            <a:spLocks noGrp="1"/>
-          </p:cNvSpPr>
-          <p:nvPr>
-            <p:ph type="title"/>
-          </p:nvPr>
-        </p:nvSpPr>
-        <p:spPr/>
-        <p:txBody>
-          <a:bodyPr/>
-          <a:lstStyle/>
-          <a:p>
             <a:r>
               <a:rPr lang="en-IE" b="1" dirty="0" smtClean="0">
                 <a:solidFill>
@@ -7522,79 +6364,30 @@
               <a:t>all to it with </a:t>
             </a:r>
             <a:r>
-              <a:rPr lang="en-IE" dirty="0" err="1" smtClean="0"/>
+              <a:rPr lang="en-IE" b="1" dirty="0" err="1" smtClean="0"/>
               <a:t>cURL</a:t>
             </a:r>
             <a:r>
+              <a:rPr lang="en-IE" b="1" dirty="0" smtClean="0"/>
+              <a:t> </a:t>
+            </a:r>
+            <a:r>
               <a:rPr lang="en-IE" dirty="0" smtClean="0"/>
-              <a:t> first</a:t>
-            </a:r>
-            <a:endParaRPr lang="pl-PL" dirty="0"/>
-          </a:p>
-        </p:txBody>
-      </p:sp>
-    </p:spTree>
-    <p:extLst>
-      <p:ext uri="{BB962C8B-B14F-4D97-AF65-F5344CB8AC3E}">
-        <p14:creationId xmlns:p14="http://schemas.microsoft.com/office/powerpoint/2010/main" val="852847588"/>
-      </p:ext>
-    </p:extLst>
-  </p:cSld>
-  <p:clrMapOvr>
-    <a:masterClrMapping/>
-  </p:clrMapOvr>
-</p:sld>
-</file>
-
-<file path=ppt/slides/slide21.xml><?xml version="1.0" encoding="utf-8"?>
-<p:sld xmlns:a="http://schemas.openxmlformats.org/drawingml/2006/main" xmlns:r="http://schemas.openxmlformats.org/officeDocument/2006/relationships" xmlns:p="http://schemas.openxmlformats.org/presentationml/2006/main">
-  <p:cSld>
-    <p:spTree>
-      <p:nvGrpSpPr>
-        <p:cNvPr id="1" name=""/>
-        <p:cNvGrpSpPr/>
-        <p:nvPr/>
-      </p:nvGrpSpPr>
-      <p:grpSpPr>
-        <a:xfrm>
-          <a:off x="0" y="0"/>
-          <a:ext cx="0" cy="0"/>
-          <a:chOff x="0" y="0"/>
-          <a:chExt cx="0" cy="0"/>
-        </a:xfrm>
-      </p:grpSpPr>
-      <p:sp>
-        <p:nvSpPr>
-          <p:cNvPr id="2" name="Tytuł 1"/>
-          <p:cNvSpPr>
-            <a:spLocks noGrp="1"/>
-          </p:cNvSpPr>
-          <p:nvPr>
-            <p:ph type="title"/>
-          </p:nvPr>
-        </p:nvSpPr>
-        <p:spPr/>
-        <p:txBody>
-          <a:bodyPr/>
-          <a:lstStyle/>
-          <a:p>
-            <a:r>
-              <a:rPr lang="en-IE" dirty="0" err="1" smtClean="0"/>
-              <a:t>cURL</a:t>
-            </a:r>
+              <a:t>first</a:t>
+            </a:r>
+          </a:p>
+          <a:p>
             <a:endParaRPr lang="pl-PL" dirty="0"/>
           </a:p>
         </p:txBody>
       </p:sp>
       <p:pic>
         <p:nvPicPr>
-          <p:cNvPr id="10242" name="Picture 2"/>
+          <p:cNvPr id="5" name="Picture 2"/>
           <p:cNvPicPr>
-            <a:picLocks noGrp="1" noChangeAspect="1" noChangeArrowheads="1"/>
+            <a:picLocks noChangeAspect="1" noChangeArrowheads="1"/>
           </p:cNvPicPr>
-          <p:nvPr>
-            <p:ph idx="1"/>
-          </p:nvPr>
+          <p:nvPr/>
         </p:nvPicPr>
         <p:blipFill>
           <a:blip r:embed="rId3">
@@ -7611,7 +6404,7 @@
         </p:blipFill>
         <p:spPr bwMode="auto">
           <a:xfrm>
-            <a:off x="143000" y="1700808"/>
+            <a:off x="143000" y="5013176"/>
             <a:ext cx="9001000" cy="700809"/>
           </a:xfrm>
           <a:prstGeom prst="rect">
@@ -7645,7 +6438,7 @@
     </p:spTree>
     <p:extLst>
       <p:ext uri="{BB962C8B-B14F-4D97-AF65-F5344CB8AC3E}">
-        <p14:creationId xmlns:p14="http://schemas.microsoft.com/office/powerpoint/2010/main" val="1969882985"/>
+        <p14:creationId xmlns:p14="http://schemas.microsoft.com/office/powerpoint/2010/main" val="852847588"/>
       </p:ext>
     </p:extLst>
   </p:cSld>
@@ -7655,7 +6448,7 @@
 </p:sld>
 </file>
 
-<file path=ppt/slides/slide22.xml><?xml version="1.0" encoding="utf-8"?>
+<file path=ppt/slides/slide15.xml><?xml version="1.0" encoding="utf-8"?>
 <p:sld xmlns:a="http://schemas.openxmlformats.org/drawingml/2006/main" xmlns:r="http://schemas.openxmlformats.org/officeDocument/2006/relationships" xmlns:p="http://schemas.openxmlformats.org/presentationml/2006/main">
   <p:cSld>
     <p:spTree>
@@ -7770,75 +6563,7 @@
 </p:sld>
 </file>
 
-<file path=ppt/slides/slide23.xml><?xml version="1.0" encoding="utf-8"?>
-<p:sld xmlns:a="http://schemas.openxmlformats.org/drawingml/2006/main" xmlns:r="http://schemas.openxmlformats.org/officeDocument/2006/relationships" xmlns:p="http://schemas.openxmlformats.org/presentationml/2006/main">
-  <p:cSld>
-    <p:spTree>
-      <p:nvGrpSpPr>
-        <p:cNvPr id="1" name=""/>
-        <p:cNvGrpSpPr/>
-        <p:nvPr/>
-      </p:nvGrpSpPr>
-      <p:grpSpPr>
-        <a:xfrm>
-          <a:off x="0" y="0"/>
-          <a:ext cx="0" cy="0"/>
-          <a:chOff x="0" y="0"/>
-          <a:chExt cx="0" cy="0"/>
-        </a:xfrm>
-      </p:grpSpPr>
-      <p:sp>
-        <p:nvSpPr>
-          <p:cNvPr id="2" name="Tytuł 1"/>
-          <p:cNvSpPr>
-            <a:spLocks noGrp="1"/>
-          </p:cNvSpPr>
-          <p:nvPr>
-            <p:ph type="title"/>
-          </p:nvPr>
-        </p:nvSpPr>
-        <p:spPr/>
-        <p:txBody>
-          <a:bodyPr/>
-          <a:lstStyle/>
-          <a:p>
-            <a:endParaRPr lang="pl-PL"/>
-          </a:p>
-        </p:txBody>
-      </p:sp>
-      <p:sp>
-        <p:nvSpPr>
-          <p:cNvPr id="3" name="Symbol zastępczy zawartości 2"/>
-          <p:cNvSpPr>
-            <a:spLocks noGrp="1"/>
-          </p:cNvSpPr>
-          <p:nvPr>
-            <p:ph idx="1"/>
-          </p:nvPr>
-        </p:nvSpPr>
-        <p:spPr/>
-        <p:txBody>
-          <a:bodyPr/>
-          <a:lstStyle/>
-          <a:p>
-            <a:endParaRPr lang="pl-PL"/>
-          </a:p>
-        </p:txBody>
-      </p:sp>
-    </p:spTree>
-    <p:extLst>
-      <p:ext uri="{BB962C8B-B14F-4D97-AF65-F5344CB8AC3E}">
-        <p14:creationId xmlns:p14="http://schemas.microsoft.com/office/powerpoint/2010/main" val="650978666"/>
-      </p:ext>
-    </p:extLst>
-  </p:cSld>
-  <p:clrMapOvr>
-    <a:masterClrMapping/>
-  </p:clrMapOvr>
-</p:sld>
-</file>
-
-<file path=ppt/slides/slide24.xml><?xml version="1.0" encoding="utf-8"?>
+<file path=ppt/slides/slide16.xml><?xml version="1.0" encoding="utf-8"?>
 <p:sld xmlns:a="http://schemas.openxmlformats.org/drawingml/2006/main" xmlns:r="http://schemas.openxmlformats.org/officeDocument/2006/relationships" xmlns:p="http://schemas.openxmlformats.org/presentationml/2006/main">
   <p:cSld>
     <p:spTree>
@@ -7986,7 +6711,7 @@
 </p:sld>
 </file>
 
-<file path=ppt/slides/slide25.xml><?xml version="1.0" encoding="utf-8"?>
+<file path=ppt/slides/slide17.xml><?xml version="1.0" encoding="utf-8"?>
 <p:sld xmlns:a="http://schemas.openxmlformats.org/drawingml/2006/main" xmlns:r="http://schemas.openxmlformats.org/officeDocument/2006/relationships" xmlns:p="http://schemas.openxmlformats.org/presentationml/2006/main">
   <p:cSld>
     <p:spTree>
@@ -8239,6 +6964,191 @@
 </p:sld>
 </file>
 
+<file path=ppt/slides/slide2.xml><?xml version="1.0" encoding="utf-8"?>
+<p:sld xmlns:a="http://schemas.openxmlformats.org/drawingml/2006/main" xmlns:r="http://schemas.openxmlformats.org/officeDocument/2006/relationships" xmlns:p="http://schemas.openxmlformats.org/presentationml/2006/main">
+  <p:cSld>
+    <p:spTree>
+      <p:nvGrpSpPr>
+        <p:cNvPr id="1" name=""/>
+        <p:cNvGrpSpPr/>
+        <p:nvPr/>
+      </p:nvGrpSpPr>
+      <p:grpSpPr>
+        <a:xfrm>
+          <a:off x="0" y="0"/>
+          <a:ext cx="0" cy="0"/>
+          <a:chOff x="0" y="0"/>
+          <a:chExt cx="0" cy="0"/>
+        </a:xfrm>
+      </p:grpSpPr>
+      <p:sp>
+        <p:nvSpPr>
+          <p:cNvPr id="2" name="Tytuł 1"/>
+          <p:cNvSpPr>
+            <a:spLocks noGrp="1"/>
+          </p:cNvSpPr>
+          <p:nvPr>
+            <p:ph type="title"/>
+          </p:nvPr>
+        </p:nvSpPr>
+        <p:spPr/>
+        <p:txBody>
+          <a:bodyPr/>
+          <a:lstStyle/>
+          <a:p>
+            <a:pPr algn="l"/>
+            <a:r>
+              <a:rPr lang="en-IE" dirty="0" smtClean="0"/>
+              <a:t>Project goals </a:t>
+            </a:r>
+            <a:endParaRPr lang="pl-PL" dirty="0"/>
+          </a:p>
+        </p:txBody>
+      </p:sp>
+      <p:sp>
+        <p:nvSpPr>
+          <p:cNvPr id="3" name="Symbol zastępczy zawartości 2"/>
+          <p:cNvSpPr>
+            <a:spLocks noGrp="1"/>
+          </p:cNvSpPr>
+          <p:nvPr>
+            <p:ph idx="1"/>
+          </p:nvPr>
+        </p:nvSpPr>
+        <p:spPr/>
+        <p:txBody>
+          <a:bodyPr/>
+          <a:lstStyle/>
+          <a:p>
+            <a:endParaRPr lang="en-IE" dirty="0" smtClean="0"/>
+          </a:p>
+          <a:p>
+            <a:r>
+              <a:rPr lang="en-IE" dirty="0" smtClean="0"/>
+              <a:t>to get familiar with Scala programming language</a:t>
+            </a:r>
+          </a:p>
+          <a:p>
+            <a:r>
+              <a:rPr lang="en-IE" dirty="0"/>
+              <a:t>t</a:t>
+            </a:r>
+            <a:r>
+              <a:rPr lang="en-IE" dirty="0" smtClean="0"/>
+              <a:t>o get familiar with web service concept and a broad range of technologies</a:t>
+            </a:r>
+          </a:p>
+          <a:p>
+            <a:r>
+              <a:rPr lang="en-IE" dirty="0"/>
+              <a:t>t</a:t>
+            </a:r>
+            <a:r>
+              <a:rPr lang="en-IE" dirty="0" smtClean="0"/>
+              <a:t>o get familiar with Actor paradigm</a:t>
+            </a:r>
+          </a:p>
+          <a:p>
+            <a:endParaRPr lang="en-IE" dirty="0"/>
+          </a:p>
+          <a:p>
+            <a:pPr marL="0" indent="0">
+              <a:buNone/>
+            </a:pPr>
+            <a:r>
+              <a:rPr lang="en-IE" dirty="0"/>
+              <a:t>n</a:t>
+            </a:r>
+            <a:r>
+              <a:rPr lang="en-IE" dirty="0" smtClean="0"/>
+              <a:t>ote the “get </a:t>
+            </a:r>
+            <a:r>
+              <a:rPr lang="en-IE" dirty="0" err="1" smtClean="0"/>
+              <a:t>familar</a:t>
+            </a:r>
+            <a:r>
+              <a:rPr lang="en-IE" dirty="0" smtClean="0"/>
+              <a:t>” as…</a:t>
+            </a:r>
+            <a:endParaRPr lang="pl-PL" dirty="0"/>
+          </a:p>
+        </p:txBody>
+      </p:sp>
+      <p:pic>
+        <p:nvPicPr>
+          <p:cNvPr id="1026" name="Picture 2"/>
+          <p:cNvPicPr>
+            <a:picLocks noChangeAspect="1" noChangeArrowheads="1"/>
+          </p:cNvPicPr>
+          <p:nvPr/>
+        </p:nvPicPr>
+        <p:blipFill>
+          <a:blip r:embed="rId2" cstate="print">
+            <a:extLst>
+              <a:ext uri="{28A0092B-C50C-407E-A947-70E740481C1C}">
+                <a14:useLocalDpi xmlns:a14="http://schemas.microsoft.com/office/drawing/2010/main" val="0"/>
+              </a:ext>
+            </a:extLst>
+          </a:blip>
+          <a:srcRect/>
+          <a:stretch>
+            <a:fillRect/>
+          </a:stretch>
+        </p:blipFill>
+        <p:spPr bwMode="auto">
+          <a:xfrm>
+            <a:off x="5508104" y="438841"/>
+            <a:ext cx="1944216" cy="1458162"/>
+          </a:xfrm>
+          <a:prstGeom prst="rect">
+            <a:avLst/>
+          </a:prstGeom>
+          <a:noFill/>
+          <a:ln>
+            <a:noFill/>
+          </a:ln>
+          <a:extLst>
+            <a:ext uri="{909E8E84-426E-40DD-AFC4-6F175D3DCCD1}">
+              <a14:hiddenFill xmlns:a14="http://schemas.microsoft.com/office/drawing/2010/main">
+                <a:solidFill>
+                  <a:schemeClr val="accent1"/>
+                </a:solidFill>
+              </a14:hiddenFill>
+            </a:ext>
+            <a:ext uri="{91240B29-F687-4F45-9708-019B960494DF}">
+              <a14:hiddenLine xmlns:a14="http://schemas.microsoft.com/office/drawing/2010/main" w="9525">
+                <a:solidFill>
+                  <a:schemeClr val="tx1"/>
+                </a:solidFill>
+                <a:miter lim="800000"/>
+                <a:headEnd/>
+                <a:tailEnd/>
+              </a14:hiddenLine>
+            </a:ext>
+          </a:extLst>
+        </p:spPr>
+      </p:pic>
+    </p:spTree>
+    <p:extLst>
+      <p:ext uri="{BB962C8B-B14F-4D97-AF65-F5344CB8AC3E}">
+        <p14:creationId xmlns:p14="http://schemas.microsoft.com/office/powerpoint/2010/main" val="3544932548"/>
+      </p:ext>
+    </p:extLst>
+  </p:cSld>
+  <p:clrMapOvr>
+    <a:masterClrMapping/>
+  </p:clrMapOvr>
+  <p:timing>
+    <p:tnLst>
+      <p:par>
+        <p:cTn id="1" dur="indefinite" restart="never" nodeType="tmRoot"/>
+      </p:par>
+    </p:tnLst>
+  </p:timing>
+</p:sld>
+</file>
+
 <file path=ppt/slides/slide3.xml><?xml version="1.0" encoding="utf-8"?>
 <p:sld xmlns:a="http://schemas.openxmlformats.org/drawingml/2006/main" xmlns:r="http://schemas.openxmlformats.org/officeDocument/2006/relationships" xmlns:p="http://schemas.openxmlformats.org/presentationml/2006/main">
   <p:cSld>
@@ -8271,9 +7181,10 @@
           <a:bodyPr/>
           <a:lstStyle/>
           <a:p>
+            <a:pPr algn="l"/>
             <a:r>
               <a:rPr lang="en-IE" dirty="0"/>
-              <a:t>t</a:t>
+              <a:t>T</a:t>
             </a:r>
             <a:r>
               <a:rPr lang="en-IE" dirty="0" smtClean="0"/>
@@ -8295,8 +7206,52 @@
         </p:nvSpPr>
         <p:spPr/>
         <p:txBody>
-          <a:bodyPr/>
-          <a:lstStyle/>
+          <a:bodyPr>
+            <a:normAutofit fontScale="85000" lnSpcReduction="20000"/>
+          </a:bodyPr>
+          <a:lstStyle/>
+          <a:p>
+            <a:pPr marL="0" indent="0">
+              <a:buNone/>
+            </a:pPr>
+            <a:r>
+              <a:rPr lang="en-IE" dirty="0"/>
+              <a:t>i</a:t>
+            </a:r>
+            <a:r>
+              <a:rPr lang="en-IE" dirty="0" smtClean="0"/>
+              <a:t>s not </a:t>
+            </a:r>
+            <a:r>
+              <a:rPr lang="en-IE" dirty="0" smtClean="0"/>
+              <a:t>about the </a:t>
+            </a:r>
+            <a:r>
+              <a:rPr lang="en-IE" dirty="0" smtClean="0"/>
+              <a:t>language</a:t>
+            </a:r>
+          </a:p>
+          <a:p>
+            <a:pPr marL="0" indent="0">
+              <a:buNone/>
+            </a:pPr>
+            <a:r>
+              <a:rPr lang="en-IE" dirty="0"/>
+              <a:t>i</a:t>
+            </a:r>
+            <a:r>
+              <a:rPr lang="en-IE" dirty="0" smtClean="0"/>
+              <a:t>t is about </a:t>
+            </a:r>
+            <a:r>
+              <a:rPr lang="en-IE" dirty="0" smtClean="0"/>
+              <a:t>the </a:t>
+            </a:r>
+            <a:r>
+              <a:rPr lang="en-IE" dirty="0" smtClean="0"/>
+              <a:t>concepts</a:t>
+            </a:r>
+          </a:p>
           <a:p>
             <a:pPr marL="0" indent="0">
               <a:buNone/>
@@ -8307,31 +7262,66 @@
             <a:pPr marL="0" indent="0">
               <a:buNone/>
             </a:pPr>
-            <a:r>
-              <a:rPr lang="en-IE" dirty="0" smtClean="0"/>
-              <a:t>	not about the language</a:t>
-            </a:r>
-          </a:p>
-          <a:p>
-            <a:pPr marL="0" indent="0" algn="ctr">
+            <a:endParaRPr lang="en-IE" dirty="0"/>
+          </a:p>
+          <a:p>
+            <a:pPr marL="0" indent="0">
+              <a:buNone/>
+            </a:pPr>
+            <a:r>
+              <a:rPr lang="en-IE" sz="4800" dirty="0" smtClean="0"/>
+              <a:t>The technologies:</a:t>
+            </a:r>
+          </a:p>
+          <a:p>
+            <a:pPr marL="0" indent="0">
               <a:buNone/>
             </a:pPr>
             <a:endParaRPr lang="en-IE" dirty="0"/>
           </a:p>
           <a:p>
-            <a:pPr marL="0" indent="0" algn="ctr">
-              <a:buNone/>
-            </a:pPr>
-            <a:endParaRPr lang="en-IE" dirty="0" smtClean="0"/>
+            <a:r>
+              <a:rPr lang="en-IE" dirty="0" smtClean="0"/>
+              <a:t>REST	</a:t>
+            </a:r>
+            <a:r>
+              <a:rPr lang="en-IE" dirty="0"/>
+              <a:t>	</a:t>
+            </a:r>
+            <a:r>
+              <a:rPr lang="en-IE" dirty="0" err="1" smtClean="0"/>
+              <a:t>Akka</a:t>
+            </a:r>
+            <a:endParaRPr lang="en-IE" dirty="0"/>
+          </a:p>
+          <a:p>
+            <a:r>
+              <a:rPr lang="en-IE" dirty="0" smtClean="0"/>
+              <a:t>Spray		Slick</a:t>
+            </a:r>
+            <a:endParaRPr lang="en-IE" dirty="0"/>
+          </a:p>
+          <a:p>
+            <a:r>
+              <a:rPr lang="en-IE" dirty="0" smtClean="0"/>
+              <a:t>Curl			Play</a:t>
+            </a:r>
+            <a:r>
+              <a:rPr lang="en-IE" dirty="0"/>
+              <a:t>!</a:t>
+            </a:r>
+          </a:p>
+          <a:p>
+            <a:r>
+              <a:rPr lang="en-IE" dirty="0" err="1"/>
+              <a:t>Heroku</a:t>
+            </a:r>
+            <a:endParaRPr lang="en-IE" dirty="0"/>
           </a:p>
           <a:p>
             <a:pPr marL="0" indent="0">
               <a:buNone/>
             </a:pPr>
-            <a:r>
-              <a:rPr lang="en-IE" dirty="0" smtClean="0"/>
-              <a:t>	about the concepts</a:t>
-            </a:r>
             <a:endParaRPr lang="pl-PL" dirty="0"/>
           </a:p>
         </p:txBody>
@@ -8359,8 +7349,62 @@
         </p:blipFill>
         <p:spPr bwMode="auto">
           <a:xfrm>
-            <a:off x="6084168" y="2204864"/>
-            <a:ext cx="1962150" cy="2619375"/>
+            <a:off x="5652120" y="692696"/>
+            <a:ext cx="1152128" cy="1538035"/>
+          </a:xfrm>
+          <a:prstGeom prst="rect">
+            <a:avLst/>
+          </a:prstGeom>
+          <a:noFill/>
+          <a:ln>
+            <a:noFill/>
+          </a:ln>
+          <a:extLst>
+            <a:ext uri="{909E8E84-426E-40DD-AFC4-6F175D3DCCD1}">
+              <a14:hiddenFill xmlns:a14="http://schemas.microsoft.com/office/drawing/2010/main">
+                <a:solidFill>
+                  <a:schemeClr val="accent1"/>
+                </a:solidFill>
+              </a14:hiddenFill>
+            </a:ext>
+            <a:ext uri="{91240B29-F687-4F45-9708-019B960494DF}">
+              <a14:hiddenLine xmlns:a14="http://schemas.microsoft.com/office/drawing/2010/main" w="9525">
+                <a:solidFill>
+                  <a:schemeClr val="tx1"/>
+                </a:solidFill>
+                <a:miter lim="800000"/>
+                <a:headEnd/>
+                <a:tailEnd/>
+              </a14:hiddenLine>
+            </a:ext>
+          </a:extLst>
+        </p:spPr>
+      </p:pic>
+      <p:pic>
+        <p:nvPicPr>
+          <p:cNvPr id="5" name="Picture 2"/>
+          <p:cNvPicPr>
+            <a:picLocks noChangeAspect="1" noChangeArrowheads="1"/>
+          </p:cNvPicPr>
+          <p:nvPr/>
+        </p:nvPicPr>
+        <p:blipFill>
+          <a:blip r:embed="rId4">
+            <a:extLst>
+              <a:ext uri="{28A0092B-C50C-407E-A947-70E740481C1C}">
+                <a14:useLocalDpi xmlns:a14="http://schemas.microsoft.com/office/drawing/2010/main" val="0"/>
+              </a:ext>
+            </a:extLst>
+          </a:blip>
+          <a:srcRect/>
+          <a:stretch>
+            <a:fillRect/>
+          </a:stretch>
+        </p:blipFill>
+        <p:spPr bwMode="auto">
+          <a:xfrm>
+            <a:off x="6014144" y="4487397"/>
+            <a:ext cx="1580208" cy="1051557"/>
           </a:xfrm>
           <a:prstGeom prst="rect">
             <a:avLst/>
@@ -8439,13 +7483,37 @@
         </p:nvSpPr>
         <p:spPr/>
         <p:txBody>
-          <a:bodyPr/>
-          <a:lstStyle/>
-          <a:p>
-            <a:r>
-              <a:rPr lang="en-IE" dirty="0" smtClean="0"/>
-              <a:t>The technologies</a:t>
-            </a:r>
+          <a:bodyPr>
+            <a:normAutofit fontScale="90000"/>
+          </a:bodyPr>
+          <a:lstStyle/>
+          <a:p>
+            <a:r>
+              <a:rPr lang="en-IE" sz="3600" dirty="0" smtClean="0"/>
+              <a:t>          </a:t>
+            </a:r>
+            <a:br>
+              <a:rPr lang="en-IE" sz="3600" dirty="0" smtClean="0"/>
+            </a:br>
+            <a:r>
+              <a:rPr lang="en-IE" sz="3600" dirty="0"/>
+              <a:t> </a:t>
+            </a:r>
+            <a:r>
+              <a:rPr lang="en-IE" sz="3600" dirty="0" smtClean="0"/>
+              <a:t>       programs </a:t>
+            </a:r>
+            <a:r>
+              <a:rPr lang="en-IE" sz="3600" dirty="0"/>
+              <a:t>resemble  </a:t>
+            </a:r>
+            <a:r>
+              <a:rPr lang="en-IE" dirty="0"/>
+              <a:t/>
+            </a:r>
+            <a:br>
+              <a:rPr lang="en-IE" dirty="0"/>
+            </a:br>
             <a:endParaRPr lang="pl-PL" dirty="0"/>
           </a:p>
         </p:txBody>
@@ -8462,191 +7530,8 @@
         </p:nvSpPr>
         <p:spPr/>
         <p:txBody>
-          <a:bodyPr/>
-          <a:lstStyle/>
-          <a:p>
-            <a:r>
-              <a:rPr lang="en-IE" dirty="0" smtClean="0"/>
-              <a:t>REST</a:t>
-            </a:r>
-          </a:p>
-          <a:p>
-            <a:r>
-              <a:rPr lang="en-IE" dirty="0" err="1" smtClean="0"/>
-              <a:t>Akka</a:t>
-            </a:r>
-            <a:endParaRPr lang="en-IE" dirty="0" smtClean="0"/>
-          </a:p>
-          <a:p>
-            <a:r>
-              <a:rPr lang="en-IE" dirty="0" smtClean="0"/>
-              <a:t>Spray</a:t>
-            </a:r>
-          </a:p>
-          <a:p>
-            <a:r>
-              <a:rPr lang="en-IE" dirty="0" smtClean="0"/>
-              <a:t>Slick</a:t>
-            </a:r>
-          </a:p>
-          <a:p>
-            <a:r>
-              <a:rPr lang="en-IE" dirty="0"/>
-              <a:t>c</a:t>
-            </a:r>
-            <a:r>
-              <a:rPr lang="en-IE" dirty="0" smtClean="0"/>
-              <a:t>url</a:t>
-            </a:r>
-          </a:p>
-          <a:p>
-            <a:r>
-              <a:rPr lang="en-IE" dirty="0" smtClean="0"/>
-              <a:t>Play!</a:t>
-            </a:r>
-          </a:p>
-          <a:p>
-            <a:r>
-              <a:rPr lang="en-IE" dirty="0" err="1" smtClean="0"/>
-              <a:t>Heroku</a:t>
-            </a:r>
-            <a:endParaRPr lang="en-IE" dirty="0"/>
-          </a:p>
-          <a:p>
-            <a:endParaRPr lang="en-IE" dirty="0" smtClean="0"/>
-          </a:p>
-          <a:p>
-            <a:endParaRPr lang="en-IE" dirty="0" smtClean="0"/>
-          </a:p>
-          <a:p>
-            <a:endParaRPr lang="pl-PL" dirty="0"/>
-          </a:p>
-        </p:txBody>
-      </p:sp>
-      <p:pic>
-        <p:nvPicPr>
-          <p:cNvPr id="5122" name="Picture 2"/>
-          <p:cNvPicPr>
-            <a:picLocks noChangeAspect="1" noChangeArrowheads="1"/>
-          </p:cNvPicPr>
-          <p:nvPr/>
-        </p:nvPicPr>
-        <p:blipFill>
-          <a:blip r:embed="rId2">
-            <a:extLst>
-              <a:ext uri="{28A0092B-C50C-407E-A947-70E740481C1C}">
-                <a14:useLocalDpi xmlns:a14="http://schemas.microsoft.com/office/drawing/2010/main" val="0"/>
-              </a:ext>
-            </a:extLst>
-          </a:blip>
-          <a:srcRect/>
-          <a:stretch>
-            <a:fillRect/>
-          </a:stretch>
-        </p:blipFill>
-        <p:spPr bwMode="auto">
-          <a:xfrm>
-            <a:off x="4283968" y="2276872"/>
-            <a:ext cx="3160418" cy="2103115"/>
-          </a:xfrm>
-          <a:prstGeom prst="rect">
-            <a:avLst/>
-          </a:prstGeom>
-          <a:noFill/>
-          <a:ln>
-            <a:noFill/>
-          </a:ln>
-          <a:extLst>
-            <a:ext uri="{909E8E84-426E-40DD-AFC4-6F175D3DCCD1}">
-              <a14:hiddenFill xmlns:a14="http://schemas.microsoft.com/office/drawing/2010/main">
-                <a:solidFill>
-                  <a:schemeClr val="accent1"/>
-                </a:solidFill>
-              </a14:hiddenFill>
-            </a:ext>
-            <a:ext uri="{91240B29-F687-4F45-9708-019B960494DF}">
-              <a14:hiddenLine xmlns:a14="http://schemas.microsoft.com/office/drawing/2010/main" w="9525">
-                <a:solidFill>
-                  <a:schemeClr val="tx1"/>
-                </a:solidFill>
-                <a:miter lim="800000"/>
-                <a:headEnd/>
-                <a:tailEnd/>
-              </a14:hiddenLine>
-            </a:ext>
-          </a:extLst>
-        </p:spPr>
-      </p:pic>
-    </p:spTree>
-    <p:extLst>
-      <p:ext uri="{BB962C8B-B14F-4D97-AF65-F5344CB8AC3E}">
-        <p14:creationId xmlns:p14="http://schemas.microsoft.com/office/powerpoint/2010/main" val="252539523"/>
-      </p:ext>
-    </p:extLst>
-  </p:cSld>
-  <p:clrMapOvr>
-    <a:masterClrMapping/>
-  </p:clrMapOvr>
-  <p:timing>
-    <p:tnLst>
-      <p:par>
-        <p:cTn id="1" dur="indefinite" restart="never" nodeType="tmRoot"/>
-      </p:par>
-    </p:tnLst>
-  </p:timing>
-</p:sld>
-</file>
-
-<file path=ppt/slides/slide5.xml><?xml version="1.0" encoding="utf-8"?>
-<p:sld xmlns:a="http://schemas.openxmlformats.org/drawingml/2006/main" xmlns:r="http://schemas.openxmlformats.org/officeDocument/2006/relationships" xmlns:p="http://schemas.openxmlformats.org/presentationml/2006/main">
-  <p:cSld>
-    <p:spTree>
-      <p:nvGrpSpPr>
-        <p:cNvPr id="1" name=""/>
-        <p:cNvGrpSpPr/>
-        <p:nvPr/>
-      </p:nvGrpSpPr>
-      <p:grpSpPr>
-        <a:xfrm>
-          <a:off x="0" y="0"/>
-          <a:ext cx="0" cy="0"/>
-          <a:chOff x="0" y="0"/>
-          <a:chExt cx="0" cy="0"/>
-        </a:xfrm>
-      </p:grpSpPr>
-      <p:sp>
-        <p:nvSpPr>
-          <p:cNvPr id="2" name="Tytuł 1"/>
-          <p:cNvSpPr>
-            <a:spLocks noGrp="1"/>
-          </p:cNvSpPr>
-          <p:nvPr>
-            <p:ph type="title"/>
-          </p:nvPr>
-        </p:nvSpPr>
-        <p:spPr/>
-        <p:txBody>
-          <a:bodyPr/>
-          <a:lstStyle/>
-          <a:p>
-            <a:endParaRPr lang="pl-PL" dirty="0"/>
-          </a:p>
-        </p:txBody>
-      </p:sp>
-      <p:sp>
-        <p:nvSpPr>
-          <p:cNvPr id="3" name="Symbol zastępczy zawartości 2"/>
-          <p:cNvSpPr>
-            <a:spLocks noGrp="1"/>
-          </p:cNvSpPr>
-          <p:nvPr>
-            <p:ph idx="1"/>
-          </p:nvPr>
-        </p:nvSpPr>
-        <p:spPr/>
-        <p:txBody>
           <a:bodyPr>
-            <a:normAutofit fontScale="92500" lnSpcReduction="10000"/>
+            <a:normAutofit/>
           </a:bodyPr>
           <a:lstStyle/>
           <a:p>
@@ -8658,15 +7543,29 @@
               <a:t>	</a:t>
             </a:r>
             <a:r>
+              <a:rPr lang="en-IE" dirty="0"/>
+              <a:t> </a:t>
+            </a:r>
+            <a:r>
               <a:rPr lang="en-IE" dirty="0" smtClean="0"/>
-              <a:t>		programs resemble  </a:t>
-            </a:r>
-          </a:p>
-          <a:p>
-            <a:pPr marL="0" indent="0">
-              <a:buNone/>
-            </a:pPr>
-            <a:endParaRPr lang="en-IE" dirty="0"/>
+              <a:t>     </a:t>
+            </a:r>
+            <a:r>
+              <a:rPr lang="en-IE" dirty="0" smtClean="0"/>
+              <a:t>programs and </a:t>
+            </a:r>
+            <a:r>
+              <a:rPr lang="en-IE" dirty="0" smtClean="0"/>
+              <a:t>they can </a:t>
+            </a:r>
+            <a:r>
+              <a:rPr lang="en-IE" dirty="0" smtClean="0"/>
+              <a:t>seamlessly 		      interact </a:t>
+            </a:r>
+            <a:r>
+              <a:rPr lang="en-IE" dirty="0" smtClean="0"/>
+              <a:t>with code written in Java</a:t>
+            </a:r>
           </a:p>
           <a:p>
             <a:pPr marL="0" indent="0">
@@ -8678,44 +7577,31 @@
             <a:pPr marL="0" indent="0">
               <a:buNone/>
             </a:pPr>
-            <a:endParaRPr lang="en-IE" dirty="0"/>
-          </a:p>
-          <a:p>
-            <a:pPr marL="0" indent="0">
-              <a:buNone/>
+            <a:r>
+              <a:rPr lang="en-IE" dirty="0"/>
+              <a:t>- Scala shares most of the operators, data types, and control structures with Java and C#</a:t>
+            </a:r>
+          </a:p>
+          <a:p>
+            <a:pPr marL="171450" indent="-171450">
+              <a:buFontTx/>
+              <a:buChar char="-"/>
             </a:pPr>
             <a:r>
-              <a:rPr lang="en-IE" dirty="0" smtClean="0"/>
-              <a:t>			       </a:t>
-            </a:r>
-          </a:p>
-          <a:p>
-            <a:pPr marL="0" indent="0">
-              <a:buNone/>
+              <a:rPr lang="en-IE" dirty="0"/>
+              <a:t>Scala can interact with main platforms: Java and C#</a:t>
+            </a:r>
+          </a:p>
+          <a:p>
+            <a:pPr marL="171450" indent="-171450">
+              <a:buFontTx/>
+              <a:buChar char="-"/>
             </a:pPr>
             <a:r>
               <a:rPr lang="en-IE" dirty="0"/>
-              <a:t>	</a:t>
-            </a:r>
-            <a:r>
-              <a:rPr lang="en-IE" dirty="0" smtClean="0"/>
-              <a:t>		      programs</a:t>
-            </a:r>
-          </a:p>
-          <a:p>
-            <a:pPr marL="0" indent="0">
-              <a:buNone/>
-            </a:pPr>
-            <a:endParaRPr lang="en-IE" dirty="0"/>
-          </a:p>
-          <a:p>
-            <a:pPr marL="0" indent="0">
-              <a:buNone/>
-            </a:pPr>
-            <a:r>
-              <a:rPr lang="en-IE" dirty="0" smtClean="0"/>
-              <a:t>		     and they can seamlessly 			       interact with code written in Java</a:t>
-            </a:r>
+              <a:t>Example1</a:t>
+            </a:r>
+            <a:endParaRPr lang="pl-PL" dirty="0"/>
           </a:p>
           <a:p>
             <a:pPr marL="0" indent="0">
@@ -8748,8 +7634,8 @@
         </p:blipFill>
         <p:spPr bwMode="auto">
           <a:xfrm>
-            <a:off x="2972952" y="404664"/>
-            <a:ext cx="3963376" cy="1098285"/>
+            <a:off x="755576" y="476387"/>
+            <a:ext cx="2232248" cy="618575"/>
           </a:xfrm>
           <a:prstGeom prst="rect">
             <a:avLst/>
@@ -8802,8 +7688,62 @@
         </p:blipFill>
         <p:spPr bwMode="auto">
           <a:xfrm>
-            <a:off x="3635896" y="2204864"/>
-            <a:ext cx="1800200" cy="1800200"/>
+            <a:off x="755576" y="1295821"/>
+            <a:ext cx="1080120" cy="1080120"/>
+          </a:xfrm>
+          <a:prstGeom prst="rect">
+            <a:avLst/>
+          </a:prstGeom>
+          <a:noFill/>
+          <a:ln>
+            <a:noFill/>
+          </a:ln>
+          <a:extLst>
+            <a:ext uri="{909E8E84-426E-40DD-AFC4-6F175D3DCCD1}">
+              <a14:hiddenFill xmlns:a14="http://schemas.microsoft.com/office/drawing/2010/main">
+                <a:solidFill>
+                  <a:schemeClr val="accent1"/>
+                </a:solidFill>
+              </a14:hiddenFill>
+            </a:ext>
+            <a:ext uri="{91240B29-F687-4F45-9708-019B960494DF}">
+              <a14:hiddenLine xmlns:a14="http://schemas.microsoft.com/office/drawing/2010/main" w="9525">
+                <a:solidFill>
+                  <a:schemeClr val="tx1"/>
+                </a:solidFill>
+                <a:miter lim="800000"/>
+                <a:headEnd/>
+                <a:tailEnd/>
+              </a14:hiddenLine>
+            </a:ext>
+          </a:extLst>
+        </p:spPr>
+      </p:pic>
+      <p:pic>
+        <p:nvPicPr>
+          <p:cNvPr id="6" name="Picture 2"/>
+          <p:cNvPicPr>
+            <a:picLocks noChangeAspect="1" noChangeArrowheads="1"/>
+          </p:cNvPicPr>
+          <p:nvPr/>
+        </p:nvPicPr>
+        <p:blipFill>
+          <a:blip r:embed="rId5">
+            <a:extLst>
+              <a:ext uri="{28A0092B-C50C-407E-A947-70E740481C1C}">
+                <a14:useLocalDpi xmlns:a14="http://schemas.microsoft.com/office/drawing/2010/main" val="0"/>
+              </a:ext>
+            </a:extLst>
+          </a:blip>
+          <a:srcRect/>
+          <a:stretch>
+            <a:fillRect/>
+          </a:stretch>
+        </p:blipFill>
+        <p:spPr bwMode="auto">
+          <a:xfrm>
+            <a:off x="6607507" y="5229200"/>
+            <a:ext cx="976313" cy="1171576"/>
           </a:xfrm>
           <a:prstGeom prst="rect">
             <a:avLst/>
@@ -8853,179 +7793,7 @@
 </p:sld>
 </file>
 
-<file path=ppt/slides/slide6.xml><?xml version="1.0" encoding="utf-8"?>
-<p:sld xmlns:a="http://schemas.openxmlformats.org/drawingml/2006/main" xmlns:r="http://schemas.openxmlformats.org/officeDocument/2006/relationships" xmlns:p="http://schemas.openxmlformats.org/presentationml/2006/main">
-  <p:cSld>
-    <p:spTree>
-      <p:nvGrpSpPr>
-        <p:cNvPr id="1" name=""/>
-        <p:cNvGrpSpPr/>
-        <p:nvPr/>
-      </p:nvGrpSpPr>
-      <p:grpSpPr>
-        <a:xfrm>
-          <a:off x="0" y="0"/>
-          <a:ext cx="0" cy="0"/>
-          <a:chOff x="0" y="0"/>
-          <a:chExt cx="0" cy="0"/>
-        </a:xfrm>
-      </p:grpSpPr>
-      <p:sp>
-        <p:nvSpPr>
-          <p:cNvPr id="2" name="Tytuł 1"/>
-          <p:cNvSpPr>
-            <a:spLocks noGrp="1"/>
-          </p:cNvSpPr>
-          <p:nvPr>
-            <p:ph type="title"/>
-          </p:nvPr>
-        </p:nvSpPr>
-        <p:spPr/>
-        <p:txBody>
-          <a:bodyPr/>
-          <a:lstStyle/>
-          <a:p>
-            <a:pPr algn="l"/>
-            <a:r>
-              <a:rPr lang="en-IE" dirty="0" smtClean="0"/>
-              <a:t>What do I mean? </a:t>
-            </a:r>
-            <a:endParaRPr lang="pl-PL" dirty="0"/>
-          </a:p>
-        </p:txBody>
-      </p:sp>
-      <p:sp>
-        <p:nvSpPr>
-          <p:cNvPr id="3" name="Symbol zastępczy zawartości 2"/>
-          <p:cNvSpPr>
-            <a:spLocks noGrp="1"/>
-          </p:cNvSpPr>
-          <p:nvPr>
-            <p:ph idx="1"/>
-          </p:nvPr>
-        </p:nvSpPr>
-        <p:spPr/>
-        <p:txBody>
-          <a:bodyPr/>
-          <a:lstStyle/>
-          <a:p>
-            <a:pPr marL="0" indent="0">
-              <a:buNone/>
-            </a:pPr>
-            <a:r>
-              <a:rPr lang="en-IE" dirty="0" smtClean="0"/>
-              <a:t>- Scala </a:t>
-            </a:r>
-            <a:r>
-              <a:rPr lang="en-IE" dirty="0"/>
-              <a:t>shares most of the </a:t>
-            </a:r>
-            <a:r>
-              <a:rPr lang="en-IE" dirty="0" smtClean="0"/>
-              <a:t>operators, data types, and control structures with Java and C#</a:t>
-            </a:r>
-          </a:p>
-          <a:p>
-            <a:pPr marL="171450" indent="-171450">
-              <a:buFontTx/>
-              <a:buChar char="-"/>
-            </a:pPr>
-            <a:r>
-              <a:rPr lang="en-IE" dirty="0"/>
-              <a:t>Scala can interact with main platforms: Java and C#</a:t>
-            </a:r>
-          </a:p>
-          <a:p>
-            <a:pPr marL="171450" indent="-171450">
-              <a:buFontTx/>
-              <a:buChar char="-"/>
-            </a:pPr>
-            <a:r>
-              <a:rPr lang="en-IE" dirty="0" smtClean="0"/>
-              <a:t>Example1</a:t>
-            </a:r>
-            <a:endParaRPr lang="pl-PL" dirty="0"/>
-          </a:p>
-          <a:p>
-            <a:endParaRPr lang="pl-PL" dirty="0"/>
-          </a:p>
-        </p:txBody>
-      </p:sp>
-      <p:pic>
-        <p:nvPicPr>
-          <p:cNvPr id="3074" name="Picture 2"/>
-          <p:cNvPicPr>
-            <a:picLocks noChangeAspect="1" noChangeArrowheads="1"/>
-          </p:cNvPicPr>
-          <p:nvPr/>
-        </p:nvPicPr>
-        <p:blipFill>
-          <a:blip r:embed="rId3">
-            <a:extLst>
-              <a:ext uri="{28A0092B-C50C-407E-A947-70E740481C1C}">
-                <a14:useLocalDpi xmlns:a14="http://schemas.microsoft.com/office/drawing/2010/main" val="0"/>
-              </a:ext>
-            </a:extLst>
-          </a:blip>
-          <a:srcRect/>
-          <a:stretch>
-            <a:fillRect/>
-          </a:stretch>
-        </p:blipFill>
-        <p:spPr bwMode="auto">
-          <a:xfrm>
-            <a:off x="6115967" y="320700"/>
-            <a:ext cx="976313" cy="1171576"/>
-          </a:xfrm>
-          <a:prstGeom prst="rect">
-            <a:avLst/>
-          </a:prstGeom>
-          <a:noFill/>
-          <a:ln>
-            <a:noFill/>
-          </a:ln>
-          <a:extLst>
-            <a:ext uri="{909E8E84-426E-40DD-AFC4-6F175D3DCCD1}">
-              <a14:hiddenFill xmlns:a14="http://schemas.microsoft.com/office/drawing/2010/main">
-                <a:solidFill>
-                  <a:schemeClr val="accent1"/>
-                </a:solidFill>
-              </a14:hiddenFill>
-            </a:ext>
-            <a:ext uri="{91240B29-F687-4F45-9708-019B960494DF}">
-              <a14:hiddenLine xmlns:a14="http://schemas.microsoft.com/office/drawing/2010/main" w="9525">
-                <a:solidFill>
-                  <a:schemeClr val="tx1"/>
-                </a:solidFill>
-                <a:miter lim="800000"/>
-                <a:headEnd/>
-                <a:tailEnd/>
-              </a14:hiddenLine>
-            </a:ext>
-          </a:extLst>
-        </p:spPr>
-      </p:pic>
-    </p:spTree>
-    <p:extLst>
-      <p:ext uri="{BB962C8B-B14F-4D97-AF65-F5344CB8AC3E}">
-        <p14:creationId xmlns:p14="http://schemas.microsoft.com/office/powerpoint/2010/main" val="3228903787"/>
-      </p:ext>
-    </p:extLst>
-  </p:cSld>
-  <p:clrMapOvr>
-    <a:masterClrMapping/>
-  </p:clrMapOvr>
-  <p:timing>
-    <p:tnLst>
-      <p:par>
-        <p:cTn id="1" dur="indefinite" restart="never" nodeType="tmRoot"/>
-      </p:par>
-    </p:tnLst>
-  </p:timing>
-</p:sld>
-</file>
-
-<file path=ppt/slides/slide7.xml><?xml version="1.0" encoding="utf-8"?>
+<file path=ppt/slides/slide5.xml><?xml version="1.0" encoding="utf-8"?>
 <p:sld xmlns:a="http://schemas.openxmlformats.org/drawingml/2006/main" xmlns:r="http://schemas.openxmlformats.org/officeDocument/2006/relationships" xmlns:p="http://schemas.openxmlformats.org/presentationml/2006/main">
   <p:cSld>
     <p:spTree>
@@ -9158,7 +7926,7 @@
 </p:sld>
 </file>
 
-<file path=ppt/slides/slide8.xml><?xml version="1.0" encoding="utf-8"?>
+<file path=ppt/slides/slide6.xml><?xml version="1.0" encoding="utf-8"?>
 <p:sld xmlns:a="http://schemas.openxmlformats.org/drawingml/2006/main" xmlns:r="http://schemas.openxmlformats.org/officeDocument/2006/relationships" xmlns:p="http://schemas.openxmlformats.org/presentationml/2006/main">
   <p:cSld>
     <p:spTree>
@@ -9193,7 +7961,7 @@
             <a:pPr algn="l"/>
             <a:r>
               <a:rPr lang="en-IE" dirty="0" smtClean="0"/>
-              <a:t>Also:</a:t>
+              <a:t>OO and functional</a:t>
             </a:r>
             <a:endParaRPr lang="pl-PL" dirty="0"/>
           </a:p>
@@ -9211,12 +7979,22 @@
         </p:nvSpPr>
         <p:spPr/>
         <p:txBody>
-          <a:bodyPr/>
-          <a:lstStyle/>
-          <a:p>
-            <a:r>
-              <a:rPr lang="en-IE" dirty="0" smtClean="0"/>
-              <a:t>Scala uses a pure object-oriented model: 	</a:t>
+          <a:bodyPr>
+            <a:normAutofit fontScale="47500" lnSpcReduction="20000"/>
+          </a:bodyPr>
+          <a:lstStyle/>
+          <a:p>
+            <a:r>
+              <a:rPr lang="en-IE" sz="5900" dirty="0" smtClean="0"/>
+              <a:t>Scala uses a pure </a:t>
+            </a:r>
+            <a:r>
+              <a:rPr lang="en-IE" sz="5900" b="1" dirty="0" smtClean="0"/>
+              <a:t>object-oriented model</a:t>
+            </a:r>
+            <a:r>
+              <a:rPr lang="en-IE" sz="5900" dirty="0" smtClean="0"/>
+              <a:t>: 	</a:t>
             </a:r>
           </a:p>
           <a:p>
@@ -9224,54 +8002,142 @@
               <a:buNone/>
             </a:pPr>
             <a:r>
-              <a:rPr lang="en-IE" dirty="0"/>
+              <a:rPr lang="en-IE" sz="5900" dirty="0"/>
               <a:t>	</a:t>
             </a:r>
             <a:r>
-              <a:rPr lang="en-IE" dirty="0" smtClean="0"/>
-              <a:t>	every value </a:t>
-            </a:r>
-            <a:r>
-              <a:rPr lang="en-IE" smtClean="0"/>
-              <a:t>is </a:t>
-            </a:r>
-            <a:r>
-              <a:rPr lang="en-IE" smtClean="0"/>
-              <a:t>an </a:t>
-            </a:r>
-            <a:r>
-              <a:rPr lang="en-IE" dirty="0" smtClean="0"/>
-              <a:t>object</a:t>
-            </a:r>
+              <a:rPr lang="en-IE" sz="5900" dirty="0" smtClean="0"/>
+              <a:t>every </a:t>
+            </a:r>
+            <a:r>
+              <a:rPr lang="en-IE" sz="5900" dirty="0" smtClean="0"/>
+              <a:t>value is an </a:t>
+            </a:r>
+            <a:r>
+              <a:rPr lang="en-IE" sz="5900" dirty="0" smtClean="0"/>
+              <a:t>object and</a:t>
+            </a:r>
+            <a:endParaRPr lang="en-IE" sz="5900" dirty="0" smtClean="0"/>
           </a:p>
           <a:p>
             <a:pPr marL="0" indent="0">
               <a:buNone/>
             </a:pPr>
             <a:r>
-              <a:rPr lang="en-IE" dirty="0" smtClean="0"/>
-              <a:t>		and</a:t>
-            </a:r>
+              <a:rPr lang="en-IE" sz="5900" dirty="0" smtClean="0"/>
+              <a:t>	</a:t>
+            </a:r>
+            <a:r>
+              <a:rPr lang="en-IE" sz="5900" dirty="0" smtClean="0"/>
+              <a:t>every </a:t>
+            </a:r>
+            <a:r>
+              <a:rPr lang="en-IE" sz="5900" dirty="0" smtClean="0"/>
+              <a:t>operation is </a:t>
+            </a:r>
+            <a:r>
+              <a:rPr lang="en-IE" sz="5900" dirty="0" smtClean="0"/>
+              <a:t>an </a:t>
+            </a:r>
+            <a:r>
+              <a:rPr lang="en-IE" sz="5900" dirty="0" smtClean="0"/>
+              <a:t>invocation of a method</a:t>
+            </a:r>
+          </a:p>
+          <a:p>
+            <a:r>
+              <a:rPr lang="en-IE" sz="5900" dirty="0"/>
+              <a:t>Scala is a </a:t>
+            </a:r>
+            <a:r>
+              <a:rPr lang="en-IE" sz="5900" b="1" dirty="0"/>
+              <a:t>functional</a:t>
+            </a:r>
+            <a:r>
+              <a:rPr lang="en-IE" sz="5900" dirty="0"/>
+              <a:t> </a:t>
+            </a:r>
+            <a:r>
+              <a:rPr lang="en-IE" sz="5900" dirty="0" smtClean="0"/>
+              <a:t>language:</a:t>
+            </a:r>
+            <a:endParaRPr lang="en-IE" sz="5900" dirty="0"/>
           </a:p>
           <a:p>
             <a:pPr marL="0" indent="0">
               <a:buNone/>
             </a:pPr>
             <a:r>
-              <a:rPr lang="en-IE" dirty="0" smtClean="0"/>
-              <a:t>		every operation is a message send = 		an invocation of a method</a:t>
+              <a:rPr lang="en-IE" sz="5900" dirty="0"/>
+              <a:t>	</a:t>
+            </a:r>
+            <a:r>
+              <a:rPr lang="en-IE" sz="5900" dirty="0" smtClean="0"/>
+              <a:t>every </a:t>
+            </a:r>
+            <a:r>
+              <a:rPr lang="en-IE" sz="5900" dirty="0"/>
+              <a:t>function is a value</a:t>
             </a:r>
           </a:p>
           <a:p>
             <a:pPr marL="0" indent="0">
               <a:buNone/>
             </a:pPr>
+            <a:r>
+              <a:rPr lang="en-IE" sz="5900" dirty="0"/>
+              <a:t>	</a:t>
+            </a:r>
+            <a:r>
+              <a:rPr lang="en-IE" sz="5900" dirty="0" smtClean="0"/>
+              <a:t>so </a:t>
+            </a:r>
+            <a:r>
+              <a:rPr lang="en-IE" sz="5900" dirty="0"/>
+              <a:t>we can pass a function as a </a:t>
+            </a:r>
+            <a:r>
+              <a:rPr lang="en-IE" sz="5900" dirty="0" smtClean="0"/>
+              <a:t>parameter into 	another </a:t>
+            </a:r>
+            <a:r>
+              <a:rPr lang="en-IE" sz="5900" dirty="0"/>
+              <a:t>function</a:t>
+            </a:r>
+          </a:p>
+          <a:p>
+            <a:pPr marL="0" indent="0">
+              <a:buNone/>
+            </a:pPr>
+            <a:r>
+              <a:rPr lang="en-IE" sz="5900" dirty="0"/>
+              <a:t>	</a:t>
+            </a:r>
+            <a:r>
+              <a:rPr lang="en-IE" sz="5900" dirty="0" smtClean="0"/>
+              <a:t>or </a:t>
+            </a:r>
+            <a:r>
+              <a:rPr lang="en-IE" sz="5900" dirty="0"/>
+              <a:t>return them as a result</a:t>
+            </a:r>
+          </a:p>
+          <a:p>
+            <a:endParaRPr lang="en-IE" dirty="0" smtClean="0"/>
+          </a:p>
+          <a:p>
             <a:endParaRPr lang="en-IE" dirty="0"/>
           </a:p>
           <a:p>
+            <a:endParaRPr lang="en-IE" dirty="0" smtClean="0"/>
+          </a:p>
+          <a:p>
+            <a:endParaRPr lang="en-IE" dirty="0"/>
+          </a:p>
+          <a:p>
             <a:r>
               <a:rPr lang="en-IE" dirty="0" smtClean="0"/>
-              <a:t>Example2</a:t>
+              <a:t>Example2 &amp; Example3</a:t>
             </a:r>
             <a:endParaRPr lang="pl-PL" dirty="0"/>
           </a:p>
@@ -9351,7 +8217,7 @@
 </p:sld>
 </file>
 
-<file path=ppt/slides/slide9.xml><?xml version="1.0" encoding="utf-8"?>
+<file path=ppt/slides/slide7.xml><?xml version="1.0" encoding="utf-8"?>
 <p:sld xmlns:a="http://schemas.openxmlformats.org/drawingml/2006/main" xmlns:r="http://schemas.openxmlformats.org/officeDocument/2006/relationships" xmlns:p="http://schemas.openxmlformats.org/presentationml/2006/main">
   <p:cSld>
     <p:spTree>
@@ -9468,6 +8334,267 @@
     <p:extLst>
       <p:ext uri="{BB962C8B-B14F-4D97-AF65-F5344CB8AC3E}">
         <p14:creationId xmlns:p14="http://schemas.microsoft.com/office/powerpoint/2010/main" val="2238514506"/>
+      </p:ext>
+    </p:extLst>
+  </p:cSld>
+  <p:clrMapOvr>
+    <a:masterClrMapping/>
+  </p:clrMapOvr>
+  <p:timing>
+    <p:tnLst>
+      <p:par>
+        <p:cTn id="1" dur="indefinite" restart="never" nodeType="tmRoot"/>
+      </p:par>
+    </p:tnLst>
+  </p:timing>
+</p:sld>
+</file>
+
+<file path=ppt/slides/slide8.xml><?xml version="1.0" encoding="utf-8"?>
+<p:sld xmlns:a="http://schemas.openxmlformats.org/drawingml/2006/main" xmlns:r="http://schemas.openxmlformats.org/officeDocument/2006/relationships" xmlns:p="http://schemas.openxmlformats.org/presentationml/2006/main">
+  <p:cSld>
+    <p:spTree>
+      <p:nvGrpSpPr>
+        <p:cNvPr id="1" name=""/>
+        <p:cNvGrpSpPr/>
+        <p:nvPr/>
+      </p:nvGrpSpPr>
+      <p:grpSpPr>
+        <a:xfrm>
+          <a:off x="0" y="0"/>
+          <a:ext cx="0" cy="0"/>
+          <a:chOff x="0" y="0"/>
+          <a:chExt cx="0" cy="0"/>
+        </a:xfrm>
+      </p:grpSpPr>
+      <p:sp>
+        <p:nvSpPr>
+          <p:cNvPr id="2" name="Tytuł 1"/>
+          <p:cNvSpPr>
+            <a:spLocks noGrp="1"/>
+          </p:cNvSpPr>
+          <p:nvPr>
+            <p:ph type="title"/>
+          </p:nvPr>
+        </p:nvSpPr>
+        <p:spPr/>
+        <p:txBody>
+          <a:bodyPr/>
+          <a:lstStyle/>
+          <a:p>
+            <a:r>
+              <a:rPr lang="en-IE" dirty="0"/>
+              <a:t>Example3.scala</a:t>
+            </a:r>
+            <a:endParaRPr lang="pl-PL" dirty="0"/>
+          </a:p>
+        </p:txBody>
+      </p:sp>
+      <p:pic>
+        <p:nvPicPr>
+          <p:cNvPr id="3074" name="Picture 2"/>
+          <p:cNvPicPr>
+            <a:picLocks noGrp="1" noChangeAspect="1" noChangeArrowheads="1"/>
+          </p:cNvPicPr>
+          <p:nvPr>
+            <p:ph idx="1"/>
+          </p:nvPr>
+        </p:nvPicPr>
+        <p:blipFill>
+          <a:blip r:embed="rId3">
+            <a:extLst>
+              <a:ext uri="{28A0092B-C50C-407E-A947-70E740481C1C}">
+                <a14:useLocalDpi xmlns:a14="http://schemas.microsoft.com/office/drawing/2010/main" val="0"/>
+              </a:ext>
+            </a:extLst>
+          </a:blip>
+          <a:srcRect/>
+          <a:stretch>
+            <a:fillRect/>
+          </a:stretch>
+        </p:blipFill>
+        <p:spPr bwMode="auto">
+          <a:xfrm>
+            <a:off x="1115616" y="1340768"/>
+            <a:ext cx="6552728" cy="4621085"/>
+          </a:xfrm>
+          <a:prstGeom prst="rect">
+            <a:avLst/>
+          </a:prstGeom>
+          <a:noFill/>
+          <a:ln>
+            <a:noFill/>
+          </a:ln>
+          <a:extLst>
+            <a:ext uri="{909E8E84-426E-40DD-AFC4-6F175D3DCCD1}">
+              <a14:hiddenFill xmlns:a14="http://schemas.microsoft.com/office/drawing/2010/main">
+                <a:solidFill>
+                  <a:schemeClr val="accent1"/>
+                </a:solidFill>
+              </a14:hiddenFill>
+            </a:ext>
+            <a:ext uri="{91240B29-F687-4F45-9708-019B960494DF}">
+              <a14:hiddenLine xmlns:a14="http://schemas.microsoft.com/office/drawing/2010/main" w="9525">
+                <a:solidFill>
+                  <a:schemeClr val="tx1"/>
+                </a:solidFill>
+                <a:miter lim="800000"/>
+                <a:headEnd/>
+                <a:tailEnd/>
+              </a14:hiddenLine>
+            </a:ext>
+          </a:extLst>
+        </p:spPr>
+      </p:pic>
+    </p:spTree>
+    <p:extLst>
+      <p:ext uri="{BB962C8B-B14F-4D97-AF65-F5344CB8AC3E}">
+        <p14:creationId xmlns:p14="http://schemas.microsoft.com/office/powerpoint/2010/main" val="2578522333"/>
+      </p:ext>
+    </p:extLst>
+  </p:cSld>
+  <p:clrMapOvr>
+    <a:masterClrMapping/>
+  </p:clrMapOvr>
+  <p:timing>
+    <p:tnLst>
+      <p:par>
+        <p:cTn id="1" dur="indefinite" restart="never" nodeType="tmRoot"/>
+      </p:par>
+    </p:tnLst>
+  </p:timing>
+</p:sld>
+</file>
+
+<file path=ppt/slides/slide9.xml><?xml version="1.0" encoding="utf-8"?>
+<p:sld xmlns:a="http://schemas.openxmlformats.org/drawingml/2006/main" xmlns:r="http://schemas.openxmlformats.org/officeDocument/2006/relationships" xmlns:p="http://schemas.openxmlformats.org/presentationml/2006/main">
+  <p:cSld>
+    <p:spTree>
+      <p:nvGrpSpPr>
+        <p:cNvPr id="1" name=""/>
+        <p:cNvGrpSpPr/>
+        <p:nvPr/>
+      </p:nvGrpSpPr>
+      <p:grpSpPr>
+        <a:xfrm>
+          <a:off x="0" y="0"/>
+          <a:ext cx="0" cy="0"/>
+          <a:chOff x="0" y="0"/>
+          <a:chExt cx="0" cy="0"/>
+        </a:xfrm>
+      </p:grpSpPr>
+      <p:sp>
+        <p:nvSpPr>
+          <p:cNvPr id="2" name="Tytuł 1"/>
+          <p:cNvSpPr>
+            <a:spLocks noGrp="1"/>
+          </p:cNvSpPr>
+          <p:nvPr>
+            <p:ph type="title"/>
+          </p:nvPr>
+        </p:nvSpPr>
+        <p:spPr>
+          <a:xfrm>
+            <a:off x="467544" y="332656"/>
+            <a:ext cx="8229600" cy="1143000"/>
+          </a:xfrm>
+        </p:spPr>
+        <p:txBody>
+          <a:bodyPr/>
+          <a:lstStyle/>
+          <a:p>
+            <a:r>
+              <a:rPr lang="en-IE" dirty="0" err="1" smtClean="0"/>
+              <a:t>RESTful</a:t>
+            </a:r>
+            <a:r>
+              <a:rPr lang="en-IE" dirty="0" smtClean="0"/>
+              <a:t> web service</a:t>
+            </a:r>
+            <a:endParaRPr lang="pl-PL" dirty="0"/>
+          </a:p>
+        </p:txBody>
+      </p:sp>
+      <p:sp>
+        <p:nvSpPr>
+          <p:cNvPr id="4" name="Symbol zastępczy zawartości 3"/>
+          <p:cNvSpPr>
+            <a:spLocks noGrp="1"/>
+          </p:cNvSpPr>
+          <p:nvPr>
+            <p:ph idx="1"/>
+          </p:nvPr>
+        </p:nvSpPr>
+        <p:spPr/>
+        <p:txBody>
+          <a:bodyPr/>
+          <a:lstStyle/>
+          <a:p>
+            <a:pPr marL="0" indent="0">
+              <a:buNone/>
+            </a:pPr>
+            <a:endParaRPr lang="pl-PL" dirty="0"/>
+          </a:p>
+        </p:txBody>
+      </p:sp>
+      <p:pic>
+        <p:nvPicPr>
+          <p:cNvPr id="4100" name="Picture 4"/>
+          <p:cNvPicPr>
+            <a:picLocks noChangeAspect="1" noChangeArrowheads="1"/>
+          </p:cNvPicPr>
+          <p:nvPr/>
+        </p:nvPicPr>
+        <p:blipFill>
+          <a:blip r:embed="rId3">
+            <a:extLst>
+              <a:ext uri="{28A0092B-C50C-407E-A947-70E740481C1C}">
+                <a14:useLocalDpi xmlns:a14="http://schemas.microsoft.com/office/drawing/2010/main" val="0"/>
+              </a:ext>
+            </a:extLst>
+          </a:blip>
+          <a:srcRect/>
+          <a:stretch>
+            <a:fillRect/>
+          </a:stretch>
+        </p:blipFill>
+        <p:spPr bwMode="auto">
+          <a:xfrm>
+            <a:off x="1259632" y="1556792"/>
+            <a:ext cx="6944298" cy="4176464"/>
+          </a:xfrm>
+          <a:prstGeom prst="rect">
+            <a:avLst/>
+          </a:prstGeom>
+          <a:noFill/>
+          <a:ln>
+            <a:noFill/>
+          </a:ln>
+          <a:extLst>
+            <a:ext uri="{909E8E84-426E-40DD-AFC4-6F175D3DCCD1}">
+              <a14:hiddenFill xmlns:a14="http://schemas.microsoft.com/office/drawing/2010/main">
+                <a:solidFill>
+                  <a:schemeClr val="accent1"/>
+                </a:solidFill>
+              </a14:hiddenFill>
+            </a:ext>
+            <a:ext uri="{91240B29-F687-4F45-9708-019B960494DF}">
+              <a14:hiddenLine xmlns:a14="http://schemas.microsoft.com/office/drawing/2010/main" w="9525">
+                <a:solidFill>
+                  <a:schemeClr val="tx1"/>
+                </a:solidFill>
+                <a:miter lim="800000"/>
+                <a:headEnd/>
+                <a:tailEnd/>
+              </a14:hiddenLine>
+            </a:ext>
+          </a:extLst>
+        </p:spPr>
+      </p:pic>
+    </p:spTree>
+    <p:extLst>
+      <p:ext uri="{BB962C8B-B14F-4D97-AF65-F5344CB8AC3E}">
+        <p14:creationId xmlns:p14="http://schemas.microsoft.com/office/powerpoint/2010/main" val="444865185"/>
       </p:ext>
     </p:extLst>
   </p:cSld>

--- a/project presentation final.pptx
+++ b/project presentation final.pptx
@@ -5,7 +5,7 @@
     <p:sldMasterId id="2147483648" r:id="rId1"/>
   </p:sldMasterIdLst>
   <p:notesMasterIdLst>
-    <p:notesMasterId r:id="rId19"/>
+    <p:notesMasterId r:id="rId22"/>
   </p:notesMasterIdLst>
   <p:sldIdLst>
     <p:sldId id="256" r:id="rId2"/>
@@ -20,11 +20,14 @@
     <p:sldId id="282" r:id="rId11"/>
     <p:sldId id="284" r:id="rId12"/>
     <p:sldId id="289" r:id="rId13"/>
-    <p:sldId id="290" r:id="rId14"/>
-    <p:sldId id="286" r:id="rId15"/>
-    <p:sldId id="288" r:id="rId16"/>
-    <p:sldId id="267" r:id="rId17"/>
-    <p:sldId id="263" r:id="rId18"/>
+    <p:sldId id="291" r:id="rId14"/>
+    <p:sldId id="292" r:id="rId15"/>
+    <p:sldId id="293" r:id="rId16"/>
+    <p:sldId id="286" r:id="rId17"/>
+    <p:sldId id="290" r:id="rId18"/>
+    <p:sldId id="288" r:id="rId19"/>
+    <p:sldId id="267" r:id="rId20"/>
+    <p:sldId id="263" r:id="rId21"/>
   </p:sldIdLst>
   <p:sldSz cx="9144000" cy="6858000" type="screen4x3"/>
   <p:notesSz cx="6858000" cy="9144000"/>
@@ -643,7 +646,7 @@
             </a:r>
           </a:p>
           <a:p>
-            <a:pPr marL="0" marR="0" indent="0" algn="l" defTabSz="914400" rtl="0" eaLnBrk="1" fontAlgn="auto" latinLnBrk="0" hangingPunct="1">
+            <a:pPr marL="171450" marR="0" indent="-171450" algn="l" defTabSz="914400" rtl="0" eaLnBrk="1" fontAlgn="auto" latinLnBrk="0" hangingPunct="1">
               <a:lnSpc>
                 <a:spcPct val="100000"/>
               </a:lnSpc>
@@ -656,7 +659,7 @@
               <a:buClrTx/>
               <a:buSzTx/>
               <a:buFontTx/>
-              <a:buNone/>
+              <a:buChar char="-"/>
               <a:tabLst/>
               <a:defRPr/>
             </a:pPr>
@@ -670,11 +673,62 @@
                 <a:ea typeface="+mn-ea"/>
                 <a:cs typeface="+mn-cs"/>
               </a:rPr>
-              <a:t>- The actor then prints out whatever message it receives, he does so by calling “receive”</a:t>
-            </a:r>
-          </a:p>
-          <a:p>
-            <a:pPr marL="0" marR="0" indent="0" algn="l" defTabSz="914400" rtl="0" eaLnBrk="1" fontAlgn="auto" latinLnBrk="0" hangingPunct="1">
+              <a:t>In</a:t>
+            </a:r>
+            <a:r>
+              <a:rPr lang="en-IE" sz="1200" kern="1200" baseline="0" dirty="0" smtClean="0">
+                <a:solidFill>
+                  <a:schemeClr val="tx1"/>
+                </a:solidFill>
+                <a:effectLst/>
+                <a:latin typeface="+mn-lt"/>
+                <a:ea typeface="+mn-ea"/>
+                <a:cs typeface="+mn-cs"/>
+              </a:rPr>
+              <a:t> the example above the actor receives a message by calling “receive”</a:t>
+            </a:r>
+          </a:p>
+          <a:p>
+            <a:r>
+              <a:rPr lang="en-US" sz="1200" b="0" i="0" u="none" strike="noStrike" kern="1200" baseline="0" dirty="0" smtClean="0">
+                <a:solidFill>
+                  <a:schemeClr val="tx1"/>
+                </a:solidFill>
+                <a:latin typeface="+mn-lt"/>
+                <a:ea typeface="+mn-ea"/>
+                <a:cs typeface="+mn-cs"/>
+              </a:rPr>
+              <a:t>- When an actor sends a message, it does not block, and when an actor receives a message, it is not interrupted.</a:t>
+            </a:r>
+          </a:p>
+          <a:p>
+            <a:pPr marL="171450" indent="-171450">
+              <a:buFontTx/>
+              <a:buChar char="-"/>
+            </a:pPr>
+            <a:r>
+              <a:rPr lang="en-US" sz="1200" b="0" i="0" u="none" strike="noStrike" kern="1200" baseline="0" dirty="0" smtClean="0">
+                <a:solidFill>
+                  <a:schemeClr val="tx1"/>
+                </a:solidFill>
+                <a:latin typeface="+mn-lt"/>
+                <a:ea typeface="+mn-ea"/>
+                <a:cs typeface="+mn-cs"/>
+              </a:rPr>
+              <a:t>The sent message waits in the receiving actor’s mailbox until the actor calls receive.</a:t>
+            </a:r>
+            <a:endParaRPr lang="en-IE" sz="1200" kern="1200" dirty="0" smtClean="0">
+              <a:solidFill>
+                <a:schemeClr val="tx1"/>
+              </a:solidFill>
+              <a:effectLst/>
+              <a:latin typeface="+mn-lt"/>
+              <a:ea typeface="+mn-ea"/>
+              <a:cs typeface="+mn-cs"/>
+            </a:endParaRPr>
+          </a:p>
+          <a:p>
+            <a:pPr marL="171450" marR="0" indent="-171450" algn="l" defTabSz="914400" rtl="0" eaLnBrk="1" fontAlgn="auto" latinLnBrk="0" hangingPunct="1">
               <a:lnSpc>
                 <a:spcPct val="100000"/>
               </a:lnSpc>
@@ -687,7 +741,7 @@
               <a:buClrTx/>
               <a:buSzTx/>
               <a:buFontTx/>
-              <a:buNone/>
+              <a:buChar char="-"/>
               <a:tabLst/>
               <a:defRPr/>
             </a:pPr>
@@ -701,27 +755,79 @@
                 <a:ea typeface="+mn-ea"/>
                 <a:cs typeface="+mn-cs"/>
               </a:rPr>
-              <a:t>- Note of “case” keyword, receive could have a few “case” statements</a:t>
-            </a:r>
-          </a:p>
-          <a:p>
-            <a:pPr marL="0" marR="0" indent="0" algn="l" defTabSz="914400" rtl="0" eaLnBrk="1" fontAlgn="auto" latinLnBrk="0" hangingPunct="1">
-              <a:lnSpc>
-                <a:spcPct val="100000"/>
-              </a:lnSpc>
-              <a:spcBef>
-                <a:spcPts val="0"/>
-              </a:spcBef>
-              <a:spcAft>
-                <a:spcPts val="0"/>
-              </a:spcAft>
-              <a:buClrTx/>
-              <a:buSzTx/>
-              <a:buFontTx/>
-              <a:buNone/>
-              <a:tabLst/>
-              <a:defRPr/>
-            </a:pPr>
+              <a:t>Note </a:t>
+            </a:r>
+            <a:r>
+              <a:rPr lang="en-IE" sz="1200" kern="1200" dirty="0" smtClean="0">
+                <a:solidFill>
+                  <a:schemeClr val="tx1"/>
+                </a:solidFill>
+                <a:effectLst/>
+                <a:latin typeface="+mn-lt"/>
+                <a:ea typeface="+mn-ea"/>
+                <a:cs typeface="+mn-cs"/>
+              </a:rPr>
+              <a:t>of “case” keyword, receive could have a few “case” </a:t>
+            </a:r>
+            <a:r>
+              <a:rPr lang="en-IE" sz="1200" kern="1200" dirty="0" smtClean="0">
+                <a:solidFill>
+                  <a:schemeClr val="tx1"/>
+                </a:solidFill>
+                <a:effectLst/>
+                <a:latin typeface="+mn-lt"/>
+                <a:ea typeface="+mn-ea"/>
+                <a:cs typeface="+mn-cs"/>
+              </a:rPr>
+              <a:t>statements.</a:t>
+            </a:r>
+          </a:p>
+          <a:p>
+            <a:r>
+              <a:rPr lang="en-US" sz="1200" b="0" i="0" u="none" strike="noStrike" kern="1200" baseline="0" dirty="0" smtClean="0">
+                <a:solidFill>
+                  <a:schemeClr val="tx1"/>
+                </a:solidFill>
+                <a:latin typeface="+mn-lt"/>
+                <a:ea typeface="+mn-ea"/>
+                <a:cs typeface="+mn-cs"/>
+              </a:rPr>
+              <a:t> -An actor will only process messages matching one of the cases.</a:t>
+            </a:r>
+          </a:p>
+          <a:p>
+            <a:endParaRPr lang="en-US" sz="1200" b="0" i="0" u="none" strike="noStrike" kern="1200" baseline="0" dirty="0" smtClean="0">
+              <a:solidFill>
+                <a:schemeClr val="tx1"/>
+              </a:solidFill>
+              <a:latin typeface="+mn-lt"/>
+              <a:ea typeface="+mn-ea"/>
+              <a:cs typeface="+mn-cs"/>
+            </a:endParaRPr>
+          </a:p>
+          <a:p>
+            <a:r>
+              <a:rPr lang="en-US" sz="1200" b="0" i="0" u="none" strike="noStrike" kern="1200" baseline="0" dirty="0" smtClean="0">
+                <a:solidFill>
+                  <a:schemeClr val="tx1"/>
+                </a:solidFill>
+                <a:latin typeface="+mn-lt"/>
+                <a:ea typeface="+mn-ea"/>
+                <a:cs typeface="+mn-cs"/>
+              </a:rPr>
+              <a:t>- In my application I have a </a:t>
+            </a:r>
+            <a:r>
+              <a:rPr lang="en-US" sz="1200" b="0" i="0" u="none" strike="noStrike" kern="1200" baseline="0" dirty="0" err="1" smtClean="0">
+                <a:solidFill>
+                  <a:schemeClr val="tx1"/>
+                </a:solidFill>
+                <a:latin typeface="+mn-lt"/>
+                <a:ea typeface="+mn-ea"/>
+                <a:cs typeface="+mn-cs"/>
+              </a:rPr>
+              <a:t>RestServiceActor.scala</a:t>
+            </a:r>
             <a:endParaRPr lang="pl-PL" dirty="0" smtClean="0"/>
           </a:p>
           <a:p>
@@ -809,21 +915,71 @@
           <a:bodyPr/>
           <a:lstStyle/>
           <a:p>
+            <a:pPr marL="171450" indent="-171450">
+              <a:buFontTx/>
+              <a:buChar char="-"/>
+            </a:pPr>
             <a:r>
               <a:rPr lang="en-IE" dirty="0" smtClean="0"/>
-              <a:t>Spray-can, (Yes, it is its name…), Spray-</a:t>
-            </a:r>
-            <a:r>
-              <a:rPr lang="en-IE" dirty="0" err="1" smtClean="0"/>
-              <a:t>HTTPx</a:t>
-            </a:r>
-            <a:endParaRPr lang="en-IE" dirty="0" smtClean="0"/>
-          </a:p>
-          <a:p>
-            <a:endParaRPr lang="pl-PL" dirty="0" smtClean="0"/>
-          </a:p>
-          <a:p>
-            <a:endParaRPr lang="pl-PL" dirty="0"/>
+              <a:t>Start with</a:t>
+            </a:r>
+            <a:r>
+              <a:rPr lang="en-IE" b="1" dirty="0" smtClean="0"/>
+              <a:t> build configuration files</a:t>
+            </a:r>
+          </a:p>
+          <a:p>
+            <a:pPr marL="171450" indent="-171450">
+              <a:buFontTx/>
+              <a:buChar char="-"/>
+            </a:pPr>
+            <a:endParaRPr lang="en-IE" b="1" dirty="0" smtClean="0"/>
+          </a:p>
+          <a:p>
+            <a:pPr marL="0" indent="0">
+              <a:buFontTx/>
+              <a:buNone/>
+            </a:pPr>
+            <a:r>
+              <a:rPr lang="en-IE" b="1" dirty="0" smtClean="0"/>
+              <a:t>SBT </a:t>
+            </a:r>
+            <a:r>
+              <a:rPr lang="en-IE" b="0" dirty="0" smtClean="0"/>
+              <a:t>is simple build tool for Scala</a:t>
+            </a:r>
+            <a:endParaRPr lang="en-IE" b="1" dirty="0" smtClean="0"/>
+          </a:p>
+          <a:p>
+            <a:endParaRPr lang="en-IE" b="1" dirty="0" smtClean="0"/>
+          </a:p>
+          <a:p>
+            <a:pPr marL="0" marR="0" indent="0" algn="l" defTabSz="914400" rtl="0" eaLnBrk="1" fontAlgn="auto" latinLnBrk="0" hangingPunct="1">
+              <a:lnSpc>
+                <a:spcPct val="100000"/>
+              </a:lnSpc>
+              <a:spcBef>
+                <a:spcPts val="0"/>
+              </a:spcBef>
+              <a:spcAft>
+                <a:spcPts val="0"/>
+              </a:spcAft>
+              <a:buClrTx/>
+              <a:buSzTx/>
+              <a:buFontTx/>
+              <a:buNone/>
+              <a:tabLst/>
+              <a:defRPr/>
+            </a:pPr>
+            <a:r>
+              <a:rPr lang="en-IE" dirty="0" smtClean="0"/>
+              <a:t>- Project build definition can be extended</a:t>
+            </a:r>
+            <a:r>
+              <a:rPr lang="en-IE" baseline="0" dirty="0" smtClean="0"/>
+              <a:t> by using plugins</a:t>
+            </a:r>
+            <a:endParaRPr lang="pl-PL" b="1" dirty="0"/>
           </a:p>
         </p:txBody>
       </p:sp>
@@ -853,7 +1009,7 @@
     </p:spTree>
     <p:extLst>
       <p:ext uri="{BB962C8B-B14F-4D97-AF65-F5344CB8AC3E}">
-        <p14:creationId xmlns:p14="http://schemas.microsoft.com/office/powerpoint/2010/main" val="1356649065"/>
+        <p14:creationId xmlns:p14="http://schemas.microsoft.com/office/powerpoint/2010/main" val="1532091560"/>
       </p:ext>
     </p:extLst>
   </p:cSld>
@@ -912,6 +1068,248 @@
               <a:buChar char="-"/>
             </a:pPr>
             <a:r>
+              <a:rPr lang="en-IE" b="1" dirty="0" smtClean="0"/>
+              <a:t>Customer</a:t>
+            </a:r>
+            <a:r>
+              <a:rPr lang="en-IE" b="0" dirty="0" smtClean="0"/>
+              <a:t> entity has an id, </a:t>
+            </a:r>
+            <a:r>
+              <a:rPr lang="en-IE" b="0" dirty="0" err="1" smtClean="0"/>
+              <a:t>firstName</a:t>
+            </a:r>
+            <a:r>
+              <a:rPr lang="en-IE" b="0" dirty="0" smtClean="0"/>
+              <a:t>, </a:t>
+            </a:r>
+            <a:r>
+              <a:rPr lang="en-IE" b="0" dirty="0" err="1" smtClean="0"/>
+              <a:t>lastName</a:t>
+            </a:r>
+            <a:r>
+              <a:rPr lang="en-IE" b="0" dirty="0" smtClean="0"/>
+              <a:t>, </a:t>
+            </a:r>
+            <a:r>
+              <a:rPr lang="en-IE" b="0" dirty="0" err="1" smtClean="0"/>
+              <a:t>accountBalance</a:t>
+            </a:r>
+            <a:r>
+              <a:rPr lang="en-IE" b="0" dirty="0" smtClean="0"/>
+              <a:t>, birthday</a:t>
+            </a:r>
+          </a:p>
+          <a:p>
+            <a:pPr marL="171450" indent="-171450">
+              <a:buFontTx/>
+              <a:buChar char="-"/>
+            </a:pPr>
+            <a:endParaRPr lang="en-IE" b="0" dirty="0" smtClean="0"/>
+          </a:p>
+          <a:p>
+            <a:pPr marL="171450" indent="-171450">
+              <a:buFontTx/>
+              <a:buChar char="-"/>
+            </a:pPr>
+            <a:r>
+              <a:rPr lang="en-IE" b="0" dirty="0" smtClean="0"/>
+              <a:t>All </a:t>
+            </a:r>
+            <a:r>
+              <a:rPr lang="en-IE" b="0" dirty="0" err="1" smtClean="0"/>
+              <a:t>requiered</a:t>
+            </a:r>
+            <a:r>
+              <a:rPr lang="en-IE" b="0" baseline="0" dirty="0" smtClean="0"/>
+              <a:t> configuration settings are stored in </a:t>
+            </a:r>
+            <a:r>
+              <a:rPr lang="en-IE" b="1" i="1" dirty="0" err="1" smtClean="0"/>
+              <a:t>Configuration.scala</a:t>
+            </a:r>
+            <a:r>
+              <a:rPr lang="en-IE" b="1" dirty="0" smtClean="0"/>
+              <a:t>  </a:t>
+            </a:r>
+            <a:r>
+              <a:rPr lang="en-IE" b="0" dirty="0" smtClean="0"/>
+              <a:t>trait and retrieved from </a:t>
+            </a:r>
+            <a:r>
+              <a:rPr lang="en-IE" b="1" dirty="0" err="1" smtClean="0"/>
+              <a:t>application.conf</a:t>
+            </a:r>
+            <a:r>
+              <a:rPr lang="en-IE" b="0" dirty="0" smtClean="0"/>
+              <a:t> file at application </a:t>
+            </a:r>
+            <a:r>
+              <a:rPr lang="en-IE" b="0" dirty="0" err="1" smtClean="0"/>
+              <a:t>startup</a:t>
+            </a:r>
+            <a:endParaRPr lang="en-IE" b="0" dirty="0" smtClean="0"/>
+          </a:p>
+          <a:p>
+            <a:endParaRPr lang="en-IE" b="0" dirty="0" smtClean="0"/>
+          </a:p>
+          <a:p>
+            <a:pPr marL="171450" marR="0" indent="-171450" algn="l" defTabSz="914400" rtl="0" eaLnBrk="1" fontAlgn="auto" latinLnBrk="0" hangingPunct="1">
+              <a:lnSpc>
+                <a:spcPct val="100000"/>
+              </a:lnSpc>
+              <a:spcBef>
+                <a:spcPts val="0"/>
+              </a:spcBef>
+              <a:spcAft>
+                <a:spcPts val="0"/>
+              </a:spcAft>
+              <a:buClrTx/>
+              <a:buSzTx/>
+              <a:buFontTx/>
+              <a:buChar char="-"/>
+              <a:tabLst/>
+              <a:defRPr/>
+            </a:pPr>
+            <a:r>
+              <a:rPr lang="en-IE" b="0" baseline="0" dirty="0" smtClean="0"/>
+              <a:t>Slick </a:t>
+            </a:r>
+            <a:r>
+              <a:rPr lang="en-US" dirty="0" smtClean="0"/>
+              <a:t>is a Functional Relational Mapping for Scala that provides a way of working with Scala’s relational databases</a:t>
+            </a:r>
+          </a:p>
+          <a:p>
+            <a:pPr marL="171450" marR="0" indent="-171450" algn="l" defTabSz="914400" rtl="0" eaLnBrk="1" fontAlgn="auto" latinLnBrk="0" hangingPunct="1">
+              <a:lnSpc>
+                <a:spcPct val="100000"/>
+              </a:lnSpc>
+              <a:spcBef>
+                <a:spcPts val="0"/>
+              </a:spcBef>
+              <a:spcAft>
+                <a:spcPts val="0"/>
+              </a:spcAft>
+              <a:buClrTx/>
+              <a:buSzTx/>
+              <a:buFontTx/>
+              <a:buChar char="-"/>
+              <a:tabLst/>
+              <a:defRPr/>
+            </a:pPr>
+            <a:endParaRPr lang="en-US" dirty="0" smtClean="0"/>
+          </a:p>
+          <a:p>
+            <a:pPr marL="171450" marR="0" indent="-171450" algn="l" defTabSz="914400" rtl="0" eaLnBrk="1" fontAlgn="auto" latinLnBrk="0" hangingPunct="1">
+              <a:lnSpc>
+                <a:spcPct val="100000"/>
+              </a:lnSpc>
+              <a:spcBef>
+                <a:spcPts val="0"/>
+              </a:spcBef>
+              <a:spcAft>
+                <a:spcPts val="0"/>
+              </a:spcAft>
+              <a:buClrTx/>
+              <a:buSzTx/>
+              <a:buFontTx/>
+              <a:buChar char="-"/>
+              <a:tabLst/>
+              <a:defRPr/>
+            </a:pPr>
+            <a:endParaRPr lang="en-US" dirty="0" smtClean="0"/>
+          </a:p>
+          <a:p>
+            <a:endParaRPr lang="pl-PL" b="0" dirty="0"/>
+          </a:p>
+        </p:txBody>
+      </p:sp>
+      <p:sp>
+        <p:nvSpPr>
+          <p:cNvPr id="4" name="Symbol zastępczy numeru slajdu 3"/>
+          <p:cNvSpPr>
+            <a:spLocks noGrp="1"/>
+          </p:cNvSpPr>
+          <p:nvPr>
+            <p:ph type="sldNum" sz="quarter" idx="10"/>
+          </p:nvPr>
+        </p:nvSpPr>
+        <p:spPr/>
+        <p:txBody>
+          <a:bodyPr/>
+          <a:lstStyle/>
+          <a:p>
+            <a:fld id="{9CCF4A4B-2EF2-4B29-8BD9-956A2A33DB7C}" type="slidenum">
+              <a:rPr lang="pl-PL" smtClean="0"/>
+              <a:t>14</a:t>
+            </a:fld>
+            <a:endParaRPr lang="pl-PL"/>
+          </a:p>
+        </p:txBody>
+      </p:sp>
+    </p:spTree>
+    <p:extLst>
+      <p:ext uri="{BB962C8B-B14F-4D97-AF65-F5344CB8AC3E}">
+        <p14:creationId xmlns:p14="http://schemas.microsoft.com/office/powerpoint/2010/main" val="2589033550"/>
+      </p:ext>
+    </p:extLst>
+  </p:cSld>
+  <p:clrMapOvr>
+    <a:masterClrMapping/>
+  </p:clrMapOvr>
+</p:notes>
+</file>
+
+<file path=ppt/notesSlides/notesSlide13.xml><?xml version="1.0" encoding="utf-8"?>
+<p:notes xmlns:a="http://schemas.openxmlformats.org/drawingml/2006/main" xmlns:r="http://schemas.openxmlformats.org/officeDocument/2006/relationships" xmlns:p="http://schemas.openxmlformats.org/presentationml/2006/main">
+  <p:cSld>
+    <p:spTree>
+      <p:nvGrpSpPr>
+        <p:cNvPr id="1" name=""/>
+        <p:cNvGrpSpPr/>
+        <p:nvPr/>
+      </p:nvGrpSpPr>
+      <p:grpSpPr>
+        <a:xfrm>
+          <a:off x="0" y="0"/>
+          <a:ext cx="0" cy="0"/>
+          <a:chOff x="0" y="0"/>
+          <a:chExt cx="0" cy="0"/>
+        </a:xfrm>
+      </p:grpSpPr>
+      <p:sp>
+        <p:nvSpPr>
+          <p:cNvPr id="2" name="Symbol zastępczy obrazu slajdu 1"/>
+          <p:cNvSpPr>
+            <a:spLocks noGrp="1" noRot="1" noChangeAspect="1"/>
+          </p:cNvSpPr>
+          <p:nvPr>
+            <p:ph type="sldImg"/>
+          </p:nvPr>
+        </p:nvSpPr>
+        <p:spPr/>
+      </p:sp>
+      <p:sp>
+        <p:nvSpPr>
+          <p:cNvPr id="3" name="Symbol zastępczy notatek 2"/>
+          <p:cNvSpPr>
+            <a:spLocks noGrp="1"/>
+          </p:cNvSpPr>
+          <p:nvPr>
+            <p:ph type="body" idx="1"/>
+          </p:nvPr>
+        </p:nvSpPr>
+        <p:spPr/>
+        <p:txBody>
+          <a:bodyPr/>
+          <a:lstStyle/>
+          <a:p>
+            <a:pPr marL="171450" indent="-171450">
+              <a:buFontTx/>
+              <a:buChar char="-"/>
+            </a:pPr>
+            <a:r>
               <a:rPr lang="en-US" dirty="0" smtClean="0">
                 <a:hlinkClick r:id="rId3" tooltip="Command-line"/>
               </a:rPr>
@@ -1042,7 +1440,7 @@
           <a:p>
             <a:fld id="{9CCF4A4B-2EF2-4B29-8BD9-956A2A33DB7C}" type="slidenum">
               <a:rPr lang="pl-PL" smtClean="0"/>
-              <a:t>14</a:t>
+              <a:t>16</a:t>
             </a:fld>
             <a:endParaRPr lang="pl-PL"/>
           </a:p>
@@ -1052,6 +1450,104 @@
     <p:extLst>
       <p:ext uri="{BB962C8B-B14F-4D97-AF65-F5344CB8AC3E}">
         <p14:creationId xmlns:p14="http://schemas.microsoft.com/office/powerpoint/2010/main" val="3582934340"/>
+      </p:ext>
+    </p:extLst>
+  </p:cSld>
+  <p:clrMapOvr>
+    <a:masterClrMapping/>
+  </p:clrMapOvr>
+</p:notes>
+</file>
+
+<file path=ppt/notesSlides/notesSlide14.xml><?xml version="1.0" encoding="utf-8"?>
+<p:notes xmlns:a="http://schemas.openxmlformats.org/drawingml/2006/main" xmlns:r="http://schemas.openxmlformats.org/officeDocument/2006/relationships" xmlns:p="http://schemas.openxmlformats.org/presentationml/2006/main">
+  <p:cSld>
+    <p:spTree>
+      <p:nvGrpSpPr>
+        <p:cNvPr id="1" name=""/>
+        <p:cNvGrpSpPr/>
+        <p:nvPr/>
+      </p:nvGrpSpPr>
+      <p:grpSpPr>
+        <a:xfrm>
+          <a:off x="0" y="0"/>
+          <a:ext cx="0" cy="0"/>
+          <a:chOff x="0" y="0"/>
+          <a:chExt cx="0" cy="0"/>
+        </a:xfrm>
+      </p:grpSpPr>
+      <p:sp>
+        <p:nvSpPr>
+          <p:cNvPr id="2" name="Symbol zastępczy obrazu slajdu 1"/>
+          <p:cNvSpPr>
+            <a:spLocks noGrp="1" noRot="1" noChangeAspect="1"/>
+          </p:cNvSpPr>
+          <p:nvPr>
+            <p:ph type="sldImg"/>
+          </p:nvPr>
+        </p:nvSpPr>
+        <p:spPr/>
+      </p:sp>
+      <p:sp>
+        <p:nvSpPr>
+          <p:cNvPr id="3" name="Symbol zastępczy notatek 2"/>
+          <p:cNvSpPr>
+            <a:spLocks noGrp="1"/>
+          </p:cNvSpPr>
+          <p:nvPr>
+            <p:ph type="body" idx="1"/>
+          </p:nvPr>
+        </p:nvSpPr>
+        <p:spPr/>
+        <p:txBody>
+          <a:bodyPr/>
+          <a:lstStyle/>
+          <a:p>
+            <a:r>
+              <a:rPr lang="en-IE" dirty="0" smtClean="0"/>
+              <a:t>Spray-can, (Yes, it is its name…), Spray-</a:t>
+            </a:r>
+            <a:r>
+              <a:rPr lang="en-IE" dirty="0" err="1" smtClean="0"/>
+              <a:t>HTTPx</a:t>
+            </a:r>
+            <a:endParaRPr lang="en-IE" dirty="0" smtClean="0"/>
+          </a:p>
+          <a:p>
+            <a:endParaRPr lang="pl-PL" dirty="0" smtClean="0"/>
+          </a:p>
+          <a:p>
+            <a:endParaRPr lang="pl-PL" dirty="0"/>
+          </a:p>
+        </p:txBody>
+      </p:sp>
+      <p:sp>
+        <p:nvSpPr>
+          <p:cNvPr id="4" name="Symbol zastępczy numeru slajdu 3"/>
+          <p:cNvSpPr>
+            <a:spLocks noGrp="1"/>
+          </p:cNvSpPr>
+          <p:nvPr>
+            <p:ph type="sldNum" sz="quarter" idx="10"/>
+          </p:nvPr>
+        </p:nvSpPr>
+        <p:spPr/>
+        <p:txBody>
+          <a:bodyPr/>
+          <a:lstStyle/>
+          <a:p>
+            <a:fld id="{9CCF4A4B-2EF2-4B29-8BD9-956A2A33DB7C}" type="slidenum">
+              <a:rPr lang="pl-PL" smtClean="0"/>
+              <a:t>17</a:t>
+            </a:fld>
+            <a:endParaRPr lang="pl-PL"/>
+          </a:p>
+        </p:txBody>
+      </p:sp>
+    </p:spTree>
+    <p:extLst>
+      <p:ext uri="{BB962C8B-B14F-4D97-AF65-F5344CB8AC3E}">
+        <p14:creationId xmlns:p14="http://schemas.microsoft.com/office/powerpoint/2010/main" val="1356649065"/>
       </p:ext>
     </p:extLst>
   </p:cSld>
@@ -2014,8 +2510,19 @@
             </a:pPr>
             <a:r>
               <a:rPr lang="en-IE" baseline="0" dirty="0" smtClean="0"/>
-              <a:t>It leads to deadlocks – when one threads is waiting for the other to give access to the data, they can be waiting forever…</a:t>
-            </a:r>
+              <a:t>It leads to deadlocks – when one threads is waiting for the other to give access to the data, they can be waiting forever</a:t>
+            </a:r>
+            <a:r>
+              <a:rPr lang="en-IE" baseline="0" dirty="0" smtClean="0"/>
+              <a:t>…</a:t>
+            </a:r>
+          </a:p>
+          <a:p>
+            <a:pPr marL="171450" indent="-171450">
+              <a:buFontTx/>
+              <a:buChar char="-"/>
+            </a:pPr>
+            <a:endParaRPr lang="en-IE" baseline="0" dirty="0" smtClean="0"/>
           </a:p>
         </p:txBody>
       </p:sp>
@@ -2104,6 +2611,25 @@
               <a:buChar char="-"/>
             </a:pPr>
             <a:r>
+              <a:rPr lang="en-IE" baseline="0" dirty="0" smtClean="0"/>
+              <a:t>An Actor is a thread-like entity that has a mailbox for receiving messages</a:t>
+            </a:r>
+            <a:endParaRPr lang="en-IE" sz="1200" kern="1200" dirty="0" smtClean="0">
+              <a:solidFill>
+                <a:schemeClr val="tx1"/>
+              </a:solidFill>
+              <a:effectLst/>
+              <a:latin typeface="+mn-lt"/>
+              <a:ea typeface="+mn-ea"/>
+              <a:cs typeface="+mn-cs"/>
+            </a:endParaRPr>
+          </a:p>
+          <a:p>
+            <a:pPr marL="171450" indent="-171450">
+              <a:buFontTx/>
+              <a:buChar char="-"/>
+            </a:pPr>
+            <a:r>
               <a:rPr lang="en-IE" sz="1200" kern="1200" dirty="0" smtClean="0">
                 <a:solidFill>
                   <a:schemeClr val="tx1"/>
@@ -2113,7 +2639,7 @@
                 <a:ea typeface="+mn-ea"/>
                 <a:cs typeface="+mn-cs"/>
               </a:rPr>
-              <a:t>the actor waits for a message to arrive to its </a:t>
+              <a:t>the </a:t>
             </a:r>
             <a:r>
               <a:rPr lang="en-IE" sz="1200" kern="1200" dirty="0" smtClean="0">
@@ -2125,7 +2651,7 @@
                 <a:ea typeface="+mn-ea"/>
                 <a:cs typeface="+mn-cs"/>
               </a:rPr>
-              <a:t>mailbox</a:t>
+              <a:t>actor waits for a message to arrive to its mailbox</a:t>
             </a:r>
           </a:p>
           <a:p>
@@ -5465,21 +5991,13 @@
           <a:p>
             <a:r>
               <a:rPr lang="en-IE" dirty="0" smtClean="0"/>
-              <a:t>toolkit </a:t>
-            </a:r>
+              <a:t>toolkit that allows to create concurrent applications</a:t>
+            </a:r>
+          </a:p>
+          <a:p>
             <a:r>
               <a:rPr lang="en-IE" dirty="0" smtClean="0"/>
-              <a:t>that allows to create concurrent applications</a:t>
-            </a:r>
-          </a:p>
-          <a:p>
-            <a:r>
-              <a:rPr lang="en-IE" dirty="0" smtClean="0"/>
-              <a:t>no </a:t>
-            </a:r>
-            <a:r>
-              <a:rPr lang="en-IE" dirty="0" smtClean="0"/>
-              <a:t>race conditions or deadlocks</a:t>
+              <a:t>no race conditions or deadlocks</a:t>
             </a:r>
           </a:p>
           <a:p>
@@ -5793,6 +6311,13 @@
   <p:clrMapOvr>
     <a:masterClrMapping/>
   </p:clrMapOvr>
+  <p:timing>
+    <p:tnLst>
+      <p:par>
+        <p:cTn id="1" dur="indefinite" restart="never" nodeType="tmRoot"/>
+      </p:par>
+    </p:tnLst>
+  </p:timing>
 </p:sld>
 </file>
 
@@ -5902,6 +6427,13 @@
   <p:clrMapOvr>
     <a:masterClrMapping/>
   </p:clrMapOvr>
+  <p:timing>
+    <p:tnLst>
+      <p:par>
+        <p:cTn id="1" dur="indefinite" restart="never" nodeType="tmRoot"/>
+      </p:par>
+    </p:tnLst>
+  </p:timing>
 </p:sld>
 </file>
 
@@ -5937,6 +6469,23 @@
           <a:bodyPr/>
           <a:lstStyle/>
           <a:p>
+            <a:pPr algn="l"/>
+            <a:r>
+              <a:rPr lang="en-IE" dirty="0" smtClean="0"/>
+              <a:t>Building </a:t>
+            </a:r>
+            <a:r>
+              <a:rPr lang="en-IE" b="1" dirty="0" smtClean="0">
+                <a:solidFill>
+                  <a:srgbClr val="FF0000"/>
+                </a:solidFill>
+              </a:rPr>
+              <a:t>the</a:t>
+            </a:r>
+            <a:r>
+              <a:rPr lang="en-IE" dirty="0" smtClean="0"/>
+              <a:t> application</a:t>
+            </a:r>
             <a:endParaRPr lang="pl-PL" dirty="0"/>
           </a:p>
         </p:txBody>
@@ -5953,86 +6502,33 @@
         </p:nvSpPr>
         <p:spPr/>
         <p:txBody>
-          <a:bodyPr>
-            <a:normAutofit fontScale="77500" lnSpcReduction="20000"/>
-          </a:bodyPr>
-          <a:lstStyle/>
-          <a:p>
-            <a:endParaRPr lang="en-IE" dirty="0" smtClean="0"/>
-          </a:p>
-          <a:p>
-            <a:r>
-              <a:rPr lang="en-IE" dirty="0"/>
-              <a:t>t</a:t>
-            </a:r>
-            <a:r>
-              <a:rPr lang="en-IE" dirty="0" smtClean="0"/>
-              <a:t>oolkit that is implemented using </a:t>
-            </a:r>
-            <a:r>
-              <a:rPr lang="en-IE" dirty="0" err="1" smtClean="0"/>
-              <a:t>Akka</a:t>
-            </a:r>
-            <a:endParaRPr lang="en-IE" dirty="0" smtClean="0"/>
-          </a:p>
-          <a:p>
-            <a:r>
-              <a:rPr lang="en-IE" dirty="0"/>
-              <a:t>f</a:t>
-            </a:r>
-            <a:r>
-              <a:rPr lang="en-IE" dirty="0" smtClean="0"/>
-              <a:t>eatures a HTTP server</a:t>
-            </a:r>
-          </a:p>
-          <a:p>
-            <a:r>
-              <a:rPr lang="en-IE" dirty="0"/>
-              <a:t>a</a:t>
-            </a:r>
-            <a:r>
-              <a:rPr lang="en-IE" dirty="0" smtClean="0"/>
-              <a:t>nd related facilities such as DSL for creating </a:t>
-            </a:r>
-            <a:r>
-              <a:rPr lang="en-IE" dirty="0" err="1" smtClean="0"/>
-              <a:t>RESTful</a:t>
-            </a:r>
-            <a:r>
-              <a:rPr lang="en-IE" dirty="0" smtClean="0"/>
-              <a:t> </a:t>
-            </a:r>
-            <a:r>
-              <a:rPr lang="en-IE" dirty="0" smtClean="0"/>
-              <a:t>APIs</a:t>
-            </a:r>
-          </a:p>
-          <a:p>
-            <a:endParaRPr lang="en-IE" dirty="0"/>
-          </a:p>
-          <a:p>
-            <a:endParaRPr lang="en-IE" dirty="0" smtClean="0"/>
-          </a:p>
+          <a:bodyPr/>
+          <a:lstStyle/>
           <a:p>
             <a:pPr marL="0" indent="0">
               <a:buNone/>
             </a:pPr>
             <a:r>
-              <a:rPr lang="en-US" dirty="0" smtClean="0"/>
-              <a:t>			</a:t>
-            </a:r>
+              <a:rPr lang="en-IE" b="1" dirty="0" err="1" smtClean="0">
+                <a:solidFill>
+                  <a:srgbClr val="7030A0"/>
+                </a:solidFill>
+              </a:rPr>
+              <a:t>build.sbt</a:t>
+            </a:r>
+            <a:endParaRPr lang="en-IE" b="1" dirty="0">
+              <a:solidFill>
+                <a:srgbClr val="7030A0"/>
+              </a:solidFill>
+            </a:endParaRPr>
           </a:p>
           <a:p>
             <a:pPr marL="0" indent="0">
               <a:buNone/>
             </a:pPr>
             <a:r>
-              <a:rPr lang="en-US" dirty="0"/>
-              <a:t>	</a:t>
-            </a:r>
-            <a:r>
-              <a:rPr lang="en-US" dirty="0" smtClean="0"/>
-              <a:t>		</a:t>
+              <a:rPr lang="en-IE" dirty="0" smtClean="0"/>
+              <a:t>	- specifies application name, target version 	of Scala</a:t>
             </a:r>
           </a:p>
           <a:p>
@@ -6040,36 +6536,906 @@
               <a:buNone/>
             </a:pPr>
             <a:r>
+              <a:rPr lang="en-IE" dirty="0"/>
+              <a:t>	</a:t>
+            </a:r>
+            <a:r>
+              <a:rPr lang="en-IE" dirty="0" smtClean="0"/>
+              <a:t>- defines dependencies (libraries like </a:t>
+            </a:r>
+            <a:r>
+              <a:rPr lang="en-IE" dirty="0" err="1" smtClean="0"/>
+              <a:t>Akka</a:t>
+            </a:r>
+            <a:r>
+              <a:rPr lang="en-IE" dirty="0" smtClean="0"/>
+              <a:t>, 	Spray, Slick)</a:t>
+            </a:r>
+          </a:p>
+          <a:p>
+            <a:pPr marL="0" indent="0">
+              <a:buNone/>
+            </a:pPr>
+            <a:r>
+              <a:rPr lang="en-IE" b="1" dirty="0">
+                <a:solidFill>
+                  <a:srgbClr val="7030A0"/>
+                </a:solidFill>
+              </a:rPr>
+              <a:t>project/</a:t>
+            </a:r>
+            <a:r>
+              <a:rPr lang="en-IE" b="1" dirty="0" err="1">
+                <a:solidFill>
+                  <a:srgbClr val="7030A0"/>
+                </a:solidFill>
+              </a:rPr>
+              <a:t>plugins.sbt</a:t>
+            </a:r>
+            <a:endParaRPr lang="en-IE" b="1" dirty="0">
+              <a:solidFill>
+                <a:srgbClr val="7030A0"/>
+              </a:solidFill>
+            </a:endParaRPr>
+          </a:p>
+          <a:p>
+            <a:pPr marL="0" indent="0">
+              <a:buNone/>
+            </a:pPr>
+            <a:r>
+              <a:rPr lang="en-IE" dirty="0">
+                <a:solidFill>
+                  <a:srgbClr val="7030A0"/>
+                </a:solidFill>
+              </a:rPr>
+              <a:t>	</a:t>
+            </a:r>
+            <a:r>
+              <a:rPr lang="en-IE" dirty="0"/>
+              <a:t>- example: </a:t>
+            </a:r>
+            <a:r>
+              <a:rPr lang="en-IE" i="1" dirty="0" err="1"/>
+              <a:t>sbt</a:t>
+            </a:r>
+            <a:r>
+              <a:rPr lang="en-IE" i="1" dirty="0"/>
+              <a:t>-idea </a:t>
+            </a:r>
+            <a:r>
+              <a:rPr lang="en-IE" dirty="0"/>
+              <a:t>plugin allows to build 	</a:t>
+            </a:r>
+            <a:r>
+              <a:rPr lang="en-IE" dirty="0" err="1"/>
+              <a:t>IntelliJ</a:t>
+            </a:r>
+            <a:r>
+              <a:rPr lang="en-IE" dirty="0"/>
+              <a:t> IDEA project files</a:t>
+            </a:r>
+          </a:p>
+          <a:p>
+            <a:pPr marL="0" indent="0">
+              <a:buNone/>
+            </a:pPr>
+            <a:endParaRPr lang="en-IE" dirty="0" smtClean="0"/>
+          </a:p>
+        </p:txBody>
+      </p:sp>
+      <p:pic>
+        <p:nvPicPr>
+          <p:cNvPr id="1026" name="Picture 2"/>
+          <p:cNvPicPr>
+            <a:picLocks noChangeAspect="1" noChangeArrowheads="1"/>
+          </p:cNvPicPr>
+          <p:nvPr/>
+        </p:nvPicPr>
+        <p:blipFill>
+          <a:blip r:embed="rId3" cstate="print">
+            <a:extLst>
+              <a:ext uri="{28A0092B-C50C-407E-A947-70E740481C1C}">
+                <a14:useLocalDpi xmlns:a14="http://schemas.microsoft.com/office/drawing/2010/main" val="0"/>
+              </a:ext>
+            </a:extLst>
+          </a:blip>
+          <a:srcRect/>
+          <a:stretch>
+            <a:fillRect/>
+          </a:stretch>
+        </p:blipFill>
+        <p:spPr bwMode="auto">
+          <a:xfrm>
+            <a:off x="6876256" y="196479"/>
+            <a:ext cx="1512168" cy="1512168"/>
+          </a:xfrm>
+          <a:prstGeom prst="rect">
+            <a:avLst/>
+          </a:prstGeom>
+          <a:noFill/>
+          <a:ln>
+            <a:noFill/>
+          </a:ln>
+          <a:extLst>
+            <a:ext uri="{909E8E84-426E-40DD-AFC4-6F175D3DCCD1}">
+              <a14:hiddenFill xmlns:a14="http://schemas.microsoft.com/office/drawing/2010/main">
+                <a:solidFill>
+                  <a:schemeClr val="accent1"/>
+                </a:solidFill>
+              </a14:hiddenFill>
+            </a:ext>
+            <a:ext uri="{91240B29-F687-4F45-9708-019B960494DF}">
+              <a14:hiddenLine xmlns:a14="http://schemas.microsoft.com/office/drawing/2010/main" w="9525">
+                <a:solidFill>
+                  <a:schemeClr val="tx1"/>
+                </a:solidFill>
+                <a:miter lim="800000"/>
+                <a:headEnd/>
+                <a:tailEnd/>
+              </a14:hiddenLine>
+            </a:ext>
+          </a:extLst>
+        </p:spPr>
+      </p:pic>
+    </p:spTree>
+    <p:extLst>
+      <p:ext uri="{BB962C8B-B14F-4D97-AF65-F5344CB8AC3E}">
+        <p14:creationId xmlns:p14="http://schemas.microsoft.com/office/powerpoint/2010/main" val="3725145896"/>
+      </p:ext>
+    </p:extLst>
+  </p:cSld>
+  <p:clrMapOvr>
+    <a:masterClrMapping/>
+  </p:clrMapOvr>
+  <p:timing>
+    <p:tnLst>
+      <p:par>
+        <p:cTn id="1" dur="indefinite" restart="never" nodeType="tmRoot"/>
+      </p:par>
+    </p:tnLst>
+  </p:timing>
+</p:sld>
+</file>
+
+<file path=ppt/slides/slide14.xml><?xml version="1.0" encoding="utf-8"?>
+<p:sld xmlns:a="http://schemas.openxmlformats.org/drawingml/2006/main" xmlns:r="http://schemas.openxmlformats.org/officeDocument/2006/relationships" xmlns:p="http://schemas.openxmlformats.org/presentationml/2006/main">
+  <p:cSld>
+    <p:spTree>
+      <p:nvGrpSpPr>
+        <p:cNvPr id="1" name=""/>
+        <p:cNvGrpSpPr/>
+        <p:nvPr/>
+      </p:nvGrpSpPr>
+      <p:grpSpPr>
+        <a:xfrm>
+          <a:off x="0" y="0"/>
+          <a:ext cx="0" cy="0"/>
+          <a:chOff x="0" y="0"/>
+          <a:chExt cx="0" cy="0"/>
+        </a:xfrm>
+      </p:grpSpPr>
+      <p:sp>
+        <p:nvSpPr>
+          <p:cNvPr id="4" name="Tytuł 3"/>
+          <p:cNvSpPr>
+            <a:spLocks noGrp="1"/>
+          </p:cNvSpPr>
+          <p:nvPr>
+            <p:ph type="title"/>
+          </p:nvPr>
+        </p:nvSpPr>
+        <p:spPr/>
+        <p:txBody>
+          <a:bodyPr/>
+          <a:lstStyle/>
+          <a:p>
+            <a:endParaRPr lang="pl-PL"/>
+          </a:p>
+        </p:txBody>
+      </p:sp>
+      <p:sp>
+        <p:nvSpPr>
+          <p:cNvPr id="5" name="Symbol zastępczy zawartości 4"/>
+          <p:cNvSpPr>
+            <a:spLocks noGrp="1"/>
+          </p:cNvSpPr>
+          <p:nvPr>
+            <p:ph idx="1"/>
+          </p:nvPr>
+        </p:nvSpPr>
+        <p:spPr>
+          <a:xfrm>
+            <a:off x="457200" y="260648"/>
+            <a:ext cx="8229600" cy="5865515"/>
+          </a:xfrm>
+        </p:spPr>
+        <p:txBody>
+          <a:bodyPr/>
+          <a:lstStyle/>
+          <a:p>
+            <a:pPr marL="0" indent="0">
+              <a:buNone/>
+            </a:pPr>
+            <a:r>
+              <a:rPr lang="en-IE" b="1" dirty="0" err="1" smtClean="0">
+                <a:solidFill>
+                  <a:srgbClr val="7030A0"/>
+                </a:solidFill>
+              </a:rPr>
+              <a:t>src</a:t>
+            </a:r>
+            <a:r>
+              <a:rPr lang="en-IE" b="1" dirty="0" smtClean="0">
+                <a:solidFill>
+                  <a:srgbClr val="7030A0"/>
+                </a:solidFill>
+              </a:rPr>
+              <a:t>/main/resources/</a:t>
+            </a:r>
+            <a:r>
+              <a:rPr lang="en-IE" b="1" dirty="0" err="1" smtClean="0">
+                <a:solidFill>
+                  <a:srgbClr val="7030A0"/>
+                </a:solidFill>
+              </a:rPr>
+              <a:t>application.conf</a:t>
+            </a:r>
+            <a:endParaRPr lang="en-IE" b="1" dirty="0" smtClean="0">
+              <a:solidFill>
+                <a:srgbClr val="7030A0"/>
+              </a:solidFill>
+            </a:endParaRPr>
+          </a:p>
+          <a:p>
+            <a:pPr marL="0" indent="0">
+              <a:buNone/>
+            </a:pPr>
+            <a:r>
+              <a:rPr lang="en-IE" dirty="0">
+                <a:solidFill>
+                  <a:srgbClr val="7030A0"/>
+                </a:solidFill>
+              </a:rPr>
+              <a:t>	</a:t>
+            </a:r>
+            <a:r>
+              <a:rPr lang="en-IE" dirty="0" smtClean="0"/>
+              <a:t>- defines application configuration settings 	grouped into service host/port and 	database configuration entry</a:t>
+            </a:r>
+          </a:p>
+          <a:p>
+            <a:pPr marL="0" indent="0">
+              <a:buNone/>
+            </a:pPr>
+            <a:r>
+              <a:rPr lang="en-IE" dirty="0"/>
+              <a:t>	</a:t>
+            </a:r>
+            <a:r>
+              <a:rPr lang="en-IE" dirty="0" smtClean="0"/>
+              <a:t>- retrieved in </a:t>
+            </a:r>
+            <a:r>
+              <a:rPr lang="en-IE" b="1" dirty="0" err="1" smtClean="0">
+                <a:solidFill>
+                  <a:srgbClr val="7030A0"/>
+                </a:solidFill>
+              </a:rPr>
+              <a:t>Configuration.scala</a:t>
+            </a:r>
+            <a:r>
+              <a:rPr lang="en-IE" dirty="0" smtClean="0"/>
+              <a:t> trait</a:t>
+            </a:r>
+          </a:p>
+          <a:p>
+            <a:pPr marL="0" indent="0">
+              <a:buNone/>
+            </a:pPr>
+            <a:r>
+              <a:rPr lang="en-IE" b="1" dirty="0" err="1" smtClean="0">
+                <a:solidFill>
+                  <a:srgbClr val="7030A0"/>
+                </a:solidFill>
+              </a:rPr>
+              <a:t>Customer.scala</a:t>
+            </a:r>
+            <a:endParaRPr lang="en-IE" b="1" dirty="0" smtClean="0">
+              <a:solidFill>
+                <a:srgbClr val="7030A0"/>
+              </a:solidFill>
+            </a:endParaRPr>
+          </a:p>
+          <a:p>
+            <a:pPr marL="0" indent="0">
+              <a:buNone/>
+            </a:pPr>
+            <a:r>
+              <a:rPr lang="en-IE" dirty="0"/>
+              <a:t>	</a:t>
+            </a:r>
+            <a:r>
+              <a:rPr lang="en-IE" dirty="0" smtClean="0"/>
+              <a:t>- defines Customer entity</a:t>
+            </a:r>
+          </a:p>
+          <a:p>
+            <a:pPr marL="0" indent="0">
+              <a:buNone/>
+            </a:pPr>
+            <a:r>
+              <a:rPr lang="en-IE" dirty="0"/>
+              <a:t>	</a:t>
+            </a:r>
+            <a:r>
+              <a:rPr lang="en-IE" dirty="0" smtClean="0"/>
+              <a:t>- defines a Table object </a:t>
+            </a:r>
+            <a:r>
+              <a:rPr lang="en-IE" i="1" dirty="0" smtClean="0"/>
+              <a:t>Customers</a:t>
+            </a:r>
+            <a:r>
+              <a:rPr lang="en-IE" dirty="0" smtClean="0"/>
+              <a:t> for 	MySQL table </a:t>
+            </a:r>
+            <a:r>
+              <a:rPr lang="en-IE" i="1" dirty="0" smtClean="0"/>
+              <a:t>customers</a:t>
+            </a:r>
+          </a:p>
+          <a:p>
+            <a:pPr marL="0" indent="0">
+              <a:buNone/>
+            </a:pPr>
+            <a:r>
+              <a:rPr lang="en-IE" i="1" dirty="0"/>
+              <a:t>	</a:t>
+            </a:r>
+            <a:r>
+              <a:rPr lang="en-IE" i="1" dirty="0" smtClean="0"/>
+              <a:t>-</a:t>
+            </a:r>
+            <a:r>
+              <a:rPr lang="en-IE" dirty="0" smtClean="0"/>
+              <a:t> we use 		     to work with MySQL</a:t>
+            </a:r>
+            <a:endParaRPr lang="en-IE" dirty="0"/>
+          </a:p>
+        </p:txBody>
+      </p:sp>
+      <p:pic>
+        <p:nvPicPr>
+          <p:cNvPr id="6" name="Picture 2"/>
+          <p:cNvPicPr>
+            <a:picLocks noChangeAspect="1" noChangeArrowheads="1"/>
+          </p:cNvPicPr>
+          <p:nvPr/>
+        </p:nvPicPr>
+        <p:blipFill>
+          <a:blip r:embed="rId3" cstate="print">
+            <a:extLst>
+              <a:ext uri="{28A0092B-C50C-407E-A947-70E740481C1C}">
+                <a14:useLocalDpi xmlns:a14="http://schemas.microsoft.com/office/drawing/2010/main" val="0"/>
+              </a:ext>
+            </a:extLst>
+          </a:blip>
+          <a:srcRect/>
+          <a:stretch>
+            <a:fillRect/>
+          </a:stretch>
+        </p:blipFill>
+        <p:spPr bwMode="auto">
+          <a:xfrm>
+            <a:off x="7884368" y="188640"/>
+            <a:ext cx="727919" cy="727919"/>
+          </a:xfrm>
+          <a:prstGeom prst="rect">
+            <a:avLst/>
+          </a:prstGeom>
+          <a:noFill/>
+          <a:ln>
+            <a:noFill/>
+          </a:ln>
+          <a:extLst>
+            <a:ext uri="{909E8E84-426E-40DD-AFC4-6F175D3DCCD1}">
+              <a14:hiddenFill xmlns:a14="http://schemas.microsoft.com/office/drawing/2010/main">
+                <a:solidFill>
+                  <a:schemeClr val="accent1"/>
+                </a:solidFill>
+              </a14:hiddenFill>
+            </a:ext>
+            <a:ext uri="{91240B29-F687-4F45-9708-019B960494DF}">
+              <a14:hiddenLine xmlns:a14="http://schemas.microsoft.com/office/drawing/2010/main" w="9525">
+                <a:solidFill>
+                  <a:schemeClr val="tx1"/>
+                </a:solidFill>
+                <a:miter lim="800000"/>
+                <a:headEnd/>
+                <a:tailEnd/>
+              </a14:hiddenLine>
+            </a:ext>
+          </a:extLst>
+        </p:spPr>
+      </p:pic>
+      <p:pic>
+        <p:nvPicPr>
+          <p:cNvPr id="2050" name="Picture 2"/>
+          <p:cNvPicPr>
+            <a:picLocks noChangeAspect="1" noChangeArrowheads="1"/>
+          </p:cNvPicPr>
+          <p:nvPr/>
+        </p:nvPicPr>
+        <p:blipFill>
+          <a:blip r:embed="rId4">
+            <a:extLst>
+              <a:ext uri="{28A0092B-C50C-407E-A947-70E740481C1C}">
+                <a14:useLocalDpi xmlns:a14="http://schemas.microsoft.com/office/drawing/2010/main" val="0"/>
+              </a:ext>
+            </a:extLst>
+          </a:blip>
+          <a:srcRect/>
+          <a:stretch>
+            <a:fillRect/>
+          </a:stretch>
+        </p:blipFill>
+        <p:spPr bwMode="auto">
+          <a:xfrm>
+            <a:off x="2983225" y="5229200"/>
+            <a:ext cx="1590675" cy="581025"/>
+          </a:xfrm>
+          <a:prstGeom prst="rect">
+            <a:avLst/>
+          </a:prstGeom>
+          <a:noFill/>
+          <a:ln>
+            <a:noFill/>
+          </a:ln>
+          <a:extLst>
+            <a:ext uri="{909E8E84-426E-40DD-AFC4-6F175D3DCCD1}">
+              <a14:hiddenFill xmlns:a14="http://schemas.microsoft.com/office/drawing/2010/main">
+                <a:solidFill>
+                  <a:schemeClr val="accent1"/>
+                </a:solidFill>
+              </a14:hiddenFill>
+            </a:ext>
+            <a:ext uri="{91240B29-F687-4F45-9708-019B960494DF}">
+              <a14:hiddenLine xmlns:a14="http://schemas.microsoft.com/office/drawing/2010/main" w="9525">
+                <a:solidFill>
+                  <a:schemeClr val="tx1"/>
+                </a:solidFill>
+                <a:miter lim="800000"/>
+                <a:headEnd/>
+                <a:tailEnd/>
+              </a14:hiddenLine>
+            </a:ext>
+          </a:extLst>
+        </p:spPr>
+      </p:pic>
+    </p:spTree>
+    <p:extLst>
+      <p:ext uri="{BB962C8B-B14F-4D97-AF65-F5344CB8AC3E}">
+        <p14:creationId xmlns:p14="http://schemas.microsoft.com/office/powerpoint/2010/main" val="2796549729"/>
+      </p:ext>
+    </p:extLst>
+  </p:cSld>
+  <p:clrMapOvr>
+    <a:masterClrMapping/>
+  </p:clrMapOvr>
+  <p:timing>
+    <p:tnLst>
+      <p:par>
+        <p:cTn id="1" dur="indefinite" restart="never" nodeType="tmRoot"/>
+      </p:par>
+    </p:tnLst>
+  </p:timing>
+</p:sld>
+</file>
+
+<file path=ppt/slides/slide15.xml><?xml version="1.0" encoding="utf-8"?>
+<p:sld xmlns:a="http://schemas.openxmlformats.org/drawingml/2006/main" xmlns:r="http://schemas.openxmlformats.org/officeDocument/2006/relationships" xmlns:p="http://schemas.openxmlformats.org/presentationml/2006/main">
+  <p:cSld>
+    <p:spTree>
+      <p:nvGrpSpPr>
+        <p:cNvPr id="1" name=""/>
+        <p:cNvGrpSpPr/>
+        <p:nvPr/>
+      </p:nvGrpSpPr>
+      <p:grpSpPr>
+        <a:xfrm>
+          <a:off x="0" y="0"/>
+          <a:ext cx="0" cy="0"/>
+          <a:chOff x="0" y="0"/>
+          <a:chExt cx="0" cy="0"/>
+        </a:xfrm>
+      </p:grpSpPr>
+      <p:sp>
+        <p:nvSpPr>
+          <p:cNvPr id="2" name="Tytuł 1"/>
+          <p:cNvSpPr>
+            <a:spLocks noGrp="1"/>
+          </p:cNvSpPr>
+          <p:nvPr>
+            <p:ph type="title"/>
+          </p:nvPr>
+        </p:nvSpPr>
+        <p:spPr/>
+        <p:txBody>
+          <a:bodyPr/>
+          <a:lstStyle/>
+          <a:p>
+            <a:endParaRPr lang="pl-PL"/>
+          </a:p>
+        </p:txBody>
+      </p:sp>
+      <p:sp>
+        <p:nvSpPr>
+          <p:cNvPr id="3" name="Symbol zastępczy zawartości 2"/>
+          <p:cNvSpPr>
+            <a:spLocks noGrp="1"/>
+          </p:cNvSpPr>
+          <p:nvPr>
+            <p:ph idx="1"/>
+          </p:nvPr>
+        </p:nvSpPr>
+        <p:spPr/>
+        <p:txBody>
+          <a:bodyPr/>
+          <a:lstStyle/>
+          <a:p>
+            <a:pPr marL="0" indent="0">
+              <a:buNone/>
+            </a:pPr>
+            <a:r>
+              <a:rPr lang="en-IE" dirty="0" err="1" smtClean="0"/>
+              <a:t>CustomerDAO.scala</a:t>
+            </a:r>
+            <a:endParaRPr lang="en-IE" dirty="0" smtClean="0"/>
+          </a:p>
+          <a:p>
+            <a:pPr lvl="1"/>
+            <a:endParaRPr lang="pl-PL" dirty="0"/>
+          </a:p>
+        </p:txBody>
+      </p:sp>
+    </p:spTree>
+    <p:extLst>
+      <p:ext uri="{BB962C8B-B14F-4D97-AF65-F5344CB8AC3E}">
+        <p14:creationId xmlns:p14="http://schemas.microsoft.com/office/powerpoint/2010/main" val="555393524"/>
+      </p:ext>
+    </p:extLst>
+  </p:cSld>
+  <p:clrMapOvr>
+    <a:masterClrMapping/>
+  </p:clrMapOvr>
+</p:sld>
+</file>
+
+<file path=ppt/slides/slide16.xml><?xml version="1.0" encoding="utf-8"?>
+<p:sld xmlns:a="http://schemas.openxmlformats.org/drawingml/2006/main" xmlns:r="http://schemas.openxmlformats.org/officeDocument/2006/relationships" xmlns:p="http://schemas.openxmlformats.org/presentationml/2006/main">
+  <p:cSld>
+    <p:spTree>
+      <p:nvGrpSpPr>
+        <p:cNvPr id="1" name=""/>
+        <p:cNvGrpSpPr/>
+        <p:nvPr/>
+      </p:nvGrpSpPr>
+      <p:grpSpPr>
+        <a:xfrm>
+          <a:off x="0" y="0"/>
+          <a:ext cx="0" cy="0"/>
+          <a:chOff x="0" y="0"/>
+          <a:chExt cx="0" cy="0"/>
+        </a:xfrm>
+      </p:grpSpPr>
+      <p:sp>
+        <p:nvSpPr>
+          <p:cNvPr id="2" name="Tytuł 1"/>
+          <p:cNvSpPr>
+            <a:spLocks noGrp="1"/>
+          </p:cNvSpPr>
+          <p:nvPr>
+            <p:ph type="title"/>
+          </p:nvPr>
+        </p:nvSpPr>
+        <p:spPr/>
+        <p:txBody>
+          <a:bodyPr/>
+          <a:lstStyle/>
+          <a:p>
+            <a:r>
+              <a:rPr lang="en-IE" b="1" dirty="0" smtClean="0">
+                <a:solidFill>
+                  <a:srgbClr val="FF0000"/>
+                </a:solidFill>
+              </a:rPr>
+              <a:t>THE</a:t>
+            </a:r>
+            <a:r>
+              <a:rPr lang="en-IE" dirty="0" smtClean="0"/>
+              <a:t> application</a:t>
+            </a:r>
+            <a:endParaRPr lang="pl-PL" dirty="0"/>
+          </a:p>
+        </p:txBody>
+      </p:sp>
+      <p:sp>
+        <p:nvSpPr>
+          <p:cNvPr id="4" name="Symbol zastępczy zawartości 3"/>
+          <p:cNvSpPr>
+            <a:spLocks noGrp="1"/>
+          </p:cNvSpPr>
+          <p:nvPr>
+            <p:ph idx="1"/>
+          </p:nvPr>
+        </p:nvSpPr>
+        <p:spPr/>
+        <p:txBody>
+          <a:bodyPr/>
+          <a:lstStyle/>
+          <a:p>
+            <a:endParaRPr lang="en-IE" dirty="0" smtClean="0"/>
+          </a:p>
+          <a:p>
+            <a:r>
+              <a:rPr lang="en-IE" dirty="0"/>
+              <a:t>r</a:t>
+            </a:r>
+            <a:r>
+              <a:rPr lang="en-IE" dirty="0" smtClean="0"/>
+              <a:t>un it on the local machine</a:t>
+            </a:r>
+          </a:p>
+          <a:p>
+            <a:r>
+              <a:rPr lang="en-IE" i="1" dirty="0" err="1"/>
+              <a:t>s</a:t>
+            </a:r>
+            <a:r>
+              <a:rPr lang="en-IE" i="1" dirty="0" err="1" smtClean="0"/>
+              <a:t>bt</a:t>
+            </a:r>
+            <a:r>
+              <a:rPr lang="en-IE" i="1" dirty="0" smtClean="0"/>
+              <a:t> run </a:t>
+            </a:r>
+            <a:r>
+              <a:rPr lang="en-IE" dirty="0" smtClean="0"/>
+              <a:t>command</a:t>
+            </a:r>
+          </a:p>
+          <a:p>
+            <a:r>
+              <a:rPr lang="en-IE" dirty="0" smtClean="0"/>
+              <a:t>localhost:8080</a:t>
+            </a:r>
+          </a:p>
+          <a:p>
+            <a:r>
+              <a:rPr lang="en-IE" dirty="0"/>
+              <a:t>c</a:t>
+            </a:r>
+            <a:r>
+              <a:rPr lang="en-IE" dirty="0" smtClean="0"/>
+              <a:t>all to it with </a:t>
+            </a:r>
+            <a:r>
+              <a:rPr lang="en-IE" b="1" dirty="0" err="1" smtClean="0"/>
+              <a:t>cURL</a:t>
+            </a:r>
+            <a:r>
+              <a:rPr lang="en-IE" b="1" dirty="0" smtClean="0"/>
+              <a:t> </a:t>
+            </a:r>
+            <a:r>
+              <a:rPr lang="en-IE" dirty="0" smtClean="0"/>
+              <a:t>first</a:t>
+            </a:r>
+          </a:p>
+          <a:p>
+            <a:endParaRPr lang="pl-PL" dirty="0"/>
+          </a:p>
+        </p:txBody>
+      </p:sp>
+      <p:pic>
+        <p:nvPicPr>
+          <p:cNvPr id="5" name="Picture 2"/>
+          <p:cNvPicPr>
+            <a:picLocks noChangeAspect="1" noChangeArrowheads="1"/>
+          </p:cNvPicPr>
+          <p:nvPr/>
+        </p:nvPicPr>
+        <p:blipFill>
+          <a:blip r:embed="rId3">
+            <a:extLst>
+              <a:ext uri="{28A0092B-C50C-407E-A947-70E740481C1C}">
+                <a14:useLocalDpi xmlns:a14="http://schemas.microsoft.com/office/drawing/2010/main" val="0"/>
+              </a:ext>
+            </a:extLst>
+          </a:blip>
+          <a:srcRect/>
+          <a:stretch>
+            <a:fillRect/>
+          </a:stretch>
+        </p:blipFill>
+        <p:spPr bwMode="auto">
+          <a:xfrm>
+            <a:off x="143000" y="5013176"/>
+            <a:ext cx="9001000" cy="700809"/>
+          </a:xfrm>
+          <a:prstGeom prst="rect">
+            <a:avLst/>
+          </a:prstGeom>
+          <a:noFill/>
+          <a:ln>
+            <a:noFill/>
+          </a:ln>
+          <a:extLst>
+            <a:ext uri="{909E8E84-426E-40DD-AFC4-6F175D3DCCD1}">
+              <a14:hiddenFill xmlns:a14="http://schemas.microsoft.com/office/drawing/2010/main">
+                <a:solidFill>
+                  <a:schemeClr val="accent1"/>
+                </a:solidFill>
+              </a14:hiddenFill>
+            </a:ext>
+            <a:ext uri="{91240B29-F687-4F45-9708-019B960494DF}">
+              <a14:hiddenLine xmlns:a14="http://schemas.microsoft.com/office/drawing/2010/main" w="9525">
+                <a:solidFill>
+                  <a:schemeClr val="tx1"/>
+                </a:solidFill>
+                <a:miter lim="800000"/>
+                <a:headEnd/>
+                <a:tailEnd/>
+              </a14:hiddenLine>
+            </a:ext>
+          </a:extLst>
+        </p:spPr>
+      </p:pic>
+    </p:spTree>
+    <p:extLst>
+      <p:ext uri="{BB962C8B-B14F-4D97-AF65-F5344CB8AC3E}">
+        <p14:creationId xmlns:p14="http://schemas.microsoft.com/office/powerpoint/2010/main" val="852847588"/>
+      </p:ext>
+    </p:extLst>
+  </p:cSld>
+  <p:clrMapOvr>
+    <a:masterClrMapping/>
+  </p:clrMapOvr>
+  <p:timing>
+    <p:tnLst>
+      <p:par>
+        <p:cTn id="1" dur="indefinite" restart="never" nodeType="tmRoot"/>
+      </p:par>
+    </p:tnLst>
+  </p:timing>
+</p:sld>
+</file>
+
+<file path=ppt/slides/slide17.xml><?xml version="1.0" encoding="utf-8"?>
+<p:sld xmlns:a="http://schemas.openxmlformats.org/drawingml/2006/main" xmlns:r="http://schemas.openxmlformats.org/officeDocument/2006/relationships" xmlns:p="http://schemas.openxmlformats.org/presentationml/2006/main">
+  <p:cSld>
+    <p:spTree>
+      <p:nvGrpSpPr>
+        <p:cNvPr id="1" name=""/>
+        <p:cNvGrpSpPr/>
+        <p:nvPr/>
+      </p:nvGrpSpPr>
+      <p:grpSpPr>
+        <a:xfrm>
+          <a:off x="0" y="0"/>
+          <a:ext cx="0" cy="0"/>
+          <a:chOff x="0" y="0"/>
+          <a:chExt cx="0" cy="0"/>
+        </a:xfrm>
+      </p:grpSpPr>
+      <p:sp>
+        <p:nvSpPr>
+          <p:cNvPr id="2" name="Tytuł 1"/>
+          <p:cNvSpPr>
+            <a:spLocks noGrp="1"/>
+          </p:cNvSpPr>
+          <p:nvPr>
+            <p:ph type="title"/>
+          </p:nvPr>
+        </p:nvSpPr>
+        <p:spPr/>
+        <p:txBody>
+          <a:bodyPr/>
+          <a:lstStyle/>
+          <a:p>
+            <a:endParaRPr lang="pl-PL" dirty="0"/>
+          </a:p>
+        </p:txBody>
+      </p:sp>
+      <p:sp>
+        <p:nvSpPr>
+          <p:cNvPr id="3" name="Symbol zastępczy zawartości 2"/>
+          <p:cNvSpPr>
+            <a:spLocks noGrp="1"/>
+          </p:cNvSpPr>
+          <p:nvPr>
+            <p:ph idx="1"/>
+          </p:nvPr>
+        </p:nvSpPr>
+        <p:spPr/>
+        <p:txBody>
+          <a:bodyPr>
+            <a:normAutofit fontScale="92500" lnSpcReduction="10000"/>
+          </a:bodyPr>
+          <a:lstStyle/>
+          <a:p>
+            <a:endParaRPr lang="en-IE" dirty="0" smtClean="0"/>
+          </a:p>
+          <a:p>
+            <a:r>
+              <a:rPr lang="en-IE" dirty="0"/>
+              <a:t>t</a:t>
+            </a:r>
+            <a:r>
+              <a:rPr lang="en-IE" dirty="0" smtClean="0"/>
+              <a:t>oolkit that is implemented using </a:t>
+            </a:r>
+            <a:r>
+              <a:rPr lang="en-IE" dirty="0" err="1" smtClean="0"/>
+              <a:t>Akka</a:t>
+            </a:r>
+            <a:endParaRPr lang="en-IE" dirty="0" smtClean="0"/>
+          </a:p>
+          <a:p>
+            <a:r>
+              <a:rPr lang="en-IE" dirty="0"/>
+              <a:t>f</a:t>
+            </a:r>
+            <a:r>
+              <a:rPr lang="en-IE" dirty="0" smtClean="0"/>
+              <a:t>eatures a HTTP server</a:t>
+            </a:r>
+          </a:p>
+          <a:p>
+            <a:r>
+              <a:rPr lang="en-IE" dirty="0"/>
+              <a:t>a</a:t>
+            </a:r>
+            <a:r>
+              <a:rPr lang="en-IE" dirty="0" smtClean="0"/>
+              <a:t>nd related facilities such as DSL for creating </a:t>
+            </a:r>
+            <a:r>
+              <a:rPr lang="en-IE" dirty="0" err="1" smtClean="0"/>
+              <a:t>RESTful</a:t>
+            </a:r>
+            <a:r>
+              <a:rPr lang="en-IE" dirty="0" smtClean="0"/>
+              <a:t> APIs</a:t>
+            </a:r>
+          </a:p>
+          <a:p>
+            <a:endParaRPr lang="en-IE" dirty="0"/>
+          </a:p>
+          <a:p>
+            <a:endParaRPr lang="en-IE" dirty="0" smtClean="0"/>
+          </a:p>
+          <a:p>
+            <a:pPr marL="0" indent="0">
+              <a:buNone/>
+            </a:pPr>
+            <a:r>
+              <a:rPr lang="en-US" dirty="0" smtClean="0"/>
+              <a:t>			</a:t>
+            </a:r>
+          </a:p>
+          <a:p>
+            <a:pPr marL="0" indent="0">
+              <a:buNone/>
+            </a:pPr>
+            <a:r>
               <a:rPr lang="en-US" dirty="0"/>
               <a:t>	</a:t>
             </a:r>
             <a:r>
               <a:rPr lang="en-US" dirty="0" smtClean="0"/>
-              <a:t>		is </a:t>
-            </a:r>
-            <a:r>
-              <a:rPr lang="en-US" dirty="0"/>
-              <a:t>a Functional Relational Mapping for </a:t>
-            </a:r>
-            <a:r>
-              <a:rPr lang="en-US" dirty="0" smtClean="0"/>
-              <a:t>			Scala that </a:t>
-            </a:r>
-            <a:r>
-              <a:rPr lang="en-US" dirty="0"/>
-              <a:t>provides a way of working </a:t>
-            </a:r>
-            <a:r>
-              <a:rPr lang="en-US" dirty="0" smtClean="0"/>
-              <a:t>			with </a:t>
-            </a:r>
-            <a:r>
-              <a:rPr lang="en-US" dirty="0"/>
-              <a:t>Scala’s relational databases</a:t>
-            </a:r>
-          </a:p>
-          <a:p>
-            <a:pPr lvl="4"/>
+              <a:t>		</a:t>
+            </a:r>
             <a:endParaRPr lang="en-IE" dirty="0" smtClean="0"/>
           </a:p>
           <a:p>
@@ -6188,60 +7554,6 @@
           </a:extLst>
         </p:spPr>
       </p:pic>
-      <p:pic>
-        <p:nvPicPr>
-          <p:cNvPr id="6" name="Picture 2"/>
-          <p:cNvPicPr>
-            <a:picLocks noChangeAspect="1" noChangeArrowheads="1"/>
-          </p:cNvPicPr>
-          <p:nvPr/>
-        </p:nvPicPr>
-        <p:blipFill>
-          <a:blip r:embed="rId5">
-            <a:extLst>
-              <a:ext uri="{28A0092B-C50C-407E-A947-70E740481C1C}">
-                <a14:useLocalDpi xmlns:a14="http://schemas.microsoft.com/office/drawing/2010/main" val="0"/>
-              </a:ext>
-            </a:extLst>
-          </a:blip>
-          <a:srcRect/>
-          <a:stretch>
-            <a:fillRect/>
-          </a:stretch>
-        </p:blipFill>
-        <p:spPr bwMode="auto">
-          <a:xfrm>
-            <a:off x="755576" y="4581128"/>
-            <a:ext cx="2160240" cy="804579"/>
-          </a:xfrm>
-          <a:prstGeom prst="rect">
-            <a:avLst/>
-          </a:prstGeom>
-          <a:noFill/>
-          <a:ln>
-            <a:noFill/>
-          </a:ln>
-          <a:extLst>
-            <a:ext uri="{909E8E84-426E-40DD-AFC4-6F175D3DCCD1}">
-              <a14:hiddenFill xmlns:a14="http://schemas.microsoft.com/office/drawing/2010/main">
-                <a:solidFill>
-                  <a:schemeClr val="accent1"/>
-                </a:solidFill>
-              </a14:hiddenFill>
-            </a:ext>
-            <a:ext uri="{91240B29-F687-4F45-9708-019B960494DF}">
-              <a14:hiddenLine xmlns:a14="http://schemas.microsoft.com/office/drawing/2010/main" w="9525">
-                <a:solidFill>
-                  <a:schemeClr val="tx1"/>
-                </a:solidFill>
-                <a:miter lim="800000"/>
-                <a:headEnd/>
-                <a:tailEnd/>
-              </a14:hiddenLine>
-            </a:ext>
-          </a:extLst>
-        </p:spPr>
-      </p:pic>
     </p:spTree>
     <p:extLst>
       <p:ext uri="{BB962C8B-B14F-4D97-AF65-F5344CB8AC3E}">
@@ -6252,10 +7564,17 @@
   <p:clrMapOvr>
     <a:masterClrMapping/>
   </p:clrMapOvr>
+  <p:timing>
+    <p:tnLst>
+      <p:par>
+        <p:cTn id="1" dur="indefinite" restart="never" nodeType="tmRoot"/>
+      </p:par>
+    </p:tnLst>
+  </p:timing>
 </p:sld>
 </file>
 
-<file path=ppt/slides/slide14.xml><?xml version="1.0" encoding="utf-8"?>
+<file path=ppt/slides/slide18.xml><?xml version="1.0" encoding="utf-8"?>
 <p:sld xmlns:a="http://schemas.openxmlformats.org/drawingml/2006/main" xmlns:r="http://schemas.openxmlformats.org/officeDocument/2006/relationships" xmlns:p="http://schemas.openxmlformats.org/presentationml/2006/main">
   <p:cSld>
     <p:spTree>
@@ -6288,199 +7607,6 @@
           <a:lstStyle/>
           <a:p>
             <a:r>
-              <a:rPr lang="en-IE" b="1" dirty="0" smtClean="0">
-                <a:solidFill>
-                  <a:srgbClr val="FF0000"/>
-                </a:solidFill>
-              </a:rPr>
-              <a:t>THE</a:t>
-            </a:r>
-            <a:r>
-              <a:rPr lang="en-IE" dirty="0" smtClean="0"/>
-              <a:t> application</a:t>
-            </a:r>
-            <a:endParaRPr lang="pl-PL" dirty="0"/>
-          </a:p>
-        </p:txBody>
-      </p:sp>
-      <p:sp>
-        <p:nvSpPr>
-          <p:cNvPr id="4" name="Symbol zastępczy zawartości 3"/>
-          <p:cNvSpPr>
-            <a:spLocks noGrp="1"/>
-          </p:cNvSpPr>
-          <p:nvPr>
-            <p:ph idx="1"/>
-          </p:nvPr>
-        </p:nvSpPr>
-        <p:spPr/>
-        <p:txBody>
-          <a:bodyPr/>
-          <a:lstStyle/>
-          <a:p>
-            <a:endParaRPr lang="en-IE" dirty="0" smtClean="0"/>
-          </a:p>
-          <a:p>
-            <a:r>
-              <a:rPr lang="en-IE" dirty="0"/>
-              <a:t>r</a:t>
-            </a:r>
-            <a:r>
-              <a:rPr lang="en-IE" dirty="0" smtClean="0"/>
-              <a:t>un it on the local machine</a:t>
-            </a:r>
-          </a:p>
-          <a:p>
-            <a:r>
-              <a:rPr lang="en-IE" i="1" dirty="0" err="1"/>
-              <a:t>s</a:t>
-            </a:r>
-            <a:r>
-              <a:rPr lang="en-IE" i="1" dirty="0" err="1" smtClean="0"/>
-              <a:t>bt</a:t>
-            </a:r>
-            <a:r>
-              <a:rPr lang="en-IE" i="1" dirty="0" smtClean="0"/>
-              <a:t> run </a:t>
-            </a:r>
-            <a:r>
-              <a:rPr lang="en-IE" dirty="0" smtClean="0"/>
-              <a:t>command</a:t>
-            </a:r>
-          </a:p>
-          <a:p>
-            <a:r>
-              <a:rPr lang="en-IE" dirty="0" smtClean="0"/>
-              <a:t>localhost:8080</a:t>
-            </a:r>
-          </a:p>
-          <a:p>
-            <a:r>
-              <a:rPr lang="en-IE" dirty="0"/>
-              <a:t>c</a:t>
-            </a:r>
-            <a:r>
-              <a:rPr lang="en-IE" dirty="0" smtClean="0"/>
-              <a:t>all to it with </a:t>
-            </a:r>
-            <a:r>
-              <a:rPr lang="en-IE" b="1" dirty="0" err="1" smtClean="0"/>
-              <a:t>cURL</a:t>
-            </a:r>
-            <a:r>
-              <a:rPr lang="en-IE" b="1" dirty="0" smtClean="0"/>
-              <a:t> </a:t>
-            </a:r>
-            <a:r>
-              <a:rPr lang="en-IE" dirty="0" smtClean="0"/>
-              <a:t>first</a:t>
-            </a:r>
-          </a:p>
-          <a:p>
-            <a:endParaRPr lang="pl-PL" dirty="0"/>
-          </a:p>
-        </p:txBody>
-      </p:sp>
-      <p:pic>
-        <p:nvPicPr>
-          <p:cNvPr id="5" name="Picture 2"/>
-          <p:cNvPicPr>
-            <a:picLocks noChangeAspect="1" noChangeArrowheads="1"/>
-          </p:cNvPicPr>
-          <p:nvPr/>
-        </p:nvPicPr>
-        <p:blipFill>
-          <a:blip r:embed="rId3">
-            <a:extLst>
-              <a:ext uri="{28A0092B-C50C-407E-A947-70E740481C1C}">
-                <a14:useLocalDpi xmlns:a14="http://schemas.microsoft.com/office/drawing/2010/main" val="0"/>
-              </a:ext>
-            </a:extLst>
-          </a:blip>
-          <a:srcRect/>
-          <a:stretch>
-            <a:fillRect/>
-          </a:stretch>
-        </p:blipFill>
-        <p:spPr bwMode="auto">
-          <a:xfrm>
-            <a:off x="143000" y="5013176"/>
-            <a:ext cx="9001000" cy="700809"/>
-          </a:xfrm>
-          <a:prstGeom prst="rect">
-            <a:avLst/>
-          </a:prstGeom>
-          <a:noFill/>
-          <a:ln>
-            <a:noFill/>
-          </a:ln>
-          <a:extLst>
-            <a:ext uri="{909E8E84-426E-40DD-AFC4-6F175D3DCCD1}">
-              <a14:hiddenFill xmlns:a14="http://schemas.microsoft.com/office/drawing/2010/main">
-                <a:solidFill>
-                  <a:schemeClr val="accent1"/>
-                </a:solidFill>
-              </a14:hiddenFill>
-            </a:ext>
-            <a:ext uri="{91240B29-F687-4F45-9708-019B960494DF}">
-              <a14:hiddenLine xmlns:a14="http://schemas.microsoft.com/office/drawing/2010/main" w="9525">
-                <a:solidFill>
-                  <a:schemeClr val="tx1"/>
-                </a:solidFill>
-                <a:miter lim="800000"/>
-                <a:headEnd/>
-                <a:tailEnd/>
-              </a14:hiddenLine>
-            </a:ext>
-          </a:extLst>
-        </p:spPr>
-      </p:pic>
-    </p:spTree>
-    <p:extLst>
-      <p:ext uri="{BB962C8B-B14F-4D97-AF65-F5344CB8AC3E}">
-        <p14:creationId xmlns:p14="http://schemas.microsoft.com/office/powerpoint/2010/main" val="852847588"/>
-      </p:ext>
-    </p:extLst>
-  </p:cSld>
-  <p:clrMapOvr>
-    <a:masterClrMapping/>
-  </p:clrMapOvr>
-</p:sld>
-</file>
-
-<file path=ppt/slides/slide15.xml><?xml version="1.0" encoding="utf-8"?>
-<p:sld xmlns:a="http://schemas.openxmlformats.org/drawingml/2006/main" xmlns:r="http://schemas.openxmlformats.org/officeDocument/2006/relationships" xmlns:p="http://schemas.openxmlformats.org/presentationml/2006/main">
-  <p:cSld>
-    <p:spTree>
-      <p:nvGrpSpPr>
-        <p:cNvPr id="1" name=""/>
-        <p:cNvGrpSpPr/>
-        <p:nvPr/>
-      </p:nvGrpSpPr>
-      <p:grpSpPr>
-        <a:xfrm>
-          <a:off x="0" y="0"/>
-          <a:ext cx="0" cy="0"/>
-          <a:chOff x="0" y="0"/>
-          <a:chExt cx="0" cy="0"/>
-        </a:xfrm>
-      </p:grpSpPr>
-      <p:sp>
-        <p:nvSpPr>
-          <p:cNvPr id="2" name="Tytuł 1"/>
-          <p:cNvSpPr>
-            <a:spLocks noGrp="1"/>
-          </p:cNvSpPr>
-          <p:nvPr>
-            <p:ph type="title"/>
-          </p:nvPr>
-        </p:nvSpPr>
-        <p:spPr/>
-        <p:txBody>
-          <a:bodyPr/>
-          <a:lstStyle/>
-          <a:p>
-            <a:r>
               <a:rPr lang="en-IE" dirty="0" err="1" smtClean="0"/>
               <a:t>cURL</a:t>
             </a:r>
@@ -6560,10 +7686,17 @@
   <p:clrMapOvr>
     <a:masterClrMapping/>
   </p:clrMapOvr>
+  <p:timing>
+    <p:tnLst>
+      <p:par>
+        <p:cTn id="1" dur="indefinite" restart="never" nodeType="tmRoot"/>
+      </p:par>
+    </p:tnLst>
+  </p:timing>
 </p:sld>
 </file>
 
-<file path=ppt/slides/slide16.xml><?xml version="1.0" encoding="utf-8"?>
+<file path=ppt/slides/slide19.xml><?xml version="1.0" encoding="utf-8"?>
 <p:sld xmlns:a="http://schemas.openxmlformats.org/drawingml/2006/main" xmlns:r="http://schemas.openxmlformats.org/officeDocument/2006/relationships" xmlns:p="http://schemas.openxmlformats.org/presentationml/2006/main">
   <p:cSld>
     <p:spTree>
@@ -6711,7 +7844,192 @@
 </p:sld>
 </file>
 
-<file path=ppt/slides/slide17.xml><?xml version="1.0" encoding="utf-8"?>
+<file path=ppt/slides/slide2.xml><?xml version="1.0" encoding="utf-8"?>
+<p:sld xmlns:a="http://schemas.openxmlformats.org/drawingml/2006/main" xmlns:r="http://schemas.openxmlformats.org/officeDocument/2006/relationships" xmlns:p="http://schemas.openxmlformats.org/presentationml/2006/main">
+  <p:cSld>
+    <p:spTree>
+      <p:nvGrpSpPr>
+        <p:cNvPr id="1" name=""/>
+        <p:cNvGrpSpPr/>
+        <p:nvPr/>
+      </p:nvGrpSpPr>
+      <p:grpSpPr>
+        <a:xfrm>
+          <a:off x="0" y="0"/>
+          <a:ext cx="0" cy="0"/>
+          <a:chOff x="0" y="0"/>
+          <a:chExt cx="0" cy="0"/>
+        </a:xfrm>
+      </p:grpSpPr>
+      <p:sp>
+        <p:nvSpPr>
+          <p:cNvPr id="2" name="Tytuł 1"/>
+          <p:cNvSpPr>
+            <a:spLocks noGrp="1"/>
+          </p:cNvSpPr>
+          <p:nvPr>
+            <p:ph type="title"/>
+          </p:nvPr>
+        </p:nvSpPr>
+        <p:spPr/>
+        <p:txBody>
+          <a:bodyPr/>
+          <a:lstStyle/>
+          <a:p>
+            <a:pPr algn="l"/>
+            <a:r>
+              <a:rPr lang="en-IE" dirty="0" smtClean="0"/>
+              <a:t>Project goals </a:t>
+            </a:r>
+            <a:endParaRPr lang="pl-PL" dirty="0"/>
+          </a:p>
+        </p:txBody>
+      </p:sp>
+      <p:sp>
+        <p:nvSpPr>
+          <p:cNvPr id="3" name="Symbol zastępczy zawartości 2"/>
+          <p:cNvSpPr>
+            <a:spLocks noGrp="1"/>
+          </p:cNvSpPr>
+          <p:nvPr>
+            <p:ph idx="1"/>
+          </p:nvPr>
+        </p:nvSpPr>
+        <p:spPr/>
+        <p:txBody>
+          <a:bodyPr/>
+          <a:lstStyle/>
+          <a:p>
+            <a:endParaRPr lang="en-IE" dirty="0" smtClean="0"/>
+          </a:p>
+          <a:p>
+            <a:r>
+              <a:rPr lang="en-IE" dirty="0" smtClean="0"/>
+              <a:t>to get familiar with Scala programming language</a:t>
+            </a:r>
+          </a:p>
+          <a:p>
+            <a:r>
+              <a:rPr lang="en-IE" dirty="0"/>
+              <a:t>t</a:t>
+            </a:r>
+            <a:r>
+              <a:rPr lang="en-IE" dirty="0" smtClean="0"/>
+              <a:t>o get familiar with web service concept and a broad range of technologies</a:t>
+            </a:r>
+          </a:p>
+          <a:p>
+            <a:r>
+              <a:rPr lang="en-IE" dirty="0"/>
+              <a:t>t</a:t>
+            </a:r>
+            <a:r>
+              <a:rPr lang="en-IE" dirty="0" smtClean="0"/>
+              <a:t>o get familiar with Actor paradigm</a:t>
+            </a:r>
+          </a:p>
+          <a:p>
+            <a:endParaRPr lang="en-IE" dirty="0"/>
+          </a:p>
+          <a:p>
+            <a:pPr marL="0" indent="0">
+              <a:buNone/>
+            </a:pPr>
+            <a:r>
+              <a:rPr lang="en-IE" dirty="0"/>
+              <a:t>n</a:t>
+            </a:r>
+            <a:r>
+              <a:rPr lang="en-IE" dirty="0" smtClean="0"/>
+              <a:t>ote the “get </a:t>
+            </a:r>
+            <a:r>
+              <a:rPr lang="en-IE" dirty="0" err="1" smtClean="0"/>
+              <a:t>familar</a:t>
+            </a:r>
+            <a:r>
+              <a:rPr lang="en-IE" dirty="0" smtClean="0"/>
+              <a:t>” as…</a:t>
+            </a:r>
+            <a:endParaRPr lang="pl-PL" dirty="0"/>
+          </a:p>
+        </p:txBody>
+      </p:sp>
+      <p:pic>
+        <p:nvPicPr>
+          <p:cNvPr id="1026" name="Picture 2"/>
+          <p:cNvPicPr>
+            <a:picLocks noChangeAspect="1" noChangeArrowheads="1"/>
+          </p:cNvPicPr>
+          <p:nvPr/>
+        </p:nvPicPr>
+        <p:blipFill>
+          <a:blip r:embed="rId2" cstate="print">
+            <a:extLst>
+              <a:ext uri="{28A0092B-C50C-407E-A947-70E740481C1C}">
+                <a14:useLocalDpi xmlns:a14="http://schemas.microsoft.com/office/drawing/2010/main" val="0"/>
+              </a:ext>
+            </a:extLst>
+          </a:blip>
+          <a:srcRect/>
+          <a:stretch>
+            <a:fillRect/>
+          </a:stretch>
+        </p:blipFill>
+        <p:spPr bwMode="auto">
+          <a:xfrm>
+            <a:off x="5508104" y="438841"/>
+            <a:ext cx="1944216" cy="1458162"/>
+          </a:xfrm>
+          <a:prstGeom prst="rect">
+            <a:avLst/>
+          </a:prstGeom>
+          <a:noFill/>
+          <a:ln>
+            <a:noFill/>
+          </a:ln>
+          <a:extLst>
+            <a:ext uri="{909E8E84-426E-40DD-AFC4-6F175D3DCCD1}">
+              <a14:hiddenFill xmlns:a14="http://schemas.microsoft.com/office/drawing/2010/main">
+                <a:solidFill>
+                  <a:schemeClr val="accent1"/>
+                </a:solidFill>
+              </a14:hiddenFill>
+            </a:ext>
+            <a:ext uri="{91240B29-F687-4F45-9708-019B960494DF}">
+              <a14:hiddenLine xmlns:a14="http://schemas.microsoft.com/office/drawing/2010/main" w="9525">
+                <a:solidFill>
+                  <a:schemeClr val="tx1"/>
+                </a:solidFill>
+                <a:miter lim="800000"/>
+                <a:headEnd/>
+                <a:tailEnd/>
+              </a14:hiddenLine>
+            </a:ext>
+          </a:extLst>
+        </p:spPr>
+      </p:pic>
+    </p:spTree>
+    <p:extLst>
+      <p:ext uri="{BB962C8B-B14F-4D97-AF65-F5344CB8AC3E}">
+        <p14:creationId xmlns:p14="http://schemas.microsoft.com/office/powerpoint/2010/main" val="3544932548"/>
+      </p:ext>
+    </p:extLst>
+  </p:cSld>
+  <p:clrMapOvr>
+    <a:masterClrMapping/>
+  </p:clrMapOvr>
+  <p:timing>
+    <p:tnLst>
+      <p:par>
+        <p:cTn id="1" dur="indefinite" restart="never" nodeType="tmRoot"/>
+      </p:par>
+    </p:tnLst>
+  </p:timing>
+</p:sld>
+</file>
+
+<file path=ppt/slides/slide20.xml><?xml version="1.0" encoding="utf-8"?>
 <p:sld xmlns:a="http://schemas.openxmlformats.org/drawingml/2006/main" xmlns:r="http://schemas.openxmlformats.org/officeDocument/2006/relationships" xmlns:p="http://schemas.openxmlformats.org/presentationml/2006/main">
   <p:cSld>
     <p:spTree>
@@ -6964,191 +8282,6 @@
 </p:sld>
 </file>
 
-<file path=ppt/slides/slide2.xml><?xml version="1.0" encoding="utf-8"?>
-<p:sld xmlns:a="http://schemas.openxmlformats.org/drawingml/2006/main" xmlns:r="http://schemas.openxmlformats.org/officeDocument/2006/relationships" xmlns:p="http://schemas.openxmlformats.org/presentationml/2006/main">
-  <p:cSld>
-    <p:spTree>
-      <p:nvGrpSpPr>
-        <p:cNvPr id="1" name=""/>
-        <p:cNvGrpSpPr/>
-        <p:nvPr/>
-      </p:nvGrpSpPr>
-      <p:grpSpPr>
-        <a:xfrm>
-          <a:off x="0" y="0"/>
-          <a:ext cx="0" cy="0"/>
-          <a:chOff x="0" y="0"/>
-          <a:chExt cx="0" cy="0"/>
-        </a:xfrm>
-      </p:grpSpPr>
-      <p:sp>
-        <p:nvSpPr>
-          <p:cNvPr id="2" name="Tytuł 1"/>
-          <p:cNvSpPr>
-            <a:spLocks noGrp="1"/>
-          </p:cNvSpPr>
-          <p:nvPr>
-            <p:ph type="title"/>
-          </p:nvPr>
-        </p:nvSpPr>
-        <p:spPr/>
-        <p:txBody>
-          <a:bodyPr/>
-          <a:lstStyle/>
-          <a:p>
-            <a:pPr algn="l"/>
-            <a:r>
-              <a:rPr lang="en-IE" dirty="0" smtClean="0"/>
-              <a:t>Project goals </a:t>
-            </a:r>
-            <a:endParaRPr lang="pl-PL" dirty="0"/>
-          </a:p>
-        </p:txBody>
-      </p:sp>
-      <p:sp>
-        <p:nvSpPr>
-          <p:cNvPr id="3" name="Symbol zastępczy zawartości 2"/>
-          <p:cNvSpPr>
-            <a:spLocks noGrp="1"/>
-          </p:cNvSpPr>
-          <p:nvPr>
-            <p:ph idx="1"/>
-          </p:nvPr>
-        </p:nvSpPr>
-        <p:spPr/>
-        <p:txBody>
-          <a:bodyPr/>
-          <a:lstStyle/>
-          <a:p>
-            <a:endParaRPr lang="en-IE" dirty="0" smtClean="0"/>
-          </a:p>
-          <a:p>
-            <a:r>
-              <a:rPr lang="en-IE" dirty="0" smtClean="0"/>
-              <a:t>to get familiar with Scala programming language</a:t>
-            </a:r>
-          </a:p>
-          <a:p>
-            <a:r>
-              <a:rPr lang="en-IE" dirty="0"/>
-              <a:t>t</a:t>
-            </a:r>
-            <a:r>
-              <a:rPr lang="en-IE" dirty="0" smtClean="0"/>
-              <a:t>o get familiar with web service concept and a broad range of technologies</a:t>
-            </a:r>
-          </a:p>
-          <a:p>
-            <a:r>
-              <a:rPr lang="en-IE" dirty="0"/>
-              <a:t>t</a:t>
-            </a:r>
-            <a:r>
-              <a:rPr lang="en-IE" dirty="0" smtClean="0"/>
-              <a:t>o get familiar with Actor paradigm</a:t>
-            </a:r>
-          </a:p>
-          <a:p>
-            <a:endParaRPr lang="en-IE" dirty="0"/>
-          </a:p>
-          <a:p>
-            <a:pPr marL="0" indent="0">
-              <a:buNone/>
-            </a:pPr>
-            <a:r>
-              <a:rPr lang="en-IE" dirty="0"/>
-              <a:t>n</a:t>
-            </a:r>
-            <a:r>
-              <a:rPr lang="en-IE" dirty="0" smtClean="0"/>
-              <a:t>ote the “get </a:t>
-            </a:r>
-            <a:r>
-              <a:rPr lang="en-IE" dirty="0" err="1" smtClean="0"/>
-              <a:t>familar</a:t>
-            </a:r>
-            <a:r>
-              <a:rPr lang="en-IE" dirty="0" smtClean="0"/>
-              <a:t>” as…</a:t>
-            </a:r>
-            <a:endParaRPr lang="pl-PL" dirty="0"/>
-          </a:p>
-        </p:txBody>
-      </p:sp>
-      <p:pic>
-        <p:nvPicPr>
-          <p:cNvPr id="1026" name="Picture 2"/>
-          <p:cNvPicPr>
-            <a:picLocks noChangeAspect="1" noChangeArrowheads="1"/>
-          </p:cNvPicPr>
-          <p:nvPr/>
-        </p:nvPicPr>
-        <p:blipFill>
-          <a:blip r:embed="rId2" cstate="print">
-            <a:extLst>
-              <a:ext uri="{28A0092B-C50C-407E-A947-70E740481C1C}">
-                <a14:useLocalDpi xmlns:a14="http://schemas.microsoft.com/office/drawing/2010/main" val="0"/>
-              </a:ext>
-            </a:extLst>
-          </a:blip>
-          <a:srcRect/>
-          <a:stretch>
-            <a:fillRect/>
-          </a:stretch>
-        </p:blipFill>
-        <p:spPr bwMode="auto">
-          <a:xfrm>
-            <a:off x="5508104" y="438841"/>
-            <a:ext cx="1944216" cy="1458162"/>
-          </a:xfrm>
-          <a:prstGeom prst="rect">
-            <a:avLst/>
-          </a:prstGeom>
-          <a:noFill/>
-          <a:ln>
-            <a:noFill/>
-          </a:ln>
-          <a:extLst>
-            <a:ext uri="{909E8E84-426E-40DD-AFC4-6F175D3DCCD1}">
-              <a14:hiddenFill xmlns:a14="http://schemas.microsoft.com/office/drawing/2010/main">
-                <a:solidFill>
-                  <a:schemeClr val="accent1"/>
-                </a:solidFill>
-              </a14:hiddenFill>
-            </a:ext>
-            <a:ext uri="{91240B29-F687-4F45-9708-019B960494DF}">
-              <a14:hiddenLine xmlns:a14="http://schemas.microsoft.com/office/drawing/2010/main" w="9525">
-                <a:solidFill>
-                  <a:schemeClr val="tx1"/>
-                </a:solidFill>
-                <a:miter lim="800000"/>
-                <a:headEnd/>
-                <a:tailEnd/>
-              </a14:hiddenLine>
-            </a:ext>
-          </a:extLst>
-        </p:spPr>
-      </p:pic>
-    </p:spTree>
-    <p:extLst>
-      <p:ext uri="{BB962C8B-B14F-4D97-AF65-F5344CB8AC3E}">
-        <p14:creationId xmlns:p14="http://schemas.microsoft.com/office/powerpoint/2010/main" val="3544932548"/>
-      </p:ext>
-    </p:extLst>
-  </p:cSld>
-  <p:clrMapOvr>
-    <a:masterClrMapping/>
-  </p:clrMapOvr>
-  <p:timing>
-    <p:tnLst>
-      <p:par>
-        <p:cTn id="1" dur="indefinite" restart="never" nodeType="tmRoot"/>
-      </p:par>
-    </p:tnLst>
-  </p:timing>
-</p:sld>
-</file>
-
 <file path=ppt/slides/slide3.xml><?xml version="1.0" encoding="utf-8"?>
 <p:sld xmlns:a="http://schemas.openxmlformats.org/drawingml/2006/main" xmlns:r="http://schemas.openxmlformats.org/officeDocument/2006/relationships" xmlns:p="http://schemas.openxmlformats.org/presentationml/2006/main">
   <p:cSld>
@@ -7220,15 +8353,7 @@
             </a:r>
             <a:r>
               <a:rPr lang="en-IE" dirty="0" smtClean="0"/>
-              <a:t>s not </a:t>
-            </a:r>
-            <a:r>
-              <a:rPr lang="en-IE" dirty="0" smtClean="0"/>
-              <a:t>about the </a:t>
-            </a:r>
-            <a:r>
-              <a:rPr lang="en-IE" dirty="0" smtClean="0"/>
-              <a:t>language</a:t>
+              <a:t>s not about the language</a:t>
             </a:r>
           </a:p>
           <a:p>
@@ -7241,15 +8366,7 @@
             </a:r>
             <a:r>
               <a:rPr lang="en-IE" dirty="0" smtClean="0"/>
-              <a:t>t is about </a:t>
-            </a:r>
-            <a:r>
-              <a:rPr lang="en-IE" dirty="0" smtClean="0"/>
-              <a:t>the </a:t>
-            </a:r>
-            <a:r>
-              <a:rPr lang="en-IE" dirty="0" smtClean="0"/>
-              <a:t>concepts</a:t>
+              <a:t>t is about the concepts</a:t>
             </a:r>
           </a:p>
           <a:p>
@@ -7540,31 +8657,11 @@
             </a:pPr>
             <a:r>
               <a:rPr lang="en-IE" dirty="0"/>
-              <a:t>	</a:t>
-            </a:r>
-            <a:r>
-              <a:rPr lang="en-IE" dirty="0"/>
-              <a:t> </a:t>
+              <a:t>	 </a:t>
             </a:r>
             <a:r>
               <a:rPr lang="en-IE" dirty="0" smtClean="0"/>
-              <a:t>     </a:t>
-            </a:r>
-            <a:r>
-              <a:rPr lang="en-IE" dirty="0" smtClean="0"/>
-              <a:t>programs and </a:t>
-            </a:r>
-            <a:r>
-              <a:rPr lang="en-IE" dirty="0" smtClean="0"/>
-              <a:t>they can </a:t>
-            </a:r>
-            <a:r>
-              <a:rPr lang="en-IE" dirty="0" smtClean="0"/>
-              <a:t>seamlessly 		      interact </a:t>
-            </a:r>
-            <a:r>
-              <a:rPr lang="en-IE" dirty="0" smtClean="0"/>
-              <a:t>with code written in Java</a:t>
+              <a:t>     programs and they can seamlessly 		      interact with code written in Java</a:t>
             </a:r>
           </a:p>
           <a:p>
@@ -8007,17 +9104,8 @@
             </a:r>
             <a:r>
               <a:rPr lang="en-IE" sz="5900" dirty="0" smtClean="0"/>
-              <a:t>every </a:t>
-            </a:r>
-            <a:r>
-              <a:rPr lang="en-IE" sz="5900" dirty="0" smtClean="0"/>
-              <a:t>value is an </a:t>
-            </a:r>
-            <a:r>
-              <a:rPr lang="en-IE" sz="5900" dirty="0" smtClean="0"/>
-              <a:t>object and</a:t>
-            </a:r>
-            <a:endParaRPr lang="en-IE" sz="5900" dirty="0" smtClean="0"/>
+              <a:t>every value is an object and</a:t>
+            </a:r>
           </a:p>
           <a:p>
             <a:pPr marL="0" indent="0">
@@ -8025,23 +9113,7 @@
             </a:pPr>
             <a:r>
               <a:rPr lang="en-IE" sz="5900" dirty="0" smtClean="0"/>
-              <a:t>	</a:t>
-            </a:r>
-            <a:r>
-              <a:rPr lang="en-IE" sz="5900" dirty="0" smtClean="0"/>
-              <a:t>every </a:t>
-            </a:r>
-            <a:r>
-              <a:rPr lang="en-IE" sz="5900" dirty="0" smtClean="0"/>
-              <a:t>operation is </a:t>
-            </a:r>
-            <a:r>
-              <a:rPr lang="en-IE" sz="5900" dirty="0" smtClean="0"/>
-              <a:t>an </a:t>
-            </a:r>
-            <a:r>
-              <a:rPr lang="en-IE" sz="5900" dirty="0" smtClean="0"/>
-              <a:t>invocation of a method</a:t>
+              <a:t>	every operation is an invocation of a method</a:t>
             </a:r>
           </a:p>
           <a:p>

--- a/project presentation final.pptx
+++ b/project presentation final.pptx
@@ -5,7 +5,7 @@
     <p:sldMasterId id="2147483648" r:id="rId1"/>
   </p:sldMasterIdLst>
   <p:notesMasterIdLst>
-    <p:notesMasterId r:id="rId22"/>
+    <p:notesMasterId r:id="rId19"/>
   </p:notesMasterIdLst>
   <p:sldIdLst>
     <p:sldId id="256" r:id="rId2"/>
@@ -22,12 +22,9 @@
     <p:sldId id="289" r:id="rId13"/>
     <p:sldId id="291" r:id="rId14"/>
     <p:sldId id="292" r:id="rId15"/>
-    <p:sldId id="293" r:id="rId16"/>
+    <p:sldId id="294" r:id="rId16"/>
     <p:sldId id="286" r:id="rId17"/>
-    <p:sldId id="290" r:id="rId18"/>
-    <p:sldId id="288" r:id="rId19"/>
-    <p:sldId id="267" r:id="rId20"/>
-    <p:sldId id="263" r:id="rId21"/>
+    <p:sldId id="263" r:id="rId18"/>
   </p:sldIdLst>
   <p:sldSz cx="9144000" cy="6858000" type="screen4x3"/>
   <p:notesSz cx="6858000" cy="9144000"/>
@@ -1305,29 +1302,23 @@
           <a:bodyPr/>
           <a:lstStyle/>
           <a:p>
+            <a:r>
+              <a:rPr lang="en-IE" dirty="0" smtClean="0"/>
+              <a:t>- DAL – data</a:t>
+            </a:r>
+            <a:r>
+              <a:rPr lang="en-IE" baseline="0" dirty="0" smtClean="0"/>
+              <a:t> access layer</a:t>
+            </a:r>
+          </a:p>
+          <a:p>
             <a:pPr marL="171450" indent="-171450">
               <a:buFontTx/>
               <a:buChar char="-"/>
             </a:pPr>
             <a:r>
-              <a:rPr lang="en-US" dirty="0" smtClean="0">
-                <a:hlinkClick r:id="rId3" tooltip="Command-line"/>
-              </a:rPr>
-              <a:t>command-line</a:t>
-            </a:r>
-            <a:r>
-              <a:rPr lang="en-US" dirty="0" smtClean="0"/>
-              <a:t> tool for transferring data using various </a:t>
-            </a:r>
-            <a:r>
-              <a:rPr lang="en-US" dirty="0" smtClean="0">
-                <a:hlinkClick r:id="rId4" tooltip="Protocol (computing)"/>
-              </a:rPr>
-              <a:t>protocols</a:t>
-            </a:r>
-            <a:r>
-              <a:rPr lang="en-US" dirty="0" smtClean="0"/>
-              <a:t>. </a:t>
+              <a:rPr lang="en-IE" dirty="0" smtClean="0"/>
+              <a:t>get = retrieve by id</a:t>
             </a:r>
           </a:p>
           <a:p>
@@ -1335,20 +1326,14 @@
               <a:buFontTx/>
               <a:buChar char="-"/>
             </a:pPr>
-            <a:r>
-              <a:rPr lang="en-US" dirty="0" smtClean="0"/>
-              <a:t>“-v”</a:t>
-            </a:r>
+            <a:endParaRPr lang="en-IE" dirty="0" smtClean="0"/>
           </a:p>
           <a:p>
             <a:pPr marL="171450" indent="-171450">
               <a:buFontTx/>
               <a:buChar char="-"/>
             </a:pPr>
-            <a:r>
-              <a:rPr lang="en-US" dirty="0" smtClean="0"/>
-              <a:t>“-X”</a:t>
-            </a:r>
+            <a:endParaRPr lang="en-IE" dirty="0" smtClean="0"/>
           </a:p>
           <a:p>
             <a:pPr marL="171450" indent="-171450">
@@ -1357,17 +1342,7 @@
             </a:pPr>
             <a:r>
               <a:rPr lang="en-US" dirty="0" smtClean="0"/>
-              <a:t>"curl </a:t>
-            </a:r>
-            <a:r>
-              <a:rPr lang="en-US" dirty="0" smtClean="0">
-                <a:hlinkClick r:id="rId5"/>
-              </a:rPr>
-              <a:t>http://example.com</a:t>
-            </a:r>
-            <a:r>
-              <a:rPr lang="en-US" dirty="0" smtClean="0"/>
-              <a:t>" it will use GET. If you use -d or -F curl will use POST, -I will cause a HEAD and -T will make it a PUT. </a:t>
+              <a:t>Spray framework is used for building REST/HTTP-based integration layer which is responsible for serving HTTP requests.</a:t>
             </a:r>
           </a:p>
           <a:p>
@@ -1375,51 +1350,25 @@
               <a:buFontTx/>
               <a:buChar char="-"/>
             </a:pPr>
-            <a:r>
-              <a:rPr lang="en-US" dirty="0" smtClean="0"/>
-              <a:t>you can override those request methods by specifying -X [WHATEVER]</a:t>
-            </a:r>
+            <a:endParaRPr lang="en-US" dirty="0" smtClean="0"/>
           </a:p>
           <a:p>
             <a:pPr marL="171450" indent="-171450">
               <a:buFontTx/>
               <a:buChar char="-"/>
             </a:pPr>
-            <a:r>
-              <a:rPr lang="en-IE" sz="1200" kern="1200" dirty="0" smtClean="0">
-                <a:solidFill>
-                  <a:schemeClr val="tx1"/>
-                </a:solidFill>
-                <a:effectLst/>
-                <a:latin typeface="+mn-lt"/>
-                <a:ea typeface="+mn-ea"/>
-                <a:cs typeface="+mn-cs"/>
-              </a:rPr>
-              <a:t>“-H”</a:t>
-            </a:r>
-          </a:p>
-          <a:p>
+            <a:endParaRPr lang="en-US" dirty="0" smtClean="0"/>
+          </a:p>
+          <a:p>
+            <a:pPr marL="171450" indent="-171450">
+              <a:buFontTx/>
+              <a:buChar char="-"/>
+            </a:pPr>
             <a:r>
               <a:rPr lang="en-US" dirty="0" smtClean="0"/>
-              <a:t>- To make a simple HTTP POST with text/xml as content-type, do something like: </a:t>
-            </a:r>
-          </a:p>
-          <a:p>
-            <a:r>
-              <a:rPr lang="en-US" dirty="0" smtClean="0"/>
-              <a:t>curl -d "</a:t>
-            </a:r>
-            <a:r>
-              <a:rPr lang="en-US" dirty="0" err="1" smtClean="0"/>
-              <a:t>datatopost</a:t>
-            </a:r>
-            <a:r>
-              <a:rPr lang="en-US" dirty="0" smtClean="0"/>
-              <a:t>" -H "Content-Type: text/xml" [URL] </a:t>
-            </a:r>
-          </a:p>
-          <a:p>
-            <a:endParaRPr lang="pl-PL" dirty="0"/>
+              <a:t>But service logic (with a Spray route structure) is implemented separately. This fact allows us to test its logic independently from an actor behavior.</a:t>
+            </a:r>
+            <a:endParaRPr lang="en-IE" dirty="0" smtClean="0"/>
           </a:p>
         </p:txBody>
       </p:sp>
@@ -1440,7 +1389,7 @@
           <a:p>
             <a:fld id="{9CCF4A4B-2EF2-4B29-8BD9-956A2A33DB7C}" type="slidenum">
               <a:rPr lang="pl-PL" smtClean="0"/>
-              <a:t>16</a:t>
+              <a:t>15</a:t>
             </a:fld>
             <a:endParaRPr lang="pl-PL"/>
           </a:p>
@@ -1449,7 +1398,7 @@
     </p:spTree>
     <p:extLst>
       <p:ext uri="{BB962C8B-B14F-4D97-AF65-F5344CB8AC3E}">
-        <p14:creationId xmlns:p14="http://schemas.microsoft.com/office/powerpoint/2010/main" val="3582934340"/>
+        <p14:creationId xmlns:p14="http://schemas.microsoft.com/office/powerpoint/2010/main" val="3921140705"/>
       </p:ext>
     </p:extLst>
   </p:cSld>
@@ -1503,18 +1452,118 @@
           <a:bodyPr/>
           <a:lstStyle/>
           <a:p>
-            <a:r>
-              <a:rPr lang="en-IE" dirty="0" smtClean="0"/>
-              <a:t>Spray-can, (Yes, it is its name…), Spray-</a:t>
-            </a:r>
-            <a:r>
-              <a:rPr lang="en-IE" dirty="0" err="1" smtClean="0"/>
-              <a:t>HTTPx</a:t>
-            </a:r>
-            <a:endParaRPr lang="en-IE" dirty="0" smtClean="0"/>
-          </a:p>
-          <a:p>
-            <a:endParaRPr lang="pl-PL" dirty="0" smtClean="0"/>
+            <a:pPr marL="171450" indent="-171450">
+              <a:buFontTx/>
+              <a:buChar char="-"/>
+            </a:pPr>
+            <a:r>
+              <a:rPr lang="en-US" dirty="0" smtClean="0">
+                <a:hlinkClick r:id="rId3" tooltip="Command-line"/>
+              </a:rPr>
+              <a:t>command-line</a:t>
+            </a:r>
+            <a:r>
+              <a:rPr lang="en-US" dirty="0" smtClean="0"/>
+              <a:t> tool for transferring data using various </a:t>
+            </a:r>
+            <a:r>
+              <a:rPr lang="en-US" dirty="0" smtClean="0">
+                <a:hlinkClick r:id="rId4" tooltip="Protocol (computing)"/>
+              </a:rPr>
+              <a:t>protocols</a:t>
+            </a:r>
+            <a:r>
+              <a:rPr lang="en-US" dirty="0" smtClean="0"/>
+              <a:t>. </a:t>
+            </a:r>
+          </a:p>
+          <a:p>
+            <a:pPr marL="171450" indent="-171450">
+              <a:buFontTx/>
+              <a:buChar char="-"/>
+            </a:pPr>
+            <a:r>
+              <a:rPr lang="en-US" dirty="0" smtClean="0"/>
+              <a:t>“-v”</a:t>
+            </a:r>
+          </a:p>
+          <a:p>
+            <a:pPr marL="171450" indent="-171450">
+              <a:buFontTx/>
+              <a:buChar char="-"/>
+            </a:pPr>
+            <a:r>
+              <a:rPr lang="en-US" dirty="0" smtClean="0"/>
+              <a:t>“-X”</a:t>
+            </a:r>
+          </a:p>
+          <a:p>
+            <a:pPr marL="171450" indent="-171450">
+              <a:buFontTx/>
+              <a:buChar char="-"/>
+            </a:pPr>
+            <a:r>
+              <a:rPr lang="en-US" dirty="0" smtClean="0"/>
+              <a:t>"curl </a:t>
+            </a:r>
+            <a:r>
+              <a:rPr lang="en-US" dirty="0" smtClean="0">
+                <a:hlinkClick r:id="rId5"/>
+              </a:rPr>
+              <a:t>http://example.com</a:t>
+            </a:r>
+            <a:r>
+              <a:rPr lang="en-US" dirty="0" smtClean="0"/>
+              <a:t>" it will use GET. If you use -d or -F curl will use POST, -I will cause a HEAD and -T will make it a PUT. </a:t>
+            </a:r>
+          </a:p>
+          <a:p>
+            <a:pPr marL="171450" indent="-171450">
+              <a:buFontTx/>
+              <a:buChar char="-"/>
+            </a:pPr>
+            <a:r>
+              <a:rPr lang="en-US" dirty="0" smtClean="0"/>
+              <a:t>you can override those request methods by specifying -X [WHATEVER]</a:t>
+            </a:r>
+          </a:p>
+          <a:p>
+            <a:pPr marL="171450" indent="-171450">
+              <a:buFontTx/>
+              <a:buChar char="-"/>
+            </a:pPr>
+            <a:r>
+              <a:rPr lang="en-IE" sz="1200" kern="1200" dirty="0" smtClean="0">
+                <a:solidFill>
+                  <a:schemeClr val="tx1"/>
+                </a:solidFill>
+                <a:effectLst/>
+                <a:latin typeface="+mn-lt"/>
+                <a:ea typeface="+mn-ea"/>
+                <a:cs typeface="+mn-cs"/>
+              </a:rPr>
+              <a:t>“-H”</a:t>
+            </a:r>
+          </a:p>
+          <a:p>
+            <a:r>
+              <a:rPr lang="en-US" dirty="0" smtClean="0"/>
+              <a:t>- To make a simple HTTP POST with text/xml as content-type, do something like: </a:t>
+            </a:r>
+          </a:p>
+          <a:p>
+            <a:r>
+              <a:rPr lang="en-US" dirty="0" smtClean="0"/>
+              <a:t>curl -d "</a:t>
+            </a:r>
+            <a:r>
+              <a:rPr lang="en-US" dirty="0" err="1" smtClean="0"/>
+              <a:t>datatopost</a:t>
+            </a:r>
+            <a:r>
+              <a:rPr lang="en-US" dirty="0" smtClean="0"/>
+              <a:t>" -H "Content-Type: text/xml" [URL] </a:t>
+            </a:r>
           </a:p>
           <a:p>
             <a:endParaRPr lang="pl-PL" dirty="0"/>
@@ -1538,7 +1587,7 @@
           <a:p>
             <a:fld id="{9CCF4A4B-2EF2-4B29-8BD9-956A2A33DB7C}" type="slidenum">
               <a:rPr lang="pl-PL" smtClean="0"/>
-              <a:t>17</a:t>
+              <a:t>16</a:t>
             </a:fld>
             <a:endParaRPr lang="pl-PL"/>
           </a:p>
@@ -1547,7 +1596,7 @@
     </p:spTree>
     <p:extLst>
       <p:ext uri="{BB962C8B-B14F-4D97-AF65-F5344CB8AC3E}">
-        <p14:creationId xmlns:p14="http://schemas.microsoft.com/office/powerpoint/2010/main" val="1356649065"/>
+        <p14:creationId xmlns:p14="http://schemas.microsoft.com/office/powerpoint/2010/main" val="3582934340"/>
       </p:ext>
     </p:extLst>
   </p:cSld>
@@ -7064,7 +7113,7 @@
           <a:bodyPr/>
           <a:lstStyle/>
           <a:p>
-            <a:endParaRPr lang="pl-PL"/>
+            <a:endParaRPr lang="pl-PL" dirty="0"/>
           </a:p>
         </p:txBody>
       </p:sp>
@@ -7078,7 +7127,12 @@
             <p:ph idx="1"/>
           </p:nvPr>
         </p:nvSpPr>
-        <p:spPr/>
+        <p:spPr>
+          <a:xfrm>
+            <a:off x="457200" y="260648"/>
+            <a:ext cx="8229600" cy="5865515"/>
+          </a:xfrm>
+        </p:spPr>
         <p:txBody>
           <a:bodyPr/>
           <a:lstStyle/>
@@ -7087,27 +7141,245 @@
               <a:buNone/>
             </a:pPr>
             <a:r>
-              <a:rPr lang="en-IE" dirty="0" err="1" smtClean="0"/>
+              <a:rPr lang="en-IE" b="1" dirty="0" err="1">
+                <a:solidFill>
+                  <a:srgbClr val="7030A0"/>
+                </a:solidFill>
+              </a:rPr>
               <a:t>CustomerDAO.scala</a:t>
             </a:r>
-            <a:endParaRPr lang="en-IE" dirty="0" smtClean="0"/>
+            <a:endParaRPr lang="en-IE" b="1" dirty="0">
+              <a:solidFill>
+                <a:srgbClr val="7030A0"/>
+              </a:solidFill>
+            </a:endParaRPr>
           </a:p>
           <a:p>
             <a:pPr lvl="1"/>
-            <a:endParaRPr lang="pl-PL" dirty="0"/>
-          </a:p>
-        </p:txBody>
-      </p:sp>
+            <a:r>
+              <a:rPr lang="en-IE" dirty="0"/>
+              <a:t>specifies how to connect to the database</a:t>
+            </a:r>
+          </a:p>
+          <a:p>
+            <a:pPr lvl="1"/>
+            <a:r>
+              <a:rPr lang="en-IE" dirty="0"/>
+              <a:t>creates table </a:t>
+            </a:r>
+            <a:r>
+              <a:rPr lang="en-IE" i="1" dirty="0"/>
+              <a:t>customers</a:t>
+            </a:r>
+          </a:p>
+          <a:p>
+            <a:pPr lvl="1"/>
+            <a:r>
+              <a:rPr lang="en-IE" dirty="0" smtClean="0"/>
+              <a:t>defines </a:t>
+            </a:r>
+            <a:r>
+              <a:rPr lang="en-IE" dirty="0"/>
+              <a:t>several other methods responsible for interaction with the database: create, update, delete, get and </a:t>
+            </a:r>
+            <a:r>
+              <a:rPr lang="en-IE" b="1" dirty="0"/>
+              <a:t>withdraw</a:t>
+            </a:r>
+            <a:r>
+              <a:rPr lang="en-IE" dirty="0"/>
+              <a:t>, </a:t>
+            </a:r>
+            <a:r>
+              <a:rPr lang="en-IE" b="1" dirty="0"/>
+              <a:t>deposit</a:t>
+            </a:r>
+          </a:p>
+          <a:p>
+            <a:pPr marL="0" indent="0">
+              <a:buNone/>
+            </a:pPr>
+            <a:r>
+              <a:rPr lang="en-IE" b="1" dirty="0" err="1" smtClean="0">
+                <a:solidFill>
+                  <a:srgbClr val="7030A0"/>
+                </a:solidFill>
+              </a:rPr>
+              <a:t>RestServiceActor.scala</a:t>
+            </a:r>
+            <a:endParaRPr lang="en-IE" b="1" dirty="0" smtClean="0">
+              <a:solidFill>
+                <a:srgbClr val="7030A0"/>
+              </a:solidFill>
+            </a:endParaRPr>
+          </a:p>
+          <a:p>
+            <a:pPr marL="0" indent="0">
+              <a:buNone/>
+            </a:pPr>
+            <a:r>
+              <a:rPr lang="en-IE" dirty="0" smtClean="0"/>
+              <a:t>     -</a:t>
+            </a:r>
+            <a:r>
+              <a:rPr lang="en-IE" sz="2800" dirty="0" smtClean="0"/>
+              <a:t> defines the REST/HTTP layer responsible for         	handling HTTP requests</a:t>
+            </a:r>
+          </a:p>
+          <a:p>
+            <a:pPr marL="0" indent="0">
+              <a:buNone/>
+            </a:pPr>
+            <a:r>
+              <a:rPr lang="en-IE" sz="2800" dirty="0" smtClean="0"/>
+              <a:t>      - built with 		     framework</a:t>
+            </a:r>
+          </a:p>
+          <a:p>
+            <a:pPr marL="0" indent="0">
+              <a:buNone/>
+            </a:pPr>
+            <a:r>
+              <a:rPr lang="en-IE" sz="2800" dirty="0" smtClean="0"/>
+              <a:t>      - REST service is running inside an </a:t>
+            </a:r>
+            <a:r>
+              <a:rPr lang="en-IE" sz="2800" dirty="0" err="1" smtClean="0"/>
+              <a:t>Akka</a:t>
+            </a:r>
+            <a:r>
+              <a:rPr lang="en-IE" sz="2800" dirty="0" smtClean="0"/>
+              <a:t> actor</a:t>
+            </a:r>
+            <a:endParaRPr lang="pl-PL" sz="2800" dirty="0"/>
+          </a:p>
+        </p:txBody>
+      </p:sp>
+      <p:pic>
+        <p:nvPicPr>
+          <p:cNvPr id="4" name="Picture 2"/>
+          <p:cNvPicPr>
+            <a:picLocks noChangeAspect="1" noChangeArrowheads="1"/>
+          </p:cNvPicPr>
+          <p:nvPr/>
+        </p:nvPicPr>
+        <p:blipFill>
+          <a:blip r:embed="rId3" cstate="print">
+            <a:extLst>
+              <a:ext uri="{28A0092B-C50C-407E-A947-70E740481C1C}">
+                <a14:useLocalDpi xmlns:a14="http://schemas.microsoft.com/office/drawing/2010/main" val="0"/>
+              </a:ext>
+            </a:extLst>
+          </a:blip>
+          <a:srcRect/>
+          <a:stretch>
+            <a:fillRect/>
+          </a:stretch>
+        </p:blipFill>
+        <p:spPr bwMode="auto">
+          <a:xfrm>
+            <a:off x="7884368" y="188640"/>
+            <a:ext cx="727919" cy="727919"/>
+          </a:xfrm>
+          <a:prstGeom prst="rect">
+            <a:avLst/>
+          </a:prstGeom>
+          <a:noFill/>
+          <a:ln>
+            <a:noFill/>
+          </a:ln>
+          <a:extLst>
+            <a:ext uri="{909E8E84-426E-40DD-AFC4-6F175D3DCCD1}">
+              <a14:hiddenFill xmlns:a14="http://schemas.microsoft.com/office/drawing/2010/main">
+                <a:solidFill>
+                  <a:schemeClr val="accent1"/>
+                </a:solidFill>
+              </a14:hiddenFill>
+            </a:ext>
+            <a:ext uri="{91240B29-F687-4F45-9708-019B960494DF}">
+              <a14:hiddenLine xmlns:a14="http://schemas.microsoft.com/office/drawing/2010/main" w="9525">
+                <a:solidFill>
+                  <a:schemeClr val="tx1"/>
+                </a:solidFill>
+                <a:miter lim="800000"/>
+                <a:headEnd/>
+                <a:tailEnd/>
+              </a14:hiddenLine>
+            </a:ext>
+          </a:extLst>
+        </p:spPr>
+      </p:pic>
+      <p:pic>
+        <p:nvPicPr>
+          <p:cNvPr id="5" name="Picture 2"/>
+          <p:cNvPicPr>
+            <a:picLocks noChangeAspect="1" noChangeArrowheads="1"/>
+          </p:cNvPicPr>
+          <p:nvPr/>
+        </p:nvPicPr>
+        <p:blipFill>
+          <a:blip r:embed="rId4" cstate="print">
+            <a:extLst>
+              <a:ext uri="{28A0092B-C50C-407E-A947-70E740481C1C}">
+                <a14:useLocalDpi xmlns:a14="http://schemas.microsoft.com/office/drawing/2010/main" val="0"/>
+              </a:ext>
+            </a:extLst>
+          </a:blip>
+          <a:srcRect/>
+          <a:stretch>
+            <a:fillRect/>
+          </a:stretch>
+        </p:blipFill>
+        <p:spPr bwMode="auto">
+          <a:xfrm>
+            <a:off x="2843808" y="4909947"/>
+            <a:ext cx="1639788" cy="488520"/>
+          </a:xfrm>
+          <a:prstGeom prst="rect">
+            <a:avLst/>
+          </a:prstGeom>
+          <a:noFill/>
+          <a:ln>
+            <a:noFill/>
+          </a:ln>
+          <a:extLst>
+            <a:ext uri="{909E8E84-426E-40DD-AFC4-6F175D3DCCD1}">
+              <a14:hiddenFill xmlns:a14="http://schemas.microsoft.com/office/drawing/2010/main">
+                <a:solidFill>
+                  <a:schemeClr val="accent1"/>
+                </a:solidFill>
+              </a14:hiddenFill>
+            </a:ext>
+            <a:ext uri="{91240B29-F687-4F45-9708-019B960494DF}">
+              <a14:hiddenLine xmlns:a14="http://schemas.microsoft.com/office/drawing/2010/main" w="9525">
+                <a:solidFill>
+                  <a:schemeClr val="tx1"/>
+                </a:solidFill>
+                <a:miter lim="800000"/>
+                <a:headEnd/>
+                <a:tailEnd/>
+              </a14:hiddenLine>
+            </a:ext>
+          </a:extLst>
+        </p:spPr>
+      </p:pic>
     </p:spTree>
     <p:extLst>
       <p:ext uri="{BB962C8B-B14F-4D97-AF65-F5344CB8AC3E}">
-        <p14:creationId xmlns:p14="http://schemas.microsoft.com/office/powerpoint/2010/main" val="555393524"/>
+        <p14:creationId xmlns:p14="http://schemas.microsoft.com/office/powerpoint/2010/main" val="1497999770"/>
       </p:ext>
     </p:extLst>
   </p:cSld>
   <p:clrMapOvr>
     <a:masterClrMapping/>
   </p:clrMapOvr>
+  <p:timing>
+    <p:tnLst>
+      <p:par>
+        <p:cTn id="1" dur="indefinite" restart="never" nodeType="tmRoot"/>
+      </p:par>
+    </p:tnLst>
+  </p:timing>
 </p:sld>
 </file>
 
@@ -7140,22 +7412,29 @@
         </p:nvSpPr>
         <p:spPr/>
         <p:txBody>
-          <a:bodyPr/>
-          <a:lstStyle/>
-          <a:p>
-            <a:r>
-              <a:rPr lang="en-IE" b="1" dirty="0" smtClean="0">
+          <a:bodyPr>
+            <a:normAutofit/>
+          </a:bodyPr>
+          <a:lstStyle/>
+          <a:p>
+            <a:pPr algn="l"/>
+            <a:r>
+              <a:rPr lang="en-IE" dirty="0" smtClean="0"/>
+              <a:t>Running the application </a:t>
+            </a:r>
+            <a:r>
+              <a:rPr lang="en-IE" dirty="0" smtClean="0">
                 <a:solidFill>
                   <a:srgbClr val="FF0000"/>
                 </a:solidFill>
               </a:rPr>
-              <a:t>THE</a:t>
-            </a:r>
-            <a:r>
-              <a:rPr lang="en-IE" dirty="0" smtClean="0"/>
-              <a:t> application</a:t>
-            </a:r>
-            <a:endParaRPr lang="pl-PL" dirty="0"/>
+              <a:t>locally</a:t>
+            </a:r>
+            <a:endParaRPr lang="pl-PL" dirty="0">
+              <a:solidFill>
+                <a:srgbClr val="FF0000"/>
+              </a:solidFill>
+            </a:endParaRPr>
           </a:p>
         </p:txBody>
       </p:sp>
@@ -7171,33 +7450,22 @@
         </p:nvSpPr>
         <p:spPr/>
         <p:txBody>
-          <a:bodyPr/>
-          <a:lstStyle/>
-          <a:p>
-            <a:endParaRPr lang="en-IE" dirty="0" smtClean="0"/>
-          </a:p>
-          <a:p>
-            <a:r>
-              <a:rPr lang="en-IE" dirty="0"/>
-              <a:t>r</a:t>
-            </a:r>
-            <a:r>
-              <a:rPr lang="en-IE" dirty="0" smtClean="0"/>
-              <a:t>un it on the local machine</a:t>
-            </a:r>
-          </a:p>
-          <a:p>
-            <a:r>
-              <a:rPr lang="en-IE" i="1" dirty="0" err="1"/>
-              <a:t>s</a:t>
-            </a:r>
+          <a:bodyPr>
+            <a:normAutofit lnSpcReduction="10000"/>
+          </a:bodyPr>
+          <a:lstStyle/>
+          <a:p>
             <a:r>
               <a:rPr lang="en-IE" i="1" dirty="0" err="1" smtClean="0"/>
-              <a:t>bt</a:t>
+              <a:t>sbt</a:t>
             </a:r>
             <a:r>
               <a:rPr lang="en-IE" i="1" dirty="0" smtClean="0"/>
-              <a:t> run </a:t>
+              <a:t> </a:t>
+            </a:r>
+            <a:r>
+              <a:rPr lang="en-IE" i="1" dirty="0" smtClean="0"/>
+              <a:t>run </a:t>
             </a:r>
             <a:r>
               <a:rPr lang="en-IE" dirty="0" smtClean="0"/>
@@ -7207,17 +7475,11 @@
           <a:p>
             <a:r>
               <a:rPr lang="en-IE" dirty="0" smtClean="0"/>
-              <a:t>localhost:8080</a:t>
-            </a:r>
-          </a:p>
-          <a:p>
-            <a:r>
-              <a:rPr lang="en-IE" dirty="0"/>
-              <a:t>c</a:t>
+              <a:t>call </a:t>
             </a:r>
             <a:r>
               <a:rPr lang="en-IE" dirty="0" smtClean="0"/>
-              <a:t>all to it with </a:t>
+              <a:t>to it with </a:t>
             </a:r>
             <a:r>
               <a:rPr lang="en-IE" b="1" dirty="0" err="1" smtClean="0"/>
@@ -7231,6 +7493,42 @@
               <a:rPr lang="en-IE" dirty="0" smtClean="0"/>
               <a:t>first</a:t>
             </a:r>
+          </a:p>
+          <a:p>
+            <a:endParaRPr lang="en-IE" dirty="0"/>
+          </a:p>
+          <a:p>
+            <a:endParaRPr lang="en-IE" dirty="0" smtClean="0"/>
+          </a:p>
+          <a:p>
+            <a:r>
+              <a:rPr lang="en-IE" dirty="0"/>
+              <a:t>d</a:t>
+            </a:r>
+            <a:r>
+              <a:rPr lang="en-IE" dirty="0" smtClean="0"/>
+              <a:t>ata is sent in JSON format</a:t>
+            </a:r>
+          </a:p>
+          <a:p>
+            <a:r>
+              <a:rPr lang="en-IE" dirty="0"/>
+              <a:t>n</a:t>
+            </a:r>
+            <a:r>
+              <a:rPr lang="en-IE" dirty="0" smtClean="0"/>
+              <a:t>ote the HTTP code status response</a:t>
+            </a:r>
+          </a:p>
+          <a:p>
+            <a:endParaRPr lang="en-IE" dirty="0" smtClean="0"/>
+          </a:p>
+          <a:p>
+            <a:r>
+              <a:rPr lang="en-IE" dirty="0" smtClean="0"/>
+              <a:t>call to it with </a:t>
+            </a:r>
+            <a:endParaRPr lang="en-IE" dirty="0" smtClean="0"/>
           </a:p>
           <a:p>
             <a:endParaRPr lang="pl-PL" dirty="0"/>
@@ -7260,8 +7558,62 @@
         </p:blipFill>
         <p:spPr bwMode="auto">
           <a:xfrm>
-            <a:off x="143000" y="5013176"/>
-            <a:ext cx="9001000" cy="700809"/>
+            <a:off x="663679" y="2874075"/>
+            <a:ext cx="7669360" cy="597129"/>
+          </a:xfrm>
+          <a:prstGeom prst="rect">
+            <a:avLst/>
+          </a:prstGeom>
+          <a:noFill/>
+          <a:ln>
+            <a:noFill/>
+          </a:ln>
+          <a:extLst>
+            <a:ext uri="{909E8E84-426E-40DD-AFC4-6F175D3DCCD1}">
+              <a14:hiddenFill xmlns:a14="http://schemas.microsoft.com/office/drawing/2010/main">
+                <a:solidFill>
+                  <a:schemeClr val="accent1"/>
+                </a:solidFill>
+              </a14:hiddenFill>
+            </a:ext>
+            <a:ext uri="{91240B29-F687-4F45-9708-019B960494DF}">
+              <a14:hiddenLine xmlns:a14="http://schemas.microsoft.com/office/drawing/2010/main" w="9525">
+                <a:solidFill>
+                  <a:schemeClr val="tx1"/>
+                </a:solidFill>
+                <a:miter lim="800000"/>
+                <a:headEnd/>
+                <a:tailEnd/>
+              </a14:hiddenLine>
+            </a:ext>
+          </a:extLst>
+        </p:spPr>
+      </p:pic>
+      <p:pic>
+        <p:nvPicPr>
+          <p:cNvPr id="6" name="Picture 2"/>
+          <p:cNvPicPr>
+            <a:picLocks noChangeAspect="1" noChangeArrowheads="1"/>
+          </p:cNvPicPr>
+          <p:nvPr/>
+        </p:nvPicPr>
+        <p:blipFill>
+          <a:blip r:embed="rId4" cstate="print">
+            <a:extLst>
+              <a:ext uri="{28A0092B-C50C-407E-A947-70E740481C1C}">
+                <a14:useLocalDpi xmlns:a14="http://schemas.microsoft.com/office/drawing/2010/main" val="0"/>
+              </a:ext>
+            </a:extLst>
+          </a:blip>
+          <a:srcRect/>
+          <a:stretch>
+            <a:fillRect/>
+          </a:stretch>
+        </p:blipFill>
+        <p:spPr bwMode="auto">
+          <a:xfrm>
+            <a:off x="3275856" y="4883125"/>
+            <a:ext cx="2445006" cy="817699"/>
           </a:xfrm>
           <a:prstGeom prst="rect">
             <a:avLst/>
@@ -7340,729 +7692,16 @@
         </p:nvSpPr>
         <p:spPr/>
         <p:txBody>
-          <a:bodyPr/>
-          <a:lstStyle/>
-          <a:p>
-            <a:endParaRPr lang="pl-PL" dirty="0"/>
-          </a:p>
-        </p:txBody>
-      </p:sp>
-      <p:sp>
-        <p:nvSpPr>
-          <p:cNvPr id="3" name="Symbol zastępczy zawartości 2"/>
-          <p:cNvSpPr>
-            <a:spLocks noGrp="1"/>
-          </p:cNvSpPr>
-          <p:nvPr>
-            <p:ph idx="1"/>
-          </p:nvPr>
-        </p:nvSpPr>
-        <p:spPr/>
-        <p:txBody>
-          <a:bodyPr>
-            <a:normAutofit fontScale="92500" lnSpcReduction="10000"/>
-          </a:bodyPr>
-          <a:lstStyle/>
-          <a:p>
-            <a:endParaRPr lang="en-IE" dirty="0" smtClean="0"/>
-          </a:p>
-          <a:p>
-            <a:r>
-              <a:rPr lang="en-IE" dirty="0"/>
-              <a:t>t</a:t>
-            </a:r>
-            <a:r>
-              <a:rPr lang="en-IE" dirty="0" smtClean="0"/>
-              <a:t>oolkit that is implemented using </a:t>
-            </a:r>
-            <a:r>
-              <a:rPr lang="en-IE" dirty="0" err="1" smtClean="0"/>
-              <a:t>Akka</a:t>
-            </a:r>
-            <a:endParaRPr lang="en-IE" dirty="0" smtClean="0"/>
-          </a:p>
-          <a:p>
-            <a:r>
-              <a:rPr lang="en-IE" dirty="0"/>
-              <a:t>f</a:t>
-            </a:r>
-            <a:r>
-              <a:rPr lang="en-IE" dirty="0" smtClean="0"/>
-              <a:t>eatures a HTTP server</a:t>
-            </a:r>
-          </a:p>
-          <a:p>
-            <a:r>
-              <a:rPr lang="en-IE" dirty="0"/>
-              <a:t>a</a:t>
-            </a:r>
-            <a:r>
-              <a:rPr lang="en-IE" dirty="0" smtClean="0"/>
-              <a:t>nd related facilities such as DSL for creating </a:t>
-            </a:r>
-            <a:r>
-              <a:rPr lang="en-IE" dirty="0" err="1" smtClean="0"/>
-              <a:t>RESTful</a:t>
-            </a:r>
-            <a:r>
-              <a:rPr lang="en-IE" dirty="0" smtClean="0"/>
-              <a:t> APIs</a:t>
-            </a:r>
-          </a:p>
-          <a:p>
-            <a:endParaRPr lang="en-IE" dirty="0"/>
-          </a:p>
-          <a:p>
-            <a:endParaRPr lang="en-IE" dirty="0" smtClean="0"/>
-          </a:p>
-          <a:p>
-            <a:pPr marL="0" indent="0">
-              <a:buNone/>
-            </a:pPr>
-            <a:r>
-              <a:rPr lang="en-US" dirty="0" smtClean="0"/>
-              <a:t>			</a:t>
-            </a:r>
-          </a:p>
-          <a:p>
-            <a:pPr marL="0" indent="0">
-              <a:buNone/>
-            </a:pPr>
-            <a:r>
-              <a:rPr lang="en-US" dirty="0"/>
-              <a:t>	</a:t>
-            </a:r>
-            <a:r>
-              <a:rPr lang="en-US" dirty="0" smtClean="0"/>
-              <a:t>		</a:t>
-            </a:r>
-            <a:endParaRPr lang="en-IE" dirty="0" smtClean="0"/>
-          </a:p>
-          <a:p>
-            <a:endParaRPr lang="en-IE" dirty="0"/>
-          </a:p>
-          <a:p>
-            <a:endParaRPr lang="pl-PL" dirty="0"/>
-          </a:p>
-        </p:txBody>
-      </p:sp>
-      <p:pic>
-        <p:nvPicPr>
-          <p:cNvPr id="4" name="Picture 2"/>
-          <p:cNvPicPr>
-            <a:picLocks noChangeAspect="1" noChangeArrowheads="1"/>
-          </p:cNvPicPr>
-          <p:nvPr/>
-        </p:nvPicPr>
-        <p:blipFill>
-          <a:blip r:embed="rId3">
-            <a:extLst>
-              <a:ext uri="{28A0092B-C50C-407E-A947-70E740481C1C}">
-                <a14:useLocalDpi xmlns:a14="http://schemas.microsoft.com/office/drawing/2010/main" val="0"/>
-              </a:ext>
-            </a:extLst>
-          </a:blip>
-          <a:srcRect/>
-          <a:stretch>
-            <a:fillRect/>
-          </a:stretch>
-        </p:blipFill>
-        <p:spPr bwMode="auto">
-          <a:xfrm>
-            <a:off x="1060004" y="595907"/>
-            <a:ext cx="3279576" cy="977040"/>
-          </a:xfrm>
-          <a:prstGeom prst="rect">
-            <a:avLst/>
-          </a:prstGeom>
-          <a:noFill/>
-          <a:ln>
-            <a:noFill/>
-          </a:ln>
-          <a:extLst>
-            <a:ext uri="{909E8E84-426E-40DD-AFC4-6F175D3DCCD1}">
-              <a14:hiddenFill xmlns:a14="http://schemas.microsoft.com/office/drawing/2010/main">
-                <a:solidFill>
-                  <a:schemeClr val="accent1"/>
-                </a:solidFill>
-              </a14:hiddenFill>
-            </a:ext>
-            <a:ext uri="{91240B29-F687-4F45-9708-019B960494DF}">
-              <a14:hiddenLine xmlns:a14="http://schemas.microsoft.com/office/drawing/2010/main" w="9525">
-                <a:solidFill>
-                  <a:schemeClr val="tx1"/>
-                </a:solidFill>
-                <a:miter lim="800000"/>
-                <a:headEnd/>
-                <a:tailEnd/>
-              </a14:hiddenLine>
-            </a:ext>
-          </a:extLst>
-        </p:spPr>
-      </p:pic>
-      <p:pic>
-        <p:nvPicPr>
-          <p:cNvPr id="5" name="Picture 2"/>
-          <p:cNvPicPr>
-            <a:picLocks noChangeAspect="1" noChangeArrowheads="1"/>
-          </p:cNvPicPr>
-          <p:nvPr/>
-        </p:nvPicPr>
-        <p:blipFill>
-          <a:blip r:embed="rId4">
-            <a:extLst>
-              <a:ext uri="{28A0092B-C50C-407E-A947-70E740481C1C}">
-                <a14:useLocalDpi xmlns:a14="http://schemas.microsoft.com/office/drawing/2010/main" val="0"/>
-              </a:ext>
-            </a:extLst>
-          </a:blip>
-          <a:srcRect/>
-          <a:stretch>
-            <a:fillRect/>
-          </a:stretch>
-        </p:blipFill>
-        <p:spPr bwMode="auto">
-          <a:xfrm>
-            <a:off x="7324700" y="423575"/>
-            <a:ext cx="1184920" cy="1149372"/>
-          </a:xfrm>
-          <a:prstGeom prst="rect">
-            <a:avLst/>
-          </a:prstGeom>
-          <a:noFill/>
-          <a:ln>
-            <a:noFill/>
-          </a:ln>
-          <a:extLst>
-            <a:ext uri="{909E8E84-426E-40DD-AFC4-6F175D3DCCD1}">
-              <a14:hiddenFill xmlns:a14="http://schemas.microsoft.com/office/drawing/2010/main">
-                <a:solidFill>
-                  <a:schemeClr val="accent1"/>
-                </a:solidFill>
-              </a14:hiddenFill>
-            </a:ext>
-            <a:ext uri="{91240B29-F687-4F45-9708-019B960494DF}">
-              <a14:hiddenLine xmlns:a14="http://schemas.microsoft.com/office/drawing/2010/main" w="9525">
-                <a:solidFill>
-                  <a:schemeClr val="tx1"/>
-                </a:solidFill>
-                <a:miter lim="800000"/>
-                <a:headEnd/>
-                <a:tailEnd/>
-              </a14:hiddenLine>
-            </a:ext>
-          </a:extLst>
-        </p:spPr>
-      </p:pic>
-    </p:spTree>
-    <p:extLst>
-      <p:ext uri="{BB962C8B-B14F-4D97-AF65-F5344CB8AC3E}">
-        <p14:creationId xmlns:p14="http://schemas.microsoft.com/office/powerpoint/2010/main" val="834560670"/>
-      </p:ext>
-    </p:extLst>
-  </p:cSld>
-  <p:clrMapOvr>
-    <a:masterClrMapping/>
-  </p:clrMapOvr>
-  <p:timing>
-    <p:tnLst>
-      <p:par>
-        <p:cTn id="1" dur="indefinite" restart="never" nodeType="tmRoot"/>
-      </p:par>
-    </p:tnLst>
-  </p:timing>
-</p:sld>
-</file>
-
-<file path=ppt/slides/slide18.xml><?xml version="1.0" encoding="utf-8"?>
-<p:sld xmlns:a="http://schemas.openxmlformats.org/drawingml/2006/main" xmlns:r="http://schemas.openxmlformats.org/officeDocument/2006/relationships" xmlns:p="http://schemas.openxmlformats.org/presentationml/2006/main">
-  <p:cSld>
-    <p:spTree>
-      <p:nvGrpSpPr>
-        <p:cNvPr id="1" name=""/>
-        <p:cNvGrpSpPr/>
-        <p:nvPr/>
-      </p:nvGrpSpPr>
-      <p:grpSpPr>
-        <a:xfrm>
-          <a:off x="0" y="0"/>
-          <a:ext cx="0" cy="0"/>
-          <a:chOff x="0" y="0"/>
-          <a:chExt cx="0" cy="0"/>
-        </a:xfrm>
-      </p:grpSpPr>
-      <p:sp>
-        <p:nvSpPr>
-          <p:cNvPr id="2" name="Tytuł 1"/>
-          <p:cNvSpPr>
-            <a:spLocks noGrp="1"/>
-          </p:cNvSpPr>
-          <p:nvPr>
-            <p:ph type="title"/>
-          </p:nvPr>
-        </p:nvSpPr>
-        <p:spPr/>
-        <p:txBody>
-          <a:bodyPr/>
-          <a:lstStyle/>
-          <a:p>
-            <a:r>
-              <a:rPr lang="en-IE" dirty="0" err="1" smtClean="0"/>
-              <a:t>cURL</a:t>
-            </a:r>
-            <a:r>
-              <a:rPr lang="en-IE" dirty="0" smtClean="0"/>
-              <a:t> examples:</a:t>
-            </a:r>
-            <a:endParaRPr lang="pl-PL" dirty="0"/>
-          </a:p>
-        </p:txBody>
-      </p:sp>
-      <p:sp>
-        <p:nvSpPr>
-          <p:cNvPr id="3" name="Symbol zastępczy zawartości 2"/>
-          <p:cNvSpPr>
-            <a:spLocks noGrp="1"/>
-          </p:cNvSpPr>
-          <p:nvPr>
-            <p:ph idx="1"/>
-          </p:nvPr>
-        </p:nvSpPr>
-        <p:spPr/>
-        <p:txBody>
-          <a:bodyPr/>
-          <a:lstStyle/>
-          <a:p>
-            <a:r>
-              <a:rPr lang="en-IE" dirty="0" smtClean="0"/>
-              <a:t>POST</a:t>
-            </a:r>
-          </a:p>
-          <a:p>
-            <a:r>
-              <a:rPr lang="en-IE" dirty="0" smtClean="0"/>
-              <a:t>GET</a:t>
-            </a:r>
-          </a:p>
-          <a:p>
-            <a:r>
-              <a:rPr lang="en-IE" dirty="0"/>
-              <a:t>w</a:t>
-            </a:r>
-            <a:r>
-              <a:rPr lang="en-IE" dirty="0" smtClean="0"/>
-              <a:t>ithdraw</a:t>
-            </a:r>
-          </a:p>
-          <a:p>
-            <a:r>
-              <a:rPr lang="en-IE" dirty="0"/>
-              <a:t>d</a:t>
-            </a:r>
-            <a:r>
-              <a:rPr lang="en-IE" dirty="0" smtClean="0"/>
-              <a:t>eposit</a:t>
-            </a:r>
-          </a:p>
-          <a:p>
-            <a:r>
-              <a:rPr lang="en-IE" dirty="0"/>
-              <a:t>e</a:t>
-            </a:r>
-            <a:r>
-              <a:rPr lang="en-IE" dirty="0" smtClean="0"/>
-              <a:t>rror messages</a:t>
-            </a:r>
-          </a:p>
-        </p:txBody>
-      </p:sp>
-    </p:spTree>
-    <p:extLst>
-      <p:ext uri="{BB962C8B-B14F-4D97-AF65-F5344CB8AC3E}">
-        <p14:creationId xmlns:p14="http://schemas.microsoft.com/office/powerpoint/2010/main" val="1891271664"/>
-      </p:ext>
-    </p:extLst>
-  </p:cSld>
-  <p:clrMapOvr>
-    <a:masterClrMapping/>
-  </p:clrMapOvr>
-  <p:timing>
-    <p:tnLst>
-      <p:par>
-        <p:cTn id="1" dur="indefinite" restart="never" nodeType="tmRoot"/>
-      </p:par>
-    </p:tnLst>
-  </p:timing>
-</p:sld>
-</file>
-
-<file path=ppt/slides/slide19.xml><?xml version="1.0" encoding="utf-8"?>
-<p:sld xmlns:a="http://schemas.openxmlformats.org/drawingml/2006/main" xmlns:r="http://schemas.openxmlformats.org/officeDocument/2006/relationships" xmlns:p="http://schemas.openxmlformats.org/presentationml/2006/main">
-  <p:cSld>
-    <p:spTree>
-      <p:nvGrpSpPr>
-        <p:cNvPr id="1" name=""/>
-        <p:cNvGrpSpPr/>
-        <p:nvPr/>
-      </p:nvGrpSpPr>
-      <p:grpSpPr>
-        <a:xfrm>
-          <a:off x="0" y="0"/>
-          <a:ext cx="0" cy="0"/>
-          <a:chOff x="0" y="0"/>
-          <a:chExt cx="0" cy="0"/>
-        </a:xfrm>
-      </p:grpSpPr>
-      <p:sp>
-        <p:nvSpPr>
-          <p:cNvPr id="2" name="Tytuł 1"/>
-          <p:cNvSpPr>
-            <a:spLocks noGrp="1"/>
-          </p:cNvSpPr>
-          <p:nvPr>
-            <p:ph type="title"/>
-          </p:nvPr>
-        </p:nvSpPr>
-        <p:spPr/>
-        <p:txBody>
           <a:bodyPr>
             <a:normAutofit/>
           </a:bodyPr>
           <a:lstStyle/>
           <a:p>
-            <a:endParaRPr lang="pl-PL" dirty="0"/>
-          </a:p>
-        </p:txBody>
-      </p:sp>
-      <p:sp>
-        <p:nvSpPr>
-          <p:cNvPr id="3" name="Symbol zastępczy zawartości 2"/>
-          <p:cNvSpPr>
-            <a:spLocks noGrp="1"/>
-          </p:cNvSpPr>
-          <p:nvPr>
-            <p:ph idx="1"/>
-          </p:nvPr>
-        </p:nvSpPr>
-        <p:spPr/>
-        <p:txBody>
-          <a:bodyPr/>
-          <a:lstStyle/>
-          <a:p>
-            <a:endParaRPr lang="en-IE" dirty="0" smtClean="0"/>
-          </a:p>
-          <a:p>
-            <a:endParaRPr lang="en-IE" dirty="0" smtClean="0"/>
-          </a:p>
-          <a:p>
-            <a:pPr marL="0" indent="0">
-              <a:buNone/>
-            </a:pPr>
-            <a:r>
-              <a:rPr lang="en-IE" dirty="0"/>
-              <a:t>	</a:t>
-            </a:r>
+            <a:pPr algn="l"/>
             <a:r>
               <a:rPr lang="en-IE" dirty="0" smtClean="0"/>
-              <a:t>			</a:t>
-            </a:r>
-            <a:endParaRPr lang="pl-PL" dirty="0"/>
-          </a:p>
-        </p:txBody>
-      </p:sp>
-      <p:pic>
-        <p:nvPicPr>
-          <p:cNvPr id="4098" name="Picture 2"/>
-          <p:cNvPicPr>
-            <a:picLocks noChangeAspect="1" noChangeArrowheads="1"/>
-          </p:cNvPicPr>
-          <p:nvPr/>
-        </p:nvPicPr>
-        <p:blipFill>
-          <a:blip r:embed="rId2" cstate="print">
-            <a:extLst>
-              <a:ext uri="{28A0092B-C50C-407E-A947-70E740481C1C}">
-                <a14:useLocalDpi xmlns:a14="http://schemas.microsoft.com/office/drawing/2010/main" val="0"/>
-              </a:ext>
-            </a:extLst>
-          </a:blip>
-          <a:srcRect/>
-          <a:stretch>
-            <a:fillRect/>
-          </a:stretch>
-        </p:blipFill>
-        <p:spPr bwMode="auto">
-          <a:xfrm>
-            <a:off x="2699792" y="404664"/>
-            <a:ext cx="3600400" cy="1204105"/>
-          </a:xfrm>
-          <a:prstGeom prst="rect">
-            <a:avLst/>
-          </a:prstGeom>
-          <a:noFill/>
-          <a:ln>
-            <a:noFill/>
-          </a:ln>
-          <a:extLst>
-            <a:ext uri="{909E8E84-426E-40DD-AFC4-6F175D3DCCD1}">
-              <a14:hiddenFill xmlns:a14="http://schemas.microsoft.com/office/drawing/2010/main">
-                <a:solidFill>
-                  <a:schemeClr val="accent1"/>
-                </a:solidFill>
-              </a14:hiddenFill>
-            </a:ext>
-            <a:ext uri="{91240B29-F687-4F45-9708-019B960494DF}">
-              <a14:hiddenLine xmlns:a14="http://schemas.microsoft.com/office/drawing/2010/main" w="9525">
-                <a:solidFill>
-                  <a:schemeClr val="tx1"/>
-                </a:solidFill>
-                <a:miter lim="800000"/>
-                <a:headEnd/>
-                <a:tailEnd/>
-              </a14:hiddenLine>
-            </a:ext>
-          </a:extLst>
-        </p:spPr>
-      </p:pic>
-    </p:spTree>
-    <p:extLst>
-      <p:ext uri="{BB962C8B-B14F-4D97-AF65-F5344CB8AC3E}">
-        <p14:creationId xmlns:p14="http://schemas.microsoft.com/office/powerpoint/2010/main" val="1462587082"/>
-      </p:ext>
-    </p:extLst>
-  </p:cSld>
-  <p:clrMapOvr>
-    <a:masterClrMapping/>
-  </p:clrMapOvr>
-  <p:timing>
-    <p:tnLst>
-      <p:par>
-        <p:cTn id="1" dur="indefinite" restart="never" nodeType="tmRoot"/>
-      </p:par>
-    </p:tnLst>
-  </p:timing>
-</p:sld>
-</file>
-
-<file path=ppt/slides/slide2.xml><?xml version="1.0" encoding="utf-8"?>
-<p:sld xmlns:a="http://schemas.openxmlformats.org/drawingml/2006/main" xmlns:r="http://schemas.openxmlformats.org/officeDocument/2006/relationships" xmlns:p="http://schemas.openxmlformats.org/presentationml/2006/main">
-  <p:cSld>
-    <p:spTree>
-      <p:nvGrpSpPr>
-        <p:cNvPr id="1" name=""/>
-        <p:cNvGrpSpPr/>
-        <p:nvPr/>
-      </p:nvGrpSpPr>
-      <p:grpSpPr>
-        <a:xfrm>
-          <a:off x="0" y="0"/>
-          <a:ext cx="0" cy="0"/>
-          <a:chOff x="0" y="0"/>
-          <a:chExt cx="0" cy="0"/>
-        </a:xfrm>
-      </p:grpSpPr>
-      <p:sp>
-        <p:nvSpPr>
-          <p:cNvPr id="2" name="Tytuł 1"/>
-          <p:cNvSpPr>
-            <a:spLocks noGrp="1"/>
-          </p:cNvSpPr>
-          <p:nvPr>
-            <p:ph type="title"/>
-          </p:nvPr>
-        </p:nvSpPr>
-        <p:spPr/>
-        <p:txBody>
-          <a:bodyPr/>
-          <a:lstStyle/>
-          <a:p>
-            <a:pPr algn="l"/>
-            <a:r>
-              <a:rPr lang="en-IE" dirty="0" smtClean="0"/>
-              <a:t>Project goals </a:t>
-            </a:r>
-            <a:endParaRPr lang="pl-PL" dirty="0"/>
-          </a:p>
-        </p:txBody>
-      </p:sp>
-      <p:sp>
-        <p:nvSpPr>
-          <p:cNvPr id="3" name="Symbol zastępczy zawartości 2"/>
-          <p:cNvSpPr>
-            <a:spLocks noGrp="1"/>
-          </p:cNvSpPr>
-          <p:nvPr>
-            <p:ph idx="1"/>
-          </p:nvPr>
-        </p:nvSpPr>
-        <p:spPr/>
-        <p:txBody>
-          <a:bodyPr/>
-          <a:lstStyle/>
-          <a:p>
-            <a:endParaRPr lang="en-IE" dirty="0" smtClean="0"/>
-          </a:p>
-          <a:p>
-            <a:r>
-              <a:rPr lang="en-IE" dirty="0" smtClean="0"/>
-              <a:t>to get familiar with Scala programming language</a:t>
-            </a:r>
-          </a:p>
-          <a:p>
-            <a:r>
-              <a:rPr lang="en-IE" dirty="0"/>
-              <a:t>t</a:t>
-            </a:r>
-            <a:r>
-              <a:rPr lang="en-IE" dirty="0" smtClean="0"/>
-              <a:t>o get familiar with web service concept and a broad range of technologies</a:t>
-            </a:r>
-          </a:p>
-          <a:p>
-            <a:r>
-              <a:rPr lang="en-IE" dirty="0"/>
-              <a:t>t</a:t>
-            </a:r>
-            <a:r>
-              <a:rPr lang="en-IE" dirty="0" smtClean="0"/>
-              <a:t>o get familiar with Actor paradigm</a:t>
-            </a:r>
-          </a:p>
-          <a:p>
-            <a:endParaRPr lang="en-IE" dirty="0"/>
-          </a:p>
-          <a:p>
-            <a:pPr marL="0" indent="0">
-              <a:buNone/>
-            </a:pPr>
-            <a:r>
-              <a:rPr lang="en-IE" dirty="0"/>
-              <a:t>n</a:t>
-            </a:r>
-            <a:r>
-              <a:rPr lang="en-IE" dirty="0" smtClean="0"/>
-              <a:t>ote the “get </a:t>
-            </a:r>
-            <a:r>
-              <a:rPr lang="en-IE" dirty="0" err="1" smtClean="0"/>
-              <a:t>familar</a:t>
-            </a:r>
-            <a:r>
-              <a:rPr lang="en-IE" dirty="0" smtClean="0"/>
-              <a:t>” as…</a:t>
-            </a:r>
-            <a:endParaRPr lang="pl-PL" dirty="0"/>
-          </a:p>
-        </p:txBody>
-      </p:sp>
-      <p:pic>
-        <p:nvPicPr>
-          <p:cNvPr id="1026" name="Picture 2"/>
-          <p:cNvPicPr>
-            <a:picLocks noChangeAspect="1" noChangeArrowheads="1"/>
-          </p:cNvPicPr>
-          <p:nvPr/>
-        </p:nvPicPr>
-        <p:blipFill>
-          <a:blip r:embed="rId2" cstate="print">
-            <a:extLst>
-              <a:ext uri="{28A0092B-C50C-407E-A947-70E740481C1C}">
-                <a14:useLocalDpi xmlns:a14="http://schemas.microsoft.com/office/drawing/2010/main" val="0"/>
-              </a:ext>
-            </a:extLst>
-          </a:blip>
-          <a:srcRect/>
-          <a:stretch>
-            <a:fillRect/>
-          </a:stretch>
-        </p:blipFill>
-        <p:spPr bwMode="auto">
-          <a:xfrm>
-            <a:off x="5508104" y="438841"/>
-            <a:ext cx="1944216" cy="1458162"/>
-          </a:xfrm>
-          <a:prstGeom prst="rect">
-            <a:avLst/>
-          </a:prstGeom>
-          <a:noFill/>
-          <a:ln>
-            <a:noFill/>
-          </a:ln>
-          <a:extLst>
-            <a:ext uri="{909E8E84-426E-40DD-AFC4-6F175D3DCCD1}">
-              <a14:hiddenFill xmlns:a14="http://schemas.microsoft.com/office/drawing/2010/main">
-                <a:solidFill>
-                  <a:schemeClr val="accent1"/>
-                </a:solidFill>
-              </a14:hiddenFill>
-            </a:ext>
-            <a:ext uri="{91240B29-F687-4F45-9708-019B960494DF}">
-              <a14:hiddenLine xmlns:a14="http://schemas.microsoft.com/office/drawing/2010/main" w="9525">
-                <a:solidFill>
-                  <a:schemeClr val="tx1"/>
-                </a:solidFill>
-                <a:miter lim="800000"/>
-                <a:headEnd/>
-                <a:tailEnd/>
-              </a14:hiddenLine>
-            </a:ext>
-          </a:extLst>
-        </p:spPr>
-      </p:pic>
-    </p:spTree>
-    <p:extLst>
-      <p:ext uri="{BB962C8B-B14F-4D97-AF65-F5344CB8AC3E}">
-        <p14:creationId xmlns:p14="http://schemas.microsoft.com/office/powerpoint/2010/main" val="3544932548"/>
-      </p:ext>
-    </p:extLst>
-  </p:cSld>
-  <p:clrMapOvr>
-    <a:masterClrMapping/>
-  </p:clrMapOvr>
-  <p:timing>
-    <p:tnLst>
-      <p:par>
-        <p:cTn id="1" dur="indefinite" restart="never" nodeType="tmRoot"/>
-      </p:par>
-    </p:tnLst>
-  </p:timing>
-</p:sld>
-</file>
-
-<file path=ppt/slides/slide20.xml><?xml version="1.0" encoding="utf-8"?>
-<p:sld xmlns:a="http://schemas.openxmlformats.org/drawingml/2006/main" xmlns:r="http://schemas.openxmlformats.org/officeDocument/2006/relationships" xmlns:p="http://schemas.openxmlformats.org/presentationml/2006/main">
-  <p:cSld>
-    <p:spTree>
-      <p:nvGrpSpPr>
-        <p:cNvPr id="1" name=""/>
-        <p:cNvGrpSpPr/>
-        <p:nvPr/>
-      </p:nvGrpSpPr>
-      <p:grpSpPr>
-        <a:xfrm>
-          <a:off x="0" y="0"/>
-          <a:ext cx="0" cy="0"/>
-          <a:chOff x="0" y="0"/>
-          <a:chExt cx="0" cy="0"/>
-        </a:xfrm>
-      </p:grpSpPr>
-      <p:sp>
-        <p:nvSpPr>
-          <p:cNvPr id="2" name="Tytuł 1"/>
-          <p:cNvSpPr>
-            <a:spLocks noGrp="1"/>
-          </p:cNvSpPr>
-          <p:nvPr>
-            <p:ph type="title"/>
-          </p:nvPr>
-        </p:nvSpPr>
-        <p:spPr/>
-        <p:txBody>
-          <a:bodyPr>
-            <a:normAutofit/>
-          </a:bodyPr>
-          <a:lstStyle/>
-          <a:p>
+              <a:t>Deploying the application to </a:t>
+            </a:r>
             <a:endParaRPr lang="pl-PL" dirty="0"/>
           </a:p>
         </p:txBody>
@@ -8108,8 +7747,29 @@
             </a:r>
             <a:r>
               <a:rPr lang="en-IE" dirty="0" smtClean="0"/>
-              <a:t>efine your dependencies, processes, build properties</a:t>
-            </a:r>
+              <a:t>efine your dependencies, </a:t>
+            </a:r>
+            <a:r>
+              <a:rPr lang="en-IE" dirty="0"/>
+              <a:t>build properties, </a:t>
+            </a:r>
+            <a:r>
+              <a:rPr lang="en-IE" dirty="0" smtClean="0"/>
+              <a:t>processes</a:t>
+            </a:r>
+            <a:r>
+              <a:rPr lang="en-IE" dirty="0"/>
+              <a:t> </a:t>
+            </a:r>
+            <a:r>
+              <a:rPr lang="en-IE" dirty="0" smtClean="0"/>
+              <a:t>with </a:t>
+            </a:r>
+            <a:r>
+              <a:rPr lang="en-IE" b="1" dirty="0" err="1" smtClean="0"/>
+              <a:t>Procfile</a:t>
+            </a:r>
+            <a:endParaRPr lang="en-IE" b="1" dirty="0" smtClean="0"/>
           </a:p>
           <a:p>
             <a:r>
@@ -8190,8 +7850,8 @@
         </p:blipFill>
         <p:spPr bwMode="auto">
           <a:xfrm>
-            <a:off x="2051720" y="507854"/>
-            <a:ext cx="4633167" cy="1447866"/>
+            <a:off x="5436096" y="1305985"/>
+            <a:ext cx="2938143" cy="918170"/>
           </a:xfrm>
           <a:prstGeom prst="rect">
             <a:avLst/>
@@ -8266,6 +7926,172 @@
     <p:extLst>
       <p:ext uri="{BB962C8B-B14F-4D97-AF65-F5344CB8AC3E}">
         <p14:creationId xmlns:p14="http://schemas.microsoft.com/office/powerpoint/2010/main" val="3974044721"/>
+      </p:ext>
+    </p:extLst>
+  </p:cSld>
+  <p:clrMapOvr>
+    <a:masterClrMapping/>
+  </p:clrMapOvr>
+  <p:timing>
+    <p:tnLst>
+      <p:par>
+        <p:cTn id="1" dur="indefinite" restart="never" nodeType="tmRoot"/>
+      </p:par>
+    </p:tnLst>
+  </p:timing>
+</p:sld>
+</file>
+
+<file path=ppt/slides/slide2.xml><?xml version="1.0" encoding="utf-8"?>
+<p:sld xmlns:a="http://schemas.openxmlformats.org/drawingml/2006/main" xmlns:r="http://schemas.openxmlformats.org/officeDocument/2006/relationships" xmlns:p="http://schemas.openxmlformats.org/presentationml/2006/main">
+  <p:cSld>
+    <p:spTree>
+      <p:nvGrpSpPr>
+        <p:cNvPr id="1" name=""/>
+        <p:cNvGrpSpPr/>
+        <p:nvPr/>
+      </p:nvGrpSpPr>
+      <p:grpSpPr>
+        <a:xfrm>
+          <a:off x="0" y="0"/>
+          <a:ext cx="0" cy="0"/>
+          <a:chOff x="0" y="0"/>
+          <a:chExt cx="0" cy="0"/>
+        </a:xfrm>
+      </p:grpSpPr>
+      <p:sp>
+        <p:nvSpPr>
+          <p:cNvPr id="2" name="Tytuł 1"/>
+          <p:cNvSpPr>
+            <a:spLocks noGrp="1"/>
+          </p:cNvSpPr>
+          <p:nvPr>
+            <p:ph type="title"/>
+          </p:nvPr>
+        </p:nvSpPr>
+        <p:spPr/>
+        <p:txBody>
+          <a:bodyPr/>
+          <a:lstStyle/>
+          <a:p>
+            <a:pPr algn="l"/>
+            <a:r>
+              <a:rPr lang="en-IE" dirty="0" smtClean="0"/>
+              <a:t>Project goals </a:t>
+            </a:r>
+            <a:endParaRPr lang="pl-PL" dirty="0"/>
+          </a:p>
+        </p:txBody>
+      </p:sp>
+      <p:sp>
+        <p:nvSpPr>
+          <p:cNvPr id="3" name="Symbol zastępczy zawartości 2"/>
+          <p:cNvSpPr>
+            <a:spLocks noGrp="1"/>
+          </p:cNvSpPr>
+          <p:nvPr>
+            <p:ph idx="1"/>
+          </p:nvPr>
+        </p:nvSpPr>
+        <p:spPr/>
+        <p:txBody>
+          <a:bodyPr/>
+          <a:lstStyle/>
+          <a:p>
+            <a:endParaRPr lang="en-IE" dirty="0" smtClean="0"/>
+          </a:p>
+          <a:p>
+            <a:r>
+              <a:rPr lang="en-IE" dirty="0" smtClean="0"/>
+              <a:t>to get familiar with Scala programming language</a:t>
+            </a:r>
+          </a:p>
+          <a:p>
+            <a:r>
+              <a:rPr lang="en-IE" dirty="0"/>
+              <a:t>t</a:t>
+            </a:r>
+            <a:r>
+              <a:rPr lang="en-IE" dirty="0" smtClean="0"/>
+              <a:t>o get familiar with web service concept and a broad range of technologies</a:t>
+            </a:r>
+          </a:p>
+          <a:p>
+            <a:r>
+              <a:rPr lang="en-IE" dirty="0"/>
+              <a:t>t</a:t>
+            </a:r>
+            <a:r>
+              <a:rPr lang="en-IE" dirty="0" smtClean="0"/>
+              <a:t>o get familiar with Actor paradigm</a:t>
+            </a:r>
+          </a:p>
+          <a:p>
+            <a:pPr marL="0" indent="0">
+              <a:buNone/>
+            </a:pPr>
+            <a:endParaRPr lang="en-IE" dirty="0"/>
+          </a:p>
+        </p:txBody>
+      </p:sp>
+      <p:pic>
+        <p:nvPicPr>
+          <p:cNvPr id="1026" name="Picture 2"/>
+          <p:cNvPicPr>
+            <a:picLocks noChangeAspect="1" noChangeArrowheads="1"/>
+          </p:cNvPicPr>
+          <p:nvPr/>
+        </p:nvPicPr>
+        <p:blipFill>
+          <a:blip r:embed="rId2" cstate="print">
+            <a:extLst>
+              <a:ext uri="{28A0092B-C50C-407E-A947-70E740481C1C}">
+                <a14:useLocalDpi xmlns:a14="http://schemas.microsoft.com/office/drawing/2010/main" val="0"/>
+              </a:ext>
+            </a:extLst>
+          </a:blip>
+          <a:srcRect/>
+          <a:stretch>
+            <a:fillRect/>
+          </a:stretch>
+        </p:blipFill>
+        <p:spPr bwMode="auto">
+          <a:xfrm>
+            <a:off x="5508104" y="438841"/>
+            <a:ext cx="1944216" cy="1458162"/>
+          </a:xfrm>
+          <a:prstGeom prst="rect">
+            <a:avLst/>
+          </a:prstGeom>
+          <a:noFill/>
+          <a:ln>
+            <a:noFill/>
+          </a:ln>
+          <a:extLst>
+            <a:ext uri="{909E8E84-426E-40DD-AFC4-6F175D3DCCD1}">
+              <a14:hiddenFill xmlns:a14="http://schemas.microsoft.com/office/drawing/2010/main">
+                <a:solidFill>
+                  <a:schemeClr val="accent1"/>
+                </a:solidFill>
+              </a14:hiddenFill>
+            </a:ext>
+            <a:ext uri="{91240B29-F687-4F45-9708-019B960494DF}">
+              <a14:hiddenLine xmlns:a14="http://schemas.microsoft.com/office/drawing/2010/main" w="9525">
+                <a:solidFill>
+                  <a:schemeClr val="tx1"/>
+                </a:solidFill>
+                <a:miter lim="800000"/>
+                <a:headEnd/>
+                <a:tailEnd/>
+              </a14:hiddenLine>
+            </a:ext>
+          </a:extLst>
+        </p:spPr>
+      </p:pic>
+    </p:spTree>
+    <p:extLst>
+      <p:ext uri="{BB962C8B-B14F-4D97-AF65-F5344CB8AC3E}">
+        <p14:creationId xmlns:p14="http://schemas.microsoft.com/office/powerpoint/2010/main" val="3544932548"/>
       </p:ext>
     </p:extLst>
   </p:cSld>

--- a/project presentation final.pptx
+++ b/project presentation final.pptx
@@ -5,26 +5,24 @@
     <p:sldMasterId id="2147483648" r:id="rId1"/>
   </p:sldMasterIdLst>
   <p:notesMasterIdLst>
-    <p:notesMasterId r:id="rId19"/>
+    <p:notesMasterId r:id="rId17"/>
   </p:notesMasterIdLst>
   <p:sldIdLst>
-    <p:sldId id="256" r:id="rId2"/>
-    <p:sldId id="270" r:id="rId3"/>
-    <p:sldId id="257" r:id="rId4"/>
-    <p:sldId id="260" r:id="rId5"/>
-    <p:sldId id="272" r:id="rId6"/>
-    <p:sldId id="279" r:id="rId7"/>
-    <p:sldId id="273" r:id="rId8"/>
-    <p:sldId id="277" r:id="rId9"/>
-    <p:sldId id="276" r:id="rId10"/>
-    <p:sldId id="282" r:id="rId11"/>
-    <p:sldId id="284" r:id="rId12"/>
-    <p:sldId id="289" r:id="rId13"/>
-    <p:sldId id="291" r:id="rId14"/>
-    <p:sldId id="292" r:id="rId15"/>
-    <p:sldId id="294" r:id="rId16"/>
-    <p:sldId id="286" r:id="rId17"/>
-    <p:sldId id="263" r:id="rId18"/>
+    <p:sldId id="270" r:id="rId2"/>
+    <p:sldId id="257" r:id="rId3"/>
+    <p:sldId id="260" r:id="rId4"/>
+    <p:sldId id="272" r:id="rId5"/>
+    <p:sldId id="279" r:id="rId6"/>
+    <p:sldId id="273" r:id="rId7"/>
+    <p:sldId id="276" r:id="rId8"/>
+    <p:sldId id="282" r:id="rId9"/>
+    <p:sldId id="284" r:id="rId10"/>
+    <p:sldId id="289" r:id="rId11"/>
+    <p:sldId id="291" r:id="rId12"/>
+    <p:sldId id="292" r:id="rId13"/>
+    <p:sldId id="294" r:id="rId14"/>
+    <p:sldId id="286" r:id="rId15"/>
+    <p:sldId id="263" r:id="rId16"/>
   </p:sldIdLst>
   <p:sldSz cx="9144000" cy="6858000" type="screen4x3"/>
   <p:notesSz cx="6858000" cy="9144000"/>
@@ -520,14 +518,6 @@
           <a:bodyPr/>
           <a:lstStyle/>
           <a:p>
-            <a:r>
-              <a:rPr lang="en-IE" dirty="0" smtClean="0"/>
-              <a:t>So I</a:t>
-            </a:r>
-            <a:r>
-              <a:rPr lang="en-IE" baseline="0" dirty="0" smtClean="0"/>
-              <a:t> am not an expert in Scala or any of the technologies, I simply got familiar with its concepts.</a:t>
-            </a:r>
             <a:endParaRPr lang="pl-PL" dirty="0"/>
           </a:p>
         </p:txBody>
@@ -549,7 +539,7 @@
           <a:p>
             <a:fld id="{9CCF4A4B-2EF2-4B29-8BD9-956A2A33DB7C}" type="slidenum">
               <a:rPr lang="pl-PL" smtClean="0"/>
-              <a:t>3</a:t>
+              <a:t>1</a:t>
             </a:fld>
             <a:endParaRPr lang="pl-PL"/>
           </a:p>
@@ -558,7 +548,7 @@
     </p:spTree>
     <p:extLst>
       <p:ext uri="{BB962C8B-B14F-4D97-AF65-F5344CB8AC3E}">
-        <p14:creationId xmlns:p14="http://schemas.microsoft.com/office/powerpoint/2010/main" val="3317674832"/>
+        <p14:creationId xmlns:p14="http://schemas.microsoft.com/office/powerpoint/2010/main" val="956384206"/>
       </p:ext>
     </p:extLst>
   </p:cSld>
@@ -849,7 +839,7 @@
           <a:p>
             <a:fld id="{9CCF4A4B-2EF2-4B29-8BD9-956A2A33DB7C}" type="slidenum">
               <a:rPr lang="pl-PL" smtClean="0"/>
-              <a:t>12</a:t>
+              <a:t>10</a:t>
             </a:fld>
             <a:endParaRPr lang="pl-PL"/>
           </a:p>
@@ -997,7 +987,7 @@
           <a:p>
             <a:fld id="{9CCF4A4B-2EF2-4B29-8BD9-956A2A33DB7C}" type="slidenum">
               <a:rPr lang="pl-PL" smtClean="0"/>
-              <a:t>13</a:t>
+              <a:t>11</a:t>
             </a:fld>
             <a:endParaRPr lang="pl-PL"/>
           </a:p>
@@ -1060,91 +1050,137 @@
           <a:bodyPr/>
           <a:lstStyle/>
           <a:p>
+            <a:pPr marL="171450" marR="0" indent="-171450" algn="l" defTabSz="914400" rtl="0" eaLnBrk="1" fontAlgn="auto" latinLnBrk="0" hangingPunct="1">
+              <a:lnSpc>
+                <a:spcPct val="100000"/>
+              </a:lnSpc>
+              <a:spcBef>
+                <a:spcPts val="0"/>
+              </a:spcBef>
+              <a:spcAft>
+                <a:spcPts val="0"/>
+              </a:spcAft>
+              <a:buClrTx/>
+              <a:buSzTx/>
+              <a:buFontTx/>
+              <a:buChar char="-"/>
+              <a:tabLst/>
+              <a:defRPr/>
+            </a:pPr>
+            <a:r>
+              <a:rPr lang="en-IE" b="0" dirty="0" smtClean="0"/>
+              <a:t>All </a:t>
+            </a:r>
+            <a:r>
+              <a:rPr lang="en-IE" b="0" dirty="0" err="1" smtClean="0"/>
+              <a:t>requiered</a:t>
+            </a:r>
+            <a:r>
+              <a:rPr lang="en-IE" b="0" baseline="0" dirty="0" smtClean="0"/>
+              <a:t> configuration settings are stored in </a:t>
+            </a:r>
+            <a:r>
+              <a:rPr lang="en-IE" b="1" i="1" dirty="0" err="1" smtClean="0"/>
+              <a:t>Configuration.scala</a:t>
+            </a:r>
+            <a:r>
+              <a:rPr lang="en-IE" b="1" dirty="0" smtClean="0"/>
+              <a:t>  </a:t>
+            </a:r>
+            <a:r>
+              <a:rPr lang="en-IE" b="0" dirty="0" smtClean="0"/>
+              <a:t>trait and retrieved from </a:t>
+            </a:r>
+            <a:r>
+              <a:rPr lang="en-IE" b="1" dirty="0" err="1" smtClean="0"/>
+              <a:t>application.conf</a:t>
+            </a:r>
+            <a:r>
+              <a:rPr lang="en-IE" b="0" dirty="0" smtClean="0"/>
+              <a:t> file at application </a:t>
+            </a:r>
+            <a:r>
+              <a:rPr lang="en-IE" b="0" dirty="0" err="1" smtClean="0"/>
+              <a:t>startup</a:t>
+            </a:r>
+            <a:endParaRPr lang="en-IE" b="0" dirty="0" smtClean="0"/>
+          </a:p>
+          <a:p>
+            <a:pPr marL="171450" marR="0" indent="-171450" algn="l" defTabSz="914400" rtl="0" eaLnBrk="1" fontAlgn="auto" latinLnBrk="0" hangingPunct="1">
+              <a:lnSpc>
+                <a:spcPct val="100000"/>
+              </a:lnSpc>
+              <a:spcBef>
+                <a:spcPts val="0"/>
+              </a:spcBef>
+              <a:spcAft>
+                <a:spcPts val="0"/>
+              </a:spcAft>
+              <a:buClrTx/>
+              <a:buSzTx/>
+              <a:buFontTx/>
+              <a:buChar char="-"/>
+              <a:tabLst/>
+              <a:defRPr/>
+            </a:pPr>
+            <a:endParaRPr lang="en-IE" b="1" dirty="0" smtClean="0"/>
+          </a:p>
+          <a:p>
+            <a:pPr marL="171450" marR="0" indent="-171450" algn="l" defTabSz="914400" rtl="0" eaLnBrk="1" fontAlgn="auto" latinLnBrk="0" hangingPunct="1">
+              <a:lnSpc>
+                <a:spcPct val="100000"/>
+              </a:lnSpc>
+              <a:spcBef>
+                <a:spcPts val="0"/>
+              </a:spcBef>
+              <a:spcAft>
+                <a:spcPts val="0"/>
+              </a:spcAft>
+              <a:buClrTx/>
+              <a:buSzTx/>
+              <a:buFontTx/>
+              <a:buChar char="-"/>
+              <a:tabLst/>
+              <a:defRPr/>
+            </a:pPr>
+            <a:r>
+              <a:rPr lang="en-IE" b="1" dirty="0" smtClean="0"/>
+              <a:t>Customer</a:t>
+            </a:r>
+            <a:r>
+              <a:rPr lang="en-IE" b="0" dirty="0" smtClean="0"/>
+              <a:t> entity has an id, </a:t>
+            </a:r>
+            <a:r>
+              <a:rPr lang="en-IE" b="0" dirty="0" err="1" smtClean="0"/>
+              <a:t>firstName</a:t>
+            </a:r>
+            <a:r>
+              <a:rPr lang="en-IE" b="0" dirty="0" smtClean="0"/>
+              <a:t>, </a:t>
+            </a:r>
+            <a:r>
+              <a:rPr lang="en-IE" b="0" dirty="0" err="1" smtClean="0"/>
+              <a:t>lastName</a:t>
+            </a:r>
+            <a:r>
+              <a:rPr lang="en-IE" b="0" dirty="0" smtClean="0"/>
+              <a:t>, </a:t>
+            </a:r>
+            <a:r>
+              <a:rPr lang="en-IE" b="0" dirty="0" err="1" smtClean="0"/>
+              <a:t>accountBalance</a:t>
+            </a:r>
+            <a:r>
+              <a:rPr lang="en-IE" b="0" dirty="0" smtClean="0"/>
+              <a:t>, birthday</a:t>
+            </a:r>
+          </a:p>
+          <a:p>
             <a:pPr marL="171450" indent="-171450">
               <a:buFontTx/>
               <a:buChar char="-"/>
             </a:pPr>
-            <a:r>
-              <a:rPr lang="en-IE" b="1" dirty="0" smtClean="0"/>
-              <a:t>Customer</a:t>
-            </a:r>
-            <a:r>
-              <a:rPr lang="en-IE" b="0" dirty="0" smtClean="0"/>
-              <a:t> entity has an id, </a:t>
-            </a:r>
-            <a:r>
-              <a:rPr lang="en-IE" b="0" dirty="0" err="1" smtClean="0"/>
-              <a:t>firstName</a:t>
-            </a:r>
-            <a:r>
-              <a:rPr lang="en-IE" b="0" dirty="0" smtClean="0"/>
-              <a:t>, </a:t>
-            </a:r>
-            <a:r>
-              <a:rPr lang="en-IE" b="0" dirty="0" err="1" smtClean="0"/>
-              <a:t>lastName</a:t>
-            </a:r>
-            <a:r>
-              <a:rPr lang="en-IE" b="0" dirty="0" smtClean="0"/>
-              <a:t>, </a:t>
-            </a:r>
-            <a:r>
-              <a:rPr lang="en-IE" b="0" dirty="0" err="1" smtClean="0"/>
-              <a:t>accountBalance</a:t>
-            </a:r>
-            <a:r>
-              <a:rPr lang="en-IE" b="0" dirty="0" smtClean="0"/>
-              <a:t>, birthday</a:t>
-            </a:r>
-          </a:p>
-          <a:p>
-            <a:pPr marL="171450" indent="-171450">
-              <a:buFontTx/>
-              <a:buChar char="-"/>
-            </a:pPr>
-            <a:endParaRPr lang="en-IE" b="0" dirty="0" smtClean="0"/>
-          </a:p>
-          <a:p>
-            <a:pPr marL="171450" indent="-171450">
-              <a:buFontTx/>
-              <a:buChar char="-"/>
-            </a:pPr>
-            <a:r>
-              <a:rPr lang="en-IE" b="0" dirty="0" smtClean="0"/>
-              <a:t>All </a:t>
-            </a:r>
-            <a:r>
-              <a:rPr lang="en-IE" b="0" dirty="0" err="1" smtClean="0"/>
-              <a:t>requiered</a:t>
-            </a:r>
-            <a:r>
-              <a:rPr lang="en-IE" b="0" baseline="0" dirty="0" smtClean="0"/>
-              <a:t> configuration settings are stored in </a:t>
-            </a:r>
-            <a:r>
-              <a:rPr lang="en-IE" b="1" i="1" dirty="0" err="1" smtClean="0"/>
-              <a:t>Configuration.scala</a:t>
-            </a:r>
-            <a:r>
-              <a:rPr lang="en-IE" b="1" dirty="0" smtClean="0"/>
-              <a:t>  </a:t>
-            </a:r>
-            <a:r>
-              <a:rPr lang="en-IE" b="0" dirty="0" smtClean="0"/>
-              <a:t>trait and retrieved from </a:t>
-            </a:r>
-            <a:r>
-              <a:rPr lang="en-IE" b="1" dirty="0" err="1" smtClean="0"/>
-              <a:t>application.conf</a:t>
-            </a:r>
-            <a:r>
-              <a:rPr lang="en-IE" b="0" dirty="0" smtClean="0"/>
-              <a:t> file at application </a:t>
-            </a:r>
-            <a:r>
-              <a:rPr lang="en-IE" b="0" dirty="0" err="1" smtClean="0"/>
-              <a:t>startup</a:t>
-            </a:r>
             <a:endParaRPr lang="en-IE" b="0" dirty="0" smtClean="0"/>
           </a:p>
           <a:p>
@@ -1239,7 +1275,7 @@
           <a:p>
             <a:fld id="{9CCF4A4B-2EF2-4B29-8BD9-956A2A33DB7C}" type="slidenum">
               <a:rPr lang="pl-PL" smtClean="0"/>
-              <a:t>14</a:t>
+              <a:t>12</a:t>
             </a:fld>
             <a:endParaRPr lang="pl-PL"/>
           </a:p>
@@ -1326,7 +1362,27 @@
               <a:buFontTx/>
               <a:buChar char="-"/>
             </a:pPr>
-            <a:endParaRPr lang="en-IE" dirty="0" smtClean="0"/>
+            <a:r>
+              <a:rPr lang="en-IE" b="0" dirty="0" smtClean="0"/>
+              <a:t>DAO </a:t>
+            </a:r>
+            <a:r>
+              <a:rPr lang="pl-PL" b="0" dirty="0" smtClean="0"/>
+              <a:t>data </a:t>
+            </a:r>
+            <a:r>
+              <a:rPr lang="pl-PL" b="0" dirty="0" err="1" smtClean="0"/>
+              <a:t>access</a:t>
+            </a:r>
+            <a:r>
+              <a:rPr lang="pl-PL" b="0" dirty="0" smtClean="0"/>
+              <a:t> </a:t>
+            </a:r>
+            <a:r>
+              <a:rPr lang="pl-PL" b="0" dirty="0" err="1" smtClean="0"/>
+              <a:t>object</a:t>
+            </a:r>
+            <a:endParaRPr lang="en-IE" b="0" dirty="0" smtClean="0"/>
           </a:p>
           <a:p>
             <a:pPr marL="171450" indent="-171450">
@@ -1357,13 +1413,6 @@
               <a:buFontTx/>
               <a:buChar char="-"/>
             </a:pPr>
-            <a:endParaRPr lang="en-US" dirty="0" smtClean="0"/>
-          </a:p>
-          <a:p>
-            <a:pPr marL="171450" indent="-171450">
-              <a:buFontTx/>
-              <a:buChar char="-"/>
-            </a:pPr>
             <a:r>
               <a:rPr lang="en-US" dirty="0" smtClean="0"/>
               <a:t>But service logic (with a Spray route structure) is implemented separately. This fact allows us to test its logic independently from an actor behavior.</a:t>
@@ -1389,7 +1438,7 @@
           <a:p>
             <a:fld id="{9CCF4A4B-2EF2-4B29-8BD9-956A2A33DB7C}" type="slidenum">
               <a:rPr lang="pl-PL" smtClean="0"/>
-              <a:t>15</a:t>
+              <a:t>13</a:t>
             </a:fld>
             <a:endParaRPr lang="pl-PL"/>
           </a:p>
@@ -1484,8 +1533,13 @@
             </a:pPr>
             <a:r>
               <a:rPr lang="en-US" dirty="0" smtClean="0"/>
-              <a:t>“-v”</a:t>
-            </a:r>
+              <a:t>“-v</a:t>
+            </a:r>
+            <a:r>
+              <a:rPr lang="en-US" dirty="0" smtClean="0"/>
+              <a:t>” ?</a:t>
+            </a:r>
+            <a:endParaRPr lang="en-US" dirty="0" smtClean="0"/>
           </a:p>
           <a:p>
             <a:pPr marL="171450" indent="-171450">
@@ -1494,17 +1548,25 @@
             </a:pPr>
             <a:r>
               <a:rPr lang="en-US" dirty="0" smtClean="0"/>
-              <a:t>“-X”</a:t>
-            </a:r>
-          </a:p>
-          <a:p>
-            <a:pPr marL="171450" indent="-171450">
-              <a:buFontTx/>
-              <a:buChar char="-"/>
-            </a:pPr>
+              <a:t>“-X</a:t>
+            </a:r>
             <a:r>
               <a:rPr lang="en-US" dirty="0" smtClean="0"/>
-              <a:t>"curl </a:t>
+              <a:t>” </a:t>
+            </a:r>
+            <a:r>
+              <a:rPr lang="en-US" dirty="0" smtClean="0">
+                <a:sym typeface="Wingdings" panose="05000000000000000000" pitchFamily="2" charset="2"/>
+              </a:rPr>
+              <a:t></a:t>
+            </a:r>
+            <a:r>
+              <a:rPr lang="en-US" dirty="0" smtClean="0"/>
+              <a:t>"</a:t>
+            </a:r>
+            <a:r>
+              <a:rPr lang="en-US" dirty="0" smtClean="0"/>
+              <a:t>curl </a:t>
             </a:r>
             <a:r>
               <a:rPr lang="en-US" dirty="0" smtClean="0">
@@ -1542,13 +1604,40 @@
                 <a:ea typeface="+mn-ea"/>
                 <a:cs typeface="+mn-cs"/>
               </a:rPr>
-              <a:t>“-H”</a:t>
-            </a:r>
-          </a:p>
-          <a:p>
+              <a:t>“-H</a:t>
+            </a:r>
+            <a:r>
+              <a:rPr lang="en-IE" sz="1200" kern="1200" dirty="0" smtClean="0">
+                <a:solidFill>
+                  <a:schemeClr val="tx1"/>
+                </a:solidFill>
+                <a:effectLst/>
+                <a:latin typeface="+mn-lt"/>
+                <a:ea typeface="+mn-ea"/>
+                <a:cs typeface="+mn-cs"/>
+              </a:rPr>
+              <a:t>” </a:t>
+            </a:r>
+            <a:r>
+              <a:rPr lang="en-IE" sz="1200" kern="1200" dirty="0" smtClean="0">
+                <a:solidFill>
+                  <a:schemeClr val="tx1"/>
+                </a:solidFill>
+                <a:effectLst/>
+                <a:latin typeface="+mn-lt"/>
+                <a:ea typeface="+mn-ea"/>
+                <a:cs typeface="+mn-cs"/>
+                <a:sym typeface="Wingdings" panose="05000000000000000000" pitchFamily="2" charset="2"/>
+              </a:rPr>
+              <a:t></a:t>
+            </a:r>
             <a:r>
               <a:rPr lang="en-US" dirty="0" smtClean="0"/>
-              <a:t>- To make a simple HTTP POST with text/xml as content-type, do something like: </a:t>
+              <a:t> </a:t>
+            </a:r>
+            <a:r>
+              <a:rPr lang="en-US" dirty="0" smtClean="0"/>
+              <a:t>To make a simple HTTP POST with text/xml as content-type, do something like: </a:t>
             </a:r>
           </a:p>
           <a:p>
@@ -1564,6 +1653,21 @@
               <a:rPr lang="en-US" dirty="0" smtClean="0"/>
               <a:t>" -H "Content-Type: text/xml" [URL] </a:t>
             </a:r>
+            <a:endParaRPr lang="en-US" dirty="0" smtClean="0"/>
+          </a:p>
+          <a:p>
+            <a:endParaRPr lang="en-US" dirty="0" smtClean="0"/>
+          </a:p>
+          <a:p>
+            <a:r>
+              <a:rPr lang="en-US" dirty="0" smtClean="0"/>
+              <a:t>- Play is a web application framework</a:t>
+            </a:r>
+            <a:r>
+              <a:rPr lang="en-US" baseline="0" dirty="0" smtClean="0"/>
+              <a:t> , in my case I only created a “GUI” that calls to the application</a:t>
+            </a:r>
+            <a:endParaRPr lang="en-US" dirty="0" smtClean="0"/>
           </a:p>
           <a:p>
             <a:endParaRPr lang="pl-PL" dirty="0"/>
@@ -1587,7 +1691,7 @@
           <a:p>
             <a:fld id="{9CCF4A4B-2EF2-4B29-8BD9-956A2A33DB7C}" type="slidenum">
               <a:rPr lang="pl-PL" smtClean="0"/>
-              <a:t>16</a:t>
+              <a:t>14</a:t>
             </a:fld>
             <a:endParaRPr lang="pl-PL"/>
           </a:p>
@@ -1597,6 +1701,90 @@
     <p:extLst>
       <p:ext uri="{BB962C8B-B14F-4D97-AF65-F5344CB8AC3E}">
         <p14:creationId xmlns:p14="http://schemas.microsoft.com/office/powerpoint/2010/main" val="3582934340"/>
+      </p:ext>
+    </p:extLst>
+  </p:cSld>
+  <p:clrMapOvr>
+    <a:masterClrMapping/>
+  </p:clrMapOvr>
+</p:notes>
+</file>
+
+<file path=ppt/notesSlides/notesSlide15.xml><?xml version="1.0" encoding="utf-8"?>
+<p:notes xmlns:a="http://schemas.openxmlformats.org/drawingml/2006/main" xmlns:r="http://schemas.openxmlformats.org/officeDocument/2006/relationships" xmlns:p="http://schemas.openxmlformats.org/presentationml/2006/main">
+  <p:cSld>
+    <p:spTree>
+      <p:nvGrpSpPr>
+        <p:cNvPr id="1" name=""/>
+        <p:cNvGrpSpPr/>
+        <p:nvPr/>
+      </p:nvGrpSpPr>
+      <p:grpSpPr>
+        <a:xfrm>
+          <a:off x="0" y="0"/>
+          <a:ext cx="0" cy="0"/>
+          <a:chOff x="0" y="0"/>
+          <a:chExt cx="0" cy="0"/>
+        </a:xfrm>
+      </p:grpSpPr>
+      <p:sp>
+        <p:nvSpPr>
+          <p:cNvPr id="2" name="Symbol zastępczy obrazu slajdu 1"/>
+          <p:cNvSpPr>
+            <a:spLocks noGrp="1" noRot="1" noChangeAspect="1"/>
+          </p:cNvSpPr>
+          <p:nvPr>
+            <p:ph type="sldImg"/>
+          </p:nvPr>
+        </p:nvSpPr>
+        <p:spPr/>
+      </p:sp>
+      <p:sp>
+        <p:nvSpPr>
+          <p:cNvPr id="3" name="Symbol zastępczy notatek 2"/>
+          <p:cNvSpPr>
+            <a:spLocks noGrp="1"/>
+          </p:cNvSpPr>
+          <p:nvPr>
+            <p:ph type="body" idx="1"/>
+          </p:nvPr>
+        </p:nvSpPr>
+        <p:spPr/>
+        <p:txBody>
+          <a:bodyPr/>
+          <a:lstStyle/>
+          <a:p>
+            <a:endParaRPr lang="pl-PL" dirty="0"/>
+          </a:p>
+        </p:txBody>
+      </p:sp>
+      <p:sp>
+        <p:nvSpPr>
+          <p:cNvPr id="4" name="Symbol zastępczy numeru slajdu 3"/>
+          <p:cNvSpPr>
+            <a:spLocks noGrp="1"/>
+          </p:cNvSpPr>
+          <p:nvPr>
+            <p:ph type="sldNum" sz="quarter" idx="10"/>
+          </p:nvPr>
+        </p:nvSpPr>
+        <p:spPr/>
+        <p:txBody>
+          <a:bodyPr/>
+          <a:lstStyle/>
+          <a:p>
+            <a:fld id="{9CCF4A4B-2EF2-4B29-8BD9-956A2A33DB7C}" type="slidenum">
+              <a:rPr lang="pl-PL" smtClean="0"/>
+              <a:t>15</a:t>
+            </a:fld>
+            <a:endParaRPr lang="pl-PL"/>
+          </a:p>
+        </p:txBody>
+      </p:sp>
+    </p:spTree>
+    <p:extLst>
+      <p:ext uri="{BB962C8B-B14F-4D97-AF65-F5344CB8AC3E}">
+        <p14:creationId xmlns:p14="http://schemas.microsoft.com/office/powerpoint/2010/main" val="3447243060"/>
       </p:ext>
     </p:extLst>
   </p:cSld>
@@ -1650,10 +1838,14 @@
           <a:bodyPr/>
           <a:lstStyle/>
           <a:p>
-            <a:pPr marL="171450" indent="-171450">
-              <a:buFontTx/>
-              <a:buChar char="-"/>
-            </a:pPr>
+            <a:r>
+              <a:rPr lang="en-IE" dirty="0" smtClean="0"/>
+              <a:t>So I</a:t>
+            </a:r>
+            <a:r>
+              <a:rPr lang="en-IE" baseline="0" dirty="0" smtClean="0"/>
+              <a:t> am not an expert in Scala or any of the technologies, I simply got familiar with its concepts.</a:t>
+            </a:r>
             <a:endParaRPr lang="pl-PL" dirty="0"/>
           </a:p>
         </p:txBody>
@@ -1675,7 +1867,7 @@
           <a:p>
             <a:fld id="{9CCF4A4B-2EF2-4B29-8BD9-956A2A33DB7C}" type="slidenum">
               <a:rPr lang="pl-PL" smtClean="0"/>
-              <a:t>4</a:t>
+              <a:t>2</a:t>
             </a:fld>
             <a:endParaRPr lang="pl-PL"/>
           </a:p>
@@ -1684,7 +1876,7 @@
     </p:spTree>
     <p:extLst>
       <p:ext uri="{BB962C8B-B14F-4D97-AF65-F5344CB8AC3E}">
-        <p14:creationId xmlns:p14="http://schemas.microsoft.com/office/powerpoint/2010/main" val="1731579206"/>
+        <p14:creationId xmlns:p14="http://schemas.microsoft.com/office/powerpoint/2010/main" val="3317674832"/>
       </p:ext>
     </p:extLst>
   </p:cSld>
@@ -1744,7 +1936,11 @@
             </a:pPr>
             <a:r>
               <a:rPr lang="en-IE" dirty="0" smtClean="0"/>
-              <a:t>Java’s println method</a:t>
+              <a:t>So Scala has integers same</a:t>
+            </a:r>
+            <a:r>
+              <a:rPr lang="en-IE" baseline="0" dirty="0" smtClean="0"/>
+              <a:t> way Java has integers</a:t>
             </a:r>
           </a:p>
           <a:p>
@@ -1753,130 +1949,9 @@
               <a:buChar char="-"/>
             </a:pPr>
             <a:r>
-              <a:rPr lang="en-IE" dirty="0" smtClean="0"/>
-              <a:t>Int same as int in Java, but capital letter</a:t>
-            </a:r>
-          </a:p>
-          <a:p>
-            <a:pPr marL="171450" indent="-171450">
-              <a:buFontTx/>
-              <a:buChar char="-"/>
-            </a:pPr>
-            <a:r>
-              <a:rPr lang="en-IE" dirty="0" smtClean="0"/>
-              <a:t>The difference is how you define variables in Scala x: Int</a:t>
-            </a:r>
-            <a:r>
               <a:rPr lang="en-IE" baseline="0" dirty="0" smtClean="0"/>
-              <a:t> instead of int x</a:t>
-            </a:r>
-          </a:p>
-          <a:p>
-            <a:pPr marL="171450" indent="-171450">
-              <a:buFontTx/>
-              <a:buChar char="-"/>
-            </a:pPr>
-            <a:r>
-              <a:rPr lang="en-IE" baseline="0" dirty="0" smtClean="0"/>
-              <a:t>def main starts a method definition – Scala’s syntax is more regular – all definitions start with a keyword</a:t>
-            </a:r>
-            <a:endParaRPr lang="en-IE" dirty="0" smtClean="0"/>
-          </a:p>
-          <a:p>
-            <a:pPr marL="171450" indent="-171450">
-              <a:buFontTx/>
-              <a:buChar char="-"/>
-            </a:pPr>
-            <a:r>
-              <a:rPr lang="en-IE" dirty="0" smtClean="0"/>
-              <a:t>return type is Unit and not void like in Scala</a:t>
-            </a:r>
-            <a:r>
-              <a:rPr lang="en-IE" baseline="0" dirty="0" smtClean="0"/>
-              <a:t> and is written after the function definition</a:t>
-            </a:r>
-          </a:p>
-          <a:p>
-            <a:pPr marL="171450" marR="0" indent="-171450" algn="l" defTabSz="914400" rtl="0" eaLnBrk="1" fontAlgn="auto" latinLnBrk="0" hangingPunct="1">
-              <a:lnSpc>
-                <a:spcPct val="100000"/>
-              </a:lnSpc>
-              <a:spcBef>
-                <a:spcPts val="0"/>
-              </a:spcBef>
-              <a:spcAft>
-                <a:spcPts val="0"/>
-              </a:spcAft>
-              <a:buClrTx/>
-              <a:buSzTx/>
-              <a:buFontTx/>
-              <a:buChar char="-"/>
-              <a:tabLst/>
-              <a:defRPr/>
-            </a:pPr>
-            <a:r>
-              <a:rPr lang="en-IE" dirty="0" smtClean="0"/>
-              <a:t>Scala has class and object definitions</a:t>
-            </a:r>
-          </a:p>
-          <a:p>
-            <a:pPr marL="171450" marR="0" indent="-171450" algn="l" defTabSz="914400" rtl="0" eaLnBrk="1" fontAlgn="auto" latinLnBrk="0" hangingPunct="1">
-              <a:lnSpc>
-                <a:spcPct val="100000"/>
-              </a:lnSpc>
-              <a:spcBef>
-                <a:spcPts val="0"/>
-              </a:spcBef>
-              <a:spcAft>
-                <a:spcPts val="0"/>
-              </a:spcAft>
-              <a:buClrTx/>
-              <a:buSzTx/>
-              <a:buFontTx/>
-              <a:buChar char="-"/>
-              <a:tabLst/>
-              <a:defRPr/>
-            </a:pPr>
-            <a:r>
-              <a:rPr lang="en-IE" dirty="0" smtClean="0"/>
-              <a:t>An </a:t>
-            </a:r>
-            <a:r>
-              <a:rPr lang="en-IE" b="1" dirty="0" smtClean="0">
-                <a:solidFill>
-                  <a:srgbClr val="FF0000"/>
-                </a:solidFill>
-              </a:rPr>
-              <a:t>object</a:t>
-            </a:r>
-            <a:r>
-              <a:rPr lang="en-IE" dirty="0" smtClean="0"/>
-              <a:t> defines a class with a single instance – this is sometimes called a singleton</a:t>
-            </a:r>
-            <a:r>
-              <a:rPr lang="en-IE" baseline="0" dirty="0" smtClean="0"/>
-              <a:t> object</a:t>
-            </a:r>
-          </a:p>
-          <a:p>
-            <a:pPr marL="171450" marR="0" indent="-171450" algn="l" defTabSz="914400" rtl="0" eaLnBrk="1" fontAlgn="auto" latinLnBrk="0" hangingPunct="1">
-              <a:lnSpc>
-                <a:spcPct val="100000"/>
-              </a:lnSpc>
-              <a:spcBef>
-                <a:spcPts val="0"/>
-              </a:spcBef>
-              <a:spcAft>
-                <a:spcPts val="0"/>
-              </a:spcAft>
-              <a:buClrTx/>
-              <a:buSzTx/>
-              <a:buFontTx/>
-              <a:buChar char="-"/>
-              <a:tabLst/>
-              <a:defRPr/>
-            </a:pPr>
-            <a:endParaRPr lang="en-IE" dirty="0" smtClean="0"/>
+              <a:t>Scala uses loops same way Java uses loops</a:t>
+            </a:r>
           </a:p>
           <a:p>
             <a:pPr marL="171450" indent="-171450">
@@ -1904,7 +1979,7 @@
           <a:p>
             <a:fld id="{9CCF4A4B-2EF2-4B29-8BD9-956A2A33DB7C}" type="slidenum">
               <a:rPr lang="pl-PL" smtClean="0"/>
-              <a:t>5</a:t>
+              <a:t>3</a:t>
             </a:fld>
             <a:endParaRPr lang="pl-PL"/>
           </a:p>
@@ -1913,7 +1988,7 @@
     </p:spTree>
     <p:extLst>
       <p:ext uri="{BB962C8B-B14F-4D97-AF65-F5344CB8AC3E}">
-        <p14:creationId xmlns:p14="http://schemas.microsoft.com/office/powerpoint/2010/main" val="1510060129"/>
+        <p14:creationId xmlns:p14="http://schemas.microsoft.com/office/powerpoint/2010/main" val="1731579206"/>
       </p:ext>
     </p:extLst>
   </p:cSld>
@@ -1973,12 +2048,153 @@
             </a:pPr>
             <a:r>
               <a:rPr lang="en-IE" dirty="0" smtClean="0"/>
+              <a:t>Java’s println method</a:t>
+            </a:r>
+          </a:p>
+          <a:p>
+            <a:pPr marL="171450" indent="-171450">
+              <a:buFontTx/>
+              <a:buChar char="-"/>
+            </a:pPr>
+            <a:r>
+              <a:rPr lang="en-IE" dirty="0" smtClean="0"/>
+              <a:t>Int same as int in Java, but capital letter</a:t>
+            </a:r>
+          </a:p>
+          <a:p>
+            <a:pPr marL="171450" indent="-171450">
+              <a:buFontTx/>
+              <a:buChar char="-"/>
+            </a:pPr>
+            <a:r>
+              <a:rPr lang="en-IE" dirty="0" smtClean="0"/>
+              <a:t>The difference is how you define variables in Scala x: Int</a:t>
+            </a:r>
+            <a:r>
+              <a:rPr lang="en-IE" baseline="0" dirty="0" smtClean="0"/>
+              <a:t> instead of int x</a:t>
+            </a:r>
+          </a:p>
+          <a:p>
+            <a:pPr marL="171450" indent="-171450">
+              <a:buFontTx/>
+              <a:buChar char="-"/>
+            </a:pPr>
+            <a:r>
+              <a:rPr lang="en-IE" baseline="0" dirty="0" smtClean="0"/>
+              <a:t>def main starts a method definition – Scala’s syntax is more regular – all definitions start with a keyword</a:t>
+            </a:r>
+            <a:endParaRPr lang="en-IE" dirty="0" smtClean="0"/>
+          </a:p>
+          <a:p>
+            <a:pPr marL="171450" indent="-171450">
+              <a:buFontTx/>
+              <a:buChar char="-"/>
+            </a:pPr>
+            <a:r>
+              <a:rPr lang="en-IE" dirty="0" smtClean="0"/>
+              <a:t>return type is Unit and not void like in </a:t>
+            </a:r>
+            <a:r>
+              <a:rPr lang="en-IE" dirty="0" smtClean="0"/>
               <a:t>Java</a:t>
             </a:r>
             <a:r>
               <a:rPr lang="en-IE" baseline="0" dirty="0" smtClean="0"/>
-              <a:t> is not a pure object-oriented language as it has primitive data types</a:t>
-            </a:r>
+              <a:t> </a:t>
+            </a:r>
+            <a:r>
+              <a:rPr lang="en-IE" baseline="0" dirty="0" smtClean="0"/>
+              <a:t>and is written after the function definition</a:t>
+            </a:r>
+          </a:p>
+          <a:p>
+            <a:pPr marL="171450" marR="0" indent="-171450" algn="l" defTabSz="914400" rtl="0" eaLnBrk="1" fontAlgn="auto" latinLnBrk="0" hangingPunct="1">
+              <a:lnSpc>
+                <a:spcPct val="100000"/>
+              </a:lnSpc>
+              <a:spcBef>
+                <a:spcPts val="0"/>
+              </a:spcBef>
+              <a:spcAft>
+                <a:spcPts val="0"/>
+              </a:spcAft>
+              <a:buClrTx/>
+              <a:buSzTx/>
+              <a:buFontTx/>
+              <a:buChar char="-"/>
+              <a:tabLst/>
+              <a:defRPr/>
+            </a:pPr>
+            <a:r>
+              <a:rPr lang="en-IE" dirty="0" smtClean="0"/>
+              <a:t>Scala has class and object definitions</a:t>
+            </a:r>
+          </a:p>
+          <a:p>
+            <a:pPr marL="171450" marR="0" indent="-171450" algn="l" defTabSz="914400" rtl="0" eaLnBrk="1" fontAlgn="auto" latinLnBrk="0" hangingPunct="1">
+              <a:lnSpc>
+                <a:spcPct val="100000"/>
+              </a:lnSpc>
+              <a:spcBef>
+                <a:spcPts val="0"/>
+              </a:spcBef>
+              <a:spcAft>
+                <a:spcPts val="0"/>
+              </a:spcAft>
+              <a:buClrTx/>
+              <a:buSzTx/>
+              <a:buFontTx/>
+              <a:buChar char="-"/>
+              <a:tabLst/>
+              <a:defRPr/>
+            </a:pPr>
+            <a:r>
+              <a:rPr lang="en-IE" dirty="0" smtClean="0"/>
+              <a:t>An </a:t>
+            </a:r>
+            <a:r>
+              <a:rPr lang="en-IE" b="1" dirty="0" smtClean="0">
+                <a:solidFill>
+                  <a:srgbClr val="FF0000"/>
+                </a:solidFill>
+              </a:rPr>
+              <a:t>object</a:t>
+            </a:r>
+            <a:r>
+              <a:rPr lang="en-IE" dirty="0" smtClean="0"/>
+              <a:t> defines a class with a single instance – this is sometimes called a singleton</a:t>
+            </a:r>
+            <a:r>
+              <a:rPr lang="en-IE" baseline="0" dirty="0" smtClean="0"/>
+              <a:t> object</a:t>
+            </a:r>
+          </a:p>
+          <a:p>
+            <a:pPr marL="171450" marR="0" indent="-171450" algn="l" defTabSz="914400" rtl="0" eaLnBrk="1" fontAlgn="auto" latinLnBrk="0" hangingPunct="1">
+              <a:lnSpc>
+                <a:spcPct val="100000"/>
+              </a:lnSpc>
+              <a:spcBef>
+                <a:spcPts val="0"/>
+              </a:spcBef>
+              <a:spcAft>
+                <a:spcPts val="0"/>
+              </a:spcAft>
+              <a:buClrTx/>
+              <a:buSzTx/>
+              <a:buFontTx/>
+              <a:buChar char="-"/>
+              <a:tabLst/>
+              <a:defRPr/>
+            </a:pPr>
+            <a:endParaRPr lang="en-IE" dirty="0" smtClean="0"/>
+          </a:p>
+          <a:p>
+            <a:pPr marL="171450" indent="-171450">
+              <a:buFontTx/>
+              <a:buChar char="-"/>
+            </a:pPr>
             <a:endParaRPr lang="pl-PL" dirty="0"/>
           </a:p>
         </p:txBody>
@@ -2000,7 +2216,7 @@
           <a:p>
             <a:fld id="{9CCF4A4B-2EF2-4B29-8BD9-956A2A33DB7C}" type="slidenum">
               <a:rPr lang="pl-PL" smtClean="0"/>
-              <a:t>6</a:t>
+              <a:t>4</a:t>
             </a:fld>
             <a:endParaRPr lang="pl-PL"/>
           </a:p>
@@ -2009,7 +2225,7 @@
     </p:spTree>
     <p:extLst>
       <p:ext uri="{BB962C8B-B14F-4D97-AF65-F5344CB8AC3E}">
-        <p14:creationId xmlns:p14="http://schemas.microsoft.com/office/powerpoint/2010/main" val="3529633736"/>
+        <p14:creationId xmlns:p14="http://schemas.microsoft.com/office/powerpoint/2010/main" val="1510060129"/>
       </p:ext>
     </p:extLst>
   </p:cSld>
@@ -2063,97 +2279,17 @@
           <a:bodyPr/>
           <a:lstStyle/>
           <a:p>
-            <a:r>
-              <a:rPr lang="en-US" sz="1200" kern="1200" dirty="0" smtClean="0">
-                <a:solidFill>
-                  <a:schemeClr val="tx1"/>
-                </a:solidFill>
-                <a:latin typeface="+mn-lt"/>
-                <a:ea typeface="+mn-ea"/>
-                <a:cs typeface="+mn-cs"/>
-              </a:rPr>
-              <a:t>-</a:t>
-            </a:r>
-            <a:r>
-              <a:rPr lang="en-US" sz="1200" kern="1200" baseline="0" dirty="0" smtClean="0">
-                <a:solidFill>
-                  <a:schemeClr val="tx1"/>
-                </a:solidFill>
-                <a:latin typeface="+mn-lt"/>
-                <a:ea typeface="+mn-ea"/>
-                <a:cs typeface="+mn-cs"/>
-              </a:rPr>
-              <a:t> </a:t>
-            </a:r>
-            <a:r>
-              <a:rPr lang="en-US" sz="1200" kern="1200" dirty="0" smtClean="0">
-                <a:solidFill>
-                  <a:schemeClr val="tx1"/>
-                </a:solidFill>
-                <a:latin typeface="+mn-lt"/>
-                <a:ea typeface="+mn-ea"/>
-                <a:cs typeface="+mn-cs"/>
-              </a:rPr>
-              <a:t>because u invoke a + method on object which value is 1 and u pass a parameter 2</a:t>
-            </a:r>
-          </a:p>
-          <a:p>
-            <a:r>
-              <a:rPr lang="en-US" sz="1200" kern="1200" dirty="0" smtClean="0">
-                <a:solidFill>
-                  <a:schemeClr val="tx1"/>
-                </a:solidFill>
-                <a:latin typeface="+mn-lt"/>
-                <a:ea typeface="+mn-ea"/>
-                <a:cs typeface="+mn-cs"/>
-              </a:rPr>
-              <a:t> -</a:t>
-            </a:r>
-            <a:r>
-              <a:rPr lang="en-US" sz="1200" kern="1200" baseline="0" dirty="0" smtClean="0">
-                <a:solidFill>
-                  <a:schemeClr val="tx1"/>
-                </a:solidFill>
-                <a:latin typeface="+mn-lt"/>
-                <a:ea typeface="+mn-ea"/>
-                <a:cs typeface="+mn-cs"/>
-              </a:rPr>
-              <a:t> </a:t>
-            </a:r>
-            <a:r>
-              <a:rPr lang="en-US" sz="1200" kern="1200" dirty="0" smtClean="0">
-                <a:solidFill>
-                  <a:schemeClr val="tx1"/>
-                </a:solidFill>
-                <a:latin typeface="+mn-lt"/>
-                <a:ea typeface="+mn-ea"/>
-                <a:cs typeface="+mn-cs"/>
-              </a:rPr>
-              <a:t>remember - everything is an object in </a:t>
-            </a:r>
-            <a:r>
-              <a:rPr lang="en-US" sz="1200" u="sng" kern="1200" dirty="0" smtClean="0">
-                <a:solidFill>
-                  <a:schemeClr val="tx1"/>
-                </a:solidFill>
-                <a:latin typeface="+mn-lt"/>
-                <a:ea typeface="+mn-ea"/>
-                <a:cs typeface="+mn-cs"/>
-              </a:rPr>
-              <a:t>Scala</a:t>
-            </a:r>
-          </a:p>
-          <a:p>
-            <a:r>
-              <a:rPr lang="pl-PL" sz="1200" kern="1200" dirty="0" smtClean="0">
-                <a:solidFill>
-                  <a:schemeClr val="tx1"/>
-                </a:solidFill>
-                <a:latin typeface="+mn-lt"/>
-                <a:ea typeface="+mn-ea"/>
-                <a:cs typeface="+mn-cs"/>
-              </a:rPr>
-              <a:t> </a:t>
+            <a:pPr marL="171450" indent="-171450">
+              <a:buFontTx/>
+              <a:buChar char="-"/>
+            </a:pPr>
+            <a:r>
+              <a:rPr lang="en-IE" dirty="0" smtClean="0"/>
+              <a:t>Java</a:t>
+            </a:r>
+            <a:r>
+              <a:rPr lang="en-IE" baseline="0" dirty="0" smtClean="0"/>
+              <a:t> is not a pure object-oriented language as it has primitive data types</a:t>
             </a:r>
             <a:endParaRPr lang="pl-PL" dirty="0"/>
           </a:p>
@@ -2176,7 +2312,7 @@
           <a:p>
             <a:fld id="{9CCF4A4B-2EF2-4B29-8BD9-956A2A33DB7C}" type="slidenum">
               <a:rPr lang="pl-PL" smtClean="0"/>
-              <a:t>7</a:t>
+              <a:t>5</a:t>
             </a:fld>
             <a:endParaRPr lang="pl-PL"/>
           </a:p>
@@ -2185,7 +2321,7 @@
     </p:spTree>
     <p:extLst>
       <p:ext uri="{BB962C8B-B14F-4D97-AF65-F5344CB8AC3E}">
-        <p14:creationId xmlns:p14="http://schemas.microsoft.com/office/powerpoint/2010/main" val="1730298930"/>
+        <p14:creationId xmlns:p14="http://schemas.microsoft.com/office/powerpoint/2010/main" val="3529633736"/>
       </p:ext>
     </p:extLst>
   </p:cSld>
@@ -2240,27 +2376,284 @@
           <a:lstStyle/>
           <a:p>
             <a:r>
-              <a:rPr lang="en-IE" b="1" u="sng" dirty="0" smtClean="0">
-                <a:solidFill>
-                  <a:srgbClr val="FF0000"/>
-                </a:solidFill>
+              <a:rPr lang="en-US" sz="1200" kern="1200" dirty="0" smtClean="0">
+                <a:solidFill>
+                  <a:schemeClr val="tx1"/>
+                </a:solidFill>
+                <a:latin typeface="+mn-lt"/>
+                <a:ea typeface="+mn-ea"/>
+                <a:cs typeface="+mn-cs"/>
               </a:rPr>
-              <a:t>- CORRECT THIS</a:t>
-            </a:r>
-            <a:r>
-              <a:rPr lang="en-IE" b="1" u="sng" baseline="0" dirty="0" smtClean="0">
-                <a:solidFill>
-                  <a:srgbClr val="FF0000"/>
-                </a:solidFill>
+              <a:t>-</a:t>
+            </a:r>
+            <a:r>
+              <a:rPr lang="en-US" sz="1200" kern="1200" baseline="0" dirty="0" smtClean="0">
+                <a:solidFill>
+                  <a:schemeClr val="tx1"/>
+                </a:solidFill>
+                <a:latin typeface="+mn-lt"/>
+                <a:ea typeface="+mn-ea"/>
+                <a:cs typeface="+mn-cs"/>
               </a:rPr>
-              <a:t> EXAMPLE!!!</a:t>
-            </a:r>
-            <a:endParaRPr lang="pl-PL" b="1" u="sng" dirty="0">
+              <a:t> </a:t>
+            </a:r>
+            <a:r>
+              <a:rPr lang="en-US" sz="1200" kern="1200" dirty="0" smtClean="0">
+                <a:solidFill>
+                  <a:schemeClr val="tx1"/>
+                </a:solidFill>
+                <a:latin typeface="+mn-lt"/>
+                <a:ea typeface="+mn-ea"/>
+                <a:cs typeface="+mn-cs"/>
+              </a:rPr>
+              <a:t>because u invoke a + method on object which value is 1 and u pass a parameter 2</a:t>
+            </a:r>
+          </a:p>
+          <a:p>
+            <a:r>
+              <a:rPr lang="en-US" sz="1200" kern="1200" dirty="0" smtClean="0">
+                <a:solidFill>
+                  <a:schemeClr val="tx1"/>
+                </a:solidFill>
+                <a:latin typeface="+mn-lt"/>
+                <a:ea typeface="+mn-ea"/>
+                <a:cs typeface="+mn-cs"/>
+              </a:rPr>
+              <a:t> -</a:t>
+            </a:r>
+            <a:r>
+              <a:rPr lang="en-US" sz="1200" kern="1200" baseline="0" dirty="0" smtClean="0">
+                <a:solidFill>
+                  <a:schemeClr val="tx1"/>
+                </a:solidFill>
+                <a:latin typeface="+mn-lt"/>
+                <a:ea typeface="+mn-ea"/>
+                <a:cs typeface="+mn-cs"/>
+              </a:rPr>
+              <a:t> </a:t>
+            </a:r>
+            <a:r>
+              <a:rPr lang="en-US" sz="1200" kern="1200" dirty="0" smtClean="0">
+                <a:solidFill>
+                  <a:schemeClr val="tx1"/>
+                </a:solidFill>
+                <a:latin typeface="+mn-lt"/>
+                <a:ea typeface="+mn-ea"/>
+                <a:cs typeface="+mn-cs"/>
+              </a:rPr>
+              <a:t>remember - everything is an object in </a:t>
+            </a:r>
+            <a:r>
+              <a:rPr lang="en-US" sz="1200" u="sng" kern="1200" dirty="0" smtClean="0">
+                <a:solidFill>
+                  <a:schemeClr val="tx1"/>
+                </a:solidFill>
+                <a:latin typeface="+mn-lt"/>
+                <a:ea typeface="+mn-ea"/>
+                <a:cs typeface="+mn-cs"/>
+              </a:rPr>
+              <a:t>Scala</a:t>
+            </a:r>
+          </a:p>
+          <a:p>
+            <a:endParaRPr lang="en-US" sz="1200" u="sng" kern="1200" dirty="0" smtClean="0">
               <a:solidFill>
-                <a:srgbClr val="FF0000"/>
+                <a:schemeClr val="tx1"/>
               </a:solidFill>
+              <a:latin typeface="+mn-lt"/>
+              <a:ea typeface="+mn-ea"/>
+              <a:cs typeface="+mn-cs"/>
             </a:endParaRPr>
           </a:p>
+          <a:p>
+            <a:pPr rtl="0"/>
+            <a:r>
+              <a:rPr lang="en-US" sz="1200" kern="1200" dirty="0" smtClean="0">
+                <a:solidFill>
+                  <a:schemeClr val="tx1"/>
+                </a:solidFill>
+                <a:effectLst/>
+                <a:latin typeface="+mn-lt"/>
+                <a:ea typeface="+mn-ea"/>
+                <a:cs typeface="+mn-cs"/>
+              </a:rPr>
+              <a:t>A function in Scala is a “first-class value”. Like any other value, it may be passed as a parameter or returned as a result. Functions which take other functions as parameters or return them as results are called </a:t>
+            </a:r>
+            <a:r>
+              <a:rPr lang="en-US" sz="1200" b="1" kern="1200" dirty="0" smtClean="0">
+                <a:solidFill>
+                  <a:schemeClr val="tx1"/>
+                </a:solidFill>
+                <a:effectLst/>
+                <a:latin typeface="+mn-lt"/>
+                <a:ea typeface="+mn-ea"/>
+                <a:cs typeface="+mn-cs"/>
+              </a:rPr>
+              <a:t>higher-order</a:t>
+            </a:r>
+            <a:r>
+              <a:rPr lang="en-US" sz="1200" b="1" kern="1200" baseline="0" dirty="0" smtClean="0">
+                <a:solidFill>
+                  <a:schemeClr val="tx1"/>
+                </a:solidFill>
+                <a:effectLst/>
+                <a:latin typeface="+mn-lt"/>
+                <a:ea typeface="+mn-ea"/>
+                <a:cs typeface="+mn-cs"/>
+              </a:rPr>
+              <a:t> </a:t>
+            </a:r>
+            <a:r>
+              <a:rPr lang="en-US" sz="1200" b="1" kern="1200" dirty="0" smtClean="0">
+                <a:solidFill>
+                  <a:schemeClr val="tx1"/>
+                </a:solidFill>
+                <a:effectLst/>
+                <a:latin typeface="+mn-lt"/>
+                <a:ea typeface="+mn-ea"/>
+                <a:cs typeface="+mn-cs"/>
+              </a:rPr>
+              <a:t>functions</a:t>
+            </a:r>
+            <a:r>
+              <a:rPr lang="en-US" sz="1200" kern="1200" dirty="0" smtClean="0">
+                <a:solidFill>
+                  <a:schemeClr val="tx1"/>
+                </a:solidFill>
+                <a:effectLst/>
+                <a:latin typeface="+mn-lt"/>
+                <a:ea typeface="+mn-ea"/>
+                <a:cs typeface="+mn-cs"/>
+              </a:rPr>
+              <a:t>. </a:t>
+            </a:r>
+          </a:p>
+          <a:p>
+            <a:pPr rtl="0"/>
+            <a:endParaRPr lang="en-US" sz="1200" kern="1200" dirty="0" smtClean="0">
+              <a:solidFill>
+                <a:schemeClr val="tx1"/>
+              </a:solidFill>
+              <a:effectLst/>
+              <a:latin typeface="+mn-lt"/>
+              <a:ea typeface="+mn-ea"/>
+              <a:cs typeface="+mn-cs"/>
+            </a:endParaRPr>
+          </a:p>
+          <a:p>
+            <a:pPr rtl="0"/>
+            <a:r>
+              <a:rPr lang="en-US" sz="1200" kern="1200" dirty="0" smtClean="0">
+                <a:solidFill>
+                  <a:schemeClr val="tx1"/>
+                </a:solidFill>
+                <a:effectLst/>
+                <a:latin typeface="+mn-lt"/>
+                <a:ea typeface="+mn-ea"/>
+                <a:cs typeface="+mn-cs"/>
+              </a:rPr>
+              <a:t>def </a:t>
+            </a:r>
+            <a:r>
+              <a:rPr lang="en-US" sz="1200" kern="1200" dirty="0" err="1" smtClean="0">
+                <a:solidFill>
+                  <a:schemeClr val="tx1"/>
+                </a:solidFill>
+                <a:effectLst/>
+                <a:latin typeface="+mn-lt"/>
+                <a:ea typeface="+mn-ea"/>
+                <a:cs typeface="+mn-cs"/>
+              </a:rPr>
+              <a:t>sumInts</a:t>
+            </a:r>
+            <a:r>
+              <a:rPr lang="en-US" sz="1200" kern="1200" dirty="0" smtClean="0">
+                <a:solidFill>
+                  <a:schemeClr val="tx1"/>
+                </a:solidFill>
+                <a:effectLst/>
+                <a:latin typeface="+mn-lt"/>
+                <a:ea typeface="+mn-ea"/>
+                <a:cs typeface="+mn-cs"/>
+              </a:rPr>
+              <a:t>(a: Int, b: Int): Int = sum(id, a, b)</a:t>
+            </a:r>
+          </a:p>
+          <a:p>
+            <a:pPr rtl="0"/>
+            <a:r>
+              <a:rPr lang="en-US" sz="1200" kern="1200" dirty="0" smtClean="0">
+                <a:solidFill>
+                  <a:schemeClr val="tx1"/>
+                </a:solidFill>
+                <a:effectLst/>
+                <a:latin typeface="+mn-lt"/>
+                <a:ea typeface="+mn-ea"/>
+                <a:cs typeface="+mn-cs"/>
+              </a:rPr>
+              <a:t>def </a:t>
+            </a:r>
+            <a:r>
+              <a:rPr lang="en-US" sz="1200" kern="1200" dirty="0" err="1" smtClean="0">
+                <a:solidFill>
+                  <a:schemeClr val="tx1"/>
+                </a:solidFill>
+                <a:effectLst/>
+                <a:latin typeface="+mn-lt"/>
+                <a:ea typeface="+mn-ea"/>
+                <a:cs typeface="+mn-cs"/>
+              </a:rPr>
+              <a:t>sumSquares</a:t>
+            </a:r>
+            <a:r>
+              <a:rPr lang="en-US" sz="1200" kern="1200" dirty="0" smtClean="0">
+                <a:solidFill>
+                  <a:schemeClr val="tx1"/>
+                </a:solidFill>
+                <a:effectLst/>
+                <a:latin typeface="+mn-lt"/>
+                <a:ea typeface="+mn-ea"/>
+                <a:cs typeface="+mn-cs"/>
+              </a:rPr>
+              <a:t>(a: Int, b: Int): Int = sum(square, a, b)</a:t>
+            </a:r>
+          </a:p>
+          <a:p>
+            <a:pPr rtl="0"/>
+            <a:endParaRPr lang="en-US" sz="1200" kern="1200" dirty="0" smtClean="0">
+              <a:solidFill>
+                <a:schemeClr val="tx1"/>
+              </a:solidFill>
+              <a:effectLst/>
+              <a:latin typeface="+mn-lt"/>
+              <a:ea typeface="+mn-ea"/>
+              <a:cs typeface="+mn-cs"/>
+            </a:endParaRPr>
+          </a:p>
+          <a:p>
+            <a:endParaRPr lang="en-US" sz="1200" u="sng" kern="1200" dirty="0" smtClean="0">
+              <a:solidFill>
+                <a:schemeClr val="tx1"/>
+              </a:solidFill>
+              <a:latin typeface="+mn-lt"/>
+              <a:ea typeface="+mn-ea"/>
+              <a:cs typeface="+mn-cs"/>
+            </a:endParaRPr>
+          </a:p>
+          <a:p>
+            <a:r>
+              <a:rPr lang="pl-PL" sz="1200" kern="1200" dirty="0" smtClean="0">
+                <a:solidFill>
+                  <a:schemeClr val="tx1"/>
+                </a:solidFill>
+                <a:latin typeface="+mn-lt"/>
+                <a:ea typeface="+mn-ea"/>
+                <a:cs typeface="+mn-cs"/>
+              </a:rPr>
+              <a:t> </a:t>
+            </a:r>
+            <a:endParaRPr lang="pl-PL" dirty="0"/>
+          </a:p>
         </p:txBody>
       </p:sp>
       <p:sp>
@@ -2280,7 +2673,7 @@
           <a:p>
             <a:fld id="{9CCF4A4B-2EF2-4B29-8BD9-956A2A33DB7C}" type="slidenum">
               <a:rPr lang="pl-PL" smtClean="0"/>
-              <a:t>8</a:t>
+              <a:t>6</a:t>
             </a:fld>
             <a:endParaRPr lang="pl-PL"/>
           </a:p>
@@ -2289,7 +2682,7 @@
     </p:spTree>
     <p:extLst>
       <p:ext uri="{BB962C8B-B14F-4D97-AF65-F5344CB8AC3E}">
-        <p14:creationId xmlns:p14="http://schemas.microsoft.com/office/powerpoint/2010/main" val="1947215073"/>
+        <p14:creationId xmlns:p14="http://schemas.microsoft.com/office/powerpoint/2010/main" val="1730298930"/>
       </p:ext>
     </p:extLst>
   </p:cSld>
@@ -2407,8 +2800,15 @@
           <a:p>
             <a:r>
               <a:rPr lang="en-IE" b="1" baseline="0" dirty="0" smtClean="0"/>
-              <a:t>We can send a HTTP request in a JSON format and get a response back also in a JSON format.</a:t>
-            </a:r>
+              <a:t>We can send a HTTP request in a JSON format and get a response back also in a JSON format</a:t>
+            </a:r>
+            <a:r>
+              <a:rPr lang="en-IE" b="1" baseline="0" dirty="0" smtClean="0"/>
+              <a:t>.</a:t>
+            </a:r>
+          </a:p>
+          <a:p>
+            <a:endParaRPr lang="en-IE" b="1" baseline="0" dirty="0" smtClean="0"/>
           </a:p>
           <a:p>
             <a:endParaRPr lang="pl-PL" dirty="0"/>
@@ -2432,7 +2832,7 @@
           <a:p>
             <a:fld id="{9CCF4A4B-2EF2-4B29-8BD9-956A2A33DB7C}" type="slidenum">
               <a:rPr lang="pl-PL" smtClean="0"/>
-              <a:t>9</a:t>
+              <a:t>7</a:t>
             </a:fld>
             <a:endParaRPr lang="pl-PL"/>
           </a:p>
@@ -2548,7 +2948,31 @@
                 <a:ea typeface="+mn-ea"/>
                 <a:cs typeface="+mn-cs"/>
               </a:rPr>
-              <a:t> situation where two different threads access the same data and update the value of that data without locking</a:t>
+              <a:t> situation where two different threads access the same data and update the value of that data without </a:t>
+            </a:r>
+            <a:r>
+              <a:rPr lang="en-IE" sz="1200" kern="1200" dirty="0" smtClean="0">
+                <a:solidFill>
+                  <a:schemeClr val="tx1"/>
+                </a:solidFill>
+                <a:effectLst/>
+                <a:latin typeface="+mn-lt"/>
+                <a:ea typeface="+mn-ea"/>
+                <a:cs typeface="+mn-cs"/>
+              </a:rPr>
+              <a:t>locking</a:t>
+            </a:r>
+            <a:r>
+              <a:rPr lang="en-IE" sz="1200" kern="1200" baseline="0" dirty="0" smtClean="0">
+                <a:solidFill>
+                  <a:schemeClr val="tx1"/>
+                </a:solidFill>
+                <a:effectLst/>
+                <a:latin typeface="+mn-lt"/>
+                <a:ea typeface="+mn-ea"/>
+                <a:cs typeface="+mn-cs"/>
+              </a:rPr>
+              <a:t> (the actual value of data is compromised)</a:t>
             </a:r>
             <a:endParaRPr lang="en-IE" baseline="0" dirty="0" smtClean="0"/>
           </a:p>
@@ -2592,7 +3016,7 @@
           <a:p>
             <a:fld id="{9CCF4A4B-2EF2-4B29-8BD9-956A2A33DB7C}" type="slidenum">
               <a:rPr lang="pl-PL" smtClean="0"/>
-              <a:t>10</a:t>
+              <a:t>8</a:t>
             </a:fld>
             <a:endParaRPr lang="pl-PL"/>
           </a:p>
@@ -2850,7 +3274,7 @@
           <a:p>
             <a:fld id="{9CCF4A4B-2EF2-4B29-8BD9-956A2A33DB7C}" type="slidenum">
               <a:rPr lang="pl-PL" smtClean="0"/>
-              <a:t>11</a:t>
+              <a:t>9</a:t>
             </a:fld>
             <a:endParaRPr lang="pl-PL"/>
           </a:p>
@@ -5864,79 +6288,149 @@
             <a:spLocks noGrp="1"/>
           </p:cNvSpPr>
           <p:nvPr>
-            <p:ph type="ctrTitle"/>
-          </p:nvPr>
-        </p:nvSpPr>
-        <p:spPr/>
-        <p:txBody>
-          <a:bodyPr/>
-          <a:lstStyle/>
-          <a:p>
-            <a:endParaRPr lang="pl-PL" dirty="0"/>
-          </a:p>
-        </p:txBody>
-      </p:sp>
-      <p:sp>
-        <p:nvSpPr>
-          <p:cNvPr id="3" name="Podtytuł 2"/>
-          <p:cNvSpPr>
-            <a:spLocks noGrp="1"/>
-          </p:cNvSpPr>
-          <p:nvPr>
-            <p:ph type="subTitle" idx="1"/>
-          </p:nvPr>
-        </p:nvSpPr>
-        <p:spPr/>
-        <p:txBody>
-          <a:bodyPr/>
-          <a:lstStyle/>
-          <a:p>
+            <p:ph type="title"/>
+          </p:nvPr>
+        </p:nvSpPr>
+        <p:spPr/>
+        <p:txBody>
+          <a:bodyPr>
+            <a:normAutofit fontScale="90000"/>
+          </a:bodyPr>
+          <a:lstStyle/>
+          <a:p>
+            <a:pPr algn="l"/>
             <a:r>
               <a:rPr lang="en-IE" dirty="0" smtClean="0"/>
-              <a:t>Scala Spray </a:t>
-            </a:r>
-            <a:r>
-              <a:rPr lang="en-IE" dirty="0" err="1" smtClean="0"/>
+              <a:t/>
+            </a:r>
+            <a:br>
+              <a:rPr lang="en-IE" dirty="0" smtClean="0"/>
+            </a:br>
+            <a:r>
+              <a:rPr lang="en-IE" dirty="0" smtClean="0"/>
+              <a:t>Scala </a:t>
+            </a:r>
+            <a:r>
+              <a:rPr lang="en-IE" dirty="0"/>
+              <a:t>Spray </a:t>
+            </a:r>
+            <a:r>
+              <a:rPr lang="en-IE" dirty="0" err="1"/>
               <a:t>Akka</a:t>
             </a:r>
             <a:r>
-              <a:rPr lang="en-IE" dirty="0" smtClean="0"/>
+              <a:rPr lang="en-IE" dirty="0"/>
               <a:t> </a:t>
             </a:r>
             <a:r>
-              <a:rPr lang="en-IE" dirty="0" err="1" smtClean="0"/>
+              <a:rPr lang="en-IE" dirty="0" err="1"/>
               <a:t>RESTful</a:t>
             </a:r>
             <a:r>
-              <a:rPr lang="en-IE" dirty="0" smtClean="0"/>
+              <a:rPr lang="en-IE" dirty="0"/>
               <a:t> application</a:t>
             </a:r>
-          </a:p>
-          <a:p>
-            <a:r>
-              <a:rPr lang="en-IE" sz="2000" dirty="0"/>
-              <a:t>b</a:t>
-            </a:r>
+            <a:br>
+              <a:rPr lang="en-IE" dirty="0"/>
+            </a:br>
             <a:r>
               <a:rPr lang="en-IE" sz="2000" dirty="0" smtClean="0"/>
-              <a:t>y Marta </a:t>
+              <a:t>by Marta </a:t>
             </a:r>
             <a:r>
               <a:rPr lang="en-IE" sz="2000" dirty="0" err="1" smtClean="0"/>
               <a:t>Doberschuetz</a:t>
             </a:r>
-            <a:endParaRPr lang="pl-PL" sz="2000" dirty="0"/>
+            <a:r>
+              <a:rPr lang="pl-PL" sz="3200" dirty="0"/>
+              <a:t/>
+            </a:r>
+            <a:br>
+              <a:rPr lang="pl-PL" sz="3200" dirty="0"/>
+            </a:br>
+            <a:endParaRPr lang="pl-PL" dirty="0"/>
+          </a:p>
+        </p:txBody>
+      </p:sp>
+      <p:sp>
+        <p:nvSpPr>
+          <p:cNvPr id="3" name="Symbol zastępczy zawartości 2"/>
+          <p:cNvSpPr>
+            <a:spLocks noGrp="1"/>
+          </p:cNvSpPr>
+          <p:nvPr>
+            <p:ph idx="1"/>
+          </p:nvPr>
+        </p:nvSpPr>
+        <p:spPr/>
+        <p:txBody>
+          <a:bodyPr>
+            <a:normAutofit fontScale="92500"/>
+          </a:bodyPr>
+          <a:lstStyle/>
+          <a:p>
+            <a:endParaRPr lang="en-IE" dirty="0" smtClean="0"/>
+          </a:p>
+          <a:p>
+            <a:endParaRPr lang="en-IE" dirty="0"/>
+          </a:p>
+          <a:p>
+            <a:pPr marL="0" indent="0">
+              <a:buNone/>
+            </a:pPr>
+            <a:r>
+              <a:rPr lang="en-IE" sz="4100" dirty="0"/>
+              <a:t>Project goals </a:t>
+            </a:r>
+            <a:endParaRPr lang="pl-PL" sz="4100" dirty="0"/>
+          </a:p>
+          <a:p>
+            <a:endParaRPr lang="en-IE" dirty="0" smtClean="0"/>
+          </a:p>
+          <a:p>
+            <a:r>
+              <a:rPr lang="en-IE" dirty="0" smtClean="0"/>
+              <a:t>to get familiar with Scala programming language</a:t>
+            </a:r>
+          </a:p>
+          <a:p>
+            <a:r>
+              <a:rPr lang="en-IE" dirty="0"/>
+              <a:t>t</a:t>
+            </a:r>
+            <a:r>
+              <a:rPr lang="en-IE" dirty="0" smtClean="0"/>
+              <a:t>o get familiar with web service concept and a broad range of technologies</a:t>
+            </a:r>
+          </a:p>
+          <a:p>
+            <a:r>
+              <a:rPr lang="en-IE" dirty="0"/>
+              <a:t>t</a:t>
+            </a:r>
+            <a:r>
+              <a:rPr lang="en-IE" dirty="0" smtClean="0"/>
+              <a:t>o get familiar with Actor paradigm</a:t>
+            </a:r>
+          </a:p>
+          <a:p>
+            <a:pPr marL="0" indent="0">
+              <a:buNone/>
+            </a:pPr>
+            <a:endParaRPr lang="en-IE" dirty="0"/>
           </a:p>
         </p:txBody>
       </p:sp>
       <p:pic>
         <p:nvPicPr>
-          <p:cNvPr id="4" name="Obraz 3" descr="COLOUR WITH CIRCLE"/>
-          <p:cNvPicPr/>
+          <p:cNvPr id="1026" name="Picture 2"/>
+          <p:cNvPicPr>
+            <a:picLocks noChangeAspect="1" noChangeArrowheads="1"/>
+          </p:cNvPicPr>
           <p:nvPr/>
         </p:nvPicPr>
         <p:blipFill>
-          <a:blip r:embed="rId2">
+          <a:blip r:embed="rId3" cstate="print">
             <a:extLst>
               <a:ext uri="{28A0092B-C50C-407E-A947-70E740481C1C}">
                 <a14:useLocalDpi xmlns:a14="http://schemas.microsoft.com/office/drawing/2010/main" val="0"/>
@@ -5950,8 +6444,60 @@
         </p:blipFill>
         <p:spPr bwMode="auto">
           <a:xfrm>
-            <a:off x="3275856" y="1124744"/>
-            <a:ext cx="2304256" cy="2198712"/>
+            <a:off x="4502206" y="2518470"/>
+            <a:ext cx="1440160" cy="1080120"/>
+          </a:xfrm>
+          <a:prstGeom prst="rect">
+            <a:avLst/>
+          </a:prstGeom>
+          <a:noFill/>
+          <a:ln>
+            <a:noFill/>
+          </a:ln>
+          <a:extLst>
+            <a:ext uri="{909E8E84-426E-40DD-AFC4-6F175D3DCCD1}">
+              <a14:hiddenFill xmlns:a14="http://schemas.microsoft.com/office/drawing/2010/main">
+                <a:solidFill>
+                  <a:schemeClr val="accent1"/>
+                </a:solidFill>
+              </a14:hiddenFill>
+            </a:ext>
+            <a:ext uri="{91240B29-F687-4F45-9708-019B960494DF}">
+              <a14:hiddenLine xmlns:a14="http://schemas.microsoft.com/office/drawing/2010/main" w="9525">
+                <a:solidFill>
+                  <a:schemeClr val="tx1"/>
+                </a:solidFill>
+                <a:miter lim="800000"/>
+                <a:headEnd/>
+                <a:tailEnd/>
+              </a14:hiddenLine>
+            </a:ext>
+          </a:extLst>
+        </p:spPr>
+      </p:pic>
+      <p:pic>
+        <p:nvPicPr>
+          <p:cNvPr id="5" name="Obraz 4" descr="COLOUR WITH CIRCLE"/>
+          <p:cNvPicPr/>
+          <p:nvPr/>
+        </p:nvPicPr>
+        <p:blipFill>
+          <a:blip r:embed="rId4">
+            <a:extLst>
+              <a:ext uri="{28A0092B-C50C-407E-A947-70E740481C1C}">
+                <a14:useLocalDpi xmlns:a14="http://schemas.microsoft.com/office/drawing/2010/main" val="0"/>
+              </a:ext>
+            </a:extLst>
+          </a:blip>
+          <a:srcRect/>
+          <a:stretch>
+            <a:fillRect/>
+          </a:stretch>
+        </p:blipFill>
+        <p:spPr bwMode="auto">
+          <a:xfrm>
+            <a:off x="7164288" y="1078311"/>
+            <a:ext cx="1380260" cy="1440159"/>
           </a:xfrm>
           <a:prstGeom prst="rect">
             <a:avLst/>
@@ -5965,7 +6511,7 @@
     </p:spTree>
     <p:extLst>
       <p:ext uri="{BB962C8B-B14F-4D97-AF65-F5344CB8AC3E}">
-        <p14:creationId xmlns:p14="http://schemas.microsoft.com/office/powerpoint/2010/main" val="3002862263"/>
+        <p14:creationId xmlns:p14="http://schemas.microsoft.com/office/powerpoint/2010/main" val="3544932548"/>
       </p:ext>
     </p:extLst>
   </p:cSld>
@@ -6014,394 +6560,6 @@
           <a:bodyPr/>
           <a:lstStyle/>
           <a:p>
-            <a:endParaRPr lang="pl-PL" dirty="0"/>
-          </a:p>
-        </p:txBody>
-      </p:sp>
-      <p:sp>
-        <p:nvSpPr>
-          <p:cNvPr id="3" name="Symbol zastępczy zawartości 2"/>
-          <p:cNvSpPr>
-            <a:spLocks noGrp="1"/>
-          </p:cNvSpPr>
-          <p:nvPr>
-            <p:ph idx="1"/>
-          </p:nvPr>
-        </p:nvSpPr>
-        <p:spPr/>
-        <p:txBody>
-          <a:bodyPr>
-            <a:normAutofit/>
-          </a:bodyPr>
-          <a:lstStyle/>
-          <a:p>
-            <a:endParaRPr lang="en-IE" dirty="0" smtClean="0"/>
-          </a:p>
-          <a:p>
-            <a:r>
-              <a:rPr lang="en-IE" dirty="0" smtClean="0"/>
-              <a:t>toolkit that allows to create concurrent applications</a:t>
-            </a:r>
-          </a:p>
-          <a:p>
-            <a:r>
-              <a:rPr lang="en-IE" dirty="0" smtClean="0"/>
-              <a:t>no race conditions or deadlocks</a:t>
-            </a:r>
-          </a:p>
-          <a:p>
-            <a:r>
-              <a:rPr lang="en-IE" dirty="0"/>
-              <a:t>t</a:t>
-            </a:r>
-            <a:r>
-              <a:rPr lang="en-IE" dirty="0" smtClean="0"/>
-              <a:t>hread safety</a:t>
-            </a:r>
-          </a:p>
-          <a:p>
-            <a:r>
-              <a:rPr lang="en-IE" dirty="0" err="1" smtClean="0"/>
-              <a:t>Akka</a:t>
-            </a:r>
-            <a:r>
-              <a:rPr lang="en-IE" dirty="0" smtClean="0"/>
-              <a:t> uses Actors</a:t>
-            </a:r>
-          </a:p>
-        </p:txBody>
-      </p:sp>
-      <p:pic>
-        <p:nvPicPr>
-          <p:cNvPr id="6146" name="Picture 2"/>
-          <p:cNvPicPr>
-            <a:picLocks noChangeAspect="1" noChangeArrowheads="1"/>
-          </p:cNvPicPr>
-          <p:nvPr/>
-        </p:nvPicPr>
-        <p:blipFill>
-          <a:blip r:embed="rId3">
-            <a:extLst>
-              <a:ext uri="{28A0092B-C50C-407E-A947-70E740481C1C}">
-                <a14:useLocalDpi xmlns:a14="http://schemas.microsoft.com/office/drawing/2010/main" val="0"/>
-              </a:ext>
-            </a:extLst>
-          </a:blip>
-          <a:srcRect/>
-          <a:stretch>
-            <a:fillRect/>
-          </a:stretch>
-        </p:blipFill>
-        <p:spPr bwMode="auto">
-          <a:xfrm>
-            <a:off x="1259632" y="548680"/>
-            <a:ext cx="1705224" cy="1329269"/>
-          </a:xfrm>
-          <a:prstGeom prst="rect">
-            <a:avLst/>
-          </a:prstGeom>
-          <a:noFill/>
-          <a:ln>
-            <a:noFill/>
-          </a:ln>
-          <a:extLst>
-            <a:ext uri="{909E8E84-426E-40DD-AFC4-6F175D3DCCD1}">
-              <a14:hiddenFill xmlns:a14="http://schemas.microsoft.com/office/drawing/2010/main">
-                <a:solidFill>
-                  <a:schemeClr val="accent1"/>
-                </a:solidFill>
-              </a14:hiddenFill>
-            </a:ext>
-            <a:ext uri="{91240B29-F687-4F45-9708-019B960494DF}">
-              <a14:hiddenLine xmlns:a14="http://schemas.microsoft.com/office/drawing/2010/main" w="9525">
-                <a:solidFill>
-                  <a:schemeClr val="tx1"/>
-                </a:solidFill>
-                <a:miter lim="800000"/>
-                <a:headEnd/>
-                <a:tailEnd/>
-              </a14:hiddenLine>
-            </a:ext>
-          </a:extLst>
-        </p:spPr>
-      </p:pic>
-      <p:pic>
-        <p:nvPicPr>
-          <p:cNvPr id="5" name="Picture 3"/>
-          <p:cNvPicPr>
-            <a:picLocks noChangeAspect="1" noChangeArrowheads="1"/>
-          </p:cNvPicPr>
-          <p:nvPr/>
-        </p:nvPicPr>
-        <p:blipFill>
-          <a:blip r:embed="rId4">
-            <a:extLst>
-              <a:ext uri="{28A0092B-C50C-407E-A947-70E740481C1C}">
-                <a14:useLocalDpi xmlns:a14="http://schemas.microsoft.com/office/drawing/2010/main" val="0"/>
-              </a:ext>
-            </a:extLst>
-          </a:blip>
-          <a:srcRect/>
-          <a:stretch>
-            <a:fillRect/>
-          </a:stretch>
-        </p:blipFill>
-        <p:spPr bwMode="auto">
-          <a:xfrm>
-            <a:off x="4213525" y="4221088"/>
-            <a:ext cx="860963" cy="1523242"/>
-          </a:xfrm>
-          <a:prstGeom prst="rect">
-            <a:avLst/>
-          </a:prstGeom>
-          <a:noFill/>
-          <a:ln>
-            <a:noFill/>
-          </a:ln>
-          <a:extLst>
-            <a:ext uri="{909E8E84-426E-40DD-AFC4-6F175D3DCCD1}">
-              <a14:hiddenFill xmlns:a14="http://schemas.microsoft.com/office/drawing/2010/main">
-                <a:solidFill>
-                  <a:schemeClr val="accent1"/>
-                </a:solidFill>
-              </a14:hiddenFill>
-            </a:ext>
-            <a:ext uri="{91240B29-F687-4F45-9708-019B960494DF}">
-              <a14:hiddenLine xmlns:a14="http://schemas.microsoft.com/office/drawing/2010/main" w="9525">
-                <a:solidFill>
-                  <a:schemeClr val="tx1"/>
-                </a:solidFill>
-                <a:miter lim="800000"/>
-                <a:headEnd/>
-                <a:tailEnd/>
-              </a14:hiddenLine>
-            </a:ext>
-          </a:extLst>
-        </p:spPr>
-      </p:pic>
-    </p:spTree>
-    <p:extLst>
-      <p:ext uri="{BB962C8B-B14F-4D97-AF65-F5344CB8AC3E}">
-        <p14:creationId xmlns:p14="http://schemas.microsoft.com/office/powerpoint/2010/main" val="1405646721"/>
-      </p:ext>
-    </p:extLst>
-  </p:cSld>
-  <p:clrMapOvr>
-    <a:masterClrMapping/>
-  </p:clrMapOvr>
-  <p:timing>
-    <p:tnLst>
-      <p:par>
-        <p:cTn id="1" dur="indefinite" restart="never" nodeType="tmRoot"/>
-      </p:par>
-    </p:tnLst>
-  </p:timing>
-</p:sld>
-</file>
-
-<file path=ppt/slides/slide11.xml><?xml version="1.0" encoding="utf-8"?>
-<p:sld xmlns:a="http://schemas.openxmlformats.org/drawingml/2006/main" xmlns:r="http://schemas.openxmlformats.org/officeDocument/2006/relationships" xmlns:p="http://schemas.openxmlformats.org/presentationml/2006/main">
-  <p:cSld>
-    <p:spTree>
-      <p:nvGrpSpPr>
-        <p:cNvPr id="1" name=""/>
-        <p:cNvGrpSpPr/>
-        <p:nvPr/>
-      </p:nvGrpSpPr>
-      <p:grpSpPr>
-        <a:xfrm>
-          <a:off x="0" y="0"/>
-          <a:ext cx="0" cy="0"/>
-          <a:chOff x="0" y="0"/>
-          <a:chExt cx="0" cy="0"/>
-        </a:xfrm>
-      </p:grpSpPr>
-      <p:sp>
-        <p:nvSpPr>
-          <p:cNvPr id="2" name="Tytuł 1"/>
-          <p:cNvSpPr>
-            <a:spLocks noGrp="1"/>
-          </p:cNvSpPr>
-          <p:nvPr>
-            <p:ph type="title"/>
-          </p:nvPr>
-        </p:nvSpPr>
-        <p:spPr/>
-        <p:txBody>
-          <a:bodyPr/>
-          <a:lstStyle/>
-          <a:p>
-            <a:pPr algn="l"/>
-            <a:r>
-              <a:rPr lang="en-IE" dirty="0" smtClean="0"/>
-              <a:t>Actor paradigm</a:t>
-            </a:r>
-            <a:endParaRPr lang="pl-PL" dirty="0"/>
-          </a:p>
-        </p:txBody>
-      </p:sp>
-      <p:sp>
-        <p:nvSpPr>
-          <p:cNvPr id="3" name="Symbol zastępczy zawartości 2"/>
-          <p:cNvSpPr>
-            <a:spLocks noGrp="1"/>
-          </p:cNvSpPr>
-          <p:nvPr>
-            <p:ph idx="1"/>
-          </p:nvPr>
-        </p:nvSpPr>
-        <p:spPr/>
-        <p:txBody>
-          <a:bodyPr>
-            <a:normAutofit lnSpcReduction="10000"/>
-          </a:bodyPr>
-          <a:lstStyle/>
-          <a:p>
-            <a:endParaRPr lang="en-IE" dirty="0" smtClean="0"/>
-          </a:p>
-          <a:p>
-            <a:endParaRPr lang="en-IE" dirty="0"/>
-          </a:p>
-          <a:p>
-            <a:endParaRPr lang="en-IE" dirty="0" smtClean="0"/>
-          </a:p>
-          <a:p>
-            <a:endParaRPr lang="en-IE" dirty="0"/>
-          </a:p>
-          <a:p>
-            <a:endParaRPr lang="en-IE" dirty="0" smtClean="0"/>
-          </a:p>
-          <a:p>
-            <a:r>
-              <a:rPr lang="en-IE" dirty="0" smtClean="0"/>
-              <a:t>messages</a:t>
-            </a:r>
-          </a:p>
-          <a:p>
-            <a:r>
-              <a:rPr lang="en-IE" dirty="0"/>
-              <a:t>m</a:t>
-            </a:r>
-            <a:r>
-              <a:rPr lang="en-IE" dirty="0" smtClean="0"/>
-              <a:t>ailboxes</a:t>
-            </a:r>
-          </a:p>
-          <a:p>
-            <a:r>
-              <a:rPr lang="en-IE" dirty="0" smtClean="0"/>
-              <a:t>Example5.scala</a:t>
-            </a:r>
-            <a:endParaRPr lang="pl-PL" dirty="0"/>
-          </a:p>
-        </p:txBody>
-      </p:sp>
-      <p:pic>
-        <p:nvPicPr>
-          <p:cNvPr id="7171" name="Picture 3"/>
-          <p:cNvPicPr>
-            <a:picLocks noChangeAspect="1" noChangeArrowheads="1"/>
-          </p:cNvPicPr>
-          <p:nvPr/>
-        </p:nvPicPr>
-        <p:blipFill>
-          <a:blip r:embed="rId3">
-            <a:extLst>
-              <a:ext uri="{28A0092B-C50C-407E-A947-70E740481C1C}">
-                <a14:useLocalDpi xmlns:a14="http://schemas.microsoft.com/office/drawing/2010/main" val="0"/>
-              </a:ext>
-            </a:extLst>
-          </a:blip>
-          <a:srcRect/>
-          <a:stretch>
-            <a:fillRect/>
-          </a:stretch>
-        </p:blipFill>
-        <p:spPr bwMode="auto">
-          <a:xfrm>
-            <a:off x="899592" y="1556792"/>
-            <a:ext cx="7618413" cy="2286000"/>
-          </a:xfrm>
-          <a:prstGeom prst="rect">
-            <a:avLst/>
-          </a:prstGeom>
-          <a:noFill/>
-          <a:ln>
-            <a:noFill/>
-          </a:ln>
-          <a:extLst>
-            <a:ext uri="{909E8E84-426E-40DD-AFC4-6F175D3DCCD1}">
-              <a14:hiddenFill xmlns:a14="http://schemas.microsoft.com/office/drawing/2010/main">
-                <a:solidFill>
-                  <a:schemeClr val="accent1"/>
-                </a:solidFill>
-              </a14:hiddenFill>
-            </a:ext>
-            <a:ext uri="{91240B29-F687-4F45-9708-019B960494DF}">
-              <a14:hiddenLine xmlns:a14="http://schemas.microsoft.com/office/drawing/2010/main" w="9525">
-                <a:solidFill>
-                  <a:schemeClr val="tx1"/>
-                </a:solidFill>
-                <a:miter lim="800000"/>
-                <a:headEnd/>
-                <a:tailEnd/>
-              </a14:hiddenLine>
-            </a:ext>
-          </a:extLst>
-        </p:spPr>
-      </p:pic>
-    </p:spTree>
-    <p:extLst>
-      <p:ext uri="{BB962C8B-B14F-4D97-AF65-F5344CB8AC3E}">
-        <p14:creationId xmlns:p14="http://schemas.microsoft.com/office/powerpoint/2010/main" val="184192388"/>
-      </p:ext>
-    </p:extLst>
-  </p:cSld>
-  <p:clrMapOvr>
-    <a:masterClrMapping/>
-  </p:clrMapOvr>
-  <p:timing>
-    <p:tnLst>
-      <p:par>
-        <p:cTn id="1" dur="indefinite" restart="never" nodeType="tmRoot"/>
-      </p:par>
-    </p:tnLst>
-  </p:timing>
-</p:sld>
-</file>
-
-<file path=ppt/slides/slide12.xml><?xml version="1.0" encoding="utf-8"?>
-<p:sld xmlns:a="http://schemas.openxmlformats.org/drawingml/2006/main" xmlns:r="http://schemas.openxmlformats.org/officeDocument/2006/relationships" xmlns:p="http://schemas.openxmlformats.org/presentationml/2006/main">
-  <p:cSld>
-    <p:spTree>
-      <p:nvGrpSpPr>
-        <p:cNvPr id="1" name=""/>
-        <p:cNvGrpSpPr/>
-        <p:nvPr/>
-      </p:nvGrpSpPr>
-      <p:grpSpPr>
-        <a:xfrm>
-          <a:off x="0" y="0"/>
-          <a:ext cx="0" cy="0"/>
-          <a:chOff x="0" y="0"/>
-          <a:chExt cx="0" cy="0"/>
-        </a:xfrm>
-      </p:grpSpPr>
-      <p:sp>
-        <p:nvSpPr>
-          <p:cNvPr id="2" name="Tytuł 1"/>
-          <p:cNvSpPr>
-            <a:spLocks noGrp="1"/>
-          </p:cNvSpPr>
-          <p:nvPr>
-            <p:ph type="title"/>
-          </p:nvPr>
-        </p:nvSpPr>
-        <p:spPr/>
-        <p:txBody>
-          <a:bodyPr/>
-          <a:lstStyle/>
-          <a:p>
             <a:r>
               <a:rPr lang="en-IE" dirty="0" smtClean="0"/>
               <a:t>Example5.scala</a:t>
@@ -6486,7 +6644,7 @@
 </p:sld>
 </file>
 
-<file path=ppt/slides/slide13.xml><?xml version="1.0" encoding="utf-8"?>
+<file path=ppt/slides/slide11.xml><?xml version="1.0" encoding="utf-8"?>
 <p:sld xmlns:a="http://schemas.openxmlformats.org/drawingml/2006/main" xmlns:r="http://schemas.openxmlformats.org/officeDocument/2006/relationships" xmlns:p="http://schemas.openxmlformats.org/presentationml/2006/main">
   <p:cSld>
     <p:spTree>
@@ -6746,7 +6904,7 @@
 </p:sld>
 </file>
 
-<file path=ppt/slides/slide14.xml><?xml version="1.0" encoding="utf-8"?>
+<file path=ppt/slides/slide12.xml><?xml version="1.0" encoding="utf-8"?>
 <p:sld xmlns:a="http://schemas.openxmlformats.org/drawingml/2006/main" xmlns:r="http://schemas.openxmlformats.org/officeDocument/2006/relationships" xmlns:p="http://schemas.openxmlformats.org/presentationml/2006/main">
   <p:cSld>
     <p:spTree>
@@ -6805,22 +6963,6 @@
             <a:pPr marL="0" indent="0">
               <a:buNone/>
             </a:pPr>
-            <a:r>
-              <a:rPr lang="en-IE" b="1" dirty="0" err="1" smtClean="0">
-                <a:solidFill>
-                  <a:srgbClr val="7030A0"/>
-                </a:solidFill>
-              </a:rPr>
-              <a:t>src</a:t>
-            </a:r>
-            <a:r>
-              <a:rPr lang="en-IE" b="1" dirty="0" smtClean="0">
-                <a:solidFill>
-                  <a:srgbClr val="7030A0"/>
-                </a:solidFill>
-              </a:rPr>
-              <a:t>/main/resources/</a:t>
-            </a:r>
             <a:r>
               <a:rPr lang="en-IE" b="1" dirty="0" err="1" smtClean="0">
                 <a:solidFill>
@@ -7081,7 +7223,7 @@
 </p:sld>
 </file>
 
-<file path=ppt/slides/slide15.xml><?xml version="1.0" encoding="utf-8"?>
+<file path=ppt/slides/slide13.xml><?xml version="1.0" encoding="utf-8"?>
 <p:sld xmlns:a="http://schemas.openxmlformats.org/drawingml/2006/main" xmlns:r="http://schemas.openxmlformats.org/officeDocument/2006/relationships" xmlns:p="http://schemas.openxmlformats.org/presentationml/2006/main">
   <p:cSld>
     <p:spTree>
@@ -7383,7 +7525,7 @@
 </p:sld>
 </file>
 
-<file path=ppt/slides/slide16.xml><?xml version="1.0" encoding="utf-8"?>
+<file path=ppt/slides/slide14.xml><?xml version="1.0" encoding="utf-8"?>
 <p:sld xmlns:a="http://schemas.openxmlformats.org/drawingml/2006/main" xmlns:r="http://schemas.openxmlformats.org/officeDocument/2006/relationships" xmlns:p="http://schemas.openxmlformats.org/presentationml/2006/main">
   <p:cSld>
     <p:spTree>
@@ -7612,7 +7754,7 @@
         </p:blipFill>
         <p:spPr bwMode="auto">
           <a:xfrm>
-            <a:off x="3275856" y="4883125"/>
+            <a:off x="3419872" y="5164455"/>
             <a:ext cx="2445006" cy="817699"/>
           </a:xfrm>
           <a:prstGeom prst="rect">
@@ -7663,7 +7805,7 @@
 </p:sld>
 </file>
 
-<file path=ppt/slides/slide17.xml><?xml version="1.0" encoding="utf-8"?>
+<file path=ppt/slides/slide15.xml><?xml version="1.0" encoding="utf-8"?>
 <p:sld xmlns:a="http://schemas.openxmlformats.org/drawingml/2006/main" xmlns:r="http://schemas.openxmlformats.org/officeDocument/2006/relationships" xmlns:p="http://schemas.openxmlformats.org/presentationml/2006/main">
   <p:cSld>
     <p:spTree>
@@ -7836,7 +7978,7 @@
           <p:nvPr/>
         </p:nvPicPr>
         <p:blipFill>
-          <a:blip r:embed="rId2" cstate="print">
+          <a:blip r:embed="rId3" cstate="print">
             <a:extLst>
               <a:ext uri="{28A0092B-C50C-407E-A947-70E740481C1C}">
                 <a14:useLocalDpi xmlns:a14="http://schemas.microsoft.com/office/drawing/2010/main" val="0"/>
@@ -7877,7 +8019,7 @@
           <p:nvPr/>
         </p:nvPicPr>
         <p:blipFill>
-          <a:blip r:embed="rId3" cstate="print">
+          <a:blip r:embed="rId4" cstate="print">
             <a:extLst>
               <a:ext uri="{28A0092B-C50C-407E-A947-70E740481C1C}">
                 <a14:useLocalDpi xmlns:a14="http://schemas.microsoft.com/office/drawing/2010/main" val="0"/>
@@ -7976,8 +8118,12 @@
           <a:p>
             <a:pPr algn="l"/>
             <a:r>
+              <a:rPr lang="en-IE" dirty="0"/>
+              <a:t>T</a:t>
+            </a:r>
+            <a:r>
               <a:rPr lang="en-IE" dirty="0" smtClean="0"/>
-              <a:t>Project goals </a:t>
+              <a:t>he project</a:t>
             </a:r>
             <a:endParaRPr lang="pl-PL" dirty="0"/>
           </a:p>
@@ -7995,36 +8141,41 @@
         </p:nvSpPr>
         <p:spPr/>
         <p:txBody>
-          <a:bodyPr/>
-          <a:lstStyle/>
-          <a:p>
+          <a:bodyPr>
+            <a:normAutofit fontScale="85000" lnSpcReduction="20000"/>
+          </a:bodyPr>
+          <a:lstStyle/>
+          <a:p>
+            <a:pPr marL="0" indent="0">
+              <a:buNone/>
+            </a:pPr>
+            <a:r>
+              <a:rPr lang="en-IE" dirty="0"/>
+              <a:t>i</a:t>
+            </a:r>
+            <a:r>
+              <a:rPr lang="en-IE" dirty="0" smtClean="0"/>
+              <a:t>s not about the language</a:t>
+            </a:r>
+          </a:p>
+          <a:p>
+            <a:pPr marL="0" indent="0">
+              <a:buNone/>
+            </a:pPr>
+            <a:r>
+              <a:rPr lang="en-IE" dirty="0"/>
+              <a:t>i</a:t>
+            </a:r>
+            <a:r>
+              <a:rPr lang="en-IE" dirty="0" smtClean="0"/>
+              <a:t>t is about the concepts</a:t>
+            </a:r>
+          </a:p>
+          <a:p>
+            <a:pPr marL="0" indent="0">
+              <a:buNone/>
+            </a:pPr>
             <a:endParaRPr lang="en-IE" dirty="0" smtClean="0"/>
-          </a:p>
-          <a:p>
-            <a:r>
-              <a:rPr lang="en-IE" dirty="0" smtClean="0"/>
-              <a:t>to get familiar with Scala programming language</a:t>
-            </a:r>
-          </a:p>
-          <a:p>
-            <a:r>
-              <a:rPr lang="en-IE" dirty="0"/>
-              <a:t>t</a:t>
-            </a:r>
-            <a:r>
-              <a:rPr lang="en-IE" dirty="0" smtClean="0"/>
-              <a:t>o get familiar with web service concept and a broad range of technologies</a:t>
-            </a:r>
-          </a:p>
-          <a:p>
-            <a:r>
-              <a:rPr lang="en-IE" dirty="0"/>
-              <a:t>t</a:t>
-            </a:r>
-            <a:r>
-              <a:rPr lang="en-IE" dirty="0" smtClean="0"/>
-              <a:t>o get familiar with Actor paradigm</a:t>
-            </a:r>
           </a:p>
           <a:p>
             <a:pPr marL="0" indent="0">
@@ -8032,174 +8183,14 @@
             </a:pPr>
             <a:endParaRPr lang="en-IE" dirty="0"/>
           </a:p>
-        </p:txBody>
-      </p:sp>
-      <p:pic>
-        <p:nvPicPr>
-          <p:cNvPr id="1026" name="Picture 2"/>
-          <p:cNvPicPr>
-            <a:picLocks noChangeAspect="1" noChangeArrowheads="1"/>
-          </p:cNvPicPr>
-          <p:nvPr/>
-        </p:nvPicPr>
-        <p:blipFill>
-          <a:blip r:embed="rId2" cstate="print">
-            <a:extLst>
-              <a:ext uri="{28A0092B-C50C-407E-A947-70E740481C1C}">
-                <a14:useLocalDpi xmlns:a14="http://schemas.microsoft.com/office/drawing/2010/main" val="0"/>
-              </a:ext>
-            </a:extLst>
-          </a:blip>
-          <a:srcRect/>
-          <a:stretch>
-            <a:fillRect/>
-          </a:stretch>
-        </p:blipFill>
-        <p:spPr bwMode="auto">
-          <a:xfrm>
-            <a:off x="5508104" y="438841"/>
-            <a:ext cx="1944216" cy="1458162"/>
-          </a:xfrm>
-          <a:prstGeom prst="rect">
-            <a:avLst/>
-          </a:prstGeom>
-          <a:noFill/>
-          <a:ln>
-            <a:noFill/>
-          </a:ln>
-          <a:extLst>
-            <a:ext uri="{909E8E84-426E-40DD-AFC4-6F175D3DCCD1}">
-              <a14:hiddenFill xmlns:a14="http://schemas.microsoft.com/office/drawing/2010/main">
-                <a:solidFill>
-                  <a:schemeClr val="accent1"/>
-                </a:solidFill>
-              </a14:hiddenFill>
-            </a:ext>
-            <a:ext uri="{91240B29-F687-4F45-9708-019B960494DF}">
-              <a14:hiddenLine xmlns:a14="http://schemas.microsoft.com/office/drawing/2010/main" w="9525">
-                <a:solidFill>
-                  <a:schemeClr val="tx1"/>
-                </a:solidFill>
-                <a:miter lim="800000"/>
-                <a:headEnd/>
-                <a:tailEnd/>
-              </a14:hiddenLine>
-            </a:ext>
-          </a:extLst>
-        </p:spPr>
-      </p:pic>
-    </p:spTree>
-    <p:extLst>
-      <p:ext uri="{BB962C8B-B14F-4D97-AF65-F5344CB8AC3E}">
-        <p14:creationId xmlns:p14="http://schemas.microsoft.com/office/powerpoint/2010/main" val="3544932548"/>
-      </p:ext>
-    </p:extLst>
-  </p:cSld>
-  <p:clrMapOvr>
-    <a:masterClrMapping/>
-  </p:clrMapOvr>
-  <p:timing>
-    <p:tnLst>
-      <p:par>
-        <p:cTn id="1" dur="indefinite" restart="never" nodeType="tmRoot"/>
-      </p:par>
-    </p:tnLst>
-  </p:timing>
-</p:sld>
-</file>
-
-<file path=ppt/slides/slide3.xml><?xml version="1.0" encoding="utf-8"?>
-<p:sld xmlns:a="http://schemas.openxmlformats.org/drawingml/2006/main" xmlns:r="http://schemas.openxmlformats.org/officeDocument/2006/relationships" xmlns:p="http://schemas.openxmlformats.org/presentationml/2006/main">
-  <p:cSld>
-    <p:spTree>
-      <p:nvGrpSpPr>
-        <p:cNvPr id="1" name=""/>
-        <p:cNvGrpSpPr/>
-        <p:nvPr/>
-      </p:nvGrpSpPr>
-      <p:grpSpPr>
-        <a:xfrm>
-          <a:off x="0" y="0"/>
-          <a:ext cx="0" cy="0"/>
-          <a:chOff x="0" y="0"/>
-          <a:chExt cx="0" cy="0"/>
-        </a:xfrm>
-      </p:grpSpPr>
-      <p:sp>
-        <p:nvSpPr>
-          <p:cNvPr id="2" name="Tytuł 1"/>
-          <p:cNvSpPr>
-            <a:spLocks noGrp="1"/>
-          </p:cNvSpPr>
-          <p:nvPr>
-            <p:ph type="title"/>
-          </p:nvPr>
-        </p:nvSpPr>
-        <p:spPr/>
-        <p:txBody>
-          <a:bodyPr/>
-          <a:lstStyle/>
-          <a:p>
-            <a:pPr algn="l"/>
-            <a:r>
-              <a:rPr lang="en-IE" dirty="0"/>
-              <a:t>T</a:t>
-            </a:r>
-            <a:r>
-              <a:rPr lang="en-IE" dirty="0" smtClean="0"/>
-              <a:t>he project</a:t>
-            </a:r>
-            <a:endParaRPr lang="pl-PL" dirty="0"/>
-          </a:p>
-        </p:txBody>
-      </p:sp>
-      <p:sp>
-        <p:nvSpPr>
-          <p:cNvPr id="3" name="Symbol zastępczy zawartości 2"/>
-          <p:cNvSpPr>
-            <a:spLocks noGrp="1"/>
-          </p:cNvSpPr>
-          <p:nvPr>
-            <p:ph idx="1"/>
-          </p:nvPr>
-        </p:nvSpPr>
-        <p:spPr/>
-        <p:txBody>
-          <a:bodyPr>
-            <a:normAutofit fontScale="85000" lnSpcReduction="20000"/>
-          </a:bodyPr>
-          <a:lstStyle/>
           <a:p>
             <a:pPr marL="0" indent="0">
               <a:buNone/>
             </a:pPr>
             <a:r>
-              <a:rPr lang="en-IE" dirty="0"/>
-              <a:t>i</a:t>
-            </a:r>
-            <a:r>
-              <a:rPr lang="en-IE" dirty="0" smtClean="0"/>
-              <a:t>s not about the language</a:t>
-            </a:r>
-          </a:p>
-          <a:p>
-            <a:pPr marL="0" indent="0">
-              <a:buNone/>
-            </a:pPr>
-            <a:r>
-              <a:rPr lang="en-IE" dirty="0"/>
-              <a:t>i</a:t>
-            </a:r>
-            <a:r>
-              <a:rPr lang="en-IE" dirty="0" smtClean="0"/>
-              <a:t>t is about the concepts</a:t>
-            </a:r>
-          </a:p>
-          <a:p>
-            <a:pPr marL="0" indent="0">
-              <a:buNone/>
-            </a:pPr>
-            <a:endParaRPr lang="en-IE" dirty="0" smtClean="0"/>
+              <a:rPr lang="en-IE" sz="4800" dirty="0" smtClean="0"/>
+              <a:t>The technologies:</a:t>
+            </a:r>
           </a:p>
           <a:p>
             <a:pPr marL="0" indent="0">
@@ -8208,21 +8199,6 @@
             <a:endParaRPr lang="en-IE" dirty="0"/>
           </a:p>
           <a:p>
-            <a:pPr marL="0" indent="0">
-              <a:buNone/>
-            </a:pPr>
-            <a:r>
-              <a:rPr lang="en-IE" sz="4800" dirty="0" smtClean="0"/>
-              <a:t>The technologies:</a:t>
-            </a:r>
-          </a:p>
-          <a:p>
-            <a:pPr marL="0" indent="0">
-              <a:buNone/>
-            </a:pPr>
-            <a:endParaRPr lang="en-IE" dirty="0"/>
-          </a:p>
-          <a:p>
             <a:r>
               <a:rPr lang="en-IE" dirty="0" smtClean="0"/>
               <a:t>REST	</a:t>
@@ -8246,8 +8222,16 @@
           </a:p>
           <a:p>
             <a:r>
+              <a:rPr lang="en-IE" dirty="0"/>
+              <a:t>c</a:t>
+            </a:r>
+            <a:r>
               <a:rPr lang="en-IE" dirty="0" smtClean="0"/>
-              <a:t>Curl			Play</a:t>
+              <a:t>url</a:t>
+            </a:r>
+            <a:r>
+              <a:rPr lang="en-IE" dirty="0" smtClean="0"/>
+              <a:t>			Play</a:t>
             </a:r>
             <a:r>
               <a:rPr lang="en-IE" dirty="0"/>
@@ -8397,7 +8381,7 @@
 </p:sld>
 </file>
 
-<file path=ppt/slides/slide4.xml><?xml version="1.0" encoding="utf-8"?>
+<file path=ppt/slides/slide3.xml><?xml version="1.0" encoding="utf-8"?>
 <p:sld xmlns:a="http://schemas.openxmlformats.org/drawingml/2006/main" xmlns:r="http://schemas.openxmlformats.org/officeDocument/2006/relationships" xmlns:p="http://schemas.openxmlformats.org/presentationml/2006/main">
   <p:cSld>
     <p:spTree>
@@ -8521,10 +8505,10 @@
               <a:buChar char="-"/>
             </a:pPr>
             <a:r>
-              <a:rPr lang="en-IE" dirty="0"/>
+              <a:rPr lang="en-IE" sz="2200" dirty="0"/>
               <a:t>Example1</a:t>
             </a:r>
-            <a:endParaRPr lang="pl-PL" dirty="0"/>
+            <a:endParaRPr lang="pl-PL" sz="2200" dirty="0"/>
           </a:p>
           <a:p>
             <a:pPr marL="0" indent="0">
@@ -8716,7 +8700,7 @@
 </p:sld>
 </file>
 
-<file path=ppt/slides/slide5.xml><?xml version="1.0" encoding="utf-8"?>
+<file path=ppt/slides/slide4.xml><?xml version="1.0" encoding="utf-8"?>
 <p:sld xmlns:a="http://schemas.openxmlformats.org/drawingml/2006/main" xmlns:r="http://schemas.openxmlformats.org/officeDocument/2006/relationships" xmlns:p="http://schemas.openxmlformats.org/presentationml/2006/main">
   <p:cSld>
     <p:spTree>
@@ -8849,7 +8833,7 @@
 </p:sld>
 </file>
 
-<file path=ppt/slides/slide6.xml><?xml version="1.0" encoding="utf-8"?>
+<file path=ppt/slides/slide5.xml><?xml version="1.0" encoding="utf-8"?>
 <p:sld xmlns:a="http://schemas.openxmlformats.org/drawingml/2006/main" xmlns:r="http://schemas.openxmlformats.org/officeDocument/2006/relationships" xmlns:p="http://schemas.openxmlformats.org/presentationml/2006/main">
   <p:cSld>
     <p:spTree>
@@ -9115,7 +9099,7 @@
 </p:sld>
 </file>
 
-<file path=ppt/slides/slide7.xml><?xml version="1.0" encoding="utf-8"?>
+<file path=ppt/slides/slide6.xml><?xml version="1.0" encoding="utf-8"?>
 <p:sld xmlns:a="http://schemas.openxmlformats.org/drawingml/2006/main" xmlns:r="http://schemas.openxmlformats.org/officeDocument/2006/relationships" xmlns:p="http://schemas.openxmlformats.org/presentationml/2006/main">
   <p:cSld>
     <p:spTree>
@@ -9144,25 +9128,65 @@
         </p:nvSpPr>
         <p:spPr/>
         <p:txBody>
+          <a:bodyPr>
+            <a:normAutofit fontScale="90000"/>
+          </a:bodyPr>
+          <a:lstStyle/>
+          <a:p>
+            <a:r>
+              <a:rPr lang="en-IE" dirty="0" smtClean="0"/>
+              <a:t>Example2.scala           Example3.scala</a:t>
+            </a:r>
+            <a:endParaRPr lang="pl-PL" dirty="0"/>
+          </a:p>
+        </p:txBody>
+      </p:sp>
+      <p:sp>
+        <p:nvSpPr>
+          <p:cNvPr id="3" name="Symbol zastępczy tekstu 2"/>
+          <p:cNvSpPr>
+            <a:spLocks noGrp="1"/>
+          </p:cNvSpPr>
+          <p:nvPr>
+            <p:ph type="body" idx="1"/>
+          </p:nvPr>
+        </p:nvSpPr>
+        <p:spPr/>
+        <p:txBody>
           <a:bodyPr/>
           <a:lstStyle/>
           <a:p>
-            <a:r>
-              <a:rPr lang="en-IE" dirty="0" smtClean="0"/>
-              <a:t>Example2.scala</a:t>
-            </a:r>
             <a:endParaRPr lang="pl-PL" dirty="0"/>
           </a:p>
         </p:txBody>
       </p:sp>
       <p:sp>
         <p:nvSpPr>
-          <p:cNvPr id="5" name="Symbol zastępczy zawartości 4"/>
-          <p:cNvSpPr>
-            <a:spLocks noGrp="1"/>
-          </p:cNvSpPr>
-          <p:nvPr>
-            <p:ph idx="1"/>
+          <p:cNvPr id="4" name="Symbol zastępczy zawartości 3"/>
+          <p:cNvSpPr>
+            <a:spLocks noGrp="1"/>
+          </p:cNvSpPr>
+          <p:nvPr>
+            <p:ph sz="half" idx="2"/>
+          </p:nvPr>
+        </p:nvSpPr>
+        <p:spPr/>
+        <p:txBody>
+          <a:bodyPr/>
+          <a:lstStyle/>
+          <a:p>
+            <a:endParaRPr lang="pl-PL"/>
+          </a:p>
+        </p:txBody>
+      </p:sp>
+      <p:sp>
+        <p:nvSpPr>
+          <p:cNvPr id="6" name="Symbol zastępczy tekstu 5"/>
+          <p:cNvSpPr>
+            <a:spLocks noGrp="1"/>
+          </p:cNvSpPr>
+          <p:nvPr>
+            <p:ph type="body" sz="quarter" idx="3"/>
           </p:nvPr>
         </p:nvSpPr>
         <p:spPr/>
@@ -9197,8 +9221,64 @@
         </p:blipFill>
         <p:spPr bwMode="auto">
           <a:xfrm>
-            <a:off x="1475656" y="1523640"/>
-            <a:ext cx="5901673" cy="4857129"/>
+            <a:off x="32399" y="1994160"/>
+            <a:ext cx="4151801" cy="3416969"/>
+          </a:xfrm>
+          <a:prstGeom prst="rect">
+            <a:avLst/>
+          </a:prstGeom>
+          <a:noFill/>
+          <a:ln>
+            <a:noFill/>
+          </a:ln>
+          <a:extLst>
+            <a:ext uri="{909E8E84-426E-40DD-AFC4-6F175D3DCCD1}">
+              <a14:hiddenFill xmlns:a14="http://schemas.microsoft.com/office/drawing/2010/main">
+                <a:solidFill>
+                  <a:schemeClr val="accent1"/>
+                </a:solidFill>
+              </a14:hiddenFill>
+            </a:ext>
+            <a:ext uri="{91240B29-F687-4F45-9708-019B960494DF}">
+              <a14:hiddenLine xmlns:a14="http://schemas.microsoft.com/office/drawing/2010/main" w="9525">
+                <a:solidFill>
+                  <a:schemeClr val="tx1"/>
+                </a:solidFill>
+                <a:miter lim="800000"/>
+                <a:headEnd/>
+                <a:tailEnd/>
+              </a14:hiddenLine>
+            </a:ext>
+          </a:extLst>
+        </p:spPr>
+      </p:pic>
+      <p:pic>
+        <p:nvPicPr>
+          <p:cNvPr id="9" name="Picture 2"/>
+          <p:cNvPicPr>
+            <a:picLocks noGrp="1" noChangeAspect="1" noChangeArrowheads="1"/>
+          </p:cNvPicPr>
+          <p:nvPr>
+            <p:ph sz="quarter" idx="4"/>
+          </p:nvPr>
+        </p:nvPicPr>
+        <p:blipFill>
+          <a:blip r:embed="rId4">
+            <a:extLst>
+              <a:ext uri="{28A0092B-C50C-407E-A947-70E740481C1C}">
+                <a14:useLocalDpi xmlns:a14="http://schemas.microsoft.com/office/drawing/2010/main" val="0"/>
+              </a:ext>
+            </a:extLst>
+          </a:blip>
+          <a:srcRect/>
+          <a:stretch>
+            <a:fillRect/>
+          </a:stretch>
+        </p:blipFill>
+        <p:spPr bwMode="auto">
+          <a:xfrm>
+            <a:off x="3851920" y="2420888"/>
+            <a:ext cx="5489810" cy="1677442"/>
           </a:xfrm>
           <a:prstGeom prst="rect">
             <a:avLst/>
@@ -9232,6 +9312,151 @@
     <p:extLst>
       <p:ext uri="{BB962C8B-B14F-4D97-AF65-F5344CB8AC3E}">
         <p14:creationId xmlns:p14="http://schemas.microsoft.com/office/powerpoint/2010/main" val="2238514506"/>
+      </p:ext>
+    </p:extLst>
+  </p:cSld>
+  <p:clrMapOvr>
+    <a:masterClrMapping/>
+  </p:clrMapOvr>
+  <p:timing>
+    <p:tnLst>
+      <p:par>
+        <p:cTn id="1" dur="indefinite" restart="never" nodeType="tmRoot"/>
+      </p:par>
+    </p:tnLst>
+  </p:timing>
+</p:sld>
+</file>
+
+<file path=ppt/slides/slide7.xml><?xml version="1.0" encoding="utf-8"?>
+<p:sld xmlns:a="http://schemas.openxmlformats.org/drawingml/2006/main" xmlns:r="http://schemas.openxmlformats.org/officeDocument/2006/relationships" xmlns:p="http://schemas.openxmlformats.org/presentationml/2006/main">
+  <p:cSld>
+    <p:spTree>
+      <p:nvGrpSpPr>
+        <p:cNvPr id="1" name=""/>
+        <p:cNvGrpSpPr/>
+        <p:nvPr/>
+      </p:nvGrpSpPr>
+      <p:grpSpPr>
+        <a:xfrm>
+          <a:off x="0" y="0"/>
+          <a:ext cx="0" cy="0"/>
+          <a:chOff x="0" y="0"/>
+          <a:chExt cx="0" cy="0"/>
+        </a:xfrm>
+      </p:grpSpPr>
+      <p:sp>
+        <p:nvSpPr>
+          <p:cNvPr id="2" name="Tytuł 1"/>
+          <p:cNvSpPr>
+            <a:spLocks noGrp="1"/>
+          </p:cNvSpPr>
+          <p:nvPr>
+            <p:ph type="title"/>
+          </p:nvPr>
+        </p:nvSpPr>
+        <p:spPr>
+          <a:xfrm>
+            <a:off x="467544" y="332656"/>
+            <a:ext cx="8229600" cy="1143000"/>
+          </a:xfrm>
+        </p:spPr>
+        <p:txBody>
+          <a:bodyPr/>
+          <a:lstStyle/>
+          <a:p>
+            <a:r>
+              <a:rPr lang="en-IE" dirty="0" err="1" smtClean="0"/>
+              <a:t>RESTful</a:t>
+            </a:r>
+            <a:r>
+              <a:rPr lang="en-IE" dirty="0" smtClean="0"/>
+              <a:t> web service</a:t>
+            </a:r>
+            <a:endParaRPr lang="pl-PL" dirty="0"/>
+          </a:p>
+        </p:txBody>
+      </p:sp>
+      <p:sp>
+        <p:nvSpPr>
+          <p:cNvPr id="4" name="Symbol zastępczy zawartości 3"/>
+          <p:cNvSpPr>
+            <a:spLocks noGrp="1"/>
+          </p:cNvSpPr>
+          <p:nvPr>
+            <p:ph idx="1"/>
+          </p:nvPr>
+        </p:nvSpPr>
+        <p:spPr/>
+        <p:txBody>
+          <a:bodyPr/>
+          <a:lstStyle/>
+          <a:p>
+            <a:pPr marL="0" indent="0">
+              <a:buNone/>
+            </a:pPr>
+            <a:endParaRPr lang="pl-PL" dirty="0"/>
+          </a:p>
+        </p:txBody>
+      </p:sp>
+      <p:pic>
+        <p:nvPicPr>
+          <p:cNvPr id="4100" name="Picture 4"/>
+          <p:cNvPicPr>
+            <a:picLocks noChangeAspect="1" noChangeArrowheads="1"/>
+          </p:cNvPicPr>
+          <p:nvPr/>
+        </p:nvPicPr>
+        <p:blipFill>
+          <a:blip r:embed="rId3">
+            <a:extLst>
+              <a:ext uri="{28A0092B-C50C-407E-A947-70E740481C1C}">
+                <a14:useLocalDpi xmlns:a14="http://schemas.microsoft.com/office/drawing/2010/main" val="0"/>
+              </a:ext>
+            </a:extLst>
+          </a:blip>
+          <a:srcRect/>
+          <a:stretch>
+            <a:fillRect/>
+          </a:stretch>
+        </p:blipFill>
+        <p:spPr bwMode="auto">
+          <a:xfrm>
+            <a:off x="1115616" y="1484784"/>
+            <a:ext cx="6944298" cy="4176464"/>
+          </a:xfrm>
+          <a:prstGeom prst="rect">
+            <a:avLst/>
+          </a:prstGeom>
+          <a:noFill/>
+          <a:ln>
+            <a:noFill/>
+          </a:ln>
+          <a:extLst>
+            <a:ext uri="{909E8E84-426E-40DD-AFC4-6F175D3DCCD1}">
+              <a14:hiddenFill xmlns:a14="http://schemas.microsoft.com/office/drawing/2010/main">
+                <a:solidFill>
+                  <a:schemeClr val="accent1"/>
+                </a:solidFill>
+              </a14:hiddenFill>
+            </a:ext>
+            <a:ext uri="{91240B29-F687-4F45-9708-019B960494DF}">
+              <a14:hiddenLine xmlns:a14="http://schemas.microsoft.com/office/drawing/2010/main" w="9525">
+                <a:solidFill>
+                  <a:schemeClr val="tx1"/>
+                </a:solidFill>
+                <a:miter lim="800000"/>
+                <a:headEnd/>
+                <a:tailEnd/>
+              </a14:hiddenLine>
+            </a:ext>
+          </a:extLst>
+        </p:spPr>
+      </p:pic>
+    </p:spTree>
+    <p:extLst>
+      <p:ext uri="{BB962C8B-B14F-4D97-AF65-F5344CB8AC3E}">
+        <p14:creationId xmlns:p14="http://schemas.microsoft.com/office/powerpoint/2010/main" val="444865185"/>
       </p:ext>
     </p:extLst>
   </p:cSld>
@@ -9280,23 +9505,70 @@
           <a:bodyPr/>
           <a:lstStyle/>
           <a:p>
+            <a:endParaRPr lang="pl-PL" dirty="0"/>
+          </a:p>
+        </p:txBody>
+      </p:sp>
+      <p:sp>
+        <p:nvSpPr>
+          <p:cNvPr id="3" name="Symbol zastępczy zawartości 2"/>
+          <p:cNvSpPr>
+            <a:spLocks noGrp="1"/>
+          </p:cNvSpPr>
+          <p:nvPr>
+            <p:ph idx="1"/>
+          </p:nvPr>
+        </p:nvSpPr>
+        <p:spPr/>
+        <p:txBody>
+          <a:bodyPr>
+            <a:normAutofit/>
+          </a:bodyPr>
+          <a:lstStyle/>
+          <a:p>
+            <a:endParaRPr lang="en-IE" dirty="0" smtClean="0"/>
+          </a:p>
+          <a:p>
+            <a:r>
+              <a:rPr lang="en-IE" dirty="0" smtClean="0"/>
+              <a:t>toolkit that allows to create concurrent applications</a:t>
+            </a:r>
+          </a:p>
+          <a:p>
+            <a:r>
+              <a:rPr lang="en-IE" dirty="0" smtClean="0"/>
+              <a:t>no race conditions or deadlocks</a:t>
+            </a:r>
+          </a:p>
+          <a:p>
             <a:r>
               <a:rPr lang="en-IE" dirty="0"/>
-              <a:t>Example3.scala</a:t>
-            </a:r>
-            <a:endParaRPr lang="pl-PL" dirty="0"/>
+              <a:t>t</a:t>
+            </a:r>
+            <a:r>
+              <a:rPr lang="en-IE" dirty="0" smtClean="0"/>
+              <a:t>hread safety</a:t>
+            </a:r>
+          </a:p>
+          <a:p>
+            <a:r>
+              <a:rPr lang="en-IE" dirty="0" err="1" smtClean="0"/>
+              <a:t>Akka</a:t>
+            </a:r>
+            <a:r>
+              <a:rPr lang="en-IE" dirty="0" smtClean="0"/>
+              <a:t> uses Actors</a:t>
+            </a:r>
           </a:p>
         </p:txBody>
       </p:sp>
       <p:pic>
         <p:nvPicPr>
-          <p:cNvPr id="3074" name="Picture 2"/>
+          <p:cNvPr id="6146" name="Picture 2"/>
           <p:cNvPicPr>
-            <a:picLocks noGrp="1" noChangeAspect="1" noChangeArrowheads="1"/>
+            <a:picLocks noChangeAspect="1" noChangeArrowheads="1"/>
           </p:cNvPicPr>
-          <p:nvPr>
-            <p:ph idx="1"/>
-          </p:nvPr>
+          <p:nvPr/>
         </p:nvPicPr>
         <p:blipFill>
           <a:blip r:embed="rId3">
@@ -9313,8 +9585,8 @@
         </p:blipFill>
         <p:spPr bwMode="auto">
           <a:xfrm>
-            <a:off x="1115616" y="1340768"/>
-            <a:ext cx="6552728" cy="4621085"/>
+            <a:off x="1259632" y="548680"/>
+            <a:ext cx="1705224" cy="1329269"/>
           </a:xfrm>
           <a:prstGeom prst="rect">
             <a:avLst/>
@@ -9344,10 +9616,64 @@
           </a:extLst>
         </p:spPr>
       </p:pic>
+      <p:pic>
+        <p:nvPicPr>
+          <p:cNvPr id="5" name="Picture 3"/>
+          <p:cNvPicPr>
+            <a:picLocks noChangeAspect="1" noChangeArrowheads="1"/>
+          </p:cNvPicPr>
+          <p:nvPr/>
+        </p:nvPicPr>
+        <p:blipFill>
+          <a:blip r:embed="rId4">
+            <a:extLst>
+              <a:ext uri="{28A0092B-C50C-407E-A947-70E740481C1C}">
+                <a14:useLocalDpi xmlns:a14="http://schemas.microsoft.com/office/drawing/2010/main" val="0"/>
+              </a:ext>
+            </a:extLst>
+          </a:blip>
+          <a:srcRect/>
+          <a:stretch>
+            <a:fillRect/>
+          </a:stretch>
+        </p:blipFill>
+        <p:spPr bwMode="auto">
+          <a:xfrm>
+            <a:off x="4213525" y="4221088"/>
+            <a:ext cx="860963" cy="1523242"/>
+          </a:xfrm>
+          <a:prstGeom prst="rect">
+            <a:avLst/>
+          </a:prstGeom>
+          <a:noFill/>
+          <a:ln>
+            <a:noFill/>
+          </a:ln>
+          <a:extLst>
+            <a:ext uri="{909E8E84-426E-40DD-AFC4-6F175D3DCCD1}">
+              <a14:hiddenFill xmlns:a14="http://schemas.microsoft.com/office/drawing/2010/main">
+                <a:solidFill>
+                  <a:schemeClr val="accent1"/>
+                </a:solidFill>
+              </a14:hiddenFill>
+            </a:ext>
+            <a:ext uri="{91240B29-F687-4F45-9708-019B960494DF}">
+              <a14:hiddenLine xmlns:a14="http://schemas.microsoft.com/office/drawing/2010/main" w="9525">
+                <a:solidFill>
+                  <a:schemeClr val="tx1"/>
+                </a:solidFill>
+                <a:miter lim="800000"/>
+                <a:headEnd/>
+                <a:tailEnd/>
+              </a14:hiddenLine>
+            </a:ext>
+          </a:extLst>
+        </p:spPr>
+      </p:pic>
     </p:spTree>
     <p:extLst>
       <p:ext uri="{BB962C8B-B14F-4D97-AF65-F5344CB8AC3E}">
-        <p14:creationId xmlns:p14="http://schemas.microsoft.com/office/powerpoint/2010/main" val="2578522333"/>
+        <p14:creationId xmlns:p14="http://schemas.microsoft.com/office/powerpoint/2010/main" val="1405646721"/>
       </p:ext>
     </p:extLst>
   </p:cSld>
@@ -9391,23 +9717,15 @@
             <p:ph type="title"/>
           </p:nvPr>
         </p:nvSpPr>
-        <p:spPr>
-          <a:xfrm>
-            <a:off x="467544" y="332656"/>
-            <a:ext cx="8229600" cy="1143000"/>
-          </a:xfrm>
-        </p:spPr>
+        <p:spPr/>
         <p:txBody>
           <a:bodyPr/>
           <a:lstStyle/>
           <a:p>
-            <a:r>
-              <a:rPr lang="en-IE" dirty="0" err="1" smtClean="0"/>
-              <a:t>RESTful</a:t>
-            </a:r>
+            <a:pPr algn="l"/>
             <a:r>
               <a:rPr lang="en-IE" dirty="0" smtClean="0"/>
-              <a:t> web service</a:t>
+              <a:t>Actor paradigm</a:t>
             </a:r>
             <a:endParaRPr lang="pl-PL" dirty="0"/>
           </a:p>
@@ -9415,7 +9733,7 @@
       </p:sp>
       <p:sp>
         <p:nvSpPr>
-          <p:cNvPr id="4" name="Symbol zastępczy zawartości 3"/>
+          <p:cNvPr id="3" name="Symbol zastępczy zawartości 2"/>
           <p:cNvSpPr>
             <a:spLocks noGrp="1"/>
           </p:cNvSpPr>
@@ -9425,19 +9743,53 @@
         </p:nvSpPr>
         <p:spPr/>
         <p:txBody>
-          <a:bodyPr/>
-          <a:lstStyle/>
-          <a:p>
-            <a:pPr marL="0" indent="0">
-              <a:buNone/>
-            </a:pPr>
+          <a:bodyPr>
+            <a:normAutofit lnSpcReduction="10000"/>
+          </a:bodyPr>
+          <a:lstStyle/>
+          <a:p>
+            <a:endParaRPr lang="en-IE" dirty="0" smtClean="0"/>
+          </a:p>
+          <a:p>
+            <a:endParaRPr lang="en-IE" dirty="0"/>
+          </a:p>
+          <a:p>
+            <a:endParaRPr lang="en-IE" dirty="0" smtClean="0"/>
+          </a:p>
+          <a:p>
+            <a:endParaRPr lang="en-IE" dirty="0"/>
+          </a:p>
+          <a:p>
+            <a:endParaRPr lang="en-IE" dirty="0" smtClean="0"/>
+          </a:p>
+          <a:p>
+            <a:r>
+              <a:rPr lang="en-IE" dirty="0" smtClean="0"/>
+              <a:t>messages</a:t>
+            </a:r>
+          </a:p>
+          <a:p>
+            <a:r>
+              <a:rPr lang="en-IE" dirty="0"/>
+              <a:t>m</a:t>
+            </a:r>
+            <a:r>
+              <a:rPr lang="en-IE" dirty="0" smtClean="0"/>
+              <a:t>ailboxes</a:t>
+            </a:r>
+          </a:p>
+          <a:p>
+            <a:r>
+              <a:rPr lang="en-IE" dirty="0" smtClean="0"/>
+              <a:t>Example5.scala</a:t>
+            </a:r>
             <a:endParaRPr lang="pl-PL" dirty="0"/>
           </a:p>
         </p:txBody>
       </p:sp>
       <p:pic>
         <p:nvPicPr>
-          <p:cNvPr id="4100" name="Picture 4"/>
+          <p:cNvPr id="7171" name="Picture 3"/>
           <p:cNvPicPr>
             <a:picLocks noChangeAspect="1" noChangeArrowheads="1"/>
           </p:cNvPicPr>
@@ -9458,8 +9810,8 @@
         </p:blipFill>
         <p:spPr bwMode="auto">
           <a:xfrm>
-            <a:off x="1259632" y="1556792"/>
-            <a:ext cx="6944298" cy="4176464"/>
+            <a:off x="899592" y="1556792"/>
+            <a:ext cx="7618413" cy="2286000"/>
           </a:xfrm>
           <a:prstGeom prst="rect">
             <a:avLst/>
@@ -9492,7 +9844,7 @@
     </p:spTree>
     <p:extLst>
       <p:ext uri="{BB962C8B-B14F-4D97-AF65-F5344CB8AC3E}">
-        <p14:creationId xmlns:p14="http://schemas.microsoft.com/office/powerpoint/2010/main" val="444865185"/>
+        <p14:creationId xmlns:p14="http://schemas.microsoft.com/office/powerpoint/2010/main" val="184192388"/>
       </p:ext>
     </p:extLst>
   </p:cSld>
